--- a/Dokumentation/Stand Oster/BayerPatternVearbeitung/Grafiken.pptx
+++ b/Dokumentation/Stand Oster/BayerPatternVearbeitung/Grafiken.pptx
@@ -8,6 +8,7 @@
     <p:sldId id="256" r:id="rId2"/>
     <p:sldId id="258" r:id="rId3"/>
     <p:sldId id="257" r:id="rId4"/>
+    <p:sldId id="259" r:id="rId5"/>
   </p:sldIdLst>
   <p:sldSz cx="12192000" cy="6858000"/>
   <p:notesSz cx="6858000" cy="9144000"/>
@@ -106,6 +107,11 @@
       </a:defRPr>
     </a:lvl9pPr>
   </p:defaultTextStyle>
+  <p:extLst>
+    <p:ext uri="{EFAFB233-063F-42B5-8137-9DF3F51BA10A}">
+      <p15:sldGuideLst xmlns:p15="http://schemas.microsoft.com/office/powerpoint/2012/main"/>
+    </p:ext>
+  </p:extLst>
 </p:presentation>
 </file>
 
@@ -256,7 +262,7 @@
           <a:p>
             <a:fld id="{395C48E5-9D41-460D-AEA6-338A2B2E3B37}" type="datetimeFigureOut">
               <a:rPr lang="de-DE" smtClean="0"/>
-              <a:t>29.04.2021</a:t>
+              <a:t>06.05.2021</a:t>
             </a:fld>
             <a:endParaRPr lang="de-DE"/>
           </a:p>
@@ -454,7 +460,7 @@
           <a:p>
             <a:fld id="{395C48E5-9D41-460D-AEA6-338A2B2E3B37}" type="datetimeFigureOut">
               <a:rPr lang="de-DE" smtClean="0"/>
-              <a:t>29.04.2021</a:t>
+              <a:t>06.05.2021</a:t>
             </a:fld>
             <a:endParaRPr lang="de-DE"/>
           </a:p>
@@ -662,7 +668,7 @@
           <a:p>
             <a:fld id="{395C48E5-9D41-460D-AEA6-338A2B2E3B37}" type="datetimeFigureOut">
               <a:rPr lang="de-DE" smtClean="0"/>
-              <a:t>29.04.2021</a:t>
+              <a:t>06.05.2021</a:t>
             </a:fld>
             <a:endParaRPr lang="de-DE"/>
           </a:p>
@@ -860,7 +866,7 @@
           <a:p>
             <a:fld id="{395C48E5-9D41-460D-AEA6-338A2B2E3B37}" type="datetimeFigureOut">
               <a:rPr lang="de-DE" smtClean="0"/>
-              <a:t>29.04.2021</a:t>
+              <a:t>06.05.2021</a:t>
             </a:fld>
             <a:endParaRPr lang="de-DE"/>
           </a:p>
@@ -1135,7 +1141,7 @@
           <a:p>
             <a:fld id="{395C48E5-9D41-460D-AEA6-338A2B2E3B37}" type="datetimeFigureOut">
               <a:rPr lang="de-DE" smtClean="0"/>
-              <a:t>29.04.2021</a:t>
+              <a:t>06.05.2021</a:t>
             </a:fld>
             <a:endParaRPr lang="de-DE"/>
           </a:p>
@@ -1400,7 +1406,7 @@
           <a:p>
             <a:fld id="{395C48E5-9D41-460D-AEA6-338A2B2E3B37}" type="datetimeFigureOut">
               <a:rPr lang="de-DE" smtClean="0"/>
-              <a:t>29.04.2021</a:t>
+              <a:t>06.05.2021</a:t>
             </a:fld>
             <a:endParaRPr lang="de-DE"/>
           </a:p>
@@ -1812,7 +1818,7 @@
           <a:p>
             <a:fld id="{395C48E5-9D41-460D-AEA6-338A2B2E3B37}" type="datetimeFigureOut">
               <a:rPr lang="de-DE" smtClean="0"/>
-              <a:t>29.04.2021</a:t>
+              <a:t>06.05.2021</a:t>
             </a:fld>
             <a:endParaRPr lang="de-DE"/>
           </a:p>
@@ -1953,7 +1959,7 @@
           <a:p>
             <a:fld id="{395C48E5-9D41-460D-AEA6-338A2B2E3B37}" type="datetimeFigureOut">
               <a:rPr lang="de-DE" smtClean="0"/>
-              <a:t>29.04.2021</a:t>
+              <a:t>06.05.2021</a:t>
             </a:fld>
             <a:endParaRPr lang="de-DE"/>
           </a:p>
@@ -2066,7 +2072,7 @@
           <a:p>
             <a:fld id="{395C48E5-9D41-460D-AEA6-338A2B2E3B37}" type="datetimeFigureOut">
               <a:rPr lang="de-DE" smtClean="0"/>
-              <a:t>29.04.2021</a:t>
+              <a:t>06.05.2021</a:t>
             </a:fld>
             <a:endParaRPr lang="de-DE"/>
           </a:p>
@@ -2377,7 +2383,7 @@
           <a:p>
             <a:fld id="{395C48E5-9D41-460D-AEA6-338A2B2E3B37}" type="datetimeFigureOut">
               <a:rPr lang="de-DE" smtClean="0"/>
-              <a:t>29.04.2021</a:t>
+              <a:t>06.05.2021</a:t>
             </a:fld>
             <a:endParaRPr lang="de-DE"/>
           </a:p>
@@ -2665,7 +2671,7 @@
           <a:p>
             <a:fld id="{395C48E5-9D41-460D-AEA6-338A2B2E3B37}" type="datetimeFigureOut">
               <a:rPr lang="de-DE" smtClean="0"/>
-              <a:t>29.04.2021</a:t>
+              <a:t>06.05.2021</a:t>
             </a:fld>
             <a:endParaRPr lang="de-DE"/>
           </a:p>
@@ -2906,7 +2912,7 @@
           <a:p>
             <a:fld id="{395C48E5-9D41-460D-AEA6-338A2B2E3B37}" type="datetimeFigureOut">
               <a:rPr lang="de-DE" smtClean="0"/>
-              <a:t>29.04.2021</a:t>
+              <a:t>06.05.2021</a:t>
             </a:fld>
             <a:endParaRPr lang="de-DE"/>
           </a:p>
@@ -4902,10 +4908,10 @@
       </p:cxnSp>
       <p:sp>
         <p:nvSpPr>
-          <p:cNvPr id="46" name="Textfeld 45">
-            <a:extLst>
-              <a:ext uri="{FF2B5EF4-FFF2-40B4-BE49-F238E27FC236}">
-                <a16:creationId xmlns:a16="http://schemas.microsoft.com/office/drawing/2014/main" id="{B7401AA0-749B-4743-AA85-5359267BB55B}"/>
+          <p:cNvPr id="47" name="Textfeld 46">
+            <a:extLst>
+              <a:ext uri="{FF2B5EF4-FFF2-40B4-BE49-F238E27FC236}">
+                <a16:creationId xmlns:a16="http://schemas.microsoft.com/office/drawing/2014/main" id="{2E1DBBBA-514E-4A5A-BBD2-BE8AC18725E6}"/>
               </a:ext>
             </a:extLst>
           </p:cNvPr>
@@ -4914,8 +4920,8 @@
         </p:nvSpPr>
         <p:spPr>
           <a:xfrm>
-            <a:off x="6997056" y="1517852"/>
-            <a:ext cx="988989" cy="369332"/>
+            <a:off x="6743664" y="3565517"/>
+            <a:ext cx="856325" cy="369332"/>
           </a:xfrm>
           <a:prstGeom prst="rect">
             <a:avLst/>
@@ -4930,17 +4936,17 @@
           <a:p>
             <a:r>
               <a:rPr lang="de-DE" dirty="0"/>
-              <a:t>5x5 Byte</a:t>
-            </a:r>
-          </a:p>
-        </p:txBody>
-      </p:sp>
-      <p:sp>
-        <p:nvSpPr>
-          <p:cNvPr id="47" name="Textfeld 46">
-            <a:extLst>
-              <a:ext uri="{FF2B5EF4-FFF2-40B4-BE49-F238E27FC236}">
-                <a16:creationId xmlns:a16="http://schemas.microsoft.com/office/drawing/2014/main" id="{2E1DBBBA-514E-4A5A-BBD2-BE8AC18725E6}"/>
+              <a:t>Block 2</a:t>
+            </a:r>
+          </a:p>
+        </p:txBody>
+      </p:sp>
+      <p:sp>
+        <p:nvSpPr>
+          <p:cNvPr id="3" name="Textfeld 2">
+            <a:extLst>
+              <a:ext uri="{FF2B5EF4-FFF2-40B4-BE49-F238E27FC236}">
+                <a16:creationId xmlns:a16="http://schemas.microsoft.com/office/drawing/2014/main" id="{DC7DE842-0A4F-4C9D-AA26-927E1418352B}"/>
               </a:ext>
             </a:extLst>
           </p:cNvPr>
@@ -4949,8 +4955,8 @@
         </p:nvSpPr>
         <p:spPr>
           <a:xfrm>
-            <a:off x="6996208" y="3573146"/>
-            <a:ext cx="988989" cy="369332"/>
+            <a:off x="6774808" y="1494312"/>
+            <a:ext cx="856325" cy="369332"/>
           </a:xfrm>
           <a:prstGeom prst="rect">
             <a:avLst/>
@@ -4965,7 +4971,789 @@
           <a:p>
             <a:r>
               <a:rPr lang="de-DE" dirty="0"/>
-              <a:t>5x5 Byte</a:t>
+              <a:t>Block 1</a:t>
+            </a:r>
+          </a:p>
+        </p:txBody>
+      </p:sp>
+      <p:cxnSp>
+        <p:nvCxnSpPr>
+          <p:cNvPr id="5" name="Gerader Verbinder 4">
+            <a:extLst>
+              <a:ext uri="{FF2B5EF4-FFF2-40B4-BE49-F238E27FC236}">
+                <a16:creationId xmlns:a16="http://schemas.microsoft.com/office/drawing/2014/main" id="{23CB132A-F099-48AA-BCA3-98018E870E67}"/>
+              </a:ext>
+            </a:extLst>
+          </p:cNvPr>
+          <p:cNvCxnSpPr/>
+          <p:nvPr/>
+        </p:nvCxnSpPr>
+        <p:spPr>
+          <a:xfrm>
+            <a:off x="8165148" y="1854425"/>
+            <a:ext cx="661860" cy="0"/>
+          </a:xfrm>
+          <a:prstGeom prst="line">
+            <a:avLst/>
+          </a:prstGeom>
+        </p:spPr>
+        <p:style>
+          <a:lnRef idx="1">
+            <a:schemeClr val="accent1"/>
+          </a:lnRef>
+          <a:fillRef idx="0">
+            <a:schemeClr val="accent1"/>
+          </a:fillRef>
+          <a:effectRef idx="0">
+            <a:schemeClr val="accent1"/>
+          </a:effectRef>
+          <a:fontRef idx="minor">
+            <a:schemeClr val="tx1"/>
+          </a:fontRef>
+        </p:style>
+      </p:cxnSp>
+      <p:cxnSp>
+        <p:nvCxnSpPr>
+          <p:cNvPr id="25" name="Gerader Verbinder 24">
+            <a:extLst>
+              <a:ext uri="{FF2B5EF4-FFF2-40B4-BE49-F238E27FC236}">
+                <a16:creationId xmlns:a16="http://schemas.microsoft.com/office/drawing/2014/main" id="{465A1154-53AD-4760-B5CA-B1B0C1CA92CC}"/>
+              </a:ext>
+            </a:extLst>
+          </p:cNvPr>
+          <p:cNvCxnSpPr/>
+          <p:nvPr/>
+        </p:nvCxnSpPr>
+        <p:spPr>
+          <a:xfrm>
+            <a:off x="8165148" y="2128745"/>
+            <a:ext cx="661860" cy="0"/>
+          </a:xfrm>
+          <a:prstGeom prst="line">
+            <a:avLst/>
+          </a:prstGeom>
+        </p:spPr>
+        <p:style>
+          <a:lnRef idx="1">
+            <a:schemeClr val="accent1"/>
+          </a:lnRef>
+          <a:fillRef idx="0">
+            <a:schemeClr val="accent1"/>
+          </a:fillRef>
+          <a:effectRef idx="0">
+            <a:schemeClr val="accent1"/>
+          </a:effectRef>
+          <a:fontRef idx="minor">
+            <a:schemeClr val="tx1"/>
+          </a:fontRef>
+        </p:style>
+      </p:cxnSp>
+      <p:cxnSp>
+        <p:nvCxnSpPr>
+          <p:cNvPr id="26" name="Gerader Verbinder 25">
+            <a:extLst>
+              <a:ext uri="{FF2B5EF4-FFF2-40B4-BE49-F238E27FC236}">
+                <a16:creationId xmlns:a16="http://schemas.microsoft.com/office/drawing/2014/main" id="{7BCBDB9C-2F59-4BE2-B9D6-99EA91E8B02E}"/>
+              </a:ext>
+            </a:extLst>
+          </p:cNvPr>
+          <p:cNvCxnSpPr/>
+          <p:nvPr/>
+        </p:nvCxnSpPr>
+        <p:spPr>
+          <a:xfrm>
+            <a:off x="8165148" y="2403065"/>
+            <a:ext cx="661860" cy="0"/>
+          </a:xfrm>
+          <a:prstGeom prst="line">
+            <a:avLst/>
+          </a:prstGeom>
+        </p:spPr>
+        <p:style>
+          <a:lnRef idx="1">
+            <a:schemeClr val="accent1"/>
+          </a:lnRef>
+          <a:fillRef idx="0">
+            <a:schemeClr val="accent1"/>
+          </a:fillRef>
+          <a:effectRef idx="0">
+            <a:schemeClr val="accent1"/>
+          </a:effectRef>
+          <a:fontRef idx="minor">
+            <a:schemeClr val="tx1"/>
+          </a:fontRef>
+        </p:style>
+      </p:cxnSp>
+      <p:cxnSp>
+        <p:nvCxnSpPr>
+          <p:cNvPr id="27" name="Gerader Verbinder 26">
+            <a:extLst>
+              <a:ext uri="{FF2B5EF4-FFF2-40B4-BE49-F238E27FC236}">
+                <a16:creationId xmlns:a16="http://schemas.microsoft.com/office/drawing/2014/main" id="{04B770AF-DD0C-492F-8504-6B543BB48644}"/>
+              </a:ext>
+            </a:extLst>
+          </p:cNvPr>
+          <p:cNvCxnSpPr/>
+          <p:nvPr/>
+        </p:nvCxnSpPr>
+        <p:spPr>
+          <a:xfrm>
+            <a:off x="8176097" y="2671289"/>
+            <a:ext cx="661860" cy="0"/>
+          </a:xfrm>
+          <a:prstGeom prst="line">
+            <a:avLst/>
+          </a:prstGeom>
+        </p:spPr>
+        <p:style>
+          <a:lnRef idx="1">
+            <a:schemeClr val="accent1"/>
+          </a:lnRef>
+          <a:fillRef idx="0">
+            <a:schemeClr val="accent1"/>
+          </a:fillRef>
+          <a:effectRef idx="0">
+            <a:schemeClr val="accent1"/>
+          </a:effectRef>
+          <a:fontRef idx="minor">
+            <a:schemeClr val="tx1"/>
+          </a:fontRef>
+        </p:style>
+      </p:cxnSp>
+      <p:cxnSp>
+        <p:nvCxnSpPr>
+          <p:cNvPr id="29" name="Gerader Verbinder 28">
+            <a:extLst>
+              <a:ext uri="{FF2B5EF4-FFF2-40B4-BE49-F238E27FC236}">
+                <a16:creationId xmlns:a16="http://schemas.microsoft.com/office/drawing/2014/main" id="{B22DF343-879A-41B0-9732-86BD6533216E}"/>
+              </a:ext>
+            </a:extLst>
+          </p:cNvPr>
+          <p:cNvCxnSpPr/>
+          <p:nvPr/>
+        </p:nvCxnSpPr>
+        <p:spPr>
+          <a:xfrm>
+            <a:off x="8165148" y="2957801"/>
+            <a:ext cx="661860" cy="0"/>
+          </a:xfrm>
+          <a:prstGeom prst="line">
+            <a:avLst/>
+          </a:prstGeom>
+        </p:spPr>
+        <p:style>
+          <a:lnRef idx="1">
+            <a:schemeClr val="accent1"/>
+          </a:lnRef>
+          <a:fillRef idx="0">
+            <a:schemeClr val="accent1"/>
+          </a:fillRef>
+          <a:effectRef idx="0">
+            <a:schemeClr val="accent1"/>
+          </a:effectRef>
+          <a:fontRef idx="minor">
+            <a:schemeClr val="tx1"/>
+          </a:fontRef>
+        </p:style>
+      </p:cxnSp>
+      <p:cxnSp>
+        <p:nvCxnSpPr>
+          <p:cNvPr id="30" name="Gerader Verbinder 29">
+            <a:extLst>
+              <a:ext uri="{FF2B5EF4-FFF2-40B4-BE49-F238E27FC236}">
+                <a16:creationId xmlns:a16="http://schemas.microsoft.com/office/drawing/2014/main" id="{8B13EF71-EEFA-41B1-A06B-AEC03CDC9E95}"/>
+              </a:ext>
+            </a:extLst>
+          </p:cNvPr>
+          <p:cNvCxnSpPr/>
+          <p:nvPr/>
+        </p:nvCxnSpPr>
+        <p:spPr>
+          <a:xfrm>
+            <a:off x="8165148" y="3226034"/>
+            <a:ext cx="661860" cy="0"/>
+          </a:xfrm>
+          <a:prstGeom prst="line">
+            <a:avLst/>
+          </a:prstGeom>
+        </p:spPr>
+        <p:style>
+          <a:lnRef idx="1">
+            <a:schemeClr val="accent1"/>
+          </a:lnRef>
+          <a:fillRef idx="0">
+            <a:schemeClr val="accent1"/>
+          </a:fillRef>
+          <a:effectRef idx="0">
+            <a:schemeClr val="accent1"/>
+          </a:effectRef>
+          <a:fontRef idx="minor">
+            <a:schemeClr val="tx1"/>
+          </a:fontRef>
+        </p:style>
+      </p:cxnSp>
+      <p:sp>
+        <p:nvSpPr>
+          <p:cNvPr id="6" name="Textfeld 5">
+            <a:extLst>
+              <a:ext uri="{FF2B5EF4-FFF2-40B4-BE49-F238E27FC236}">
+                <a16:creationId xmlns:a16="http://schemas.microsoft.com/office/drawing/2014/main" id="{5482C9A6-1B57-49AC-88E8-F8A52E8C33FB}"/>
+              </a:ext>
+            </a:extLst>
+          </p:cNvPr>
+          <p:cNvSpPr txBox="1"/>
+          <p:nvPr/>
+        </p:nvSpPr>
+        <p:spPr>
+          <a:xfrm>
+            <a:off x="8100128" y="1872313"/>
+            <a:ext cx="907684" cy="276999"/>
+          </a:xfrm>
+          <a:prstGeom prst="rect">
+            <a:avLst/>
+          </a:prstGeom>
+          <a:noFill/>
+        </p:spPr>
+        <p:txBody>
+          <a:bodyPr wrap="none" rtlCol="0">
+            <a:spAutoFit/>
+          </a:bodyPr>
+          <a:lstStyle/>
+          <a:p>
+            <a:r>
+              <a:rPr lang="de-DE" sz="1200" dirty="0"/>
+              <a:t>pxl_data_l1</a:t>
+            </a:r>
+          </a:p>
+        </p:txBody>
+      </p:sp>
+      <p:sp>
+        <p:nvSpPr>
+          <p:cNvPr id="32" name="Textfeld 31">
+            <a:extLst>
+              <a:ext uri="{FF2B5EF4-FFF2-40B4-BE49-F238E27FC236}">
+                <a16:creationId xmlns:a16="http://schemas.microsoft.com/office/drawing/2014/main" id="{D298E59B-BD3C-4EC0-8196-F73C549EA10B}"/>
+              </a:ext>
+            </a:extLst>
+          </p:cNvPr>
+          <p:cNvSpPr txBox="1"/>
+          <p:nvPr/>
+        </p:nvSpPr>
+        <p:spPr>
+          <a:xfrm>
+            <a:off x="8100128" y="2128744"/>
+            <a:ext cx="907684" cy="276999"/>
+          </a:xfrm>
+          <a:prstGeom prst="rect">
+            <a:avLst/>
+          </a:prstGeom>
+          <a:noFill/>
+        </p:spPr>
+        <p:txBody>
+          <a:bodyPr wrap="none" rtlCol="0">
+            <a:spAutoFit/>
+          </a:bodyPr>
+          <a:lstStyle/>
+          <a:p>
+            <a:r>
+              <a:rPr lang="de-DE" sz="1200" dirty="0"/>
+              <a:t>pxl_data_l2</a:t>
+            </a:r>
+          </a:p>
+        </p:txBody>
+      </p:sp>
+      <p:sp>
+        <p:nvSpPr>
+          <p:cNvPr id="33" name="Textfeld 32">
+            <a:extLst>
+              <a:ext uri="{FF2B5EF4-FFF2-40B4-BE49-F238E27FC236}">
+                <a16:creationId xmlns:a16="http://schemas.microsoft.com/office/drawing/2014/main" id="{2954BDE7-0AF9-4351-8494-7CE7F567F6FD}"/>
+              </a:ext>
+            </a:extLst>
+          </p:cNvPr>
+          <p:cNvSpPr txBox="1"/>
+          <p:nvPr/>
+        </p:nvSpPr>
+        <p:spPr>
+          <a:xfrm>
+            <a:off x="8100128" y="2388328"/>
+            <a:ext cx="907684" cy="276999"/>
+          </a:xfrm>
+          <a:prstGeom prst="rect">
+            <a:avLst/>
+          </a:prstGeom>
+          <a:noFill/>
+        </p:spPr>
+        <p:txBody>
+          <a:bodyPr wrap="none" rtlCol="0">
+            <a:spAutoFit/>
+          </a:bodyPr>
+          <a:lstStyle/>
+          <a:p>
+            <a:r>
+              <a:rPr lang="de-DE" sz="1200" dirty="0"/>
+              <a:t>pxl_data_l3</a:t>
+            </a:r>
+          </a:p>
+        </p:txBody>
+      </p:sp>
+      <p:sp>
+        <p:nvSpPr>
+          <p:cNvPr id="34" name="Textfeld 33">
+            <a:extLst>
+              <a:ext uri="{FF2B5EF4-FFF2-40B4-BE49-F238E27FC236}">
+                <a16:creationId xmlns:a16="http://schemas.microsoft.com/office/drawing/2014/main" id="{A8583119-92B3-4844-B85E-6C2B7E879107}"/>
+              </a:ext>
+            </a:extLst>
+          </p:cNvPr>
+          <p:cNvSpPr txBox="1"/>
+          <p:nvPr/>
+        </p:nvSpPr>
+        <p:spPr>
+          <a:xfrm>
+            <a:off x="8109778" y="2664077"/>
+            <a:ext cx="907684" cy="276999"/>
+          </a:xfrm>
+          <a:prstGeom prst="rect">
+            <a:avLst/>
+          </a:prstGeom>
+          <a:noFill/>
+        </p:spPr>
+        <p:txBody>
+          <a:bodyPr wrap="none" rtlCol="0">
+            <a:spAutoFit/>
+          </a:bodyPr>
+          <a:lstStyle/>
+          <a:p>
+            <a:r>
+              <a:rPr lang="de-DE" sz="1200" dirty="0"/>
+              <a:t>pxl_data_l4</a:t>
+            </a:r>
+          </a:p>
+        </p:txBody>
+      </p:sp>
+      <p:sp>
+        <p:nvSpPr>
+          <p:cNvPr id="40" name="Textfeld 39">
+            <a:extLst>
+              <a:ext uri="{FF2B5EF4-FFF2-40B4-BE49-F238E27FC236}">
+                <a16:creationId xmlns:a16="http://schemas.microsoft.com/office/drawing/2014/main" id="{AF80D7DF-F2A3-4848-B993-491339999791}"/>
+              </a:ext>
+            </a:extLst>
+          </p:cNvPr>
+          <p:cNvSpPr txBox="1"/>
+          <p:nvPr/>
+        </p:nvSpPr>
+        <p:spPr>
+          <a:xfrm>
+            <a:off x="8116318" y="2963617"/>
+            <a:ext cx="907684" cy="276999"/>
+          </a:xfrm>
+          <a:prstGeom prst="rect">
+            <a:avLst/>
+          </a:prstGeom>
+          <a:noFill/>
+        </p:spPr>
+        <p:txBody>
+          <a:bodyPr wrap="none" rtlCol="0">
+            <a:spAutoFit/>
+          </a:bodyPr>
+          <a:lstStyle/>
+          <a:p>
+            <a:r>
+              <a:rPr lang="de-DE" sz="1200" dirty="0"/>
+              <a:t>pxl_data_l5</a:t>
+            </a:r>
+          </a:p>
+        </p:txBody>
+      </p:sp>
+      <p:cxnSp>
+        <p:nvCxnSpPr>
+          <p:cNvPr id="41" name="Gerader Verbinder 40">
+            <a:extLst>
+              <a:ext uri="{FF2B5EF4-FFF2-40B4-BE49-F238E27FC236}">
+                <a16:creationId xmlns:a16="http://schemas.microsoft.com/office/drawing/2014/main" id="{14A313E3-14ED-4FD2-A5EE-51574EC9DB8A}"/>
+              </a:ext>
+            </a:extLst>
+          </p:cNvPr>
+          <p:cNvCxnSpPr/>
+          <p:nvPr/>
+        </p:nvCxnSpPr>
+        <p:spPr>
+          <a:xfrm>
+            <a:off x="8174814" y="3903220"/>
+            <a:ext cx="661860" cy="0"/>
+          </a:xfrm>
+          <a:prstGeom prst="line">
+            <a:avLst/>
+          </a:prstGeom>
+        </p:spPr>
+        <p:style>
+          <a:lnRef idx="1">
+            <a:schemeClr val="accent1"/>
+          </a:lnRef>
+          <a:fillRef idx="0">
+            <a:schemeClr val="accent1"/>
+          </a:fillRef>
+          <a:effectRef idx="0">
+            <a:schemeClr val="accent1"/>
+          </a:effectRef>
+          <a:fontRef idx="minor">
+            <a:schemeClr val="tx1"/>
+          </a:fontRef>
+        </p:style>
+      </p:cxnSp>
+      <p:cxnSp>
+        <p:nvCxnSpPr>
+          <p:cNvPr id="42" name="Gerader Verbinder 41">
+            <a:extLst>
+              <a:ext uri="{FF2B5EF4-FFF2-40B4-BE49-F238E27FC236}">
+                <a16:creationId xmlns:a16="http://schemas.microsoft.com/office/drawing/2014/main" id="{AF3ACF64-405F-43F2-9CCC-08C953D7C1D3}"/>
+              </a:ext>
+            </a:extLst>
+          </p:cNvPr>
+          <p:cNvCxnSpPr/>
+          <p:nvPr/>
+        </p:nvCxnSpPr>
+        <p:spPr>
+          <a:xfrm>
+            <a:off x="8174814" y="4177540"/>
+            <a:ext cx="661860" cy="0"/>
+          </a:xfrm>
+          <a:prstGeom prst="line">
+            <a:avLst/>
+          </a:prstGeom>
+        </p:spPr>
+        <p:style>
+          <a:lnRef idx="1">
+            <a:schemeClr val="accent1"/>
+          </a:lnRef>
+          <a:fillRef idx="0">
+            <a:schemeClr val="accent1"/>
+          </a:fillRef>
+          <a:effectRef idx="0">
+            <a:schemeClr val="accent1"/>
+          </a:effectRef>
+          <a:fontRef idx="minor">
+            <a:schemeClr val="tx1"/>
+          </a:fontRef>
+        </p:style>
+      </p:cxnSp>
+      <p:cxnSp>
+        <p:nvCxnSpPr>
+          <p:cNvPr id="43" name="Gerader Verbinder 42">
+            <a:extLst>
+              <a:ext uri="{FF2B5EF4-FFF2-40B4-BE49-F238E27FC236}">
+                <a16:creationId xmlns:a16="http://schemas.microsoft.com/office/drawing/2014/main" id="{A4BCCB6A-6433-4204-9EA3-AF0C44FA89B7}"/>
+              </a:ext>
+            </a:extLst>
+          </p:cNvPr>
+          <p:cNvCxnSpPr/>
+          <p:nvPr/>
+        </p:nvCxnSpPr>
+        <p:spPr>
+          <a:xfrm>
+            <a:off x="8174814" y="4451860"/>
+            <a:ext cx="661860" cy="0"/>
+          </a:xfrm>
+          <a:prstGeom prst="line">
+            <a:avLst/>
+          </a:prstGeom>
+        </p:spPr>
+        <p:style>
+          <a:lnRef idx="1">
+            <a:schemeClr val="accent1"/>
+          </a:lnRef>
+          <a:fillRef idx="0">
+            <a:schemeClr val="accent1"/>
+          </a:fillRef>
+          <a:effectRef idx="0">
+            <a:schemeClr val="accent1"/>
+          </a:effectRef>
+          <a:fontRef idx="minor">
+            <a:schemeClr val="tx1"/>
+          </a:fontRef>
+        </p:style>
+      </p:cxnSp>
+      <p:cxnSp>
+        <p:nvCxnSpPr>
+          <p:cNvPr id="44" name="Gerader Verbinder 43">
+            <a:extLst>
+              <a:ext uri="{FF2B5EF4-FFF2-40B4-BE49-F238E27FC236}">
+                <a16:creationId xmlns:a16="http://schemas.microsoft.com/office/drawing/2014/main" id="{85D775C3-DA52-4979-8FCC-0DF6924D8563}"/>
+              </a:ext>
+            </a:extLst>
+          </p:cNvPr>
+          <p:cNvCxnSpPr/>
+          <p:nvPr/>
+        </p:nvCxnSpPr>
+        <p:spPr>
+          <a:xfrm>
+            <a:off x="8185763" y="4720084"/>
+            <a:ext cx="661860" cy="0"/>
+          </a:xfrm>
+          <a:prstGeom prst="line">
+            <a:avLst/>
+          </a:prstGeom>
+        </p:spPr>
+        <p:style>
+          <a:lnRef idx="1">
+            <a:schemeClr val="accent1"/>
+          </a:lnRef>
+          <a:fillRef idx="0">
+            <a:schemeClr val="accent1"/>
+          </a:fillRef>
+          <a:effectRef idx="0">
+            <a:schemeClr val="accent1"/>
+          </a:effectRef>
+          <a:fontRef idx="minor">
+            <a:schemeClr val="tx1"/>
+          </a:fontRef>
+        </p:style>
+      </p:cxnSp>
+      <p:cxnSp>
+        <p:nvCxnSpPr>
+          <p:cNvPr id="45" name="Gerader Verbinder 44">
+            <a:extLst>
+              <a:ext uri="{FF2B5EF4-FFF2-40B4-BE49-F238E27FC236}">
+                <a16:creationId xmlns:a16="http://schemas.microsoft.com/office/drawing/2014/main" id="{C17D0E67-767D-459E-AB33-E211D8B0743F}"/>
+              </a:ext>
+            </a:extLst>
+          </p:cNvPr>
+          <p:cNvCxnSpPr/>
+          <p:nvPr/>
+        </p:nvCxnSpPr>
+        <p:spPr>
+          <a:xfrm>
+            <a:off x="8174814" y="5006596"/>
+            <a:ext cx="661860" cy="0"/>
+          </a:xfrm>
+          <a:prstGeom prst="line">
+            <a:avLst/>
+          </a:prstGeom>
+        </p:spPr>
+        <p:style>
+          <a:lnRef idx="1">
+            <a:schemeClr val="accent1"/>
+          </a:lnRef>
+          <a:fillRef idx="0">
+            <a:schemeClr val="accent1"/>
+          </a:fillRef>
+          <a:effectRef idx="0">
+            <a:schemeClr val="accent1"/>
+          </a:effectRef>
+          <a:fontRef idx="minor">
+            <a:schemeClr val="tx1"/>
+          </a:fontRef>
+        </p:style>
+      </p:cxnSp>
+      <p:cxnSp>
+        <p:nvCxnSpPr>
+          <p:cNvPr id="48" name="Gerader Verbinder 47">
+            <a:extLst>
+              <a:ext uri="{FF2B5EF4-FFF2-40B4-BE49-F238E27FC236}">
+                <a16:creationId xmlns:a16="http://schemas.microsoft.com/office/drawing/2014/main" id="{1BDD3E6C-C435-4CA4-A46E-C3E8243E6E61}"/>
+              </a:ext>
+            </a:extLst>
+          </p:cNvPr>
+          <p:cNvCxnSpPr/>
+          <p:nvPr/>
+        </p:nvCxnSpPr>
+        <p:spPr>
+          <a:xfrm>
+            <a:off x="8174814" y="5274829"/>
+            <a:ext cx="661860" cy="0"/>
+          </a:xfrm>
+          <a:prstGeom prst="line">
+            <a:avLst/>
+          </a:prstGeom>
+        </p:spPr>
+        <p:style>
+          <a:lnRef idx="1">
+            <a:schemeClr val="accent1"/>
+          </a:lnRef>
+          <a:fillRef idx="0">
+            <a:schemeClr val="accent1"/>
+          </a:fillRef>
+          <a:effectRef idx="0">
+            <a:schemeClr val="accent1"/>
+          </a:effectRef>
+          <a:fontRef idx="minor">
+            <a:schemeClr val="tx1"/>
+          </a:fontRef>
+        </p:style>
+      </p:cxnSp>
+      <p:sp>
+        <p:nvSpPr>
+          <p:cNvPr id="49" name="Textfeld 48">
+            <a:extLst>
+              <a:ext uri="{FF2B5EF4-FFF2-40B4-BE49-F238E27FC236}">
+                <a16:creationId xmlns:a16="http://schemas.microsoft.com/office/drawing/2014/main" id="{C5E1780D-5FAB-4A79-9198-515F24A79695}"/>
+              </a:ext>
+            </a:extLst>
+          </p:cNvPr>
+          <p:cNvSpPr txBox="1"/>
+          <p:nvPr/>
+        </p:nvSpPr>
+        <p:spPr>
+          <a:xfrm>
+            <a:off x="8109794" y="3921108"/>
+            <a:ext cx="907684" cy="276999"/>
+          </a:xfrm>
+          <a:prstGeom prst="rect">
+            <a:avLst/>
+          </a:prstGeom>
+          <a:noFill/>
+        </p:spPr>
+        <p:txBody>
+          <a:bodyPr wrap="none" rtlCol="0">
+            <a:spAutoFit/>
+          </a:bodyPr>
+          <a:lstStyle/>
+          <a:p>
+            <a:r>
+              <a:rPr lang="de-DE" sz="1200" dirty="0"/>
+              <a:t>pxl_data_l1</a:t>
+            </a:r>
+          </a:p>
+        </p:txBody>
+      </p:sp>
+      <p:sp>
+        <p:nvSpPr>
+          <p:cNvPr id="50" name="Textfeld 49">
+            <a:extLst>
+              <a:ext uri="{FF2B5EF4-FFF2-40B4-BE49-F238E27FC236}">
+                <a16:creationId xmlns:a16="http://schemas.microsoft.com/office/drawing/2014/main" id="{734D4ADD-9E59-4736-8C20-944469247FF8}"/>
+              </a:ext>
+            </a:extLst>
+          </p:cNvPr>
+          <p:cNvSpPr txBox="1"/>
+          <p:nvPr/>
+        </p:nvSpPr>
+        <p:spPr>
+          <a:xfrm>
+            <a:off x="8109794" y="4177539"/>
+            <a:ext cx="907684" cy="276999"/>
+          </a:xfrm>
+          <a:prstGeom prst="rect">
+            <a:avLst/>
+          </a:prstGeom>
+          <a:noFill/>
+        </p:spPr>
+        <p:txBody>
+          <a:bodyPr wrap="none" rtlCol="0">
+            <a:spAutoFit/>
+          </a:bodyPr>
+          <a:lstStyle/>
+          <a:p>
+            <a:r>
+              <a:rPr lang="de-DE" sz="1200" dirty="0"/>
+              <a:t>pxl_data_l2</a:t>
+            </a:r>
+          </a:p>
+        </p:txBody>
+      </p:sp>
+      <p:sp>
+        <p:nvSpPr>
+          <p:cNvPr id="51" name="Textfeld 50">
+            <a:extLst>
+              <a:ext uri="{FF2B5EF4-FFF2-40B4-BE49-F238E27FC236}">
+                <a16:creationId xmlns:a16="http://schemas.microsoft.com/office/drawing/2014/main" id="{533211A5-D184-4B1F-B7B1-FC2AF19854DD}"/>
+              </a:ext>
+            </a:extLst>
+          </p:cNvPr>
+          <p:cNvSpPr txBox="1"/>
+          <p:nvPr/>
+        </p:nvSpPr>
+        <p:spPr>
+          <a:xfrm>
+            <a:off x="8109794" y="4437123"/>
+            <a:ext cx="907684" cy="276999"/>
+          </a:xfrm>
+          <a:prstGeom prst="rect">
+            <a:avLst/>
+          </a:prstGeom>
+          <a:noFill/>
+        </p:spPr>
+        <p:txBody>
+          <a:bodyPr wrap="none" rtlCol="0">
+            <a:spAutoFit/>
+          </a:bodyPr>
+          <a:lstStyle/>
+          <a:p>
+            <a:r>
+              <a:rPr lang="de-DE" sz="1200" dirty="0"/>
+              <a:t>pxl_data_l3</a:t>
+            </a:r>
+          </a:p>
+        </p:txBody>
+      </p:sp>
+      <p:sp>
+        <p:nvSpPr>
+          <p:cNvPr id="52" name="Textfeld 51">
+            <a:extLst>
+              <a:ext uri="{FF2B5EF4-FFF2-40B4-BE49-F238E27FC236}">
+                <a16:creationId xmlns:a16="http://schemas.microsoft.com/office/drawing/2014/main" id="{D5CEB09B-A5A3-4DE7-9DBA-F3DD23C98114}"/>
+              </a:ext>
+            </a:extLst>
+          </p:cNvPr>
+          <p:cNvSpPr txBox="1"/>
+          <p:nvPr/>
+        </p:nvSpPr>
+        <p:spPr>
+          <a:xfrm>
+            <a:off x="8119444" y="4712872"/>
+            <a:ext cx="907684" cy="276999"/>
+          </a:xfrm>
+          <a:prstGeom prst="rect">
+            <a:avLst/>
+          </a:prstGeom>
+          <a:noFill/>
+        </p:spPr>
+        <p:txBody>
+          <a:bodyPr wrap="none" rtlCol="0">
+            <a:spAutoFit/>
+          </a:bodyPr>
+          <a:lstStyle/>
+          <a:p>
+            <a:r>
+              <a:rPr lang="de-DE" sz="1200" dirty="0"/>
+              <a:t>pxl_data_l4</a:t>
+            </a:r>
+          </a:p>
+        </p:txBody>
+      </p:sp>
+      <p:sp>
+        <p:nvSpPr>
+          <p:cNvPr id="53" name="Textfeld 52">
+            <a:extLst>
+              <a:ext uri="{FF2B5EF4-FFF2-40B4-BE49-F238E27FC236}">
+                <a16:creationId xmlns:a16="http://schemas.microsoft.com/office/drawing/2014/main" id="{85CE26EC-8342-4998-870F-BFEF5860C772}"/>
+              </a:ext>
+            </a:extLst>
+          </p:cNvPr>
+          <p:cNvSpPr txBox="1"/>
+          <p:nvPr/>
+        </p:nvSpPr>
+        <p:spPr>
+          <a:xfrm>
+            <a:off x="8125984" y="5012412"/>
+            <a:ext cx="907684" cy="276999"/>
+          </a:xfrm>
+          <a:prstGeom prst="rect">
+            <a:avLst/>
+          </a:prstGeom>
+          <a:noFill/>
+        </p:spPr>
+        <p:txBody>
+          <a:bodyPr wrap="none" rtlCol="0">
+            <a:spAutoFit/>
+          </a:bodyPr>
+          <a:lstStyle/>
+          <a:p>
+            <a:r>
+              <a:rPr lang="de-DE" sz="1200" dirty="0"/>
+              <a:t>pxl_data_l5</a:t>
             </a:r>
           </a:p>
         </p:txBody>
@@ -4974,6 +5762,1588 @@
     <p:extLst>
       <p:ext uri="{BB962C8B-B14F-4D97-AF65-F5344CB8AC3E}">
         <p14:creationId xmlns:p14="http://schemas.microsoft.com/office/powerpoint/2010/main" val="617598783"/>
+      </p:ext>
+    </p:extLst>
+  </p:cSld>
+  <p:clrMapOvr>
+    <a:masterClrMapping/>
+  </p:clrMapOvr>
+</p:sld>
+</file>
+
+<file path=ppt/slides/slide4.xml><?xml version="1.0" encoding="utf-8"?>
+<p:sld xmlns:a="http://schemas.openxmlformats.org/drawingml/2006/main" xmlns:r="http://schemas.openxmlformats.org/officeDocument/2006/relationships" xmlns:p="http://schemas.openxmlformats.org/presentationml/2006/main">
+  <p:cSld>
+    <p:spTree>
+      <p:nvGrpSpPr>
+        <p:cNvPr id="1" name=""/>
+        <p:cNvGrpSpPr/>
+        <p:nvPr/>
+      </p:nvGrpSpPr>
+      <p:grpSpPr>
+        <a:xfrm>
+          <a:off x="0" y="0"/>
+          <a:ext cx="0" cy="0"/>
+          <a:chOff x="0" y="0"/>
+          <a:chExt cx="0" cy="0"/>
+        </a:xfrm>
+      </p:grpSpPr>
+      <p:sp>
+        <p:nvSpPr>
+          <p:cNvPr id="2" name="Titel 1">
+            <a:extLst>
+              <a:ext uri="{FF2B5EF4-FFF2-40B4-BE49-F238E27FC236}">
+                <a16:creationId xmlns:a16="http://schemas.microsoft.com/office/drawing/2014/main" id="{FAC98E69-CB9E-4D43-A028-8351A2C33287}"/>
+              </a:ext>
+            </a:extLst>
+          </p:cNvPr>
+          <p:cNvSpPr>
+            <a:spLocks noGrp="1"/>
+          </p:cNvSpPr>
+          <p:nvPr>
+            <p:ph type="title"/>
+          </p:nvPr>
+        </p:nvSpPr>
+        <p:spPr>
+          <a:xfrm>
+            <a:off x="770106" y="261343"/>
+            <a:ext cx="10515600" cy="679816"/>
+          </a:xfrm>
+        </p:spPr>
+        <p:txBody>
+          <a:bodyPr>
+            <a:normAutofit fontScale="90000"/>
+          </a:bodyPr>
+          <a:lstStyle/>
+          <a:p>
+            <a:r>
+              <a:rPr lang="de-DE" dirty="0" err="1"/>
+              <a:t>SDRAM_Pixelbuffer_nächste_Zeile</a:t>
+            </a:r>
+            <a:endParaRPr lang="de-DE" dirty="0"/>
+          </a:p>
+        </p:txBody>
+      </p:sp>
+      <p:pic>
+        <p:nvPicPr>
+          <p:cNvPr id="7" name="Grafik 6">
+            <a:extLst>
+              <a:ext uri="{FF2B5EF4-FFF2-40B4-BE49-F238E27FC236}">
+                <a16:creationId xmlns:a16="http://schemas.microsoft.com/office/drawing/2014/main" id="{8DBAAB56-A781-44E3-9BA9-BA48A3397704}"/>
+              </a:ext>
+            </a:extLst>
+          </p:cNvPr>
+          <p:cNvPicPr>
+            <a:picLocks noChangeAspect="1"/>
+          </p:cNvPicPr>
+          <p:nvPr/>
+        </p:nvPicPr>
+        <p:blipFill>
+          <a:blip r:embed="rId2">
+            <a:extLst>
+              <a:ext uri="{28A0092B-C50C-407E-A947-70E740481C1C}">
+                <a14:useLocalDpi xmlns:a14="http://schemas.microsoft.com/office/drawing/2010/main" val="0"/>
+              </a:ext>
+            </a:extLst>
+          </a:blip>
+          <a:stretch>
+            <a:fillRect/>
+          </a:stretch>
+        </p:blipFill>
+        <p:spPr>
+          <a:xfrm>
+            <a:off x="838200" y="2042809"/>
+            <a:ext cx="4435812" cy="2772382"/>
+          </a:xfrm>
+          <a:prstGeom prst="rect">
+            <a:avLst/>
+          </a:prstGeom>
+        </p:spPr>
+      </p:pic>
+      <p:grpSp>
+        <p:nvGrpSpPr>
+          <p:cNvPr id="35" name="Gruppieren 34">
+            <a:extLst>
+              <a:ext uri="{FF2B5EF4-FFF2-40B4-BE49-F238E27FC236}">
+                <a16:creationId xmlns:a16="http://schemas.microsoft.com/office/drawing/2014/main" id="{5F5A0946-3F5F-4203-8FD8-1C440985C7FA}"/>
+              </a:ext>
+            </a:extLst>
+          </p:cNvPr>
+          <p:cNvGrpSpPr/>
+          <p:nvPr/>
+        </p:nvGrpSpPr>
+        <p:grpSpPr>
+          <a:xfrm>
+            <a:off x="6116838" y="1848639"/>
+            <a:ext cx="5542638" cy="3124183"/>
+            <a:chOff x="138314" y="2576226"/>
+            <a:chExt cx="5542638" cy="3124183"/>
+          </a:xfrm>
+        </p:grpSpPr>
+        <p:pic>
+          <p:nvPicPr>
+            <p:cNvPr id="36" name="Grafik 35">
+              <a:extLst>
+                <a:ext uri="{FF2B5EF4-FFF2-40B4-BE49-F238E27FC236}">
+                  <a16:creationId xmlns:a16="http://schemas.microsoft.com/office/drawing/2014/main" id="{4B50ECD0-0351-49FC-8CA3-9EF9659E7FC9}"/>
+                </a:ext>
+              </a:extLst>
+            </p:cNvPr>
+            <p:cNvPicPr>
+              <a:picLocks noChangeAspect="1"/>
+            </p:cNvPicPr>
+            <p:nvPr/>
+          </p:nvPicPr>
+          <p:blipFill>
+            <a:blip r:embed="rId2">
+              <a:extLst>
+                <a:ext uri="{28A0092B-C50C-407E-A947-70E740481C1C}">
+                  <a14:useLocalDpi xmlns:a14="http://schemas.microsoft.com/office/drawing/2010/main" val="0"/>
+                </a:ext>
+              </a:extLst>
+            </a:blip>
+            <a:stretch>
+              <a:fillRect/>
+            </a:stretch>
+          </p:blipFill>
+          <p:spPr>
+            <a:xfrm>
+              <a:off x="541505" y="2576226"/>
+              <a:ext cx="4435812" cy="2772382"/>
+            </a:xfrm>
+            <a:prstGeom prst="rect">
+              <a:avLst/>
+            </a:prstGeom>
+          </p:spPr>
+        </p:pic>
+        <p:sp>
+          <p:nvSpPr>
+            <p:cNvPr id="37" name="Rechteck 36">
+              <a:extLst>
+                <a:ext uri="{FF2B5EF4-FFF2-40B4-BE49-F238E27FC236}">
+                  <a16:creationId xmlns:a16="http://schemas.microsoft.com/office/drawing/2014/main" id="{40618908-B618-495E-8A5F-C843F7466A8F}"/>
+                </a:ext>
+              </a:extLst>
+            </p:cNvPr>
+            <p:cNvSpPr/>
+            <p:nvPr/>
+          </p:nvSpPr>
+          <p:spPr>
+            <a:xfrm>
+              <a:off x="311284" y="3947835"/>
+              <a:ext cx="5369668" cy="1487318"/>
+            </a:xfrm>
+            <a:prstGeom prst="rect">
+              <a:avLst/>
+            </a:prstGeom>
+            <a:solidFill>
+              <a:schemeClr val="bg1"/>
+            </a:solidFill>
+            <a:ln>
+              <a:noFill/>
+            </a:ln>
+          </p:spPr>
+          <p:style>
+            <a:lnRef idx="2">
+              <a:schemeClr val="accent1">
+                <a:shade val="50000"/>
+              </a:schemeClr>
+            </a:lnRef>
+            <a:fillRef idx="1">
+              <a:schemeClr val="accent1"/>
+            </a:fillRef>
+            <a:effectRef idx="0">
+              <a:schemeClr val="accent1"/>
+            </a:effectRef>
+            <a:fontRef idx="minor">
+              <a:schemeClr val="lt1"/>
+            </a:fontRef>
+          </p:style>
+          <p:txBody>
+            <a:bodyPr rtlCol="0" anchor="ctr"/>
+            <a:lstStyle/>
+            <a:p>
+              <a:pPr algn="ctr"/>
+              <a:endParaRPr lang="de-DE"/>
+            </a:p>
+          </p:txBody>
+        </p:sp>
+        <p:sp>
+          <p:nvSpPr>
+            <p:cNvPr id="38" name="Rechteck 37">
+              <a:extLst>
+                <a:ext uri="{FF2B5EF4-FFF2-40B4-BE49-F238E27FC236}">
+                  <a16:creationId xmlns:a16="http://schemas.microsoft.com/office/drawing/2014/main" id="{EFCD3488-CE3C-4EF5-AC10-D7806DDE4F52}"/>
+                </a:ext>
+              </a:extLst>
+            </p:cNvPr>
+            <p:cNvSpPr/>
+            <p:nvPr/>
+          </p:nvSpPr>
+          <p:spPr>
+            <a:xfrm rot="5400000">
+              <a:off x="-1084374" y="3798914"/>
+              <a:ext cx="3124183" cy="678808"/>
+            </a:xfrm>
+            <a:prstGeom prst="rect">
+              <a:avLst/>
+            </a:prstGeom>
+            <a:solidFill>
+              <a:schemeClr val="bg1"/>
+            </a:solidFill>
+            <a:ln>
+              <a:noFill/>
+            </a:ln>
+          </p:spPr>
+          <p:style>
+            <a:lnRef idx="2">
+              <a:schemeClr val="accent1">
+                <a:shade val="50000"/>
+              </a:schemeClr>
+            </a:lnRef>
+            <a:fillRef idx="1">
+              <a:schemeClr val="accent1"/>
+            </a:fillRef>
+            <a:effectRef idx="0">
+              <a:schemeClr val="accent1"/>
+            </a:effectRef>
+            <a:fontRef idx="minor">
+              <a:schemeClr val="lt1"/>
+            </a:fontRef>
+          </p:style>
+          <p:txBody>
+            <a:bodyPr rtlCol="0" anchor="ctr"/>
+            <a:lstStyle/>
+            <a:p>
+              <a:pPr algn="ctr"/>
+              <a:endParaRPr lang="de-DE"/>
+            </a:p>
+          </p:txBody>
+        </p:sp>
+        <p:sp>
+          <p:nvSpPr>
+            <p:cNvPr id="39" name="Rechteck 38">
+              <a:extLst>
+                <a:ext uri="{FF2B5EF4-FFF2-40B4-BE49-F238E27FC236}">
+                  <a16:creationId xmlns:a16="http://schemas.microsoft.com/office/drawing/2014/main" id="{C124C35D-FA82-4DA6-9C7D-46B78AD8A33F}"/>
+                </a:ext>
+              </a:extLst>
+            </p:cNvPr>
+            <p:cNvSpPr/>
+            <p:nvPr/>
+          </p:nvSpPr>
+          <p:spPr>
+            <a:xfrm rot="5400000">
+              <a:off x="2205593" y="2589045"/>
+              <a:ext cx="2933701" cy="2908064"/>
+            </a:xfrm>
+            <a:prstGeom prst="rect">
+              <a:avLst/>
+            </a:prstGeom>
+            <a:solidFill>
+              <a:schemeClr val="bg1"/>
+            </a:solidFill>
+            <a:ln>
+              <a:noFill/>
+            </a:ln>
+          </p:spPr>
+          <p:style>
+            <a:lnRef idx="2">
+              <a:schemeClr val="accent1">
+                <a:shade val="50000"/>
+              </a:schemeClr>
+            </a:lnRef>
+            <a:fillRef idx="1">
+              <a:schemeClr val="accent1"/>
+            </a:fillRef>
+            <a:effectRef idx="0">
+              <a:schemeClr val="accent1"/>
+            </a:effectRef>
+            <a:fontRef idx="minor">
+              <a:schemeClr val="lt1"/>
+            </a:fontRef>
+          </p:style>
+          <p:txBody>
+            <a:bodyPr rtlCol="0" anchor="ctr"/>
+            <a:lstStyle/>
+            <a:p>
+              <a:pPr algn="ctr"/>
+              <a:endParaRPr lang="de-DE"/>
+            </a:p>
+          </p:txBody>
+        </p:sp>
+      </p:grpSp>
+      <p:sp>
+        <p:nvSpPr>
+          <p:cNvPr id="13" name="Textfeld 12">
+            <a:extLst>
+              <a:ext uri="{FF2B5EF4-FFF2-40B4-BE49-F238E27FC236}">
+                <a16:creationId xmlns:a16="http://schemas.microsoft.com/office/drawing/2014/main" id="{131948B4-9D30-4046-B5C0-D9E44C6A4878}"/>
+              </a:ext>
+            </a:extLst>
+          </p:cNvPr>
+          <p:cNvSpPr txBox="1"/>
+          <p:nvPr/>
+        </p:nvSpPr>
+        <p:spPr>
+          <a:xfrm>
+            <a:off x="2611913" y="1662115"/>
+            <a:ext cx="888385" cy="369332"/>
+          </a:xfrm>
+          <a:prstGeom prst="rect">
+            <a:avLst/>
+          </a:prstGeom>
+          <a:noFill/>
+        </p:spPr>
+        <p:txBody>
+          <a:bodyPr wrap="none" rtlCol="0">
+            <a:spAutoFit/>
+          </a:bodyPr>
+          <a:lstStyle/>
+          <a:p>
+            <a:r>
+              <a:rPr lang="de-DE" dirty="0"/>
+              <a:t>SDRAM</a:t>
+            </a:r>
+          </a:p>
+        </p:txBody>
+      </p:sp>
+      <p:sp>
+        <p:nvSpPr>
+          <p:cNvPr id="17" name="Rechteck 16">
+            <a:extLst>
+              <a:ext uri="{FF2B5EF4-FFF2-40B4-BE49-F238E27FC236}">
+                <a16:creationId xmlns:a16="http://schemas.microsoft.com/office/drawing/2014/main" id="{1478E788-791F-461F-AB85-00882B226146}"/>
+              </a:ext>
+            </a:extLst>
+          </p:cNvPr>
+          <p:cNvSpPr/>
+          <p:nvPr/>
+        </p:nvSpPr>
+        <p:spPr>
+          <a:xfrm>
+            <a:off x="3869964" y="2042809"/>
+            <a:ext cx="1379706" cy="1395919"/>
+          </a:xfrm>
+          <a:prstGeom prst="rect">
+            <a:avLst/>
+          </a:prstGeom>
+          <a:noFill/>
+          <a:ln w="76200">
+            <a:solidFill>
+              <a:schemeClr val="tx1"/>
+            </a:solidFill>
+          </a:ln>
+        </p:spPr>
+        <p:style>
+          <a:lnRef idx="2">
+            <a:schemeClr val="accent1">
+              <a:shade val="50000"/>
+            </a:schemeClr>
+          </a:lnRef>
+          <a:fillRef idx="1">
+            <a:schemeClr val="accent1"/>
+          </a:fillRef>
+          <a:effectRef idx="0">
+            <a:schemeClr val="accent1"/>
+          </a:effectRef>
+          <a:fontRef idx="minor">
+            <a:schemeClr val="lt1"/>
+          </a:fontRef>
+        </p:style>
+        <p:txBody>
+          <a:bodyPr rtlCol="0" anchor="ctr"/>
+          <a:lstStyle/>
+          <a:p>
+            <a:pPr algn="ctr"/>
+            <a:endParaRPr lang="de-DE"/>
+          </a:p>
+        </p:txBody>
+      </p:sp>
+      <p:sp>
+        <p:nvSpPr>
+          <p:cNvPr id="24" name="Rechteck 23">
+            <a:extLst>
+              <a:ext uri="{FF2B5EF4-FFF2-40B4-BE49-F238E27FC236}">
+                <a16:creationId xmlns:a16="http://schemas.microsoft.com/office/drawing/2014/main" id="{728BAB5B-BA4C-44F8-A1C3-6F3C3BA21E43}"/>
+              </a:ext>
+            </a:extLst>
+          </p:cNvPr>
+          <p:cNvSpPr/>
+          <p:nvPr/>
+        </p:nvSpPr>
+        <p:spPr>
+          <a:xfrm>
+            <a:off x="879267" y="2338912"/>
+            <a:ext cx="1379706" cy="1395919"/>
+          </a:xfrm>
+          <a:prstGeom prst="rect">
+            <a:avLst/>
+          </a:prstGeom>
+          <a:noFill/>
+          <a:ln w="76200">
+            <a:solidFill>
+              <a:schemeClr val="tx1">
+                <a:lumMod val="65000"/>
+                <a:lumOff val="35000"/>
+                <a:alpha val="80000"/>
+              </a:schemeClr>
+            </a:solidFill>
+          </a:ln>
+        </p:spPr>
+        <p:style>
+          <a:lnRef idx="2">
+            <a:schemeClr val="accent1">
+              <a:shade val="50000"/>
+            </a:schemeClr>
+          </a:lnRef>
+          <a:fillRef idx="1">
+            <a:schemeClr val="accent1"/>
+          </a:fillRef>
+          <a:effectRef idx="0">
+            <a:schemeClr val="accent1"/>
+          </a:effectRef>
+          <a:fontRef idx="minor">
+            <a:schemeClr val="lt1"/>
+          </a:fontRef>
+        </p:style>
+        <p:txBody>
+          <a:bodyPr rtlCol="0" anchor="ctr"/>
+          <a:lstStyle/>
+          <a:p>
+            <a:pPr algn="ctr"/>
+            <a:endParaRPr lang="de-DE" dirty="0"/>
+          </a:p>
+        </p:txBody>
+      </p:sp>
+      <p:cxnSp>
+        <p:nvCxnSpPr>
+          <p:cNvPr id="19" name="Gerade Verbindung mit Pfeil 18">
+            <a:extLst>
+              <a:ext uri="{FF2B5EF4-FFF2-40B4-BE49-F238E27FC236}">
+                <a16:creationId xmlns:a16="http://schemas.microsoft.com/office/drawing/2014/main" id="{371DB6C2-91AD-4FBE-B56C-98CFFB7C5DA1}"/>
+              </a:ext>
+            </a:extLst>
+          </p:cNvPr>
+          <p:cNvCxnSpPr>
+            <a:cxnSpLocks/>
+            <a:stCxn id="17" idx="3"/>
+          </p:cNvCxnSpPr>
+          <p:nvPr/>
+        </p:nvCxnSpPr>
+        <p:spPr>
+          <a:xfrm flipV="1">
+            <a:off x="5249670" y="2463191"/>
+            <a:ext cx="1399584" cy="277578"/>
+          </a:xfrm>
+          <a:prstGeom prst="straightConnector1">
+            <a:avLst/>
+          </a:prstGeom>
+          <a:ln w="57150">
+            <a:tailEnd type="triangle"/>
+          </a:ln>
+        </p:spPr>
+        <p:style>
+          <a:lnRef idx="1">
+            <a:schemeClr val="dk1"/>
+          </a:lnRef>
+          <a:fillRef idx="0">
+            <a:schemeClr val="dk1"/>
+          </a:fillRef>
+          <a:effectRef idx="0">
+            <a:schemeClr val="dk1"/>
+          </a:effectRef>
+          <a:fontRef idx="minor">
+            <a:schemeClr val="tx1"/>
+          </a:fontRef>
+        </p:style>
+      </p:cxnSp>
+      <p:cxnSp>
+        <p:nvCxnSpPr>
+          <p:cNvPr id="28" name="Gerade Verbindung mit Pfeil 27">
+            <a:extLst>
+              <a:ext uri="{FF2B5EF4-FFF2-40B4-BE49-F238E27FC236}">
+                <a16:creationId xmlns:a16="http://schemas.microsoft.com/office/drawing/2014/main" id="{1A976BC5-4A77-4E31-B67E-7D4AC906C1AB}"/>
+              </a:ext>
+            </a:extLst>
+          </p:cNvPr>
+          <p:cNvCxnSpPr>
+            <a:cxnSpLocks/>
+          </p:cNvCxnSpPr>
+          <p:nvPr/>
+        </p:nvCxnSpPr>
+        <p:spPr>
+          <a:xfrm>
+            <a:off x="2290760" y="3295690"/>
+            <a:ext cx="4387723" cy="770046"/>
+          </a:xfrm>
+          <a:prstGeom prst="straightConnector1">
+            <a:avLst/>
+          </a:prstGeom>
+          <a:ln w="57150">
+            <a:solidFill>
+              <a:schemeClr val="tx1">
+                <a:lumMod val="65000"/>
+                <a:lumOff val="35000"/>
+                <a:alpha val="80000"/>
+              </a:schemeClr>
+            </a:solidFill>
+            <a:tailEnd type="triangle"/>
+          </a:ln>
+        </p:spPr>
+        <p:style>
+          <a:lnRef idx="1">
+            <a:schemeClr val="dk1"/>
+          </a:lnRef>
+          <a:fillRef idx="0">
+            <a:schemeClr val="dk1"/>
+          </a:fillRef>
+          <a:effectRef idx="0">
+            <a:schemeClr val="dk1"/>
+          </a:effectRef>
+          <a:fontRef idx="minor">
+            <a:schemeClr val="tx1"/>
+          </a:fontRef>
+        </p:style>
+      </p:cxnSp>
+      <p:sp>
+        <p:nvSpPr>
+          <p:cNvPr id="47" name="Textfeld 46">
+            <a:extLst>
+              <a:ext uri="{FF2B5EF4-FFF2-40B4-BE49-F238E27FC236}">
+                <a16:creationId xmlns:a16="http://schemas.microsoft.com/office/drawing/2014/main" id="{2E1DBBBA-514E-4A5A-BBD2-BE8AC18725E6}"/>
+              </a:ext>
+            </a:extLst>
+          </p:cNvPr>
+          <p:cNvSpPr txBox="1"/>
+          <p:nvPr/>
+        </p:nvSpPr>
+        <p:spPr>
+          <a:xfrm>
+            <a:off x="6743664" y="3565517"/>
+            <a:ext cx="1071127" cy="369332"/>
+          </a:xfrm>
+          <a:prstGeom prst="rect">
+            <a:avLst/>
+          </a:prstGeom>
+          <a:noFill/>
+        </p:spPr>
+        <p:txBody>
+          <a:bodyPr wrap="none" rtlCol="0">
+            <a:spAutoFit/>
+          </a:bodyPr>
+          <a:lstStyle/>
+          <a:p>
+            <a:r>
+              <a:rPr lang="de-DE" dirty="0"/>
+              <a:t>Block x+1</a:t>
+            </a:r>
+          </a:p>
+        </p:txBody>
+      </p:sp>
+      <p:sp>
+        <p:nvSpPr>
+          <p:cNvPr id="3" name="Textfeld 2">
+            <a:extLst>
+              <a:ext uri="{FF2B5EF4-FFF2-40B4-BE49-F238E27FC236}">
+                <a16:creationId xmlns:a16="http://schemas.microsoft.com/office/drawing/2014/main" id="{DC7DE842-0A4F-4C9D-AA26-927E1418352B}"/>
+              </a:ext>
+            </a:extLst>
+          </p:cNvPr>
+          <p:cNvSpPr txBox="1"/>
+          <p:nvPr/>
+        </p:nvSpPr>
+        <p:spPr>
+          <a:xfrm>
+            <a:off x="6705516" y="1496080"/>
+            <a:ext cx="838691" cy="369332"/>
+          </a:xfrm>
+          <a:prstGeom prst="rect">
+            <a:avLst/>
+          </a:prstGeom>
+          <a:noFill/>
+        </p:spPr>
+        <p:txBody>
+          <a:bodyPr wrap="none" rtlCol="0">
+            <a:spAutoFit/>
+          </a:bodyPr>
+          <a:lstStyle/>
+          <a:p>
+            <a:r>
+              <a:rPr lang="de-DE" dirty="0"/>
+              <a:t>Block x</a:t>
+            </a:r>
+          </a:p>
+        </p:txBody>
+      </p:sp>
+      <p:cxnSp>
+        <p:nvCxnSpPr>
+          <p:cNvPr id="5" name="Gerader Verbinder 4">
+            <a:extLst>
+              <a:ext uri="{FF2B5EF4-FFF2-40B4-BE49-F238E27FC236}">
+                <a16:creationId xmlns:a16="http://schemas.microsoft.com/office/drawing/2014/main" id="{23CB132A-F099-48AA-BCA3-98018E870E67}"/>
+              </a:ext>
+            </a:extLst>
+          </p:cNvPr>
+          <p:cNvCxnSpPr/>
+          <p:nvPr/>
+        </p:nvCxnSpPr>
+        <p:spPr>
+          <a:xfrm>
+            <a:off x="8165148" y="1854425"/>
+            <a:ext cx="661860" cy="0"/>
+          </a:xfrm>
+          <a:prstGeom prst="line">
+            <a:avLst/>
+          </a:prstGeom>
+        </p:spPr>
+        <p:style>
+          <a:lnRef idx="1">
+            <a:schemeClr val="accent1"/>
+          </a:lnRef>
+          <a:fillRef idx="0">
+            <a:schemeClr val="accent1"/>
+          </a:fillRef>
+          <a:effectRef idx="0">
+            <a:schemeClr val="accent1"/>
+          </a:effectRef>
+          <a:fontRef idx="minor">
+            <a:schemeClr val="tx1"/>
+          </a:fontRef>
+        </p:style>
+      </p:cxnSp>
+      <p:cxnSp>
+        <p:nvCxnSpPr>
+          <p:cNvPr id="25" name="Gerader Verbinder 24">
+            <a:extLst>
+              <a:ext uri="{FF2B5EF4-FFF2-40B4-BE49-F238E27FC236}">
+                <a16:creationId xmlns:a16="http://schemas.microsoft.com/office/drawing/2014/main" id="{465A1154-53AD-4760-B5CA-B1B0C1CA92CC}"/>
+              </a:ext>
+            </a:extLst>
+          </p:cNvPr>
+          <p:cNvCxnSpPr/>
+          <p:nvPr/>
+        </p:nvCxnSpPr>
+        <p:spPr>
+          <a:xfrm>
+            <a:off x="8165148" y="2128745"/>
+            <a:ext cx="661860" cy="0"/>
+          </a:xfrm>
+          <a:prstGeom prst="line">
+            <a:avLst/>
+          </a:prstGeom>
+        </p:spPr>
+        <p:style>
+          <a:lnRef idx="1">
+            <a:schemeClr val="accent1"/>
+          </a:lnRef>
+          <a:fillRef idx="0">
+            <a:schemeClr val="accent1"/>
+          </a:fillRef>
+          <a:effectRef idx="0">
+            <a:schemeClr val="accent1"/>
+          </a:effectRef>
+          <a:fontRef idx="minor">
+            <a:schemeClr val="tx1"/>
+          </a:fontRef>
+        </p:style>
+      </p:cxnSp>
+      <p:cxnSp>
+        <p:nvCxnSpPr>
+          <p:cNvPr id="26" name="Gerader Verbinder 25">
+            <a:extLst>
+              <a:ext uri="{FF2B5EF4-FFF2-40B4-BE49-F238E27FC236}">
+                <a16:creationId xmlns:a16="http://schemas.microsoft.com/office/drawing/2014/main" id="{7BCBDB9C-2F59-4BE2-B9D6-99EA91E8B02E}"/>
+              </a:ext>
+            </a:extLst>
+          </p:cNvPr>
+          <p:cNvCxnSpPr/>
+          <p:nvPr/>
+        </p:nvCxnSpPr>
+        <p:spPr>
+          <a:xfrm>
+            <a:off x="8165148" y="2403065"/>
+            <a:ext cx="661860" cy="0"/>
+          </a:xfrm>
+          <a:prstGeom prst="line">
+            <a:avLst/>
+          </a:prstGeom>
+        </p:spPr>
+        <p:style>
+          <a:lnRef idx="1">
+            <a:schemeClr val="accent1"/>
+          </a:lnRef>
+          <a:fillRef idx="0">
+            <a:schemeClr val="accent1"/>
+          </a:fillRef>
+          <a:effectRef idx="0">
+            <a:schemeClr val="accent1"/>
+          </a:effectRef>
+          <a:fontRef idx="minor">
+            <a:schemeClr val="tx1"/>
+          </a:fontRef>
+        </p:style>
+      </p:cxnSp>
+      <p:cxnSp>
+        <p:nvCxnSpPr>
+          <p:cNvPr id="27" name="Gerader Verbinder 26">
+            <a:extLst>
+              <a:ext uri="{FF2B5EF4-FFF2-40B4-BE49-F238E27FC236}">
+                <a16:creationId xmlns:a16="http://schemas.microsoft.com/office/drawing/2014/main" id="{04B770AF-DD0C-492F-8504-6B543BB48644}"/>
+              </a:ext>
+            </a:extLst>
+          </p:cNvPr>
+          <p:cNvCxnSpPr/>
+          <p:nvPr/>
+        </p:nvCxnSpPr>
+        <p:spPr>
+          <a:xfrm>
+            <a:off x="8176097" y="2671289"/>
+            <a:ext cx="661860" cy="0"/>
+          </a:xfrm>
+          <a:prstGeom prst="line">
+            <a:avLst/>
+          </a:prstGeom>
+        </p:spPr>
+        <p:style>
+          <a:lnRef idx="1">
+            <a:schemeClr val="accent1"/>
+          </a:lnRef>
+          <a:fillRef idx="0">
+            <a:schemeClr val="accent1"/>
+          </a:fillRef>
+          <a:effectRef idx="0">
+            <a:schemeClr val="accent1"/>
+          </a:effectRef>
+          <a:fontRef idx="minor">
+            <a:schemeClr val="tx1"/>
+          </a:fontRef>
+        </p:style>
+      </p:cxnSp>
+      <p:cxnSp>
+        <p:nvCxnSpPr>
+          <p:cNvPr id="29" name="Gerader Verbinder 28">
+            <a:extLst>
+              <a:ext uri="{FF2B5EF4-FFF2-40B4-BE49-F238E27FC236}">
+                <a16:creationId xmlns:a16="http://schemas.microsoft.com/office/drawing/2014/main" id="{B22DF343-879A-41B0-9732-86BD6533216E}"/>
+              </a:ext>
+            </a:extLst>
+          </p:cNvPr>
+          <p:cNvCxnSpPr/>
+          <p:nvPr/>
+        </p:nvCxnSpPr>
+        <p:spPr>
+          <a:xfrm>
+            <a:off x="8165148" y="2957801"/>
+            <a:ext cx="661860" cy="0"/>
+          </a:xfrm>
+          <a:prstGeom prst="line">
+            <a:avLst/>
+          </a:prstGeom>
+        </p:spPr>
+        <p:style>
+          <a:lnRef idx="1">
+            <a:schemeClr val="accent1"/>
+          </a:lnRef>
+          <a:fillRef idx="0">
+            <a:schemeClr val="accent1"/>
+          </a:fillRef>
+          <a:effectRef idx="0">
+            <a:schemeClr val="accent1"/>
+          </a:effectRef>
+          <a:fontRef idx="minor">
+            <a:schemeClr val="tx1"/>
+          </a:fontRef>
+        </p:style>
+      </p:cxnSp>
+      <p:cxnSp>
+        <p:nvCxnSpPr>
+          <p:cNvPr id="30" name="Gerader Verbinder 29">
+            <a:extLst>
+              <a:ext uri="{FF2B5EF4-FFF2-40B4-BE49-F238E27FC236}">
+                <a16:creationId xmlns:a16="http://schemas.microsoft.com/office/drawing/2014/main" id="{8B13EF71-EEFA-41B1-A06B-AEC03CDC9E95}"/>
+              </a:ext>
+            </a:extLst>
+          </p:cNvPr>
+          <p:cNvCxnSpPr/>
+          <p:nvPr/>
+        </p:nvCxnSpPr>
+        <p:spPr>
+          <a:xfrm>
+            <a:off x="8165148" y="3226034"/>
+            <a:ext cx="661860" cy="0"/>
+          </a:xfrm>
+          <a:prstGeom prst="line">
+            <a:avLst/>
+          </a:prstGeom>
+        </p:spPr>
+        <p:style>
+          <a:lnRef idx="1">
+            <a:schemeClr val="accent1"/>
+          </a:lnRef>
+          <a:fillRef idx="0">
+            <a:schemeClr val="accent1"/>
+          </a:fillRef>
+          <a:effectRef idx="0">
+            <a:schemeClr val="accent1"/>
+          </a:effectRef>
+          <a:fontRef idx="minor">
+            <a:schemeClr val="tx1"/>
+          </a:fontRef>
+        </p:style>
+      </p:cxnSp>
+      <p:sp>
+        <p:nvSpPr>
+          <p:cNvPr id="6" name="Textfeld 5">
+            <a:extLst>
+              <a:ext uri="{FF2B5EF4-FFF2-40B4-BE49-F238E27FC236}">
+                <a16:creationId xmlns:a16="http://schemas.microsoft.com/office/drawing/2014/main" id="{5482C9A6-1B57-49AC-88E8-F8A52E8C33FB}"/>
+              </a:ext>
+            </a:extLst>
+          </p:cNvPr>
+          <p:cNvSpPr txBox="1"/>
+          <p:nvPr/>
+        </p:nvSpPr>
+        <p:spPr>
+          <a:xfrm>
+            <a:off x="8100128" y="1872313"/>
+            <a:ext cx="907684" cy="276999"/>
+          </a:xfrm>
+          <a:prstGeom prst="rect">
+            <a:avLst/>
+          </a:prstGeom>
+          <a:noFill/>
+        </p:spPr>
+        <p:txBody>
+          <a:bodyPr wrap="none" rtlCol="0">
+            <a:spAutoFit/>
+          </a:bodyPr>
+          <a:lstStyle/>
+          <a:p>
+            <a:r>
+              <a:rPr lang="de-DE" sz="1200" dirty="0"/>
+              <a:t>pxl_data_l1</a:t>
+            </a:r>
+          </a:p>
+        </p:txBody>
+      </p:sp>
+      <p:sp>
+        <p:nvSpPr>
+          <p:cNvPr id="32" name="Textfeld 31">
+            <a:extLst>
+              <a:ext uri="{FF2B5EF4-FFF2-40B4-BE49-F238E27FC236}">
+                <a16:creationId xmlns:a16="http://schemas.microsoft.com/office/drawing/2014/main" id="{D298E59B-BD3C-4EC0-8196-F73C549EA10B}"/>
+              </a:ext>
+            </a:extLst>
+          </p:cNvPr>
+          <p:cNvSpPr txBox="1"/>
+          <p:nvPr/>
+        </p:nvSpPr>
+        <p:spPr>
+          <a:xfrm>
+            <a:off x="8100128" y="2128744"/>
+            <a:ext cx="907684" cy="276999"/>
+          </a:xfrm>
+          <a:prstGeom prst="rect">
+            <a:avLst/>
+          </a:prstGeom>
+          <a:noFill/>
+        </p:spPr>
+        <p:txBody>
+          <a:bodyPr wrap="none" rtlCol="0">
+            <a:spAutoFit/>
+          </a:bodyPr>
+          <a:lstStyle/>
+          <a:p>
+            <a:r>
+              <a:rPr lang="de-DE" sz="1200" dirty="0"/>
+              <a:t>pxl_data_l2</a:t>
+            </a:r>
+          </a:p>
+        </p:txBody>
+      </p:sp>
+      <p:sp>
+        <p:nvSpPr>
+          <p:cNvPr id="33" name="Textfeld 32">
+            <a:extLst>
+              <a:ext uri="{FF2B5EF4-FFF2-40B4-BE49-F238E27FC236}">
+                <a16:creationId xmlns:a16="http://schemas.microsoft.com/office/drawing/2014/main" id="{2954BDE7-0AF9-4351-8494-7CE7F567F6FD}"/>
+              </a:ext>
+            </a:extLst>
+          </p:cNvPr>
+          <p:cNvSpPr txBox="1"/>
+          <p:nvPr/>
+        </p:nvSpPr>
+        <p:spPr>
+          <a:xfrm>
+            <a:off x="8100128" y="2388328"/>
+            <a:ext cx="907684" cy="276999"/>
+          </a:xfrm>
+          <a:prstGeom prst="rect">
+            <a:avLst/>
+          </a:prstGeom>
+          <a:noFill/>
+        </p:spPr>
+        <p:txBody>
+          <a:bodyPr wrap="none" rtlCol="0">
+            <a:spAutoFit/>
+          </a:bodyPr>
+          <a:lstStyle/>
+          <a:p>
+            <a:r>
+              <a:rPr lang="de-DE" sz="1200" dirty="0"/>
+              <a:t>pxl_data_l3</a:t>
+            </a:r>
+          </a:p>
+        </p:txBody>
+      </p:sp>
+      <p:sp>
+        <p:nvSpPr>
+          <p:cNvPr id="34" name="Textfeld 33">
+            <a:extLst>
+              <a:ext uri="{FF2B5EF4-FFF2-40B4-BE49-F238E27FC236}">
+                <a16:creationId xmlns:a16="http://schemas.microsoft.com/office/drawing/2014/main" id="{A8583119-92B3-4844-B85E-6C2B7E879107}"/>
+              </a:ext>
+            </a:extLst>
+          </p:cNvPr>
+          <p:cNvSpPr txBox="1"/>
+          <p:nvPr/>
+        </p:nvSpPr>
+        <p:spPr>
+          <a:xfrm>
+            <a:off x="8109778" y="2664077"/>
+            <a:ext cx="907684" cy="276999"/>
+          </a:xfrm>
+          <a:prstGeom prst="rect">
+            <a:avLst/>
+          </a:prstGeom>
+          <a:noFill/>
+        </p:spPr>
+        <p:txBody>
+          <a:bodyPr wrap="none" rtlCol="0">
+            <a:spAutoFit/>
+          </a:bodyPr>
+          <a:lstStyle/>
+          <a:p>
+            <a:r>
+              <a:rPr lang="de-DE" sz="1200" dirty="0"/>
+              <a:t>pxl_data_l4</a:t>
+            </a:r>
+          </a:p>
+        </p:txBody>
+      </p:sp>
+      <p:sp>
+        <p:nvSpPr>
+          <p:cNvPr id="40" name="Textfeld 39">
+            <a:extLst>
+              <a:ext uri="{FF2B5EF4-FFF2-40B4-BE49-F238E27FC236}">
+                <a16:creationId xmlns:a16="http://schemas.microsoft.com/office/drawing/2014/main" id="{AF80D7DF-F2A3-4848-B993-491339999791}"/>
+              </a:ext>
+            </a:extLst>
+          </p:cNvPr>
+          <p:cNvSpPr txBox="1"/>
+          <p:nvPr/>
+        </p:nvSpPr>
+        <p:spPr>
+          <a:xfrm>
+            <a:off x="8116318" y="2963617"/>
+            <a:ext cx="907684" cy="276999"/>
+          </a:xfrm>
+          <a:prstGeom prst="rect">
+            <a:avLst/>
+          </a:prstGeom>
+          <a:noFill/>
+        </p:spPr>
+        <p:txBody>
+          <a:bodyPr wrap="none" rtlCol="0">
+            <a:spAutoFit/>
+          </a:bodyPr>
+          <a:lstStyle/>
+          <a:p>
+            <a:r>
+              <a:rPr lang="de-DE" sz="1200" dirty="0"/>
+              <a:t>pxl_data_l5</a:t>
+            </a:r>
+          </a:p>
+        </p:txBody>
+      </p:sp>
+      <p:grpSp>
+        <p:nvGrpSpPr>
+          <p:cNvPr id="54" name="Gruppieren 53">
+            <a:extLst>
+              <a:ext uri="{FF2B5EF4-FFF2-40B4-BE49-F238E27FC236}">
+                <a16:creationId xmlns:a16="http://schemas.microsoft.com/office/drawing/2014/main" id="{2D7524E6-4AA1-4F42-8C72-E3613D82EEC0}"/>
+              </a:ext>
+            </a:extLst>
+          </p:cNvPr>
+          <p:cNvGrpSpPr/>
+          <p:nvPr/>
+        </p:nvGrpSpPr>
+        <p:grpSpPr>
+          <a:xfrm>
+            <a:off x="6822225" y="3886363"/>
+            <a:ext cx="4435812" cy="2806096"/>
+            <a:chOff x="1660188" y="1882635"/>
+            <a:chExt cx="4435812" cy="2806096"/>
+          </a:xfrm>
+        </p:grpSpPr>
+        <p:grpSp>
+          <p:nvGrpSpPr>
+            <p:cNvPr id="55" name="Gruppieren 54">
+              <a:extLst>
+                <a:ext uri="{FF2B5EF4-FFF2-40B4-BE49-F238E27FC236}">
+                  <a16:creationId xmlns:a16="http://schemas.microsoft.com/office/drawing/2014/main" id="{02310684-833D-4209-B7FD-114400806524}"/>
+                </a:ext>
+              </a:extLst>
+            </p:cNvPr>
+            <p:cNvGrpSpPr/>
+            <p:nvPr/>
+          </p:nvGrpSpPr>
+          <p:grpSpPr>
+            <a:xfrm>
+              <a:off x="1660188" y="1899492"/>
+              <a:ext cx="4435812" cy="2789239"/>
+              <a:chOff x="1660188" y="1899492"/>
+              <a:chExt cx="4435812" cy="2789239"/>
+            </a:xfrm>
+          </p:grpSpPr>
+          <p:pic>
+            <p:nvPicPr>
+              <p:cNvPr id="57" name="Grafik 56">
+                <a:extLst>
+                  <a:ext uri="{FF2B5EF4-FFF2-40B4-BE49-F238E27FC236}">
+                    <a16:creationId xmlns:a16="http://schemas.microsoft.com/office/drawing/2014/main" id="{DA9B366F-9B17-47C8-A24C-52FE36BF588D}"/>
+                  </a:ext>
+                </a:extLst>
+              </p:cNvPr>
+              <p:cNvPicPr>
+                <a:picLocks noChangeAspect="1"/>
+              </p:cNvPicPr>
+              <p:nvPr/>
+            </p:nvPicPr>
+            <p:blipFill>
+              <a:blip r:embed="rId2">
+                <a:extLst>
+                  <a:ext uri="{28A0092B-C50C-407E-A947-70E740481C1C}">
+                    <a14:useLocalDpi xmlns:a14="http://schemas.microsoft.com/office/drawing/2010/main" val="0"/>
+                  </a:ext>
+                </a:extLst>
+              </a:blip>
+              <a:stretch>
+                <a:fillRect/>
+              </a:stretch>
+            </p:blipFill>
+            <p:spPr>
+              <a:xfrm>
+                <a:off x="1660188" y="1899492"/>
+                <a:ext cx="4435812" cy="2772382"/>
+              </a:xfrm>
+              <a:prstGeom prst="rect">
+                <a:avLst/>
+              </a:prstGeom>
+            </p:spPr>
+          </p:pic>
+          <p:sp>
+            <p:nvSpPr>
+              <p:cNvPr id="58" name="Rechteck 57">
+                <a:extLst>
+                  <a:ext uri="{FF2B5EF4-FFF2-40B4-BE49-F238E27FC236}">
+                    <a16:creationId xmlns:a16="http://schemas.microsoft.com/office/drawing/2014/main" id="{0B85AC62-86F6-4BED-81C9-9671766451DE}"/>
+                  </a:ext>
+                </a:extLst>
+              </p:cNvPr>
+              <p:cNvSpPr/>
+              <p:nvPr/>
+            </p:nvSpPr>
+            <p:spPr>
+              <a:xfrm>
+                <a:off x="1660188" y="3271101"/>
+                <a:ext cx="4435812" cy="1417630"/>
+              </a:xfrm>
+              <a:prstGeom prst="rect">
+                <a:avLst/>
+              </a:prstGeom>
+              <a:solidFill>
+                <a:schemeClr val="bg1"/>
+              </a:solidFill>
+              <a:ln>
+                <a:noFill/>
+              </a:ln>
+            </p:spPr>
+            <p:style>
+              <a:lnRef idx="2">
+                <a:schemeClr val="accent1">
+                  <a:shade val="50000"/>
+                </a:schemeClr>
+              </a:lnRef>
+              <a:fillRef idx="1">
+                <a:schemeClr val="accent1"/>
+              </a:fillRef>
+              <a:effectRef idx="0">
+                <a:schemeClr val="accent1"/>
+              </a:effectRef>
+              <a:fontRef idx="minor">
+                <a:schemeClr val="lt1"/>
+              </a:fontRef>
+            </p:style>
+            <p:txBody>
+              <a:bodyPr rtlCol="0" anchor="ctr"/>
+              <a:lstStyle/>
+              <a:p>
+                <a:pPr algn="ctr"/>
+                <a:endParaRPr lang="de-DE"/>
+              </a:p>
+            </p:txBody>
+          </p:sp>
+        </p:grpSp>
+        <p:sp>
+          <p:nvSpPr>
+            <p:cNvPr id="56" name="Rechteck 55">
+              <a:extLst>
+                <a:ext uri="{FF2B5EF4-FFF2-40B4-BE49-F238E27FC236}">
+                  <a16:creationId xmlns:a16="http://schemas.microsoft.com/office/drawing/2014/main" id="{4B7C7CFC-634F-4DC9-B128-D1D427358E19}"/>
+                </a:ext>
+              </a:extLst>
+            </p:cNvPr>
+            <p:cNvSpPr/>
+            <p:nvPr/>
+          </p:nvSpPr>
+          <p:spPr>
+            <a:xfrm>
+              <a:off x="3035430" y="1882635"/>
+              <a:ext cx="3060569" cy="1388466"/>
+            </a:xfrm>
+            <a:prstGeom prst="rect">
+              <a:avLst/>
+            </a:prstGeom>
+            <a:solidFill>
+              <a:schemeClr val="bg1"/>
+            </a:solidFill>
+            <a:ln>
+              <a:noFill/>
+            </a:ln>
+          </p:spPr>
+          <p:style>
+            <a:lnRef idx="2">
+              <a:schemeClr val="accent1">
+                <a:shade val="50000"/>
+              </a:schemeClr>
+            </a:lnRef>
+            <a:fillRef idx="1">
+              <a:schemeClr val="accent1"/>
+            </a:fillRef>
+            <a:effectRef idx="0">
+              <a:schemeClr val="accent1"/>
+            </a:effectRef>
+            <a:fontRef idx="minor">
+              <a:schemeClr val="lt1"/>
+            </a:fontRef>
+          </p:style>
+          <p:txBody>
+            <a:bodyPr rtlCol="0" anchor="ctr"/>
+            <a:lstStyle/>
+            <a:p>
+              <a:pPr algn="ctr"/>
+              <a:endParaRPr lang="de-DE" dirty="0"/>
+            </a:p>
+          </p:txBody>
+        </p:sp>
+      </p:grpSp>
+      <p:cxnSp>
+        <p:nvCxnSpPr>
+          <p:cNvPr id="41" name="Gerader Verbinder 40">
+            <a:extLst>
+              <a:ext uri="{FF2B5EF4-FFF2-40B4-BE49-F238E27FC236}">
+                <a16:creationId xmlns:a16="http://schemas.microsoft.com/office/drawing/2014/main" id="{14A313E3-14ED-4FD2-A5EE-51574EC9DB8A}"/>
+              </a:ext>
+            </a:extLst>
+          </p:cNvPr>
+          <p:cNvCxnSpPr/>
+          <p:nvPr/>
+        </p:nvCxnSpPr>
+        <p:spPr>
+          <a:xfrm>
+            <a:off x="8174814" y="3903220"/>
+            <a:ext cx="661860" cy="0"/>
+          </a:xfrm>
+          <a:prstGeom prst="line">
+            <a:avLst/>
+          </a:prstGeom>
+        </p:spPr>
+        <p:style>
+          <a:lnRef idx="1">
+            <a:schemeClr val="accent1"/>
+          </a:lnRef>
+          <a:fillRef idx="0">
+            <a:schemeClr val="accent1"/>
+          </a:fillRef>
+          <a:effectRef idx="0">
+            <a:schemeClr val="accent1"/>
+          </a:effectRef>
+          <a:fontRef idx="minor">
+            <a:schemeClr val="tx1"/>
+          </a:fontRef>
+        </p:style>
+      </p:cxnSp>
+      <p:cxnSp>
+        <p:nvCxnSpPr>
+          <p:cNvPr id="42" name="Gerader Verbinder 41">
+            <a:extLst>
+              <a:ext uri="{FF2B5EF4-FFF2-40B4-BE49-F238E27FC236}">
+                <a16:creationId xmlns:a16="http://schemas.microsoft.com/office/drawing/2014/main" id="{AF3ACF64-405F-43F2-9CCC-08C953D7C1D3}"/>
+              </a:ext>
+            </a:extLst>
+          </p:cNvPr>
+          <p:cNvCxnSpPr/>
+          <p:nvPr/>
+        </p:nvCxnSpPr>
+        <p:spPr>
+          <a:xfrm>
+            <a:off x="8174814" y="4177540"/>
+            <a:ext cx="661860" cy="0"/>
+          </a:xfrm>
+          <a:prstGeom prst="line">
+            <a:avLst/>
+          </a:prstGeom>
+        </p:spPr>
+        <p:style>
+          <a:lnRef idx="1">
+            <a:schemeClr val="accent1"/>
+          </a:lnRef>
+          <a:fillRef idx="0">
+            <a:schemeClr val="accent1"/>
+          </a:fillRef>
+          <a:effectRef idx="0">
+            <a:schemeClr val="accent1"/>
+          </a:effectRef>
+          <a:fontRef idx="minor">
+            <a:schemeClr val="tx1"/>
+          </a:fontRef>
+        </p:style>
+      </p:cxnSp>
+      <p:cxnSp>
+        <p:nvCxnSpPr>
+          <p:cNvPr id="43" name="Gerader Verbinder 42">
+            <a:extLst>
+              <a:ext uri="{FF2B5EF4-FFF2-40B4-BE49-F238E27FC236}">
+                <a16:creationId xmlns:a16="http://schemas.microsoft.com/office/drawing/2014/main" id="{A4BCCB6A-6433-4204-9EA3-AF0C44FA89B7}"/>
+              </a:ext>
+            </a:extLst>
+          </p:cNvPr>
+          <p:cNvCxnSpPr/>
+          <p:nvPr/>
+        </p:nvCxnSpPr>
+        <p:spPr>
+          <a:xfrm>
+            <a:off x="8174814" y="4451860"/>
+            <a:ext cx="661860" cy="0"/>
+          </a:xfrm>
+          <a:prstGeom prst="line">
+            <a:avLst/>
+          </a:prstGeom>
+        </p:spPr>
+        <p:style>
+          <a:lnRef idx="1">
+            <a:schemeClr val="accent1"/>
+          </a:lnRef>
+          <a:fillRef idx="0">
+            <a:schemeClr val="accent1"/>
+          </a:fillRef>
+          <a:effectRef idx="0">
+            <a:schemeClr val="accent1"/>
+          </a:effectRef>
+          <a:fontRef idx="minor">
+            <a:schemeClr val="tx1"/>
+          </a:fontRef>
+        </p:style>
+      </p:cxnSp>
+      <p:cxnSp>
+        <p:nvCxnSpPr>
+          <p:cNvPr id="44" name="Gerader Verbinder 43">
+            <a:extLst>
+              <a:ext uri="{FF2B5EF4-FFF2-40B4-BE49-F238E27FC236}">
+                <a16:creationId xmlns:a16="http://schemas.microsoft.com/office/drawing/2014/main" id="{85D775C3-DA52-4979-8FCC-0DF6924D8563}"/>
+              </a:ext>
+            </a:extLst>
+          </p:cNvPr>
+          <p:cNvCxnSpPr/>
+          <p:nvPr/>
+        </p:nvCxnSpPr>
+        <p:spPr>
+          <a:xfrm>
+            <a:off x="8185763" y="4720084"/>
+            <a:ext cx="661860" cy="0"/>
+          </a:xfrm>
+          <a:prstGeom prst="line">
+            <a:avLst/>
+          </a:prstGeom>
+        </p:spPr>
+        <p:style>
+          <a:lnRef idx="1">
+            <a:schemeClr val="accent1"/>
+          </a:lnRef>
+          <a:fillRef idx="0">
+            <a:schemeClr val="accent1"/>
+          </a:fillRef>
+          <a:effectRef idx="0">
+            <a:schemeClr val="accent1"/>
+          </a:effectRef>
+          <a:fontRef idx="minor">
+            <a:schemeClr val="tx1"/>
+          </a:fontRef>
+        </p:style>
+      </p:cxnSp>
+      <p:cxnSp>
+        <p:nvCxnSpPr>
+          <p:cNvPr id="45" name="Gerader Verbinder 44">
+            <a:extLst>
+              <a:ext uri="{FF2B5EF4-FFF2-40B4-BE49-F238E27FC236}">
+                <a16:creationId xmlns:a16="http://schemas.microsoft.com/office/drawing/2014/main" id="{C17D0E67-767D-459E-AB33-E211D8B0743F}"/>
+              </a:ext>
+            </a:extLst>
+          </p:cNvPr>
+          <p:cNvCxnSpPr/>
+          <p:nvPr/>
+        </p:nvCxnSpPr>
+        <p:spPr>
+          <a:xfrm>
+            <a:off x="8174814" y="5006596"/>
+            <a:ext cx="661860" cy="0"/>
+          </a:xfrm>
+          <a:prstGeom prst="line">
+            <a:avLst/>
+          </a:prstGeom>
+        </p:spPr>
+        <p:style>
+          <a:lnRef idx="1">
+            <a:schemeClr val="accent1"/>
+          </a:lnRef>
+          <a:fillRef idx="0">
+            <a:schemeClr val="accent1"/>
+          </a:fillRef>
+          <a:effectRef idx="0">
+            <a:schemeClr val="accent1"/>
+          </a:effectRef>
+          <a:fontRef idx="minor">
+            <a:schemeClr val="tx1"/>
+          </a:fontRef>
+        </p:style>
+      </p:cxnSp>
+      <p:cxnSp>
+        <p:nvCxnSpPr>
+          <p:cNvPr id="48" name="Gerader Verbinder 47">
+            <a:extLst>
+              <a:ext uri="{FF2B5EF4-FFF2-40B4-BE49-F238E27FC236}">
+                <a16:creationId xmlns:a16="http://schemas.microsoft.com/office/drawing/2014/main" id="{1BDD3E6C-C435-4CA4-A46E-C3E8243E6E61}"/>
+              </a:ext>
+            </a:extLst>
+          </p:cNvPr>
+          <p:cNvCxnSpPr/>
+          <p:nvPr/>
+        </p:nvCxnSpPr>
+        <p:spPr>
+          <a:xfrm>
+            <a:off x="8174814" y="5274829"/>
+            <a:ext cx="661860" cy="0"/>
+          </a:xfrm>
+          <a:prstGeom prst="line">
+            <a:avLst/>
+          </a:prstGeom>
+        </p:spPr>
+        <p:style>
+          <a:lnRef idx="1">
+            <a:schemeClr val="accent1"/>
+          </a:lnRef>
+          <a:fillRef idx="0">
+            <a:schemeClr val="accent1"/>
+          </a:fillRef>
+          <a:effectRef idx="0">
+            <a:schemeClr val="accent1"/>
+          </a:effectRef>
+          <a:fontRef idx="minor">
+            <a:schemeClr val="tx1"/>
+          </a:fontRef>
+        </p:style>
+      </p:cxnSp>
+      <p:sp>
+        <p:nvSpPr>
+          <p:cNvPr id="49" name="Textfeld 48">
+            <a:extLst>
+              <a:ext uri="{FF2B5EF4-FFF2-40B4-BE49-F238E27FC236}">
+                <a16:creationId xmlns:a16="http://schemas.microsoft.com/office/drawing/2014/main" id="{C5E1780D-5FAB-4A79-9198-515F24A79695}"/>
+              </a:ext>
+            </a:extLst>
+          </p:cNvPr>
+          <p:cNvSpPr txBox="1"/>
+          <p:nvPr/>
+        </p:nvSpPr>
+        <p:spPr>
+          <a:xfrm>
+            <a:off x="8109794" y="3921108"/>
+            <a:ext cx="907684" cy="276999"/>
+          </a:xfrm>
+          <a:prstGeom prst="rect">
+            <a:avLst/>
+          </a:prstGeom>
+          <a:noFill/>
+        </p:spPr>
+        <p:txBody>
+          <a:bodyPr wrap="none" rtlCol="0">
+            <a:spAutoFit/>
+          </a:bodyPr>
+          <a:lstStyle/>
+          <a:p>
+            <a:r>
+              <a:rPr lang="de-DE" sz="1200" dirty="0"/>
+              <a:t>pxl_data_l1</a:t>
+            </a:r>
+          </a:p>
+        </p:txBody>
+      </p:sp>
+      <p:sp>
+        <p:nvSpPr>
+          <p:cNvPr id="50" name="Textfeld 49">
+            <a:extLst>
+              <a:ext uri="{FF2B5EF4-FFF2-40B4-BE49-F238E27FC236}">
+                <a16:creationId xmlns:a16="http://schemas.microsoft.com/office/drawing/2014/main" id="{734D4ADD-9E59-4736-8C20-944469247FF8}"/>
+              </a:ext>
+            </a:extLst>
+          </p:cNvPr>
+          <p:cNvSpPr txBox="1"/>
+          <p:nvPr/>
+        </p:nvSpPr>
+        <p:spPr>
+          <a:xfrm>
+            <a:off x="8109794" y="4177539"/>
+            <a:ext cx="907684" cy="276999"/>
+          </a:xfrm>
+          <a:prstGeom prst="rect">
+            <a:avLst/>
+          </a:prstGeom>
+          <a:noFill/>
+        </p:spPr>
+        <p:txBody>
+          <a:bodyPr wrap="none" rtlCol="0">
+            <a:spAutoFit/>
+          </a:bodyPr>
+          <a:lstStyle/>
+          <a:p>
+            <a:r>
+              <a:rPr lang="de-DE" sz="1200" dirty="0"/>
+              <a:t>pxl_data_l2</a:t>
+            </a:r>
+          </a:p>
+        </p:txBody>
+      </p:sp>
+      <p:sp>
+        <p:nvSpPr>
+          <p:cNvPr id="51" name="Textfeld 50">
+            <a:extLst>
+              <a:ext uri="{FF2B5EF4-FFF2-40B4-BE49-F238E27FC236}">
+                <a16:creationId xmlns:a16="http://schemas.microsoft.com/office/drawing/2014/main" id="{533211A5-D184-4B1F-B7B1-FC2AF19854DD}"/>
+              </a:ext>
+            </a:extLst>
+          </p:cNvPr>
+          <p:cNvSpPr txBox="1"/>
+          <p:nvPr/>
+        </p:nvSpPr>
+        <p:spPr>
+          <a:xfrm>
+            <a:off x="8109794" y="4437123"/>
+            <a:ext cx="907684" cy="276999"/>
+          </a:xfrm>
+          <a:prstGeom prst="rect">
+            <a:avLst/>
+          </a:prstGeom>
+          <a:noFill/>
+        </p:spPr>
+        <p:txBody>
+          <a:bodyPr wrap="none" rtlCol="0">
+            <a:spAutoFit/>
+          </a:bodyPr>
+          <a:lstStyle/>
+          <a:p>
+            <a:r>
+              <a:rPr lang="de-DE" sz="1200" dirty="0"/>
+              <a:t>pxl_data_l3</a:t>
+            </a:r>
+          </a:p>
+        </p:txBody>
+      </p:sp>
+      <p:sp>
+        <p:nvSpPr>
+          <p:cNvPr id="52" name="Textfeld 51">
+            <a:extLst>
+              <a:ext uri="{FF2B5EF4-FFF2-40B4-BE49-F238E27FC236}">
+                <a16:creationId xmlns:a16="http://schemas.microsoft.com/office/drawing/2014/main" id="{D5CEB09B-A5A3-4DE7-9DBA-F3DD23C98114}"/>
+              </a:ext>
+            </a:extLst>
+          </p:cNvPr>
+          <p:cNvSpPr txBox="1"/>
+          <p:nvPr/>
+        </p:nvSpPr>
+        <p:spPr>
+          <a:xfrm>
+            <a:off x="8119444" y="4712872"/>
+            <a:ext cx="907684" cy="276999"/>
+          </a:xfrm>
+          <a:prstGeom prst="rect">
+            <a:avLst/>
+          </a:prstGeom>
+          <a:noFill/>
+        </p:spPr>
+        <p:txBody>
+          <a:bodyPr wrap="none" rtlCol="0">
+            <a:spAutoFit/>
+          </a:bodyPr>
+          <a:lstStyle/>
+          <a:p>
+            <a:r>
+              <a:rPr lang="de-DE" sz="1200" dirty="0"/>
+              <a:t>pxl_data_l4</a:t>
+            </a:r>
+          </a:p>
+        </p:txBody>
+      </p:sp>
+      <p:sp>
+        <p:nvSpPr>
+          <p:cNvPr id="53" name="Textfeld 52">
+            <a:extLst>
+              <a:ext uri="{FF2B5EF4-FFF2-40B4-BE49-F238E27FC236}">
+                <a16:creationId xmlns:a16="http://schemas.microsoft.com/office/drawing/2014/main" id="{85CE26EC-8342-4998-870F-BFEF5860C772}"/>
+              </a:ext>
+            </a:extLst>
+          </p:cNvPr>
+          <p:cNvSpPr txBox="1"/>
+          <p:nvPr/>
+        </p:nvSpPr>
+        <p:spPr>
+          <a:xfrm>
+            <a:off x="8125984" y="5012412"/>
+            <a:ext cx="907684" cy="276999"/>
+          </a:xfrm>
+          <a:prstGeom prst="rect">
+            <a:avLst/>
+          </a:prstGeom>
+          <a:noFill/>
+        </p:spPr>
+        <p:txBody>
+          <a:bodyPr wrap="none" rtlCol="0">
+            <a:spAutoFit/>
+          </a:bodyPr>
+          <a:lstStyle/>
+          <a:p>
+            <a:r>
+              <a:rPr lang="de-DE" sz="1200" dirty="0"/>
+              <a:t>pxl_data_l5</a:t>
+            </a:r>
+          </a:p>
+        </p:txBody>
+      </p:sp>
+    </p:spTree>
+    <p:extLst>
+      <p:ext uri="{BB962C8B-B14F-4D97-AF65-F5344CB8AC3E}">
+        <p14:creationId xmlns:p14="http://schemas.microsoft.com/office/powerpoint/2010/main" val="3008140475"/>
       </p:ext>
     </p:extLst>
   </p:cSld>

--- a/Dokumentation/Stand Oster/BayerPatternVearbeitung/Grafiken.pptx
+++ b/Dokumentation/Stand Oster/BayerPatternVearbeitung/Grafiken.pptx
@@ -9,6 +9,9 @@
     <p:sldId id="258" r:id="rId3"/>
     <p:sldId id="257" r:id="rId4"/>
     <p:sldId id="259" r:id="rId5"/>
+    <p:sldId id="260" r:id="rId6"/>
+    <p:sldId id="261" r:id="rId7"/>
+    <p:sldId id="262" r:id="rId8"/>
   </p:sldIdLst>
   <p:sldSz cx="12192000" cy="6858000"/>
   <p:notesSz cx="6858000" cy="9144000"/>
@@ -6174,7 +6177,7 @@
         </p:nvSpPr>
         <p:spPr>
           <a:xfrm>
-            <a:off x="879267" y="2338912"/>
+            <a:off x="838199" y="2312957"/>
             <a:ext cx="1379706" cy="1395919"/>
           </a:xfrm>
           <a:prstGeom prst="rect">
@@ -6269,13 +6272,14 @@
           </p:cNvPr>
           <p:cNvCxnSpPr>
             <a:cxnSpLocks/>
+            <a:stCxn id="24" idx="3"/>
           </p:cNvCxnSpPr>
           <p:nvPr/>
         </p:nvCxnSpPr>
         <p:spPr>
           <a:xfrm>
-            <a:off x="2290760" y="3295690"/>
-            <a:ext cx="4387723" cy="770046"/>
+            <a:off x="2217905" y="3010917"/>
+            <a:ext cx="4466341" cy="1421658"/>
           </a:xfrm>
           <a:prstGeom prst="straightConnector1">
             <a:avLst/>
@@ -7340,10 +7344,4933 @@
           </a:p>
         </p:txBody>
       </p:sp>
+      <p:pic>
+        <p:nvPicPr>
+          <p:cNvPr id="10" name="Grafik 9">
+            <a:extLst>
+              <a:ext uri="{FF2B5EF4-FFF2-40B4-BE49-F238E27FC236}">
+                <a16:creationId xmlns:a16="http://schemas.microsoft.com/office/drawing/2014/main" id="{DDF7AAAB-5A97-49C4-B525-FE540657C3B4}"/>
+              </a:ext>
+            </a:extLst>
+          </p:cNvPr>
+          <p:cNvPicPr>
+            <a:picLocks noChangeAspect="1"/>
+          </p:cNvPicPr>
+          <p:nvPr/>
+        </p:nvPicPr>
+        <p:blipFill>
+          <a:blip r:embed="rId3"/>
+          <a:stretch>
+            <a:fillRect/>
+          </a:stretch>
+        </p:blipFill>
+        <p:spPr>
+          <a:xfrm>
+            <a:off x="6806284" y="3886362"/>
+            <a:ext cx="1390650" cy="1400175"/>
+          </a:xfrm>
+          <a:prstGeom prst="rect">
+            <a:avLst/>
+          </a:prstGeom>
+        </p:spPr>
+      </p:pic>
     </p:spTree>
     <p:extLst>
       <p:ext uri="{BB962C8B-B14F-4D97-AF65-F5344CB8AC3E}">
         <p14:creationId xmlns:p14="http://schemas.microsoft.com/office/powerpoint/2010/main" val="3008140475"/>
+      </p:ext>
+    </p:extLst>
+  </p:cSld>
+  <p:clrMapOvr>
+    <a:masterClrMapping/>
+  </p:clrMapOvr>
+</p:sld>
+</file>
+
+<file path=ppt/slides/slide5.xml><?xml version="1.0" encoding="utf-8"?>
+<p:sld xmlns:a="http://schemas.openxmlformats.org/drawingml/2006/main" xmlns:r="http://schemas.openxmlformats.org/officeDocument/2006/relationships" xmlns:p="http://schemas.openxmlformats.org/presentationml/2006/main">
+  <p:cSld>
+    <p:spTree>
+      <p:nvGrpSpPr>
+        <p:cNvPr id="1" name=""/>
+        <p:cNvGrpSpPr/>
+        <p:nvPr/>
+      </p:nvGrpSpPr>
+      <p:grpSpPr>
+        <a:xfrm>
+          <a:off x="0" y="0"/>
+          <a:ext cx="0" cy="0"/>
+          <a:chOff x="0" y="0"/>
+          <a:chExt cx="0" cy="0"/>
+        </a:xfrm>
+      </p:grpSpPr>
+      <p:sp>
+        <p:nvSpPr>
+          <p:cNvPr id="5" name="Titel 1">
+            <a:extLst>
+              <a:ext uri="{FF2B5EF4-FFF2-40B4-BE49-F238E27FC236}">
+                <a16:creationId xmlns:a16="http://schemas.microsoft.com/office/drawing/2014/main" id="{5EFF29E4-084A-4E50-BB2C-9B0A6C826978}"/>
+              </a:ext>
+            </a:extLst>
+          </p:cNvPr>
+          <p:cNvSpPr>
+            <a:spLocks noGrp="1"/>
+          </p:cNvSpPr>
+          <p:nvPr>
+            <p:ph type="title"/>
+          </p:nvPr>
+        </p:nvSpPr>
+        <p:spPr>
+          <a:xfrm>
+            <a:off x="838200" y="261343"/>
+            <a:ext cx="10515600" cy="679816"/>
+          </a:xfrm>
+        </p:spPr>
+        <p:txBody>
+          <a:bodyPr>
+            <a:normAutofit fontScale="90000"/>
+          </a:bodyPr>
+          <a:lstStyle/>
+          <a:p>
+            <a:r>
+              <a:rPr lang="de-DE" dirty="0" err="1"/>
+              <a:t>Debay</a:t>
+            </a:r>
+            <a:endParaRPr lang="de-DE" dirty="0"/>
+          </a:p>
+        </p:txBody>
+      </p:sp>
+      <p:pic>
+        <p:nvPicPr>
+          <p:cNvPr id="47" name="Grafik 46">
+            <a:extLst>
+              <a:ext uri="{FF2B5EF4-FFF2-40B4-BE49-F238E27FC236}">
+                <a16:creationId xmlns:a16="http://schemas.microsoft.com/office/drawing/2014/main" id="{EFFA5674-6CA7-469A-8F33-5F678025958C}"/>
+              </a:ext>
+            </a:extLst>
+          </p:cNvPr>
+          <p:cNvPicPr>
+            <a:picLocks noChangeAspect="1"/>
+          </p:cNvPicPr>
+          <p:nvPr/>
+        </p:nvPicPr>
+        <p:blipFill>
+          <a:blip r:embed="rId2"/>
+          <a:stretch>
+            <a:fillRect/>
+          </a:stretch>
+        </p:blipFill>
+        <p:spPr>
+          <a:xfrm>
+            <a:off x="1644044" y="1979531"/>
+            <a:ext cx="2762088" cy="2743298"/>
+          </a:xfrm>
+          <a:prstGeom prst="rect">
+            <a:avLst/>
+          </a:prstGeom>
+        </p:spPr>
+      </p:pic>
+      <p:graphicFrame>
+        <p:nvGraphicFramePr>
+          <p:cNvPr id="45" name="Tabelle 45">
+            <a:extLst>
+              <a:ext uri="{FF2B5EF4-FFF2-40B4-BE49-F238E27FC236}">
+                <a16:creationId xmlns:a16="http://schemas.microsoft.com/office/drawing/2014/main" id="{43BE062F-C6B0-4404-8B92-16FC2AB9B67E}"/>
+              </a:ext>
+            </a:extLst>
+          </p:cNvPr>
+          <p:cNvGraphicFramePr>
+            <a:graphicFrameLocks noGrp="1"/>
+          </p:cNvGraphicFramePr>
+          <p:nvPr>
+            <p:extLst>
+              <p:ext uri="{D42A27DB-BD31-4B8C-83A1-F6EECF244321}">
+                <p14:modId xmlns:p14="http://schemas.microsoft.com/office/powerpoint/2010/main" val="1716079405"/>
+              </p:ext>
+            </p:extLst>
+          </p:nvPr>
+        </p:nvGraphicFramePr>
+        <p:xfrm>
+          <a:off x="1644044" y="1979530"/>
+          <a:ext cx="2762089" cy="2842036"/>
+        </p:xfrm>
+        <a:graphic>
+          <a:graphicData uri="http://schemas.openxmlformats.org/drawingml/2006/table">
+            <a:tbl>
+              <a:tblPr firstRow="1" bandRow="1">
+                <a:tableStyleId>{5C22544A-7EE6-4342-B048-85BDC9FD1C3A}</a:tableStyleId>
+              </a:tblPr>
+              <a:tblGrid>
+                <a:gridCol w="552401">
+                  <a:extLst>
+                    <a:ext uri="{9D8B030D-6E8A-4147-A177-3AD203B41FA5}">
+                      <a16:colId xmlns:a16="http://schemas.microsoft.com/office/drawing/2014/main" val="2998899102"/>
+                    </a:ext>
+                  </a:extLst>
+                </a:gridCol>
+                <a:gridCol w="556182">
+                  <a:extLst>
+                    <a:ext uri="{9D8B030D-6E8A-4147-A177-3AD203B41FA5}">
+                      <a16:colId xmlns:a16="http://schemas.microsoft.com/office/drawing/2014/main" val="231906347"/>
+                    </a:ext>
+                  </a:extLst>
+                </a:gridCol>
+                <a:gridCol w="537328">
+                  <a:extLst>
+                    <a:ext uri="{9D8B030D-6E8A-4147-A177-3AD203B41FA5}">
+                      <a16:colId xmlns:a16="http://schemas.microsoft.com/office/drawing/2014/main" val="1541407098"/>
+                    </a:ext>
+                  </a:extLst>
+                </a:gridCol>
+                <a:gridCol w="556181">
+                  <a:extLst>
+                    <a:ext uri="{9D8B030D-6E8A-4147-A177-3AD203B41FA5}">
+                      <a16:colId xmlns:a16="http://schemas.microsoft.com/office/drawing/2014/main" val="3529405233"/>
+                    </a:ext>
+                  </a:extLst>
+                </a:gridCol>
+                <a:gridCol w="559997">
+                  <a:extLst>
+                    <a:ext uri="{9D8B030D-6E8A-4147-A177-3AD203B41FA5}">
+                      <a16:colId xmlns:a16="http://schemas.microsoft.com/office/drawing/2014/main" val="3811571337"/>
+                    </a:ext>
+                  </a:extLst>
+                </a:gridCol>
+              </a:tblGrid>
+              <a:tr h="556280">
+                <a:tc>
+                  <a:txBody>
+                    <a:bodyPr/>
+                    <a:lstStyle/>
+                    <a:p>
+                      <a:pPr algn="ctr"/>
+                      <a:r>
+                        <a:rPr lang="de-DE" sz="1800" b="1" dirty="0">
+                          <a:solidFill>
+                            <a:schemeClr val="tx1"/>
+                          </a:solidFill>
+                        </a:rPr>
+                        <a:t>0</a:t>
+                      </a:r>
+                    </a:p>
+                  </a:txBody>
+                  <a:tcPr>
+                    <a:lnL w="12700" cmpd="sng">
+                      <a:noFill/>
+                    </a:lnL>
+                    <a:lnR w="12700" cmpd="sng">
+                      <a:noFill/>
+                    </a:lnR>
+                    <a:lnT w="12700" cmpd="sng">
+                      <a:noFill/>
+                    </a:lnT>
+                    <a:lnB w="38100" cmpd="sng">
+                      <a:noFill/>
+                    </a:lnB>
+                    <a:lnTlToBr w="12700" cmpd="sng">
+                      <a:noFill/>
+                      <a:prstDash val="solid"/>
+                    </a:lnTlToBr>
+                    <a:lnBlToTr w="12700" cmpd="sng">
+                      <a:noFill/>
+                      <a:prstDash val="solid"/>
+                    </a:lnBlToTr>
+                    <a:noFill/>
+                  </a:tcPr>
+                </a:tc>
+                <a:tc>
+                  <a:txBody>
+                    <a:bodyPr/>
+                    <a:lstStyle/>
+                    <a:p>
+                      <a:pPr algn="ctr"/>
+                      <a:r>
+                        <a:rPr lang="de-DE" sz="1800" b="1" dirty="0">
+                          <a:solidFill>
+                            <a:schemeClr val="tx1"/>
+                          </a:solidFill>
+                        </a:rPr>
+                        <a:t>1</a:t>
+                      </a:r>
+                    </a:p>
+                  </a:txBody>
+                  <a:tcPr>
+                    <a:lnL w="12700" cmpd="sng">
+                      <a:noFill/>
+                    </a:lnL>
+                    <a:lnR w="12700" cmpd="sng">
+                      <a:noFill/>
+                    </a:lnR>
+                    <a:lnT w="12700" cmpd="sng">
+                      <a:noFill/>
+                    </a:lnT>
+                    <a:lnB w="38100" cmpd="sng">
+                      <a:noFill/>
+                    </a:lnB>
+                    <a:lnTlToBr w="12700" cmpd="sng">
+                      <a:noFill/>
+                      <a:prstDash val="solid"/>
+                    </a:lnTlToBr>
+                    <a:lnBlToTr w="12700" cmpd="sng">
+                      <a:noFill/>
+                      <a:prstDash val="solid"/>
+                    </a:lnBlToTr>
+                    <a:noFill/>
+                  </a:tcPr>
+                </a:tc>
+                <a:tc>
+                  <a:txBody>
+                    <a:bodyPr/>
+                    <a:lstStyle/>
+                    <a:p>
+                      <a:pPr algn="ctr"/>
+                      <a:r>
+                        <a:rPr lang="de-DE" sz="1800" b="1" dirty="0">
+                          <a:solidFill>
+                            <a:schemeClr val="tx1"/>
+                          </a:solidFill>
+                        </a:rPr>
+                        <a:t>2</a:t>
+                      </a:r>
+                    </a:p>
+                  </a:txBody>
+                  <a:tcPr>
+                    <a:lnL w="12700" cmpd="sng">
+                      <a:noFill/>
+                    </a:lnL>
+                    <a:lnR w="12700" cmpd="sng">
+                      <a:noFill/>
+                    </a:lnR>
+                    <a:lnT w="12700" cmpd="sng">
+                      <a:noFill/>
+                    </a:lnT>
+                    <a:lnB w="38100" cmpd="sng">
+                      <a:noFill/>
+                    </a:lnB>
+                    <a:lnTlToBr w="12700" cmpd="sng">
+                      <a:noFill/>
+                      <a:prstDash val="solid"/>
+                    </a:lnTlToBr>
+                    <a:lnBlToTr w="12700" cmpd="sng">
+                      <a:noFill/>
+                      <a:prstDash val="solid"/>
+                    </a:lnBlToTr>
+                    <a:noFill/>
+                  </a:tcPr>
+                </a:tc>
+                <a:tc>
+                  <a:txBody>
+                    <a:bodyPr/>
+                    <a:lstStyle/>
+                    <a:p>
+                      <a:pPr algn="ctr"/>
+                      <a:r>
+                        <a:rPr lang="de-DE" sz="1800" b="1" dirty="0">
+                          <a:solidFill>
+                            <a:schemeClr val="tx1"/>
+                          </a:solidFill>
+                        </a:rPr>
+                        <a:t>3</a:t>
+                      </a:r>
+                    </a:p>
+                  </a:txBody>
+                  <a:tcPr>
+                    <a:lnL w="12700" cmpd="sng">
+                      <a:noFill/>
+                    </a:lnL>
+                    <a:lnR w="12700" cmpd="sng">
+                      <a:noFill/>
+                    </a:lnR>
+                    <a:lnT w="12700" cmpd="sng">
+                      <a:noFill/>
+                    </a:lnT>
+                    <a:lnB w="38100" cmpd="sng">
+                      <a:noFill/>
+                    </a:lnB>
+                    <a:lnTlToBr w="12700" cmpd="sng">
+                      <a:noFill/>
+                      <a:prstDash val="solid"/>
+                    </a:lnTlToBr>
+                    <a:lnBlToTr w="12700" cmpd="sng">
+                      <a:noFill/>
+                      <a:prstDash val="solid"/>
+                    </a:lnBlToTr>
+                    <a:noFill/>
+                  </a:tcPr>
+                </a:tc>
+                <a:tc>
+                  <a:txBody>
+                    <a:bodyPr/>
+                    <a:lstStyle/>
+                    <a:p>
+                      <a:pPr algn="ctr"/>
+                      <a:r>
+                        <a:rPr lang="de-DE" sz="1800" b="1" dirty="0">
+                          <a:solidFill>
+                            <a:schemeClr val="tx1"/>
+                          </a:solidFill>
+                        </a:rPr>
+                        <a:t>4</a:t>
+                      </a:r>
+                    </a:p>
+                  </a:txBody>
+                  <a:tcPr>
+                    <a:lnL w="12700" cmpd="sng">
+                      <a:noFill/>
+                    </a:lnL>
+                    <a:lnR w="12700" cmpd="sng">
+                      <a:noFill/>
+                    </a:lnR>
+                    <a:lnT w="12700" cmpd="sng">
+                      <a:noFill/>
+                    </a:lnT>
+                    <a:lnB w="38100" cmpd="sng">
+                      <a:noFill/>
+                    </a:lnB>
+                    <a:lnTlToBr w="12700" cmpd="sng">
+                      <a:noFill/>
+                      <a:prstDash val="solid"/>
+                    </a:lnTlToBr>
+                    <a:lnBlToTr w="12700" cmpd="sng">
+                      <a:noFill/>
+                      <a:prstDash val="solid"/>
+                    </a:lnBlToTr>
+                    <a:noFill/>
+                  </a:tcPr>
+                </a:tc>
+                <a:extLst>
+                  <a:ext uri="{0D108BD9-81ED-4DB2-BD59-A6C34878D82A}">
+                    <a16:rowId xmlns:a16="http://schemas.microsoft.com/office/drawing/2014/main" val="330099190"/>
+                  </a:ext>
+                </a:extLst>
+              </a:tr>
+              <a:tr h="537328">
+                <a:tc>
+                  <a:txBody>
+                    <a:bodyPr/>
+                    <a:lstStyle/>
+                    <a:p>
+                      <a:pPr algn="ctr"/>
+                      <a:r>
+                        <a:rPr lang="de-DE" sz="1800" b="1" dirty="0"/>
+                        <a:t>5</a:t>
+                      </a:r>
+                    </a:p>
+                  </a:txBody>
+                  <a:tcPr>
+                    <a:lnL w="12700" cmpd="sng">
+                      <a:noFill/>
+                    </a:lnL>
+                    <a:lnR w="12700" cmpd="sng">
+                      <a:noFill/>
+                    </a:lnR>
+                    <a:lnT w="38100" cmpd="sng">
+                      <a:noFill/>
+                    </a:lnT>
+                    <a:lnB w="12700" cmpd="sng">
+                      <a:noFill/>
+                    </a:lnB>
+                    <a:lnTlToBr w="12700" cmpd="sng">
+                      <a:noFill/>
+                      <a:prstDash val="solid"/>
+                    </a:lnTlToBr>
+                    <a:lnBlToTr w="12700" cmpd="sng">
+                      <a:noFill/>
+                      <a:prstDash val="solid"/>
+                    </a:lnBlToTr>
+                    <a:noFill/>
+                  </a:tcPr>
+                </a:tc>
+                <a:tc>
+                  <a:txBody>
+                    <a:bodyPr/>
+                    <a:lstStyle/>
+                    <a:p>
+                      <a:pPr algn="ctr"/>
+                      <a:r>
+                        <a:rPr lang="de-DE" sz="1800" b="1" dirty="0"/>
+                        <a:t>6</a:t>
+                      </a:r>
+                    </a:p>
+                  </a:txBody>
+                  <a:tcPr>
+                    <a:lnL w="12700" cmpd="sng">
+                      <a:noFill/>
+                    </a:lnL>
+                    <a:lnR w="12700" cmpd="sng">
+                      <a:noFill/>
+                    </a:lnR>
+                    <a:lnT w="38100" cmpd="sng">
+                      <a:noFill/>
+                    </a:lnT>
+                    <a:lnB w="12700" cmpd="sng">
+                      <a:noFill/>
+                    </a:lnB>
+                    <a:lnTlToBr w="12700" cmpd="sng">
+                      <a:noFill/>
+                      <a:prstDash val="solid"/>
+                    </a:lnTlToBr>
+                    <a:lnBlToTr w="12700" cmpd="sng">
+                      <a:noFill/>
+                      <a:prstDash val="solid"/>
+                    </a:lnBlToTr>
+                    <a:noFill/>
+                  </a:tcPr>
+                </a:tc>
+                <a:tc>
+                  <a:txBody>
+                    <a:bodyPr/>
+                    <a:lstStyle/>
+                    <a:p>
+                      <a:pPr algn="ctr"/>
+                      <a:r>
+                        <a:rPr lang="de-DE" sz="1800" b="1" dirty="0"/>
+                        <a:t>7</a:t>
+                      </a:r>
+                    </a:p>
+                  </a:txBody>
+                  <a:tcPr>
+                    <a:lnL w="12700" cmpd="sng">
+                      <a:noFill/>
+                    </a:lnL>
+                    <a:lnR w="12700" cmpd="sng">
+                      <a:noFill/>
+                    </a:lnR>
+                    <a:lnT w="38100" cmpd="sng">
+                      <a:noFill/>
+                    </a:lnT>
+                    <a:lnB w="12700" cmpd="sng">
+                      <a:noFill/>
+                    </a:lnB>
+                    <a:lnTlToBr w="12700" cmpd="sng">
+                      <a:noFill/>
+                      <a:prstDash val="solid"/>
+                    </a:lnTlToBr>
+                    <a:lnBlToTr w="12700" cmpd="sng">
+                      <a:noFill/>
+                      <a:prstDash val="solid"/>
+                    </a:lnBlToTr>
+                    <a:noFill/>
+                  </a:tcPr>
+                </a:tc>
+                <a:tc>
+                  <a:txBody>
+                    <a:bodyPr/>
+                    <a:lstStyle/>
+                    <a:p>
+                      <a:pPr algn="ctr"/>
+                      <a:r>
+                        <a:rPr lang="de-DE" sz="1800" b="1" dirty="0"/>
+                        <a:t>8</a:t>
+                      </a:r>
+                    </a:p>
+                  </a:txBody>
+                  <a:tcPr>
+                    <a:lnL w="12700" cmpd="sng">
+                      <a:noFill/>
+                    </a:lnL>
+                    <a:lnR w="12700" cmpd="sng">
+                      <a:noFill/>
+                    </a:lnR>
+                    <a:lnT w="38100" cmpd="sng">
+                      <a:noFill/>
+                    </a:lnT>
+                    <a:lnB w="12700" cmpd="sng">
+                      <a:noFill/>
+                    </a:lnB>
+                    <a:lnTlToBr w="12700" cmpd="sng">
+                      <a:noFill/>
+                      <a:prstDash val="solid"/>
+                    </a:lnTlToBr>
+                    <a:lnBlToTr w="12700" cmpd="sng">
+                      <a:noFill/>
+                      <a:prstDash val="solid"/>
+                    </a:lnBlToTr>
+                    <a:noFill/>
+                  </a:tcPr>
+                </a:tc>
+                <a:tc>
+                  <a:txBody>
+                    <a:bodyPr/>
+                    <a:lstStyle/>
+                    <a:p>
+                      <a:pPr algn="ctr"/>
+                      <a:r>
+                        <a:rPr lang="de-DE" sz="1800" b="1" dirty="0"/>
+                        <a:t>9</a:t>
+                      </a:r>
+                    </a:p>
+                  </a:txBody>
+                  <a:tcPr>
+                    <a:lnL w="12700" cmpd="sng">
+                      <a:noFill/>
+                    </a:lnL>
+                    <a:lnR w="12700" cmpd="sng">
+                      <a:noFill/>
+                    </a:lnR>
+                    <a:lnT w="38100" cmpd="sng">
+                      <a:noFill/>
+                    </a:lnT>
+                    <a:lnB w="12700" cmpd="sng">
+                      <a:noFill/>
+                    </a:lnB>
+                    <a:lnTlToBr w="12700" cmpd="sng">
+                      <a:noFill/>
+                      <a:prstDash val="solid"/>
+                    </a:lnTlToBr>
+                    <a:lnBlToTr w="12700" cmpd="sng">
+                      <a:noFill/>
+                      <a:prstDash val="solid"/>
+                    </a:lnBlToTr>
+                    <a:noFill/>
+                  </a:tcPr>
+                </a:tc>
+                <a:extLst>
+                  <a:ext uri="{0D108BD9-81ED-4DB2-BD59-A6C34878D82A}">
+                    <a16:rowId xmlns:a16="http://schemas.microsoft.com/office/drawing/2014/main" val="2263004051"/>
+                  </a:ext>
+                </a:extLst>
+              </a:tr>
+              <a:tr h="575035">
+                <a:tc>
+                  <a:txBody>
+                    <a:bodyPr/>
+                    <a:lstStyle/>
+                    <a:p>
+                      <a:pPr algn="ctr"/>
+                      <a:r>
+                        <a:rPr lang="de-DE" sz="1800" b="1" dirty="0"/>
+                        <a:t>10</a:t>
+                      </a:r>
+                    </a:p>
+                  </a:txBody>
+                  <a:tcPr>
+                    <a:lnL w="12700" cmpd="sng">
+                      <a:noFill/>
+                    </a:lnL>
+                    <a:lnR w="12700" cmpd="sng">
+                      <a:noFill/>
+                    </a:lnR>
+                    <a:lnT w="12700" cmpd="sng">
+                      <a:noFill/>
+                    </a:lnT>
+                    <a:lnB w="12700" cmpd="sng">
+                      <a:noFill/>
+                    </a:lnB>
+                    <a:lnTlToBr w="12700" cmpd="sng">
+                      <a:noFill/>
+                      <a:prstDash val="solid"/>
+                    </a:lnTlToBr>
+                    <a:lnBlToTr w="12700" cmpd="sng">
+                      <a:noFill/>
+                      <a:prstDash val="solid"/>
+                    </a:lnBlToTr>
+                    <a:noFill/>
+                  </a:tcPr>
+                </a:tc>
+                <a:tc>
+                  <a:txBody>
+                    <a:bodyPr/>
+                    <a:lstStyle/>
+                    <a:p>
+                      <a:pPr algn="ctr"/>
+                      <a:r>
+                        <a:rPr lang="de-DE" sz="1800" b="1" dirty="0"/>
+                        <a:t>11</a:t>
+                      </a:r>
+                    </a:p>
+                  </a:txBody>
+                  <a:tcPr>
+                    <a:lnL w="12700" cmpd="sng">
+                      <a:noFill/>
+                    </a:lnL>
+                    <a:lnR w="12700" cmpd="sng">
+                      <a:noFill/>
+                    </a:lnR>
+                    <a:lnT w="12700" cmpd="sng">
+                      <a:noFill/>
+                    </a:lnT>
+                    <a:lnB w="12700" cmpd="sng">
+                      <a:noFill/>
+                    </a:lnB>
+                    <a:lnTlToBr w="12700" cmpd="sng">
+                      <a:noFill/>
+                      <a:prstDash val="solid"/>
+                    </a:lnTlToBr>
+                    <a:lnBlToTr w="12700" cmpd="sng">
+                      <a:noFill/>
+                      <a:prstDash val="solid"/>
+                    </a:lnBlToTr>
+                    <a:noFill/>
+                  </a:tcPr>
+                </a:tc>
+                <a:tc>
+                  <a:txBody>
+                    <a:bodyPr/>
+                    <a:lstStyle/>
+                    <a:p>
+                      <a:pPr algn="ctr"/>
+                      <a:r>
+                        <a:rPr lang="de-DE" sz="1800" b="1" dirty="0"/>
+                        <a:t>12</a:t>
+                      </a:r>
+                    </a:p>
+                  </a:txBody>
+                  <a:tcPr>
+                    <a:lnL w="12700" cmpd="sng">
+                      <a:noFill/>
+                    </a:lnL>
+                    <a:lnR w="12700" cmpd="sng">
+                      <a:noFill/>
+                    </a:lnR>
+                    <a:lnT w="12700" cmpd="sng">
+                      <a:noFill/>
+                    </a:lnT>
+                    <a:lnB w="12700" cmpd="sng">
+                      <a:noFill/>
+                    </a:lnB>
+                    <a:lnTlToBr w="12700" cmpd="sng">
+                      <a:noFill/>
+                      <a:prstDash val="solid"/>
+                    </a:lnTlToBr>
+                    <a:lnBlToTr w="12700" cmpd="sng">
+                      <a:noFill/>
+                      <a:prstDash val="solid"/>
+                    </a:lnBlToTr>
+                    <a:noFill/>
+                  </a:tcPr>
+                </a:tc>
+                <a:tc>
+                  <a:txBody>
+                    <a:bodyPr/>
+                    <a:lstStyle/>
+                    <a:p>
+                      <a:pPr algn="ctr"/>
+                      <a:r>
+                        <a:rPr lang="de-DE" sz="1800" b="1" dirty="0"/>
+                        <a:t>13</a:t>
+                      </a:r>
+                    </a:p>
+                  </a:txBody>
+                  <a:tcPr>
+                    <a:lnL w="12700" cmpd="sng">
+                      <a:noFill/>
+                    </a:lnL>
+                    <a:lnR w="12700" cmpd="sng">
+                      <a:noFill/>
+                    </a:lnR>
+                    <a:lnT w="12700" cmpd="sng">
+                      <a:noFill/>
+                    </a:lnT>
+                    <a:lnB w="12700" cmpd="sng">
+                      <a:noFill/>
+                    </a:lnB>
+                    <a:lnTlToBr w="12700" cmpd="sng">
+                      <a:noFill/>
+                      <a:prstDash val="solid"/>
+                    </a:lnTlToBr>
+                    <a:lnBlToTr w="12700" cmpd="sng">
+                      <a:noFill/>
+                      <a:prstDash val="solid"/>
+                    </a:lnBlToTr>
+                    <a:noFill/>
+                  </a:tcPr>
+                </a:tc>
+                <a:tc>
+                  <a:txBody>
+                    <a:bodyPr/>
+                    <a:lstStyle/>
+                    <a:p>
+                      <a:pPr algn="ctr"/>
+                      <a:r>
+                        <a:rPr lang="de-DE" sz="1800" b="1" dirty="0"/>
+                        <a:t>14</a:t>
+                      </a:r>
+                    </a:p>
+                  </a:txBody>
+                  <a:tcPr>
+                    <a:lnL w="12700" cmpd="sng">
+                      <a:noFill/>
+                    </a:lnL>
+                    <a:lnR w="12700" cmpd="sng">
+                      <a:noFill/>
+                    </a:lnR>
+                    <a:lnT w="12700" cmpd="sng">
+                      <a:noFill/>
+                    </a:lnT>
+                    <a:lnB w="12700" cmpd="sng">
+                      <a:noFill/>
+                    </a:lnB>
+                    <a:lnTlToBr w="12700" cmpd="sng">
+                      <a:noFill/>
+                      <a:prstDash val="solid"/>
+                    </a:lnTlToBr>
+                    <a:lnBlToTr w="12700" cmpd="sng">
+                      <a:noFill/>
+                      <a:prstDash val="solid"/>
+                    </a:lnBlToTr>
+                    <a:noFill/>
+                  </a:tcPr>
+                </a:tc>
+                <a:extLst>
+                  <a:ext uri="{0D108BD9-81ED-4DB2-BD59-A6C34878D82A}">
+                    <a16:rowId xmlns:a16="http://schemas.microsoft.com/office/drawing/2014/main" val="369189791"/>
+                  </a:ext>
+                </a:extLst>
+              </a:tr>
+              <a:tr h="537328">
+                <a:tc>
+                  <a:txBody>
+                    <a:bodyPr/>
+                    <a:lstStyle/>
+                    <a:p>
+                      <a:pPr algn="ctr"/>
+                      <a:r>
+                        <a:rPr lang="de-DE" sz="1800" b="1" dirty="0"/>
+                        <a:t>15</a:t>
+                      </a:r>
+                    </a:p>
+                  </a:txBody>
+                  <a:tcPr>
+                    <a:lnL w="12700" cmpd="sng">
+                      <a:noFill/>
+                    </a:lnL>
+                    <a:lnR w="12700" cmpd="sng">
+                      <a:noFill/>
+                    </a:lnR>
+                    <a:lnT w="12700" cmpd="sng">
+                      <a:noFill/>
+                    </a:lnT>
+                    <a:lnB w="12700" cmpd="sng">
+                      <a:noFill/>
+                    </a:lnB>
+                    <a:lnTlToBr w="12700" cmpd="sng">
+                      <a:noFill/>
+                      <a:prstDash val="solid"/>
+                    </a:lnTlToBr>
+                    <a:lnBlToTr w="12700" cmpd="sng">
+                      <a:noFill/>
+                      <a:prstDash val="solid"/>
+                    </a:lnBlToTr>
+                    <a:noFill/>
+                  </a:tcPr>
+                </a:tc>
+                <a:tc>
+                  <a:txBody>
+                    <a:bodyPr/>
+                    <a:lstStyle/>
+                    <a:p>
+                      <a:pPr algn="ctr"/>
+                      <a:r>
+                        <a:rPr lang="de-DE" sz="1800" b="1" dirty="0"/>
+                        <a:t>16</a:t>
+                      </a:r>
+                    </a:p>
+                  </a:txBody>
+                  <a:tcPr>
+                    <a:lnL w="12700" cmpd="sng">
+                      <a:noFill/>
+                    </a:lnL>
+                    <a:lnR w="12700" cmpd="sng">
+                      <a:noFill/>
+                    </a:lnR>
+                    <a:lnT w="12700" cmpd="sng">
+                      <a:noFill/>
+                    </a:lnT>
+                    <a:lnB w="12700" cmpd="sng">
+                      <a:noFill/>
+                    </a:lnB>
+                    <a:lnTlToBr w="12700" cmpd="sng">
+                      <a:noFill/>
+                      <a:prstDash val="solid"/>
+                    </a:lnTlToBr>
+                    <a:lnBlToTr w="12700" cmpd="sng">
+                      <a:noFill/>
+                      <a:prstDash val="solid"/>
+                    </a:lnBlToTr>
+                    <a:noFill/>
+                  </a:tcPr>
+                </a:tc>
+                <a:tc>
+                  <a:txBody>
+                    <a:bodyPr/>
+                    <a:lstStyle/>
+                    <a:p>
+                      <a:pPr algn="ctr"/>
+                      <a:r>
+                        <a:rPr lang="de-DE" sz="1800" b="1" dirty="0"/>
+                        <a:t>17</a:t>
+                      </a:r>
+                    </a:p>
+                  </a:txBody>
+                  <a:tcPr>
+                    <a:lnL w="12700" cmpd="sng">
+                      <a:noFill/>
+                    </a:lnL>
+                    <a:lnR w="12700" cmpd="sng">
+                      <a:noFill/>
+                    </a:lnR>
+                    <a:lnT w="12700" cmpd="sng">
+                      <a:noFill/>
+                    </a:lnT>
+                    <a:lnB w="12700" cmpd="sng">
+                      <a:noFill/>
+                    </a:lnB>
+                    <a:lnTlToBr w="12700" cmpd="sng">
+                      <a:noFill/>
+                      <a:prstDash val="solid"/>
+                    </a:lnTlToBr>
+                    <a:lnBlToTr w="12700" cmpd="sng">
+                      <a:noFill/>
+                      <a:prstDash val="solid"/>
+                    </a:lnBlToTr>
+                    <a:noFill/>
+                  </a:tcPr>
+                </a:tc>
+                <a:tc>
+                  <a:txBody>
+                    <a:bodyPr/>
+                    <a:lstStyle/>
+                    <a:p>
+                      <a:pPr algn="ctr"/>
+                      <a:r>
+                        <a:rPr lang="de-DE" sz="1800" b="1" dirty="0"/>
+                        <a:t>18</a:t>
+                      </a:r>
+                    </a:p>
+                  </a:txBody>
+                  <a:tcPr>
+                    <a:lnL w="12700" cmpd="sng">
+                      <a:noFill/>
+                    </a:lnL>
+                    <a:lnR w="12700" cmpd="sng">
+                      <a:noFill/>
+                    </a:lnR>
+                    <a:lnT w="12700" cmpd="sng">
+                      <a:noFill/>
+                    </a:lnT>
+                    <a:lnB w="12700" cmpd="sng">
+                      <a:noFill/>
+                    </a:lnB>
+                    <a:lnTlToBr w="12700" cmpd="sng">
+                      <a:noFill/>
+                      <a:prstDash val="solid"/>
+                    </a:lnTlToBr>
+                    <a:lnBlToTr w="12700" cmpd="sng">
+                      <a:noFill/>
+                      <a:prstDash val="solid"/>
+                    </a:lnBlToTr>
+                    <a:noFill/>
+                  </a:tcPr>
+                </a:tc>
+                <a:tc>
+                  <a:txBody>
+                    <a:bodyPr/>
+                    <a:lstStyle/>
+                    <a:p>
+                      <a:pPr algn="ctr"/>
+                      <a:r>
+                        <a:rPr lang="de-DE" sz="1800" b="1" dirty="0"/>
+                        <a:t>19</a:t>
+                      </a:r>
+                    </a:p>
+                  </a:txBody>
+                  <a:tcPr>
+                    <a:lnL w="12700" cmpd="sng">
+                      <a:noFill/>
+                    </a:lnL>
+                    <a:lnR w="12700" cmpd="sng">
+                      <a:noFill/>
+                    </a:lnR>
+                    <a:lnT w="12700" cmpd="sng">
+                      <a:noFill/>
+                    </a:lnT>
+                    <a:lnB w="12700" cmpd="sng">
+                      <a:noFill/>
+                    </a:lnB>
+                    <a:lnTlToBr w="12700" cmpd="sng">
+                      <a:noFill/>
+                      <a:prstDash val="solid"/>
+                    </a:lnTlToBr>
+                    <a:lnBlToTr w="12700" cmpd="sng">
+                      <a:noFill/>
+                      <a:prstDash val="solid"/>
+                    </a:lnBlToTr>
+                    <a:noFill/>
+                  </a:tcPr>
+                </a:tc>
+                <a:extLst>
+                  <a:ext uri="{0D108BD9-81ED-4DB2-BD59-A6C34878D82A}">
+                    <a16:rowId xmlns:a16="http://schemas.microsoft.com/office/drawing/2014/main" val="516350045"/>
+                  </a:ext>
+                </a:extLst>
+              </a:tr>
+              <a:tr h="636065">
+                <a:tc>
+                  <a:txBody>
+                    <a:bodyPr/>
+                    <a:lstStyle/>
+                    <a:p>
+                      <a:pPr algn="ctr"/>
+                      <a:r>
+                        <a:rPr lang="de-DE" sz="1800" b="1" dirty="0"/>
+                        <a:t>20</a:t>
+                      </a:r>
+                    </a:p>
+                  </a:txBody>
+                  <a:tcPr>
+                    <a:lnL w="12700" cmpd="sng">
+                      <a:noFill/>
+                    </a:lnL>
+                    <a:lnR w="12700" cmpd="sng">
+                      <a:noFill/>
+                    </a:lnR>
+                    <a:lnT w="12700" cmpd="sng">
+                      <a:noFill/>
+                    </a:lnT>
+                    <a:lnB w="12700" cmpd="sng">
+                      <a:noFill/>
+                    </a:lnB>
+                    <a:lnTlToBr w="12700" cmpd="sng">
+                      <a:noFill/>
+                      <a:prstDash val="solid"/>
+                    </a:lnTlToBr>
+                    <a:lnBlToTr w="12700" cmpd="sng">
+                      <a:noFill/>
+                      <a:prstDash val="solid"/>
+                    </a:lnBlToTr>
+                    <a:noFill/>
+                  </a:tcPr>
+                </a:tc>
+                <a:tc>
+                  <a:txBody>
+                    <a:bodyPr/>
+                    <a:lstStyle/>
+                    <a:p>
+                      <a:pPr algn="ctr"/>
+                      <a:r>
+                        <a:rPr lang="de-DE" sz="1800" b="1" dirty="0"/>
+                        <a:t>21</a:t>
+                      </a:r>
+                    </a:p>
+                  </a:txBody>
+                  <a:tcPr>
+                    <a:lnL w="12700" cmpd="sng">
+                      <a:noFill/>
+                    </a:lnL>
+                    <a:lnR w="12700" cmpd="sng">
+                      <a:noFill/>
+                    </a:lnR>
+                    <a:lnT w="12700" cmpd="sng">
+                      <a:noFill/>
+                    </a:lnT>
+                    <a:lnB w="12700" cmpd="sng">
+                      <a:noFill/>
+                    </a:lnB>
+                    <a:lnTlToBr w="12700" cmpd="sng">
+                      <a:noFill/>
+                      <a:prstDash val="solid"/>
+                    </a:lnTlToBr>
+                    <a:lnBlToTr w="12700" cmpd="sng">
+                      <a:noFill/>
+                      <a:prstDash val="solid"/>
+                    </a:lnBlToTr>
+                    <a:noFill/>
+                  </a:tcPr>
+                </a:tc>
+                <a:tc>
+                  <a:txBody>
+                    <a:bodyPr/>
+                    <a:lstStyle/>
+                    <a:p>
+                      <a:pPr algn="ctr"/>
+                      <a:r>
+                        <a:rPr lang="de-DE" sz="1800" b="1" dirty="0"/>
+                        <a:t>22</a:t>
+                      </a:r>
+                    </a:p>
+                  </a:txBody>
+                  <a:tcPr>
+                    <a:lnL w="12700" cmpd="sng">
+                      <a:noFill/>
+                    </a:lnL>
+                    <a:lnR w="12700" cmpd="sng">
+                      <a:noFill/>
+                    </a:lnR>
+                    <a:lnT w="12700" cmpd="sng">
+                      <a:noFill/>
+                    </a:lnT>
+                    <a:lnB w="12700" cmpd="sng">
+                      <a:noFill/>
+                    </a:lnB>
+                    <a:lnTlToBr w="12700" cmpd="sng">
+                      <a:noFill/>
+                      <a:prstDash val="solid"/>
+                    </a:lnTlToBr>
+                    <a:lnBlToTr w="12700" cmpd="sng">
+                      <a:noFill/>
+                      <a:prstDash val="solid"/>
+                    </a:lnBlToTr>
+                    <a:noFill/>
+                  </a:tcPr>
+                </a:tc>
+                <a:tc>
+                  <a:txBody>
+                    <a:bodyPr/>
+                    <a:lstStyle/>
+                    <a:p>
+                      <a:pPr algn="ctr"/>
+                      <a:r>
+                        <a:rPr lang="de-DE" sz="1800" b="1" dirty="0"/>
+                        <a:t>23</a:t>
+                      </a:r>
+                    </a:p>
+                  </a:txBody>
+                  <a:tcPr>
+                    <a:lnL w="12700" cmpd="sng">
+                      <a:noFill/>
+                    </a:lnL>
+                    <a:lnR w="12700" cmpd="sng">
+                      <a:noFill/>
+                    </a:lnR>
+                    <a:lnT w="12700" cmpd="sng">
+                      <a:noFill/>
+                    </a:lnT>
+                    <a:lnB w="12700" cmpd="sng">
+                      <a:noFill/>
+                    </a:lnB>
+                    <a:lnTlToBr w="12700" cmpd="sng">
+                      <a:noFill/>
+                      <a:prstDash val="solid"/>
+                    </a:lnTlToBr>
+                    <a:lnBlToTr w="12700" cmpd="sng">
+                      <a:noFill/>
+                      <a:prstDash val="solid"/>
+                    </a:lnBlToTr>
+                    <a:noFill/>
+                  </a:tcPr>
+                </a:tc>
+                <a:tc>
+                  <a:txBody>
+                    <a:bodyPr/>
+                    <a:lstStyle/>
+                    <a:p>
+                      <a:pPr algn="ctr"/>
+                      <a:r>
+                        <a:rPr lang="de-DE" sz="1800" b="1" dirty="0"/>
+                        <a:t>24</a:t>
+                      </a:r>
+                    </a:p>
+                  </a:txBody>
+                  <a:tcPr>
+                    <a:lnL w="12700" cmpd="sng">
+                      <a:noFill/>
+                    </a:lnL>
+                    <a:lnR w="12700" cmpd="sng">
+                      <a:noFill/>
+                    </a:lnR>
+                    <a:lnT w="12700" cmpd="sng">
+                      <a:noFill/>
+                    </a:lnT>
+                    <a:lnB w="12700" cmpd="sng">
+                      <a:noFill/>
+                    </a:lnB>
+                    <a:lnTlToBr w="12700" cmpd="sng">
+                      <a:noFill/>
+                      <a:prstDash val="solid"/>
+                    </a:lnTlToBr>
+                    <a:lnBlToTr w="12700" cmpd="sng">
+                      <a:noFill/>
+                      <a:prstDash val="solid"/>
+                    </a:lnBlToTr>
+                    <a:noFill/>
+                  </a:tcPr>
+                </a:tc>
+                <a:extLst>
+                  <a:ext uri="{0D108BD9-81ED-4DB2-BD59-A6C34878D82A}">
+                    <a16:rowId xmlns:a16="http://schemas.microsoft.com/office/drawing/2014/main" val="2946126492"/>
+                  </a:ext>
+                </a:extLst>
+              </a:tr>
+            </a:tbl>
+          </a:graphicData>
+        </a:graphic>
+      </p:graphicFrame>
+      <p:pic>
+        <p:nvPicPr>
+          <p:cNvPr id="49" name="Grafik 48">
+            <a:extLst>
+              <a:ext uri="{FF2B5EF4-FFF2-40B4-BE49-F238E27FC236}">
+                <a16:creationId xmlns:a16="http://schemas.microsoft.com/office/drawing/2014/main" id="{164C6C26-F9DB-4C68-89AB-7AB7072EB4A6}"/>
+              </a:ext>
+            </a:extLst>
+          </p:cNvPr>
+          <p:cNvPicPr>
+            <a:picLocks noChangeAspect="1"/>
+          </p:cNvPicPr>
+          <p:nvPr/>
+        </p:nvPicPr>
+        <p:blipFill>
+          <a:blip r:embed="rId3"/>
+          <a:stretch>
+            <a:fillRect/>
+          </a:stretch>
+        </p:blipFill>
+        <p:spPr>
+          <a:xfrm>
+            <a:off x="5494599" y="1381508"/>
+            <a:ext cx="1202801" cy="1196044"/>
+          </a:xfrm>
+          <a:prstGeom prst="rect">
+            <a:avLst/>
+          </a:prstGeom>
+        </p:spPr>
+      </p:pic>
+      <p:pic>
+        <p:nvPicPr>
+          <p:cNvPr id="51" name="Grafik 50">
+            <a:extLst>
+              <a:ext uri="{FF2B5EF4-FFF2-40B4-BE49-F238E27FC236}">
+                <a16:creationId xmlns:a16="http://schemas.microsoft.com/office/drawing/2014/main" id="{1C230F81-CF29-48A8-98D2-0304A25C6BCD}"/>
+              </a:ext>
+            </a:extLst>
+          </p:cNvPr>
+          <p:cNvPicPr>
+            <a:picLocks noChangeAspect="1"/>
+          </p:cNvPicPr>
+          <p:nvPr/>
+        </p:nvPicPr>
+        <p:blipFill>
+          <a:blip r:embed="rId4"/>
+          <a:stretch>
+            <a:fillRect/>
+          </a:stretch>
+        </p:blipFill>
+        <p:spPr>
+          <a:xfrm>
+            <a:off x="7021741" y="1381508"/>
+            <a:ext cx="1196044" cy="1196044"/>
+          </a:xfrm>
+          <a:prstGeom prst="rect">
+            <a:avLst/>
+          </a:prstGeom>
+        </p:spPr>
+      </p:pic>
+      <p:pic>
+        <p:nvPicPr>
+          <p:cNvPr id="53" name="Grafik 52">
+            <a:extLst>
+              <a:ext uri="{FF2B5EF4-FFF2-40B4-BE49-F238E27FC236}">
+                <a16:creationId xmlns:a16="http://schemas.microsoft.com/office/drawing/2014/main" id="{C37DCAED-7F24-4876-A858-2905A5E5D46B}"/>
+              </a:ext>
+            </a:extLst>
+          </p:cNvPr>
+          <p:cNvPicPr>
+            <a:picLocks noChangeAspect="1"/>
+          </p:cNvPicPr>
+          <p:nvPr/>
+        </p:nvPicPr>
+        <p:blipFill>
+          <a:blip r:embed="rId5"/>
+          <a:stretch>
+            <a:fillRect/>
+          </a:stretch>
+        </p:blipFill>
+        <p:spPr>
+          <a:xfrm>
+            <a:off x="8542126" y="1381508"/>
+            <a:ext cx="1196044" cy="1216905"/>
+          </a:xfrm>
+          <a:prstGeom prst="rect">
+            <a:avLst/>
+          </a:prstGeom>
+        </p:spPr>
+      </p:pic>
+      <p:pic>
+        <p:nvPicPr>
+          <p:cNvPr id="55" name="Grafik 54">
+            <a:extLst>
+              <a:ext uri="{FF2B5EF4-FFF2-40B4-BE49-F238E27FC236}">
+                <a16:creationId xmlns:a16="http://schemas.microsoft.com/office/drawing/2014/main" id="{4F620DCB-6256-427A-816B-64100F75A9D5}"/>
+              </a:ext>
+            </a:extLst>
+          </p:cNvPr>
+          <p:cNvPicPr>
+            <a:picLocks noChangeAspect="1"/>
+          </p:cNvPicPr>
+          <p:nvPr/>
+        </p:nvPicPr>
+        <p:blipFill>
+          <a:blip r:embed="rId6"/>
+          <a:stretch>
+            <a:fillRect/>
+          </a:stretch>
+        </p:blipFill>
+        <p:spPr>
+          <a:xfrm>
+            <a:off x="5494599" y="2830978"/>
+            <a:ext cx="1196044" cy="1196044"/>
+          </a:xfrm>
+          <a:prstGeom prst="rect">
+            <a:avLst/>
+          </a:prstGeom>
+        </p:spPr>
+      </p:pic>
+      <p:pic>
+        <p:nvPicPr>
+          <p:cNvPr id="57" name="Grafik 56">
+            <a:extLst>
+              <a:ext uri="{FF2B5EF4-FFF2-40B4-BE49-F238E27FC236}">
+                <a16:creationId xmlns:a16="http://schemas.microsoft.com/office/drawing/2014/main" id="{C477FEE6-020F-4C12-93BF-6FDCF729249C}"/>
+              </a:ext>
+            </a:extLst>
+          </p:cNvPr>
+          <p:cNvPicPr>
+            <a:picLocks noChangeAspect="1"/>
+          </p:cNvPicPr>
+          <p:nvPr/>
+        </p:nvPicPr>
+        <p:blipFill>
+          <a:blip r:embed="rId7"/>
+          <a:stretch>
+            <a:fillRect/>
+          </a:stretch>
+        </p:blipFill>
+        <p:spPr>
+          <a:xfrm>
+            <a:off x="7014906" y="2830978"/>
+            <a:ext cx="1202879" cy="1196044"/>
+          </a:xfrm>
+          <a:prstGeom prst="rect">
+            <a:avLst/>
+          </a:prstGeom>
+        </p:spPr>
+      </p:pic>
+      <p:pic>
+        <p:nvPicPr>
+          <p:cNvPr id="59" name="Grafik 58">
+            <a:extLst>
+              <a:ext uri="{FF2B5EF4-FFF2-40B4-BE49-F238E27FC236}">
+                <a16:creationId xmlns:a16="http://schemas.microsoft.com/office/drawing/2014/main" id="{5E896B4E-E1B6-4EAA-A9A4-278CD8489DF2}"/>
+              </a:ext>
+            </a:extLst>
+          </p:cNvPr>
+          <p:cNvPicPr>
+            <a:picLocks noChangeAspect="1"/>
+          </p:cNvPicPr>
+          <p:nvPr/>
+        </p:nvPicPr>
+        <p:blipFill>
+          <a:blip r:embed="rId8"/>
+          <a:stretch>
+            <a:fillRect/>
+          </a:stretch>
+        </p:blipFill>
+        <p:spPr>
+          <a:xfrm>
+            <a:off x="8542048" y="2830978"/>
+            <a:ext cx="1203077" cy="1216905"/>
+          </a:xfrm>
+          <a:prstGeom prst="rect">
+            <a:avLst/>
+          </a:prstGeom>
+        </p:spPr>
+      </p:pic>
+      <p:pic>
+        <p:nvPicPr>
+          <p:cNvPr id="61" name="Grafik 60">
+            <a:extLst>
+              <a:ext uri="{FF2B5EF4-FFF2-40B4-BE49-F238E27FC236}">
+                <a16:creationId xmlns:a16="http://schemas.microsoft.com/office/drawing/2014/main" id="{A4669807-00C3-4A0D-9F01-D85DAAAD1B65}"/>
+              </a:ext>
+            </a:extLst>
+          </p:cNvPr>
+          <p:cNvPicPr>
+            <a:picLocks noChangeAspect="1"/>
+          </p:cNvPicPr>
+          <p:nvPr/>
+        </p:nvPicPr>
+        <p:blipFill>
+          <a:blip r:embed="rId9"/>
+          <a:stretch>
+            <a:fillRect/>
+          </a:stretch>
+        </p:blipFill>
+        <p:spPr>
+          <a:xfrm>
+            <a:off x="5494599" y="4280448"/>
+            <a:ext cx="1223819" cy="1216905"/>
+          </a:xfrm>
+          <a:prstGeom prst="rect">
+            <a:avLst/>
+          </a:prstGeom>
+        </p:spPr>
+      </p:pic>
+      <p:pic>
+        <p:nvPicPr>
+          <p:cNvPr id="63" name="Grafik 62">
+            <a:extLst>
+              <a:ext uri="{FF2B5EF4-FFF2-40B4-BE49-F238E27FC236}">
+                <a16:creationId xmlns:a16="http://schemas.microsoft.com/office/drawing/2014/main" id="{F4D6FDC6-F5E3-490A-92A4-C981B480641E}"/>
+              </a:ext>
+            </a:extLst>
+          </p:cNvPr>
+          <p:cNvPicPr>
+            <a:picLocks noChangeAspect="1"/>
+          </p:cNvPicPr>
+          <p:nvPr/>
+        </p:nvPicPr>
+        <p:blipFill>
+          <a:blip r:embed="rId10"/>
+          <a:stretch>
+            <a:fillRect/>
+          </a:stretch>
+        </p:blipFill>
+        <p:spPr>
+          <a:xfrm>
+            <a:off x="7021741" y="4280448"/>
+            <a:ext cx="1223819" cy="1223819"/>
+          </a:xfrm>
+          <a:prstGeom prst="rect">
+            <a:avLst/>
+          </a:prstGeom>
+        </p:spPr>
+      </p:pic>
+      <p:pic>
+        <p:nvPicPr>
+          <p:cNvPr id="65" name="Grafik 64">
+            <a:extLst>
+              <a:ext uri="{FF2B5EF4-FFF2-40B4-BE49-F238E27FC236}">
+                <a16:creationId xmlns:a16="http://schemas.microsoft.com/office/drawing/2014/main" id="{73F0A4BA-AE0B-48BE-9688-3B95234749E0}"/>
+              </a:ext>
+            </a:extLst>
+          </p:cNvPr>
+          <p:cNvPicPr>
+            <a:picLocks noChangeAspect="1"/>
+          </p:cNvPicPr>
+          <p:nvPr/>
+        </p:nvPicPr>
+        <p:blipFill>
+          <a:blip r:embed="rId11"/>
+          <a:stretch>
+            <a:fillRect/>
+          </a:stretch>
+        </p:blipFill>
+        <p:spPr>
+          <a:xfrm>
+            <a:off x="8542048" y="4280448"/>
+            <a:ext cx="1223819" cy="1223819"/>
+          </a:xfrm>
+          <a:prstGeom prst="rect">
+            <a:avLst/>
+          </a:prstGeom>
+        </p:spPr>
+      </p:pic>
+      <p:cxnSp>
+        <p:nvCxnSpPr>
+          <p:cNvPr id="67" name="Gerade Verbindung mit Pfeil 66">
+            <a:extLst>
+              <a:ext uri="{FF2B5EF4-FFF2-40B4-BE49-F238E27FC236}">
+                <a16:creationId xmlns:a16="http://schemas.microsoft.com/office/drawing/2014/main" id="{14CFEA1E-F7AA-4BA0-A1AC-A4731D9A6A77}"/>
+              </a:ext>
+            </a:extLst>
+          </p:cNvPr>
+          <p:cNvCxnSpPr/>
+          <p:nvPr/>
+        </p:nvCxnSpPr>
+        <p:spPr>
+          <a:xfrm flipV="1">
+            <a:off x="2450969" y="1989960"/>
+            <a:ext cx="3655539" cy="841018"/>
+          </a:xfrm>
+          <a:prstGeom prst="straightConnector1">
+            <a:avLst/>
+          </a:prstGeom>
+          <a:ln w="28575">
+            <a:tailEnd type="triangle"/>
+          </a:ln>
+        </p:spPr>
+        <p:style>
+          <a:lnRef idx="1">
+            <a:schemeClr val="accent1"/>
+          </a:lnRef>
+          <a:fillRef idx="0">
+            <a:schemeClr val="accent1"/>
+          </a:fillRef>
+          <a:effectRef idx="0">
+            <a:schemeClr val="accent1"/>
+          </a:effectRef>
+          <a:fontRef idx="minor">
+            <a:schemeClr val="tx1"/>
+          </a:fontRef>
+        </p:style>
+      </p:cxnSp>
+      <p:cxnSp>
+        <p:nvCxnSpPr>
+          <p:cNvPr id="68" name="Gerade Verbindung mit Pfeil 67">
+            <a:extLst>
+              <a:ext uri="{FF2B5EF4-FFF2-40B4-BE49-F238E27FC236}">
+                <a16:creationId xmlns:a16="http://schemas.microsoft.com/office/drawing/2014/main" id="{644CD79A-A409-47FB-B7CD-E1ADAFE69F43}"/>
+              </a:ext>
+            </a:extLst>
+          </p:cNvPr>
+          <p:cNvCxnSpPr>
+            <a:cxnSpLocks/>
+          </p:cNvCxnSpPr>
+          <p:nvPr/>
+        </p:nvCxnSpPr>
+        <p:spPr>
+          <a:xfrm flipV="1">
+            <a:off x="3032562" y="1989959"/>
+            <a:ext cx="4601088" cy="851449"/>
+          </a:xfrm>
+          <a:prstGeom prst="straightConnector1">
+            <a:avLst/>
+          </a:prstGeom>
+          <a:ln w="28575">
+            <a:solidFill>
+              <a:srgbClr val="4472C4">
+                <a:alpha val="80000"/>
+              </a:srgbClr>
+            </a:solidFill>
+            <a:tailEnd type="triangle"/>
+          </a:ln>
+        </p:spPr>
+        <p:style>
+          <a:lnRef idx="1">
+            <a:schemeClr val="accent1"/>
+          </a:lnRef>
+          <a:fillRef idx="0">
+            <a:schemeClr val="accent1"/>
+          </a:fillRef>
+          <a:effectRef idx="0">
+            <a:schemeClr val="accent1"/>
+          </a:effectRef>
+          <a:fontRef idx="minor">
+            <a:schemeClr val="tx1"/>
+          </a:fontRef>
+        </p:style>
+      </p:cxnSp>
+      <p:cxnSp>
+        <p:nvCxnSpPr>
+          <p:cNvPr id="71" name="Gerade Verbindung mit Pfeil 70">
+            <a:extLst>
+              <a:ext uri="{FF2B5EF4-FFF2-40B4-BE49-F238E27FC236}">
+                <a16:creationId xmlns:a16="http://schemas.microsoft.com/office/drawing/2014/main" id="{7E2FB5BE-8BEF-4958-8615-ED858963470F}"/>
+              </a:ext>
+            </a:extLst>
+          </p:cNvPr>
+          <p:cNvCxnSpPr>
+            <a:cxnSpLocks/>
+          </p:cNvCxnSpPr>
+          <p:nvPr/>
+        </p:nvCxnSpPr>
+        <p:spPr>
+          <a:xfrm flipV="1">
+            <a:off x="3649875" y="2020237"/>
+            <a:ext cx="5490273" cy="821172"/>
+          </a:xfrm>
+          <a:prstGeom prst="straightConnector1">
+            <a:avLst/>
+          </a:prstGeom>
+          <a:ln w="28575">
+            <a:solidFill>
+              <a:srgbClr val="4472C4">
+                <a:alpha val="50196"/>
+              </a:srgbClr>
+            </a:solidFill>
+            <a:tailEnd type="triangle"/>
+          </a:ln>
+        </p:spPr>
+        <p:style>
+          <a:lnRef idx="1">
+            <a:schemeClr val="accent1"/>
+          </a:lnRef>
+          <a:fillRef idx="0">
+            <a:schemeClr val="accent1"/>
+          </a:fillRef>
+          <a:effectRef idx="0">
+            <a:schemeClr val="accent1"/>
+          </a:effectRef>
+          <a:fontRef idx="minor">
+            <a:schemeClr val="tx1"/>
+          </a:fontRef>
+        </p:style>
+      </p:cxnSp>
+    </p:spTree>
+    <p:extLst>
+      <p:ext uri="{BB962C8B-B14F-4D97-AF65-F5344CB8AC3E}">
+        <p14:creationId xmlns:p14="http://schemas.microsoft.com/office/powerpoint/2010/main" val="86575761"/>
+      </p:ext>
+    </p:extLst>
+  </p:cSld>
+  <p:clrMapOvr>
+    <a:masterClrMapping/>
+  </p:clrMapOvr>
+</p:sld>
+</file>
+
+<file path=ppt/slides/slide6.xml><?xml version="1.0" encoding="utf-8"?>
+<p:sld xmlns:a="http://schemas.openxmlformats.org/drawingml/2006/main" xmlns:r="http://schemas.openxmlformats.org/officeDocument/2006/relationships" xmlns:p="http://schemas.openxmlformats.org/presentationml/2006/main">
+  <p:cSld>
+    <p:spTree>
+      <p:nvGrpSpPr>
+        <p:cNvPr id="1" name=""/>
+        <p:cNvGrpSpPr/>
+        <p:nvPr/>
+      </p:nvGrpSpPr>
+      <p:grpSpPr>
+        <a:xfrm>
+          <a:off x="0" y="0"/>
+          <a:ext cx="0" cy="0"/>
+          <a:chOff x="0" y="0"/>
+          <a:chExt cx="0" cy="0"/>
+        </a:xfrm>
+      </p:grpSpPr>
+      <p:sp>
+        <p:nvSpPr>
+          <p:cNvPr id="4" name="Titel 1">
+            <a:extLst>
+              <a:ext uri="{FF2B5EF4-FFF2-40B4-BE49-F238E27FC236}">
+                <a16:creationId xmlns:a16="http://schemas.microsoft.com/office/drawing/2014/main" id="{41DA3DFC-2253-4925-B743-FF4E3A10106E}"/>
+              </a:ext>
+            </a:extLst>
+          </p:cNvPr>
+          <p:cNvSpPr>
+            <a:spLocks noGrp="1"/>
+          </p:cNvSpPr>
+          <p:nvPr>
+            <p:ph type="title"/>
+          </p:nvPr>
+        </p:nvSpPr>
+        <p:spPr>
+          <a:xfrm>
+            <a:off x="838200" y="261343"/>
+            <a:ext cx="10515600" cy="679816"/>
+          </a:xfrm>
+        </p:spPr>
+        <p:txBody>
+          <a:bodyPr>
+            <a:normAutofit fontScale="90000"/>
+          </a:bodyPr>
+          <a:lstStyle/>
+          <a:p>
+            <a:r>
+              <a:rPr lang="de-DE" dirty="0" err="1"/>
+              <a:t>Debay</a:t>
+            </a:r>
+            <a:r>
+              <a:rPr lang="de-DE" dirty="0"/>
+              <a:t> </a:t>
+            </a:r>
+            <a:r>
+              <a:rPr lang="de-DE" dirty="0" err="1"/>
+              <a:t>rgb</a:t>
+            </a:r>
+            <a:r>
+              <a:rPr lang="de-DE" dirty="0"/>
+              <a:t> </a:t>
+            </a:r>
+            <a:r>
+              <a:rPr lang="de-DE" dirty="0" err="1"/>
+              <a:t>channel</a:t>
+            </a:r>
+            <a:endParaRPr lang="de-DE" dirty="0"/>
+          </a:p>
+        </p:txBody>
+      </p:sp>
+      <p:pic>
+        <p:nvPicPr>
+          <p:cNvPr id="7" name="Grafik 6">
+            <a:extLst>
+              <a:ext uri="{FF2B5EF4-FFF2-40B4-BE49-F238E27FC236}">
+                <a16:creationId xmlns:a16="http://schemas.microsoft.com/office/drawing/2014/main" id="{7E527FD0-3B0D-4F48-99EF-83BF2424306F}"/>
+              </a:ext>
+            </a:extLst>
+          </p:cNvPr>
+          <p:cNvPicPr>
+            <a:picLocks noChangeAspect="1"/>
+          </p:cNvPicPr>
+          <p:nvPr/>
+        </p:nvPicPr>
+        <p:blipFill>
+          <a:blip r:embed="rId2"/>
+          <a:stretch>
+            <a:fillRect/>
+          </a:stretch>
+        </p:blipFill>
+        <p:spPr>
+          <a:xfrm>
+            <a:off x="835058" y="1438069"/>
+            <a:ext cx="1202801" cy="1196044"/>
+          </a:xfrm>
+          <a:prstGeom prst="rect">
+            <a:avLst/>
+          </a:prstGeom>
+        </p:spPr>
+      </p:pic>
+      <p:pic>
+        <p:nvPicPr>
+          <p:cNvPr id="8" name="Grafik 7">
+            <a:extLst>
+              <a:ext uri="{FF2B5EF4-FFF2-40B4-BE49-F238E27FC236}">
+                <a16:creationId xmlns:a16="http://schemas.microsoft.com/office/drawing/2014/main" id="{578B68AE-FCF9-468D-9EF1-DF6D0BB79410}"/>
+              </a:ext>
+            </a:extLst>
+          </p:cNvPr>
+          <p:cNvPicPr>
+            <a:picLocks noChangeAspect="1"/>
+          </p:cNvPicPr>
+          <p:nvPr/>
+        </p:nvPicPr>
+        <p:blipFill>
+          <a:blip r:embed="rId3"/>
+          <a:stretch>
+            <a:fillRect/>
+          </a:stretch>
+        </p:blipFill>
+        <p:spPr>
+          <a:xfrm>
+            <a:off x="2362200" y="1438069"/>
+            <a:ext cx="1196044" cy="1196044"/>
+          </a:xfrm>
+          <a:prstGeom prst="rect">
+            <a:avLst/>
+          </a:prstGeom>
+        </p:spPr>
+      </p:pic>
+      <p:pic>
+        <p:nvPicPr>
+          <p:cNvPr id="9" name="Grafik 8">
+            <a:extLst>
+              <a:ext uri="{FF2B5EF4-FFF2-40B4-BE49-F238E27FC236}">
+                <a16:creationId xmlns:a16="http://schemas.microsoft.com/office/drawing/2014/main" id="{17B3A9E6-5E2B-41B8-84EA-4B86A11A43F0}"/>
+              </a:ext>
+            </a:extLst>
+          </p:cNvPr>
+          <p:cNvPicPr>
+            <a:picLocks noChangeAspect="1"/>
+          </p:cNvPicPr>
+          <p:nvPr/>
+        </p:nvPicPr>
+        <p:blipFill>
+          <a:blip r:embed="rId4"/>
+          <a:stretch>
+            <a:fillRect/>
+          </a:stretch>
+        </p:blipFill>
+        <p:spPr>
+          <a:xfrm>
+            <a:off x="3882585" y="1438069"/>
+            <a:ext cx="1196044" cy="1216905"/>
+          </a:xfrm>
+          <a:prstGeom prst="rect">
+            <a:avLst/>
+          </a:prstGeom>
+        </p:spPr>
+      </p:pic>
+      <p:pic>
+        <p:nvPicPr>
+          <p:cNvPr id="10" name="Grafik 9">
+            <a:extLst>
+              <a:ext uri="{FF2B5EF4-FFF2-40B4-BE49-F238E27FC236}">
+                <a16:creationId xmlns:a16="http://schemas.microsoft.com/office/drawing/2014/main" id="{699DE098-D81C-4AF4-8953-8258634DD383}"/>
+              </a:ext>
+            </a:extLst>
+          </p:cNvPr>
+          <p:cNvPicPr>
+            <a:picLocks noChangeAspect="1"/>
+          </p:cNvPicPr>
+          <p:nvPr/>
+        </p:nvPicPr>
+        <p:blipFill>
+          <a:blip r:embed="rId5"/>
+          <a:stretch>
+            <a:fillRect/>
+          </a:stretch>
+        </p:blipFill>
+        <p:spPr>
+          <a:xfrm>
+            <a:off x="835058" y="2887539"/>
+            <a:ext cx="1196044" cy="1196044"/>
+          </a:xfrm>
+          <a:prstGeom prst="rect">
+            <a:avLst/>
+          </a:prstGeom>
+        </p:spPr>
+      </p:pic>
+      <p:pic>
+        <p:nvPicPr>
+          <p:cNvPr id="11" name="Grafik 10">
+            <a:extLst>
+              <a:ext uri="{FF2B5EF4-FFF2-40B4-BE49-F238E27FC236}">
+                <a16:creationId xmlns:a16="http://schemas.microsoft.com/office/drawing/2014/main" id="{B6A835FC-9740-41CE-A66E-F810013D3F55}"/>
+              </a:ext>
+            </a:extLst>
+          </p:cNvPr>
+          <p:cNvPicPr>
+            <a:picLocks noChangeAspect="1"/>
+          </p:cNvPicPr>
+          <p:nvPr/>
+        </p:nvPicPr>
+        <p:blipFill>
+          <a:blip r:embed="rId6"/>
+          <a:stretch>
+            <a:fillRect/>
+          </a:stretch>
+        </p:blipFill>
+        <p:spPr>
+          <a:xfrm>
+            <a:off x="2355365" y="2887539"/>
+            <a:ext cx="1202879" cy="1196044"/>
+          </a:xfrm>
+          <a:prstGeom prst="rect">
+            <a:avLst/>
+          </a:prstGeom>
+        </p:spPr>
+      </p:pic>
+      <p:pic>
+        <p:nvPicPr>
+          <p:cNvPr id="12" name="Grafik 11">
+            <a:extLst>
+              <a:ext uri="{FF2B5EF4-FFF2-40B4-BE49-F238E27FC236}">
+                <a16:creationId xmlns:a16="http://schemas.microsoft.com/office/drawing/2014/main" id="{1CD2E1FF-A8DB-4258-B0A8-ABF9186283C2}"/>
+              </a:ext>
+            </a:extLst>
+          </p:cNvPr>
+          <p:cNvPicPr>
+            <a:picLocks noChangeAspect="1"/>
+          </p:cNvPicPr>
+          <p:nvPr/>
+        </p:nvPicPr>
+        <p:blipFill>
+          <a:blip r:embed="rId7"/>
+          <a:stretch>
+            <a:fillRect/>
+          </a:stretch>
+        </p:blipFill>
+        <p:spPr>
+          <a:xfrm>
+            <a:off x="3882507" y="2887539"/>
+            <a:ext cx="1203077" cy="1216905"/>
+          </a:xfrm>
+          <a:prstGeom prst="rect">
+            <a:avLst/>
+          </a:prstGeom>
+        </p:spPr>
+      </p:pic>
+      <p:pic>
+        <p:nvPicPr>
+          <p:cNvPr id="13" name="Grafik 12">
+            <a:extLst>
+              <a:ext uri="{FF2B5EF4-FFF2-40B4-BE49-F238E27FC236}">
+                <a16:creationId xmlns:a16="http://schemas.microsoft.com/office/drawing/2014/main" id="{D73017FF-E6DF-41D6-819B-5F93B3E9EE95}"/>
+              </a:ext>
+            </a:extLst>
+          </p:cNvPr>
+          <p:cNvPicPr>
+            <a:picLocks noChangeAspect="1"/>
+          </p:cNvPicPr>
+          <p:nvPr/>
+        </p:nvPicPr>
+        <p:blipFill>
+          <a:blip r:embed="rId8"/>
+          <a:stretch>
+            <a:fillRect/>
+          </a:stretch>
+        </p:blipFill>
+        <p:spPr>
+          <a:xfrm>
+            <a:off x="835058" y="4337009"/>
+            <a:ext cx="1223819" cy="1216905"/>
+          </a:xfrm>
+          <a:prstGeom prst="rect">
+            <a:avLst/>
+          </a:prstGeom>
+        </p:spPr>
+      </p:pic>
+      <p:pic>
+        <p:nvPicPr>
+          <p:cNvPr id="14" name="Grafik 13">
+            <a:extLst>
+              <a:ext uri="{FF2B5EF4-FFF2-40B4-BE49-F238E27FC236}">
+                <a16:creationId xmlns:a16="http://schemas.microsoft.com/office/drawing/2014/main" id="{9E950192-7E89-460D-8AED-B3669F1186A1}"/>
+              </a:ext>
+            </a:extLst>
+          </p:cNvPr>
+          <p:cNvPicPr>
+            <a:picLocks noChangeAspect="1"/>
+          </p:cNvPicPr>
+          <p:nvPr/>
+        </p:nvPicPr>
+        <p:blipFill>
+          <a:blip r:embed="rId9"/>
+          <a:stretch>
+            <a:fillRect/>
+          </a:stretch>
+        </p:blipFill>
+        <p:spPr>
+          <a:xfrm>
+            <a:off x="2362200" y="4337009"/>
+            <a:ext cx="1223819" cy="1223819"/>
+          </a:xfrm>
+          <a:prstGeom prst="rect">
+            <a:avLst/>
+          </a:prstGeom>
+        </p:spPr>
+      </p:pic>
+      <p:pic>
+        <p:nvPicPr>
+          <p:cNvPr id="15" name="Grafik 14">
+            <a:extLst>
+              <a:ext uri="{FF2B5EF4-FFF2-40B4-BE49-F238E27FC236}">
+                <a16:creationId xmlns:a16="http://schemas.microsoft.com/office/drawing/2014/main" id="{97625D4C-A858-4D89-B928-9A2972BCA26E}"/>
+              </a:ext>
+            </a:extLst>
+          </p:cNvPr>
+          <p:cNvPicPr>
+            <a:picLocks noChangeAspect="1"/>
+          </p:cNvPicPr>
+          <p:nvPr/>
+        </p:nvPicPr>
+        <p:blipFill>
+          <a:blip r:embed="rId10"/>
+          <a:stretch>
+            <a:fillRect/>
+          </a:stretch>
+        </p:blipFill>
+        <p:spPr>
+          <a:xfrm>
+            <a:off x="3882507" y="4337009"/>
+            <a:ext cx="1223819" cy="1223819"/>
+          </a:xfrm>
+          <a:prstGeom prst="rect">
+            <a:avLst/>
+          </a:prstGeom>
+        </p:spPr>
+      </p:pic>
+      <p:graphicFrame>
+        <p:nvGraphicFramePr>
+          <p:cNvPr id="22" name="Tabelle 22">
+            <a:extLst>
+              <a:ext uri="{FF2B5EF4-FFF2-40B4-BE49-F238E27FC236}">
+                <a16:creationId xmlns:a16="http://schemas.microsoft.com/office/drawing/2014/main" id="{53BA1B55-76D2-487D-8080-96518E69D6DD}"/>
+              </a:ext>
+            </a:extLst>
+          </p:cNvPr>
+          <p:cNvGraphicFramePr>
+            <a:graphicFrameLocks noGrp="1"/>
+          </p:cNvGraphicFramePr>
+          <p:nvPr>
+            <p:extLst>
+              <p:ext uri="{D42A27DB-BD31-4B8C-83A1-F6EECF244321}">
+                <p14:modId xmlns:p14="http://schemas.microsoft.com/office/powerpoint/2010/main" val="276312160"/>
+              </p:ext>
+            </p:extLst>
+          </p:nvPr>
+        </p:nvGraphicFramePr>
+        <p:xfrm>
+          <a:off x="7553758" y="2349000"/>
+          <a:ext cx="2160000" cy="2160000"/>
+        </p:xfrm>
+        <a:graphic>
+          <a:graphicData uri="http://schemas.openxmlformats.org/drawingml/2006/table">
+            <a:tbl>
+              <a:tblPr firstRow="1" bandRow="1">
+                <a:tableStyleId>{5C22544A-7EE6-4342-B048-85BDC9FD1C3A}</a:tableStyleId>
+              </a:tblPr>
+              <a:tblGrid>
+                <a:gridCol w="720000">
+                  <a:extLst>
+                    <a:ext uri="{9D8B030D-6E8A-4147-A177-3AD203B41FA5}">
+                      <a16:colId xmlns:a16="http://schemas.microsoft.com/office/drawing/2014/main" val="3524305022"/>
+                    </a:ext>
+                  </a:extLst>
+                </a:gridCol>
+                <a:gridCol w="720000">
+                  <a:extLst>
+                    <a:ext uri="{9D8B030D-6E8A-4147-A177-3AD203B41FA5}">
+                      <a16:colId xmlns:a16="http://schemas.microsoft.com/office/drawing/2014/main" val="3665939330"/>
+                    </a:ext>
+                  </a:extLst>
+                </a:gridCol>
+                <a:gridCol w="720000">
+                  <a:extLst>
+                    <a:ext uri="{9D8B030D-6E8A-4147-A177-3AD203B41FA5}">
+                      <a16:colId xmlns:a16="http://schemas.microsoft.com/office/drawing/2014/main" val="4271040743"/>
+                    </a:ext>
+                  </a:extLst>
+                </a:gridCol>
+              </a:tblGrid>
+              <a:tr h="720000">
+                <a:tc>
+                  <a:txBody>
+                    <a:bodyPr/>
+                    <a:lstStyle/>
+                    <a:p>
+                      <a:pPr algn="ctr">
+                        <a:lnSpc>
+                          <a:spcPct val="100000"/>
+                        </a:lnSpc>
+                      </a:pPr>
+                      <a:endParaRPr lang="de-DE" sz="1400" b="0" dirty="0">
+                        <a:solidFill>
+                          <a:schemeClr val="tx1"/>
+                        </a:solidFill>
+                      </a:endParaRPr>
+                    </a:p>
+                  </a:txBody>
+                  <a:tcPr marL="86564" marR="86564" marT="43280" marB="43280" anchor="ctr">
+                    <a:lnL w="12700" cmpd="sng">
+                      <a:noFill/>
+                    </a:lnL>
+                    <a:lnR w="12700" cap="flat" cmpd="sng" algn="ctr">
+                      <a:solidFill>
+                        <a:schemeClr val="tx1"/>
+                      </a:solidFill>
+                      <a:prstDash val="solid"/>
+                      <a:round/>
+                      <a:headEnd type="none" w="med" len="med"/>
+                      <a:tailEnd type="none" w="med" len="med"/>
+                    </a:lnR>
+                    <a:lnT w="12700" cmpd="sng">
+                      <a:noFill/>
+                    </a:lnT>
+                    <a:lnB w="12700" cap="flat" cmpd="sng" algn="ctr">
+                      <a:solidFill>
+                        <a:schemeClr val="tx1"/>
+                      </a:solidFill>
+                      <a:prstDash val="solid"/>
+                      <a:round/>
+                      <a:headEnd type="none" w="med" len="med"/>
+                      <a:tailEnd type="none" w="med" len="med"/>
+                    </a:lnB>
+                    <a:lnTlToBr w="12700" cmpd="sng">
+                      <a:noFill/>
+                      <a:prstDash val="solid"/>
+                    </a:lnTlToBr>
+                    <a:lnBlToTr w="12700" cmpd="sng">
+                      <a:noFill/>
+                      <a:prstDash val="solid"/>
+                    </a:lnBlToTr>
+                    <a:solidFill>
+                      <a:srgbClr val="FF0000"/>
+                    </a:solidFill>
+                  </a:tcPr>
+                </a:tc>
+                <a:tc>
+                  <a:txBody>
+                    <a:bodyPr/>
+                    <a:lstStyle/>
+                    <a:p>
+                      <a:pPr algn="ctr">
+                        <a:lnSpc>
+                          <a:spcPct val="100000"/>
+                        </a:lnSpc>
+                      </a:pPr>
+                      <a:endParaRPr lang="de-DE" sz="1400" b="0" dirty="0">
+                        <a:solidFill>
+                          <a:schemeClr val="tx1"/>
+                        </a:solidFill>
+                      </a:endParaRPr>
+                    </a:p>
+                  </a:txBody>
+                  <a:tcPr marL="86564" marR="86564" marT="43280" marB="43280" anchor="ctr">
+                    <a:lnL w="12700" cap="flat" cmpd="sng" algn="ctr">
+                      <a:solidFill>
+                        <a:schemeClr val="tx1"/>
+                      </a:solidFill>
+                      <a:prstDash val="solid"/>
+                      <a:round/>
+                      <a:headEnd type="none" w="med" len="med"/>
+                      <a:tailEnd type="none" w="med" len="med"/>
+                    </a:lnL>
+                    <a:lnR w="12700" cap="flat" cmpd="sng" algn="ctr">
+                      <a:solidFill>
+                        <a:schemeClr val="tx1"/>
+                      </a:solidFill>
+                      <a:prstDash val="solid"/>
+                      <a:round/>
+                      <a:headEnd type="none" w="med" len="med"/>
+                      <a:tailEnd type="none" w="med" len="med"/>
+                    </a:lnR>
+                    <a:lnT w="12700" cmpd="sng">
+                      <a:noFill/>
+                    </a:lnT>
+                    <a:lnB w="12700" cap="flat" cmpd="sng" algn="ctr">
+                      <a:solidFill>
+                        <a:schemeClr val="tx1"/>
+                      </a:solidFill>
+                      <a:prstDash val="solid"/>
+                      <a:round/>
+                      <a:headEnd type="none" w="med" len="med"/>
+                      <a:tailEnd type="none" w="med" len="med"/>
+                    </a:lnB>
+                    <a:lnTlToBr w="12700" cmpd="sng">
+                      <a:noFill/>
+                      <a:prstDash val="solid"/>
+                    </a:lnTlToBr>
+                    <a:lnBlToTr w="12700" cmpd="sng">
+                      <a:noFill/>
+                      <a:prstDash val="solid"/>
+                    </a:lnBlToTr>
+                    <a:solidFill>
+                      <a:srgbClr val="FF0000"/>
+                    </a:solidFill>
+                  </a:tcPr>
+                </a:tc>
+                <a:tc>
+                  <a:txBody>
+                    <a:bodyPr/>
+                    <a:lstStyle/>
+                    <a:p>
+                      <a:pPr marL="0" marR="0" lvl="0" indent="0" algn="ctr" defTabSz="914400" rtl="0" eaLnBrk="1" fontAlgn="auto" latinLnBrk="0" hangingPunct="1">
+                        <a:lnSpc>
+                          <a:spcPct val="100000"/>
+                        </a:lnSpc>
+                        <a:spcBef>
+                          <a:spcPts val="0"/>
+                        </a:spcBef>
+                        <a:spcAft>
+                          <a:spcPts val="0"/>
+                        </a:spcAft>
+                        <a:buClrTx/>
+                        <a:buSzTx/>
+                        <a:buFontTx/>
+                        <a:buNone/>
+                        <a:tabLst/>
+                        <a:defRPr/>
+                      </a:pPr>
+                      <a:endParaRPr lang="de-DE" sz="1400" b="0" dirty="0">
+                        <a:solidFill>
+                          <a:schemeClr val="tx1"/>
+                        </a:solidFill>
+                      </a:endParaRPr>
+                    </a:p>
+                  </a:txBody>
+                  <a:tcPr marL="86564" marR="86564" marT="43280" marB="43280" anchor="ctr">
+                    <a:lnL w="12700" cap="flat" cmpd="sng" algn="ctr">
+                      <a:solidFill>
+                        <a:schemeClr val="tx1"/>
+                      </a:solidFill>
+                      <a:prstDash val="solid"/>
+                      <a:round/>
+                      <a:headEnd type="none" w="med" len="med"/>
+                      <a:tailEnd type="none" w="med" len="med"/>
+                    </a:lnL>
+                    <a:lnR w="12700" cmpd="sng">
+                      <a:noFill/>
+                    </a:lnR>
+                    <a:lnT w="12700" cmpd="sng">
+                      <a:noFill/>
+                    </a:lnT>
+                    <a:lnB w="12700" cap="flat" cmpd="sng" algn="ctr">
+                      <a:solidFill>
+                        <a:schemeClr val="tx1"/>
+                      </a:solidFill>
+                      <a:prstDash val="solid"/>
+                      <a:round/>
+                      <a:headEnd type="none" w="med" len="med"/>
+                      <a:tailEnd type="none" w="med" len="med"/>
+                    </a:lnB>
+                    <a:lnTlToBr w="12700" cmpd="sng">
+                      <a:noFill/>
+                      <a:prstDash val="solid"/>
+                    </a:lnTlToBr>
+                    <a:lnBlToTr w="12700" cmpd="sng">
+                      <a:noFill/>
+                      <a:prstDash val="solid"/>
+                    </a:lnBlToTr>
+                    <a:solidFill>
+                      <a:srgbClr val="FF0000"/>
+                    </a:solidFill>
+                  </a:tcPr>
+                </a:tc>
+                <a:extLst>
+                  <a:ext uri="{0D108BD9-81ED-4DB2-BD59-A6C34878D82A}">
+                    <a16:rowId xmlns:a16="http://schemas.microsoft.com/office/drawing/2014/main" val="915242177"/>
+                  </a:ext>
+                </a:extLst>
+              </a:tr>
+              <a:tr h="720000">
+                <a:tc>
+                  <a:txBody>
+                    <a:bodyPr/>
+                    <a:lstStyle/>
+                    <a:p>
+                      <a:pPr algn="ctr">
+                        <a:lnSpc>
+                          <a:spcPct val="100000"/>
+                        </a:lnSpc>
+                      </a:pPr>
+                      <a:endParaRPr lang="de-DE" sz="1400" b="0" dirty="0">
+                        <a:solidFill>
+                          <a:schemeClr val="tx1"/>
+                        </a:solidFill>
+                      </a:endParaRPr>
+                    </a:p>
+                  </a:txBody>
+                  <a:tcPr marL="86564" marR="86564" marT="43280" marB="43280" anchor="ctr">
+                    <a:lnL w="12700" cmpd="sng">
+                      <a:noFill/>
+                    </a:lnL>
+                    <a:lnR w="12700" cap="flat" cmpd="sng" algn="ctr">
+                      <a:solidFill>
+                        <a:schemeClr val="tx1"/>
+                      </a:solidFill>
+                      <a:prstDash val="solid"/>
+                      <a:round/>
+                      <a:headEnd type="none" w="med" len="med"/>
+                      <a:tailEnd type="none" w="med" len="med"/>
+                    </a:lnR>
+                    <a:lnT w="12700" cap="flat" cmpd="sng" algn="ctr">
+                      <a:solidFill>
+                        <a:schemeClr val="tx1"/>
+                      </a:solidFill>
+                      <a:prstDash val="solid"/>
+                      <a:round/>
+                      <a:headEnd type="none" w="med" len="med"/>
+                      <a:tailEnd type="none" w="med" len="med"/>
+                    </a:lnT>
+                    <a:lnB w="12700" cap="flat" cmpd="sng" algn="ctr">
+                      <a:solidFill>
+                        <a:schemeClr val="tx1"/>
+                      </a:solidFill>
+                      <a:prstDash val="solid"/>
+                      <a:round/>
+                      <a:headEnd type="none" w="med" len="med"/>
+                      <a:tailEnd type="none" w="med" len="med"/>
+                    </a:lnB>
+                    <a:lnTlToBr w="12700" cmpd="sng">
+                      <a:noFill/>
+                      <a:prstDash val="solid"/>
+                    </a:lnTlToBr>
+                    <a:lnBlToTr w="12700" cmpd="sng">
+                      <a:noFill/>
+                      <a:prstDash val="solid"/>
+                    </a:lnBlToTr>
+                    <a:solidFill>
+                      <a:srgbClr val="FF0000"/>
+                    </a:solidFill>
+                  </a:tcPr>
+                </a:tc>
+                <a:tc>
+                  <a:txBody>
+                    <a:bodyPr/>
+                    <a:lstStyle/>
+                    <a:p>
+                      <a:pPr algn="ctr">
+                        <a:lnSpc>
+                          <a:spcPct val="100000"/>
+                        </a:lnSpc>
+                      </a:pPr>
+                      <a:endParaRPr lang="de-DE" sz="1400" b="0" dirty="0">
+                        <a:solidFill>
+                          <a:schemeClr val="tx1"/>
+                        </a:solidFill>
+                      </a:endParaRPr>
+                    </a:p>
+                  </a:txBody>
+                  <a:tcPr marL="86564" marR="86564" marT="43280" marB="43280" anchor="ctr">
+                    <a:lnL w="12700" cap="flat" cmpd="sng" algn="ctr">
+                      <a:solidFill>
+                        <a:schemeClr val="tx1"/>
+                      </a:solidFill>
+                      <a:prstDash val="solid"/>
+                      <a:round/>
+                      <a:headEnd type="none" w="med" len="med"/>
+                      <a:tailEnd type="none" w="med" len="med"/>
+                    </a:lnL>
+                    <a:lnR w="12700" cap="flat" cmpd="sng" algn="ctr">
+                      <a:solidFill>
+                        <a:schemeClr val="tx1"/>
+                      </a:solidFill>
+                      <a:prstDash val="solid"/>
+                      <a:round/>
+                      <a:headEnd type="none" w="med" len="med"/>
+                      <a:tailEnd type="none" w="med" len="med"/>
+                    </a:lnR>
+                    <a:lnT w="12700" cap="flat" cmpd="sng" algn="ctr">
+                      <a:solidFill>
+                        <a:schemeClr val="tx1"/>
+                      </a:solidFill>
+                      <a:prstDash val="solid"/>
+                      <a:round/>
+                      <a:headEnd type="none" w="med" len="med"/>
+                      <a:tailEnd type="none" w="med" len="med"/>
+                    </a:lnT>
+                    <a:lnB w="12700" cap="flat" cmpd="sng" algn="ctr">
+                      <a:solidFill>
+                        <a:schemeClr val="tx1"/>
+                      </a:solidFill>
+                      <a:prstDash val="solid"/>
+                      <a:round/>
+                      <a:headEnd type="none" w="med" len="med"/>
+                      <a:tailEnd type="none" w="med" len="med"/>
+                    </a:lnB>
+                    <a:lnTlToBr w="12700" cmpd="sng">
+                      <a:noFill/>
+                      <a:prstDash val="solid"/>
+                    </a:lnTlToBr>
+                    <a:lnBlToTr w="12700" cmpd="sng">
+                      <a:noFill/>
+                      <a:prstDash val="solid"/>
+                    </a:lnBlToTr>
+                    <a:solidFill>
+                      <a:srgbClr val="FF0000"/>
+                    </a:solidFill>
+                  </a:tcPr>
+                </a:tc>
+                <a:tc>
+                  <a:txBody>
+                    <a:bodyPr/>
+                    <a:lstStyle/>
+                    <a:p>
+                      <a:pPr algn="ctr">
+                        <a:lnSpc>
+                          <a:spcPct val="100000"/>
+                        </a:lnSpc>
+                      </a:pPr>
+                      <a:endParaRPr lang="de-DE" sz="1400" b="0" dirty="0">
+                        <a:solidFill>
+                          <a:schemeClr val="tx1"/>
+                        </a:solidFill>
+                      </a:endParaRPr>
+                    </a:p>
+                  </a:txBody>
+                  <a:tcPr marL="86564" marR="86564" marT="43280" marB="43280" anchor="ctr">
+                    <a:lnL w="12700" cap="flat" cmpd="sng" algn="ctr">
+                      <a:solidFill>
+                        <a:schemeClr val="tx1"/>
+                      </a:solidFill>
+                      <a:prstDash val="solid"/>
+                      <a:round/>
+                      <a:headEnd type="none" w="med" len="med"/>
+                      <a:tailEnd type="none" w="med" len="med"/>
+                    </a:lnL>
+                    <a:lnR w="12700" cmpd="sng">
+                      <a:noFill/>
+                    </a:lnR>
+                    <a:lnT w="12700" cap="flat" cmpd="sng" algn="ctr">
+                      <a:solidFill>
+                        <a:schemeClr val="tx1"/>
+                      </a:solidFill>
+                      <a:prstDash val="solid"/>
+                      <a:round/>
+                      <a:headEnd type="none" w="med" len="med"/>
+                      <a:tailEnd type="none" w="med" len="med"/>
+                    </a:lnT>
+                    <a:lnB w="12700" cap="flat" cmpd="sng" algn="ctr">
+                      <a:solidFill>
+                        <a:schemeClr val="tx1"/>
+                      </a:solidFill>
+                      <a:prstDash val="solid"/>
+                      <a:round/>
+                      <a:headEnd type="none" w="med" len="med"/>
+                      <a:tailEnd type="none" w="med" len="med"/>
+                    </a:lnB>
+                    <a:lnTlToBr w="12700" cmpd="sng">
+                      <a:noFill/>
+                      <a:prstDash val="solid"/>
+                    </a:lnTlToBr>
+                    <a:lnBlToTr w="12700" cmpd="sng">
+                      <a:noFill/>
+                      <a:prstDash val="solid"/>
+                    </a:lnBlToTr>
+                    <a:solidFill>
+                      <a:srgbClr val="FF0000"/>
+                    </a:solidFill>
+                  </a:tcPr>
+                </a:tc>
+                <a:extLst>
+                  <a:ext uri="{0D108BD9-81ED-4DB2-BD59-A6C34878D82A}">
+                    <a16:rowId xmlns:a16="http://schemas.microsoft.com/office/drawing/2014/main" val="3582312333"/>
+                  </a:ext>
+                </a:extLst>
+              </a:tr>
+              <a:tr h="720000">
+                <a:tc>
+                  <a:txBody>
+                    <a:bodyPr/>
+                    <a:lstStyle/>
+                    <a:p>
+                      <a:pPr algn="ctr">
+                        <a:lnSpc>
+                          <a:spcPct val="100000"/>
+                        </a:lnSpc>
+                      </a:pPr>
+                      <a:endParaRPr lang="de-DE" sz="1400" b="0">
+                        <a:solidFill>
+                          <a:schemeClr val="tx1"/>
+                        </a:solidFill>
+                      </a:endParaRPr>
+                    </a:p>
+                  </a:txBody>
+                  <a:tcPr marL="86564" marR="86564" marT="43280" marB="43280" anchor="ctr">
+                    <a:lnL w="12700" cmpd="sng">
+                      <a:noFill/>
+                    </a:lnL>
+                    <a:lnR w="12700" cap="flat" cmpd="sng" algn="ctr">
+                      <a:solidFill>
+                        <a:schemeClr val="tx1"/>
+                      </a:solidFill>
+                      <a:prstDash val="solid"/>
+                      <a:round/>
+                      <a:headEnd type="none" w="med" len="med"/>
+                      <a:tailEnd type="none" w="med" len="med"/>
+                    </a:lnR>
+                    <a:lnT w="12700" cap="flat" cmpd="sng" algn="ctr">
+                      <a:solidFill>
+                        <a:schemeClr val="tx1"/>
+                      </a:solidFill>
+                      <a:prstDash val="solid"/>
+                      <a:round/>
+                      <a:headEnd type="none" w="med" len="med"/>
+                      <a:tailEnd type="none" w="med" len="med"/>
+                    </a:lnT>
+                    <a:lnB w="12700" cmpd="sng">
+                      <a:noFill/>
+                    </a:lnB>
+                    <a:lnTlToBr w="12700" cmpd="sng">
+                      <a:noFill/>
+                      <a:prstDash val="solid"/>
+                    </a:lnTlToBr>
+                    <a:lnBlToTr w="12700" cmpd="sng">
+                      <a:noFill/>
+                      <a:prstDash val="solid"/>
+                    </a:lnBlToTr>
+                    <a:solidFill>
+                      <a:srgbClr val="FF0000"/>
+                    </a:solidFill>
+                  </a:tcPr>
+                </a:tc>
+                <a:tc>
+                  <a:txBody>
+                    <a:bodyPr/>
+                    <a:lstStyle/>
+                    <a:p>
+                      <a:pPr algn="ctr">
+                        <a:lnSpc>
+                          <a:spcPct val="100000"/>
+                        </a:lnSpc>
+                      </a:pPr>
+                      <a:endParaRPr lang="de-DE" sz="1400" b="0" dirty="0">
+                        <a:solidFill>
+                          <a:schemeClr val="tx1"/>
+                        </a:solidFill>
+                      </a:endParaRPr>
+                    </a:p>
+                  </a:txBody>
+                  <a:tcPr marL="86564" marR="86564" marT="43280" marB="43280" anchor="ctr">
+                    <a:lnL w="12700" cap="flat" cmpd="sng" algn="ctr">
+                      <a:solidFill>
+                        <a:schemeClr val="tx1"/>
+                      </a:solidFill>
+                      <a:prstDash val="solid"/>
+                      <a:round/>
+                      <a:headEnd type="none" w="med" len="med"/>
+                      <a:tailEnd type="none" w="med" len="med"/>
+                    </a:lnL>
+                    <a:lnR w="12700" cap="flat" cmpd="sng" algn="ctr">
+                      <a:solidFill>
+                        <a:schemeClr val="tx1"/>
+                      </a:solidFill>
+                      <a:prstDash val="solid"/>
+                      <a:round/>
+                      <a:headEnd type="none" w="med" len="med"/>
+                      <a:tailEnd type="none" w="med" len="med"/>
+                    </a:lnR>
+                    <a:lnT w="12700" cap="flat" cmpd="sng" algn="ctr">
+                      <a:solidFill>
+                        <a:schemeClr val="tx1"/>
+                      </a:solidFill>
+                      <a:prstDash val="solid"/>
+                      <a:round/>
+                      <a:headEnd type="none" w="med" len="med"/>
+                      <a:tailEnd type="none" w="med" len="med"/>
+                    </a:lnT>
+                    <a:lnB w="12700" cmpd="sng">
+                      <a:noFill/>
+                    </a:lnB>
+                    <a:lnTlToBr w="12700" cmpd="sng">
+                      <a:noFill/>
+                      <a:prstDash val="solid"/>
+                    </a:lnTlToBr>
+                    <a:lnBlToTr w="12700" cmpd="sng">
+                      <a:noFill/>
+                      <a:prstDash val="solid"/>
+                    </a:lnBlToTr>
+                    <a:solidFill>
+                      <a:srgbClr val="FF0000"/>
+                    </a:solidFill>
+                  </a:tcPr>
+                </a:tc>
+                <a:tc>
+                  <a:txBody>
+                    <a:bodyPr/>
+                    <a:lstStyle/>
+                    <a:p>
+                      <a:pPr algn="ctr">
+                        <a:lnSpc>
+                          <a:spcPct val="100000"/>
+                        </a:lnSpc>
+                      </a:pPr>
+                      <a:endParaRPr lang="de-DE" sz="1400" b="0" dirty="0">
+                        <a:solidFill>
+                          <a:schemeClr val="tx1"/>
+                        </a:solidFill>
+                      </a:endParaRPr>
+                    </a:p>
+                  </a:txBody>
+                  <a:tcPr marL="86564" marR="86564" marT="43280" marB="43280" anchor="ctr">
+                    <a:lnL w="12700" cap="flat" cmpd="sng" algn="ctr">
+                      <a:solidFill>
+                        <a:schemeClr val="tx1"/>
+                      </a:solidFill>
+                      <a:prstDash val="solid"/>
+                      <a:round/>
+                      <a:headEnd type="none" w="med" len="med"/>
+                      <a:tailEnd type="none" w="med" len="med"/>
+                    </a:lnL>
+                    <a:lnR w="12700" cmpd="sng">
+                      <a:noFill/>
+                    </a:lnR>
+                    <a:lnT w="12700" cap="flat" cmpd="sng" algn="ctr">
+                      <a:solidFill>
+                        <a:schemeClr val="tx1"/>
+                      </a:solidFill>
+                      <a:prstDash val="solid"/>
+                      <a:round/>
+                      <a:headEnd type="none" w="med" len="med"/>
+                      <a:tailEnd type="none" w="med" len="med"/>
+                    </a:lnT>
+                    <a:lnB w="12700" cmpd="sng">
+                      <a:noFill/>
+                    </a:lnB>
+                    <a:lnTlToBr w="12700" cmpd="sng">
+                      <a:noFill/>
+                      <a:prstDash val="solid"/>
+                    </a:lnTlToBr>
+                    <a:lnBlToTr w="12700" cmpd="sng">
+                      <a:noFill/>
+                      <a:prstDash val="solid"/>
+                    </a:lnBlToTr>
+                    <a:solidFill>
+                      <a:srgbClr val="FF0000"/>
+                    </a:solidFill>
+                  </a:tcPr>
+                </a:tc>
+                <a:extLst>
+                  <a:ext uri="{0D108BD9-81ED-4DB2-BD59-A6C34878D82A}">
+                    <a16:rowId xmlns:a16="http://schemas.microsoft.com/office/drawing/2014/main" val="2529661460"/>
+                  </a:ext>
+                </a:extLst>
+              </a:tr>
+            </a:tbl>
+          </a:graphicData>
+        </a:graphic>
+      </p:graphicFrame>
+      <p:sp>
+        <p:nvSpPr>
+          <p:cNvPr id="24" name="Rechteck 23">
+            <a:extLst>
+              <a:ext uri="{FF2B5EF4-FFF2-40B4-BE49-F238E27FC236}">
+                <a16:creationId xmlns:a16="http://schemas.microsoft.com/office/drawing/2014/main" id="{06C510A8-9204-4906-AB49-5F0999721C75}"/>
+              </a:ext>
+            </a:extLst>
+          </p:cNvPr>
+          <p:cNvSpPr/>
+          <p:nvPr/>
+        </p:nvSpPr>
+        <p:spPr>
+          <a:xfrm>
+            <a:off x="835058" y="1823031"/>
+            <a:ext cx="445102" cy="452809"/>
+          </a:xfrm>
+          <a:prstGeom prst="rect">
+            <a:avLst/>
+          </a:prstGeom>
+          <a:noFill/>
+          <a:ln w="76200">
+            <a:solidFill>
+              <a:schemeClr val="tx1">
+                <a:lumMod val="65000"/>
+                <a:lumOff val="35000"/>
+              </a:schemeClr>
+            </a:solidFill>
+          </a:ln>
+        </p:spPr>
+        <p:style>
+          <a:lnRef idx="2">
+            <a:schemeClr val="accent1">
+              <a:shade val="50000"/>
+            </a:schemeClr>
+          </a:lnRef>
+          <a:fillRef idx="1">
+            <a:schemeClr val="accent1"/>
+          </a:fillRef>
+          <a:effectRef idx="0">
+            <a:schemeClr val="accent1"/>
+          </a:effectRef>
+          <a:fontRef idx="minor">
+            <a:schemeClr val="lt1"/>
+          </a:fontRef>
+        </p:style>
+        <p:txBody>
+          <a:bodyPr rtlCol="0" anchor="ctr"/>
+          <a:lstStyle/>
+          <a:p>
+            <a:pPr algn="ctr"/>
+            <a:endParaRPr lang="de-DE"/>
+          </a:p>
+        </p:txBody>
+      </p:sp>
+      <p:sp>
+        <p:nvSpPr>
+          <p:cNvPr id="25" name="Rechteck 24">
+            <a:extLst>
+              <a:ext uri="{FF2B5EF4-FFF2-40B4-BE49-F238E27FC236}">
+                <a16:creationId xmlns:a16="http://schemas.microsoft.com/office/drawing/2014/main" id="{F1D0CBCC-A196-444C-8B1E-5E48D462EDB6}"/>
+              </a:ext>
+            </a:extLst>
+          </p:cNvPr>
+          <p:cNvSpPr/>
+          <p:nvPr/>
+        </p:nvSpPr>
+        <p:spPr>
+          <a:xfrm>
+            <a:off x="1604500" y="1823031"/>
+            <a:ext cx="426601" cy="452809"/>
+          </a:xfrm>
+          <a:prstGeom prst="rect">
+            <a:avLst/>
+          </a:prstGeom>
+          <a:noFill/>
+          <a:ln w="76200">
+            <a:solidFill>
+              <a:schemeClr val="tx1">
+                <a:lumMod val="65000"/>
+                <a:lumOff val="35000"/>
+              </a:schemeClr>
+            </a:solidFill>
+          </a:ln>
+        </p:spPr>
+        <p:style>
+          <a:lnRef idx="2">
+            <a:schemeClr val="accent1">
+              <a:shade val="50000"/>
+            </a:schemeClr>
+          </a:lnRef>
+          <a:fillRef idx="1">
+            <a:schemeClr val="accent1"/>
+          </a:fillRef>
+          <a:effectRef idx="0">
+            <a:schemeClr val="accent1"/>
+          </a:effectRef>
+          <a:fontRef idx="minor">
+            <a:schemeClr val="lt1"/>
+          </a:fontRef>
+        </p:style>
+        <p:txBody>
+          <a:bodyPr rtlCol="0" anchor="ctr"/>
+          <a:lstStyle/>
+          <a:p>
+            <a:pPr algn="ctr"/>
+            <a:endParaRPr lang="de-DE"/>
+          </a:p>
+        </p:txBody>
+      </p:sp>
+      <p:cxnSp>
+        <p:nvCxnSpPr>
+          <p:cNvPr id="27" name="Gerade Verbindung mit Pfeil 26">
+            <a:extLst>
+              <a:ext uri="{FF2B5EF4-FFF2-40B4-BE49-F238E27FC236}">
+                <a16:creationId xmlns:a16="http://schemas.microsoft.com/office/drawing/2014/main" id="{755B2A1D-5EB9-499F-8866-EE50EDF2628F}"/>
+              </a:ext>
+            </a:extLst>
+          </p:cNvPr>
+          <p:cNvCxnSpPr>
+            <a:cxnSpLocks/>
+            <a:stCxn id="24" idx="2"/>
+          </p:cNvCxnSpPr>
+          <p:nvPr/>
+        </p:nvCxnSpPr>
+        <p:spPr>
+          <a:xfrm>
+            <a:off x="1057609" y="2275840"/>
+            <a:ext cx="6890051" cy="657838"/>
+          </a:xfrm>
+          <a:prstGeom prst="straightConnector1">
+            <a:avLst/>
+          </a:prstGeom>
+          <a:ln w="19050">
+            <a:solidFill>
+              <a:schemeClr val="tx1">
+                <a:lumMod val="65000"/>
+                <a:lumOff val="35000"/>
+              </a:schemeClr>
+            </a:solidFill>
+            <a:tailEnd type="triangle"/>
+          </a:ln>
+        </p:spPr>
+        <p:style>
+          <a:lnRef idx="1">
+            <a:schemeClr val="accent1"/>
+          </a:lnRef>
+          <a:fillRef idx="0">
+            <a:schemeClr val="accent1"/>
+          </a:fillRef>
+          <a:effectRef idx="0">
+            <a:schemeClr val="accent1"/>
+          </a:effectRef>
+          <a:fontRef idx="minor">
+            <a:schemeClr val="tx1"/>
+          </a:fontRef>
+        </p:style>
+      </p:cxnSp>
+      <p:cxnSp>
+        <p:nvCxnSpPr>
+          <p:cNvPr id="29" name="Gerade Verbindung mit Pfeil 28">
+            <a:extLst>
+              <a:ext uri="{FF2B5EF4-FFF2-40B4-BE49-F238E27FC236}">
+                <a16:creationId xmlns:a16="http://schemas.microsoft.com/office/drawing/2014/main" id="{AFF76F40-1F27-43D5-A034-57FEE62338EF}"/>
+              </a:ext>
+            </a:extLst>
+          </p:cNvPr>
+          <p:cNvCxnSpPr>
+            <a:cxnSpLocks/>
+          </p:cNvCxnSpPr>
+          <p:nvPr/>
+        </p:nvCxnSpPr>
+        <p:spPr>
+          <a:xfrm>
+            <a:off x="2065729" y="2227819"/>
+            <a:ext cx="5881931" cy="684642"/>
+          </a:xfrm>
+          <a:prstGeom prst="straightConnector1">
+            <a:avLst/>
+          </a:prstGeom>
+          <a:ln w="19050">
+            <a:solidFill>
+              <a:schemeClr val="tx1">
+                <a:lumMod val="65000"/>
+                <a:lumOff val="35000"/>
+              </a:schemeClr>
+            </a:solidFill>
+            <a:tailEnd type="triangle"/>
+          </a:ln>
+        </p:spPr>
+        <p:style>
+          <a:lnRef idx="1">
+            <a:schemeClr val="accent1"/>
+          </a:lnRef>
+          <a:fillRef idx="0">
+            <a:schemeClr val="accent1"/>
+          </a:fillRef>
+          <a:effectRef idx="0">
+            <a:schemeClr val="accent1"/>
+          </a:effectRef>
+          <a:fontRef idx="minor">
+            <a:schemeClr val="tx1"/>
+          </a:fontRef>
+        </p:style>
+      </p:cxnSp>
+      <p:sp>
+        <p:nvSpPr>
+          <p:cNvPr id="34" name="Rechteck 33">
+            <a:extLst>
+              <a:ext uri="{FF2B5EF4-FFF2-40B4-BE49-F238E27FC236}">
+                <a16:creationId xmlns:a16="http://schemas.microsoft.com/office/drawing/2014/main" id="{DA45FCB2-B6DA-40C0-8939-BC89574089AC}"/>
+              </a:ext>
+            </a:extLst>
+          </p:cNvPr>
+          <p:cNvSpPr/>
+          <p:nvPr/>
+        </p:nvSpPr>
+        <p:spPr>
+          <a:xfrm>
+            <a:off x="2739951" y="1800981"/>
+            <a:ext cx="445102" cy="452809"/>
+          </a:xfrm>
+          <a:prstGeom prst="rect">
+            <a:avLst/>
+          </a:prstGeom>
+          <a:noFill/>
+          <a:ln w="76200">
+            <a:solidFill>
+              <a:schemeClr val="tx1">
+                <a:lumMod val="65000"/>
+                <a:lumOff val="35000"/>
+              </a:schemeClr>
+            </a:solidFill>
+          </a:ln>
+        </p:spPr>
+        <p:style>
+          <a:lnRef idx="2">
+            <a:schemeClr val="accent1">
+              <a:shade val="50000"/>
+            </a:schemeClr>
+          </a:lnRef>
+          <a:fillRef idx="1">
+            <a:schemeClr val="accent1"/>
+          </a:fillRef>
+          <a:effectRef idx="0">
+            <a:schemeClr val="accent1"/>
+          </a:effectRef>
+          <a:fontRef idx="minor">
+            <a:schemeClr val="lt1"/>
+          </a:fontRef>
+        </p:style>
+        <p:txBody>
+          <a:bodyPr rtlCol="0" anchor="ctr"/>
+          <a:lstStyle/>
+          <a:p>
+            <a:pPr algn="ctr"/>
+            <a:endParaRPr lang="de-DE"/>
+          </a:p>
+        </p:txBody>
+      </p:sp>
+      <p:cxnSp>
+        <p:nvCxnSpPr>
+          <p:cNvPr id="36" name="Gerade Verbindung mit Pfeil 35">
+            <a:extLst>
+              <a:ext uri="{FF2B5EF4-FFF2-40B4-BE49-F238E27FC236}">
+                <a16:creationId xmlns:a16="http://schemas.microsoft.com/office/drawing/2014/main" id="{53403D54-900F-4E0F-8509-A7B11329D160}"/>
+              </a:ext>
+            </a:extLst>
+          </p:cNvPr>
+          <p:cNvCxnSpPr>
+            <a:cxnSpLocks/>
+            <a:stCxn id="34" idx="3"/>
+          </p:cNvCxnSpPr>
+          <p:nvPr/>
+        </p:nvCxnSpPr>
+        <p:spPr>
+          <a:xfrm>
+            <a:off x="3185053" y="2027386"/>
+            <a:ext cx="5448705" cy="738336"/>
+          </a:xfrm>
+          <a:prstGeom prst="straightConnector1">
+            <a:avLst/>
+          </a:prstGeom>
+          <a:ln w="19050">
+            <a:solidFill>
+              <a:schemeClr val="tx1">
+                <a:lumMod val="65000"/>
+                <a:lumOff val="35000"/>
+              </a:schemeClr>
+            </a:solidFill>
+            <a:tailEnd type="triangle"/>
+          </a:ln>
+        </p:spPr>
+        <p:style>
+          <a:lnRef idx="1">
+            <a:schemeClr val="accent1"/>
+          </a:lnRef>
+          <a:fillRef idx="0">
+            <a:schemeClr val="accent1"/>
+          </a:fillRef>
+          <a:effectRef idx="0">
+            <a:schemeClr val="accent1"/>
+          </a:effectRef>
+          <a:fontRef idx="minor">
+            <a:schemeClr val="tx1"/>
+          </a:fontRef>
+        </p:style>
+      </p:cxnSp>
+      <p:sp>
+        <p:nvSpPr>
+          <p:cNvPr id="44" name="Rechteck 43">
+            <a:extLst>
+              <a:ext uri="{FF2B5EF4-FFF2-40B4-BE49-F238E27FC236}">
+                <a16:creationId xmlns:a16="http://schemas.microsoft.com/office/drawing/2014/main" id="{1A0E50B8-FFE0-43BE-B9AB-169AD7380B43}"/>
+              </a:ext>
+            </a:extLst>
+          </p:cNvPr>
+          <p:cNvSpPr/>
+          <p:nvPr/>
+        </p:nvSpPr>
+        <p:spPr>
+          <a:xfrm>
+            <a:off x="3875690" y="1823031"/>
+            <a:ext cx="445102" cy="452809"/>
+          </a:xfrm>
+          <a:prstGeom prst="rect">
+            <a:avLst/>
+          </a:prstGeom>
+          <a:noFill/>
+          <a:ln w="76200">
+            <a:solidFill>
+              <a:schemeClr val="tx1">
+                <a:lumMod val="65000"/>
+                <a:lumOff val="35000"/>
+              </a:schemeClr>
+            </a:solidFill>
+          </a:ln>
+        </p:spPr>
+        <p:style>
+          <a:lnRef idx="2">
+            <a:schemeClr val="accent1">
+              <a:shade val="50000"/>
+            </a:schemeClr>
+          </a:lnRef>
+          <a:fillRef idx="1">
+            <a:schemeClr val="accent1"/>
+          </a:fillRef>
+          <a:effectRef idx="0">
+            <a:schemeClr val="accent1"/>
+          </a:effectRef>
+          <a:fontRef idx="minor">
+            <a:schemeClr val="lt1"/>
+          </a:fontRef>
+        </p:style>
+        <p:txBody>
+          <a:bodyPr rtlCol="0" anchor="ctr"/>
+          <a:lstStyle/>
+          <a:p>
+            <a:pPr algn="ctr"/>
+            <a:endParaRPr lang="de-DE"/>
+          </a:p>
+        </p:txBody>
+      </p:sp>
+      <p:cxnSp>
+        <p:nvCxnSpPr>
+          <p:cNvPr id="45" name="Gerade Verbindung mit Pfeil 44">
+            <a:extLst>
+              <a:ext uri="{FF2B5EF4-FFF2-40B4-BE49-F238E27FC236}">
+                <a16:creationId xmlns:a16="http://schemas.microsoft.com/office/drawing/2014/main" id="{A115ED3E-95BA-427C-BC6A-89B8D31C80A0}"/>
+              </a:ext>
+            </a:extLst>
+          </p:cNvPr>
+          <p:cNvCxnSpPr>
+            <a:cxnSpLocks/>
+          </p:cNvCxnSpPr>
+          <p:nvPr/>
+        </p:nvCxnSpPr>
+        <p:spPr>
+          <a:xfrm>
+            <a:off x="4327687" y="1960244"/>
+            <a:ext cx="5003603" cy="783949"/>
+          </a:xfrm>
+          <a:prstGeom prst="straightConnector1">
+            <a:avLst/>
+          </a:prstGeom>
+          <a:ln w="19050">
+            <a:solidFill>
+              <a:schemeClr val="tx1">
+                <a:lumMod val="65000"/>
+                <a:lumOff val="35000"/>
+              </a:schemeClr>
+            </a:solidFill>
+            <a:tailEnd type="triangle"/>
+          </a:ln>
+        </p:spPr>
+        <p:style>
+          <a:lnRef idx="1">
+            <a:schemeClr val="accent1"/>
+          </a:lnRef>
+          <a:fillRef idx="0">
+            <a:schemeClr val="accent1"/>
+          </a:fillRef>
+          <a:effectRef idx="0">
+            <a:schemeClr val="accent1"/>
+          </a:effectRef>
+          <a:fontRef idx="minor">
+            <a:schemeClr val="tx1"/>
+          </a:fontRef>
+        </p:style>
+      </p:cxnSp>
+      <p:sp>
+        <p:nvSpPr>
+          <p:cNvPr id="47" name="Rechteck 46">
+            <a:extLst>
+              <a:ext uri="{FF2B5EF4-FFF2-40B4-BE49-F238E27FC236}">
+                <a16:creationId xmlns:a16="http://schemas.microsoft.com/office/drawing/2014/main" id="{42B9BFB6-C22D-423C-9E4B-1724FEB02B57}"/>
+              </a:ext>
+            </a:extLst>
+          </p:cNvPr>
+          <p:cNvSpPr/>
+          <p:nvPr/>
+        </p:nvSpPr>
+        <p:spPr>
+          <a:xfrm>
+            <a:off x="4668155" y="1823031"/>
+            <a:ext cx="445102" cy="452809"/>
+          </a:xfrm>
+          <a:prstGeom prst="rect">
+            <a:avLst/>
+          </a:prstGeom>
+          <a:noFill/>
+          <a:ln w="76200">
+            <a:solidFill>
+              <a:schemeClr val="tx1">
+                <a:lumMod val="65000"/>
+                <a:lumOff val="35000"/>
+              </a:schemeClr>
+            </a:solidFill>
+          </a:ln>
+        </p:spPr>
+        <p:style>
+          <a:lnRef idx="2">
+            <a:schemeClr val="accent1">
+              <a:shade val="50000"/>
+            </a:schemeClr>
+          </a:lnRef>
+          <a:fillRef idx="1">
+            <a:schemeClr val="accent1"/>
+          </a:fillRef>
+          <a:effectRef idx="0">
+            <a:schemeClr val="accent1"/>
+          </a:effectRef>
+          <a:fontRef idx="minor">
+            <a:schemeClr val="lt1"/>
+          </a:fontRef>
+        </p:style>
+        <p:txBody>
+          <a:bodyPr rtlCol="0" anchor="ctr"/>
+          <a:lstStyle/>
+          <a:p>
+            <a:pPr algn="ctr"/>
+            <a:endParaRPr lang="de-DE"/>
+          </a:p>
+        </p:txBody>
+      </p:sp>
+      <p:cxnSp>
+        <p:nvCxnSpPr>
+          <p:cNvPr id="48" name="Gerade Verbindung mit Pfeil 47">
+            <a:extLst>
+              <a:ext uri="{FF2B5EF4-FFF2-40B4-BE49-F238E27FC236}">
+                <a16:creationId xmlns:a16="http://schemas.microsoft.com/office/drawing/2014/main" id="{BC3C50A2-3716-4A31-A032-DFD7B648BD0F}"/>
+              </a:ext>
+            </a:extLst>
+          </p:cNvPr>
+          <p:cNvCxnSpPr>
+            <a:cxnSpLocks/>
+          </p:cNvCxnSpPr>
+          <p:nvPr/>
+        </p:nvCxnSpPr>
+        <p:spPr>
+          <a:xfrm>
+            <a:off x="5113257" y="1880647"/>
+            <a:ext cx="4224928" cy="827459"/>
+          </a:xfrm>
+          <a:prstGeom prst="straightConnector1">
+            <a:avLst/>
+          </a:prstGeom>
+          <a:ln w="19050">
+            <a:solidFill>
+              <a:schemeClr val="tx1">
+                <a:lumMod val="65000"/>
+                <a:lumOff val="35000"/>
+              </a:schemeClr>
+            </a:solidFill>
+            <a:tailEnd type="triangle"/>
+          </a:ln>
+        </p:spPr>
+        <p:style>
+          <a:lnRef idx="1">
+            <a:schemeClr val="accent1"/>
+          </a:lnRef>
+          <a:fillRef idx="0">
+            <a:schemeClr val="accent1"/>
+          </a:fillRef>
+          <a:effectRef idx="0">
+            <a:schemeClr val="accent1"/>
+          </a:effectRef>
+          <a:fontRef idx="minor">
+            <a:schemeClr val="tx1"/>
+          </a:fontRef>
+        </p:style>
+      </p:cxnSp>
+      <p:sp>
+        <p:nvSpPr>
+          <p:cNvPr id="57" name="Textfeld 56">
+            <a:extLst>
+              <a:ext uri="{FF2B5EF4-FFF2-40B4-BE49-F238E27FC236}">
+                <a16:creationId xmlns:a16="http://schemas.microsoft.com/office/drawing/2014/main" id="{60ABD989-7036-4059-BFB4-829B7BFF07A0}"/>
+              </a:ext>
+            </a:extLst>
+          </p:cNvPr>
+          <p:cNvSpPr txBox="1"/>
+          <p:nvPr/>
+        </p:nvSpPr>
+        <p:spPr>
+          <a:xfrm>
+            <a:off x="7662200" y="1950915"/>
+            <a:ext cx="1789849" cy="369332"/>
+          </a:xfrm>
+          <a:prstGeom prst="rect">
+            <a:avLst/>
+          </a:prstGeom>
+          <a:noFill/>
+        </p:spPr>
+        <p:txBody>
+          <a:bodyPr wrap="none" rtlCol="0">
+            <a:spAutoFit/>
+          </a:bodyPr>
+          <a:lstStyle/>
+          <a:p>
+            <a:r>
+              <a:rPr lang="de-DE" dirty="0"/>
+              <a:t>R Kanal, 3x3 Byte</a:t>
+            </a:r>
+          </a:p>
+        </p:txBody>
+      </p:sp>
+      <p:cxnSp>
+        <p:nvCxnSpPr>
+          <p:cNvPr id="59" name="Gerader Verbinder 58">
+            <a:extLst>
+              <a:ext uri="{FF2B5EF4-FFF2-40B4-BE49-F238E27FC236}">
+                <a16:creationId xmlns:a16="http://schemas.microsoft.com/office/drawing/2014/main" id="{EA3A49A4-303D-4108-81F6-935093B41CA7}"/>
+              </a:ext>
+            </a:extLst>
+          </p:cNvPr>
+          <p:cNvCxnSpPr/>
+          <p:nvPr/>
+        </p:nvCxnSpPr>
+        <p:spPr>
+          <a:xfrm>
+            <a:off x="9779746" y="2354178"/>
+            <a:ext cx="707011" cy="0"/>
+          </a:xfrm>
+          <a:prstGeom prst="line">
+            <a:avLst/>
+          </a:prstGeom>
+        </p:spPr>
+        <p:style>
+          <a:lnRef idx="1">
+            <a:schemeClr val="accent1"/>
+          </a:lnRef>
+          <a:fillRef idx="0">
+            <a:schemeClr val="accent1"/>
+          </a:fillRef>
+          <a:effectRef idx="0">
+            <a:schemeClr val="accent1"/>
+          </a:effectRef>
+          <a:fontRef idx="minor">
+            <a:schemeClr val="tx1"/>
+          </a:fontRef>
+        </p:style>
+      </p:cxnSp>
+      <p:cxnSp>
+        <p:nvCxnSpPr>
+          <p:cNvPr id="60" name="Gerader Verbinder 59">
+            <a:extLst>
+              <a:ext uri="{FF2B5EF4-FFF2-40B4-BE49-F238E27FC236}">
+                <a16:creationId xmlns:a16="http://schemas.microsoft.com/office/drawing/2014/main" id="{D6BA85E1-4B50-4AF3-909C-3C6E73D1343D}"/>
+              </a:ext>
+            </a:extLst>
+          </p:cNvPr>
+          <p:cNvCxnSpPr/>
+          <p:nvPr/>
+        </p:nvCxnSpPr>
+        <p:spPr>
+          <a:xfrm>
+            <a:off x="9779746" y="3049881"/>
+            <a:ext cx="707011" cy="0"/>
+          </a:xfrm>
+          <a:prstGeom prst="line">
+            <a:avLst/>
+          </a:prstGeom>
+        </p:spPr>
+        <p:style>
+          <a:lnRef idx="1">
+            <a:schemeClr val="accent1"/>
+          </a:lnRef>
+          <a:fillRef idx="0">
+            <a:schemeClr val="accent1"/>
+          </a:fillRef>
+          <a:effectRef idx="0">
+            <a:schemeClr val="accent1"/>
+          </a:effectRef>
+          <a:fontRef idx="minor">
+            <a:schemeClr val="tx1"/>
+          </a:fontRef>
+        </p:style>
+      </p:cxnSp>
+      <p:cxnSp>
+        <p:nvCxnSpPr>
+          <p:cNvPr id="61" name="Gerader Verbinder 60">
+            <a:extLst>
+              <a:ext uri="{FF2B5EF4-FFF2-40B4-BE49-F238E27FC236}">
+                <a16:creationId xmlns:a16="http://schemas.microsoft.com/office/drawing/2014/main" id="{418D9F6C-B51A-4916-8911-F124B14D951A}"/>
+              </a:ext>
+            </a:extLst>
+          </p:cNvPr>
+          <p:cNvCxnSpPr/>
+          <p:nvPr/>
+        </p:nvCxnSpPr>
+        <p:spPr>
+          <a:xfrm>
+            <a:off x="9779746" y="3786743"/>
+            <a:ext cx="707011" cy="0"/>
+          </a:xfrm>
+          <a:prstGeom prst="line">
+            <a:avLst/>
+          </a:prstGeom>
+        </p:spPr>
+        <p:style>
+          <a:lnRef idx="1">
+            <a:schemeClr val="accent1"/>
+          </a:lnRef>
+          <a:fillRef idx="0">
+            <a:schemeClr val="accent1"/>
+          </a:fillRef>
+          <a:effectRef idx="0">
+            <a:schemeClr val="accent1"/>
+          </a:effectRef>
+          <a:fontRef idx="minor">
+            <a:schemeClr val="tx1"/>
+          </a:fontRef>
+        </p:style>
+      </p:cxnSp>
+      <p:cxnSp>
+        <p:nvCxnSpPr>
+          <p:cNvPr id="62" name="Gerader Verbinder 61">
+            <a:extLst>
+              <a:ext uri="{FF2B5EF4-FFF2-40B4-BE49-F238E27FC236}">
+                <a16:creationId xmlns:a16="http://schemas.microsoft.com/office/drawing/2014/main" id="{AF743750-A5D8-40A3-8A60-8C9F8AF64348}"/>
+              </a:ext>
+            </a:extLst>
+          </p:cNvPr>
+          <p:cNvCxnSpPr/>
+          <p:nvPr/>
+        </p:nvCxnSpPr>
+        <p:spPr>
+          <a:xfrm>
+            <a:off x="9779746" y="4459034"/>
+            <a:ext cx="707011" cy="0"/>
+          </a:xfrm>
+          <a:prstGeom prst="line">
+            <a:avLst/>
+          </a:prstGeom>
+        </p:spPr>
+        <p:style>
+          <a:lnRef idx="1">
+            <a:schemeClr val="accent1"/>
+          </a:lnRef>
+          <a:fillRef idx="0">
+            <a:schemeClr val="accent1"/>
+          </a:fillRef>
+          <a:effectRef idx="0">
+            <a:schemeClr val="accent1"/>
+          </a:effectRef>
+          <a:fontRef idx="minor">
+            <a:schemeClr val="tx1"/>
+          </a:fontRef>
+        </p:style>
+      </p:cxnSp>
+      <p:sp>
+        <p:nvSpPr>
+          <p:cNvPr id="63" name="Textfeld 62">
+            <a:extLst>
+              <a:ext uri="{FF2B5EF4-FFF2-40B4-BE49-F238E27FC236}">
+                <a16:creationId xmlns:a16="http://schemas.microsoft.com/office/drawing/2014/main" id="{C252FD0D-7906-4AB5-9100-A25F113D1604}"/>
+              </a:ext>
+            </a:extLst>
+          </p:cNvPr>
+          <p:cNvSpPr txBox="1"/>
+          <p:nvPr/>
+        </p:nvSpPr>
+        <p:spPr>
+          <a:xfrm>
+            <a:off x="9889875" y="2570140"/>
+            <a:ext cx="453970" cy="338554"/>
+          </a:xfrm>
+          <a:prstGeom prst="rect">
+            <a:avLst/>
+          </a:prstGeom>
+          <a:noFill/>
+        </p:spPr>
+        <p:txBody>
+          <a:bodyPr wrap="none" rtlCol="0">
+            <a:spAutoFit/>
+          </a:bodyPr>
+          <a:lstStyle/>
+          <a:p>
+            <a:r>
+              <a:rPr lang="de-DE" sz="1600" dirty="0"/>
+              <a:t>Rl1</a:t>
+            </a:r>
+          </a:p>
+        </p:txBody>
+      </p:sp>
+      <p:sp>
+        <p:nvSpPr>
+          <p:cNvPr id="64" name="Textfeld 63">
+            <a:extLst>
+              <a:ext uri="{FF2B5EF4-FFF2-40B4-BE49-F238E27FC236}">
+                <a16:creationId xmlns:a16="http://schemas.microsoft.com/office/drawing/2014/main" id="{323B4705-718E-4C91-ABE8-90F66BB27A11}"/>
+              </a:ext>
+            </a:extLst>
+          </p:cNvPr>
+          <p:cNvSpPr txBox="1"/>
+          <p:nvPr/>
+        </p:nvSpPr>
+        <p:spPr>
+          <a:xfrm>
+            <a:off x="9906266" y="3249976"/>
+            <a:ext cx="447558" cy="338554"/>
+          </a:xfrm>
+          <a:prstGeom prst="rect">
+            <a:avLst/>
+          </a:prstGeom>
+          <a:noFill/>
+        </p:spPr>
+        <p:txBody>
+          <a:bodyPr wrap="none" rtlCol="0">
+            <a:spAutoFit/>
+          </a:bodyPr>
+          <a:lstStyle/>
+          <a:p>
+            <a:r>
+              <a:rPr lang="de-DE" sz="1600" dirty="0"/>
+              <a:t>Rl2</a:t>
+            </a:r>
+          </a:p>
+        </p:txBody>
+      </p:sp>
+      <p:sp>
+        <p:nvSpPr>
+          <p:cNvPr id="65" name="Textfeld 64">
+            <a:extLst>
+              <a:ext uri="{FF2B5EF4-FFF2-40B4-BE49-F238E27FC236}">
+                <a16:creationId xmlns:a16="http://schemas.microsoft.com/office/drawing/2014/main" id="{D2B75697-A71E-46C9-9277-9BD831C7966A}"/>
+              </a:ext>
+            </a:extLst>
+          </p:cNvPr>
+          <p:cNvSpPr txBox="1"/>
+          <p:nvPr/>
+        </p:nvSpPr>
+        <p:spPr>
+          <a:xfrm>
+            <a:off x="9896287" y="3995623"/>
+            <a:ext cx="447558" cy="338554"/>
+          </a:xfrm>
+          <a:prstGeom prst="rect">
+            <a:avLst/>
+          </a:prstGeom>
+          <a:noFill/>
+        </p:spPr>
+        <p:txBody>
+          <a:bodyPr wrap="none" rtlCol="0">
+            <a:spAutoFit/>
+          </a:bodyPr>
+          <a:lstStyle/>
+          <a:p>
+            <a:r>
+              <a:rPr lang="de-DE" sz="1600" dirty="0"/>
+              <a:t>Rl2</a:t>
+            </a:r>
+          </a:p>
+        </p:txBody>
+      </p:sp>
+    </p:spTree>
+    <p:extLst>
+      <p:ext uri="{BB962C8B-B14F-4D97-AF65-F5344CB8AC3E}">
+        <p14:creationId xmlns:p14="http://schemas.microsoft.com/office/powerpoint/2010/main" val="377931239"/>
+      </p:ext>
+    </p:extLst>
+  </p:cSld>
+  <p:clrMapOvr>
+    <a:masterClrMapping/>
+  </p:clrMapOvr>
+</p:sld>
+</file>
+
+<file path=ppt/slides/slide7.xml><?xml version="1.0" encoding="utf-8"?>
+<p:sld xmlns:a="http://schemas.openxmlformats.org/drawingml/2006/main" xmlns:r="http://schemas.openxmlformats.org/officeDocument/2006/relationships" xmlns:p="http://schemas.openxmlformats.org/presentationml/2006/main">
+  <p:cSld>
+    <p:spTree>
+      <p:nvGrpSpPr>
+        <p:cNvPr id="1" name=""/>
+        <p:cNvGrpSpPr/>
+        <p:nvPr/>
+      </p:nvGrpSpPr>
+      <p:grpSpPr>
+        <a:xfrm>
+          <a:off x="0" y="0"/>
+          <a:ext cx="0" cy="0"/>
+          <a:chOff x="0" y="0"/>
+          <a:chExt cx="0" cy="0"/>
+        </a:xfrm>
+      </p:grpSpPr>
+      <p:pic>
+        <p:nvPicPr>
+          <p:cNvPr id="4" name="Grafik 3">
+            <a:extLst>
+              <a:ext uri="{FF2B5EF4-FFF2-40B4-BE49-F238E27FC236}">
+                <a16:creationId xmlns:a16="http://schemas.microsoft.com/office/drawing/2014/main" id="{B483C7A7-01DE-4F8F-8200-8B740CDA581A}"/>
+              </a:ext>
+            </a:extLst>
+          </p:cNvPr>
+          <p:cNvPicPr>
+            <a:picLocks noChangeAspect="1"/>
+          </p:cNvPicPr>
+          <p:nvPr/>
+        </p:nvPicPr>
+        <p:blipFill>
+          <a:blip r:embed="rId2"/>
+          <a:stretch>
+            <a:fillRect/>
+          </a:stretch>
+        </p:blipFill>
+        <p:spPr>
+          <a:xfrm>
+            <a:off x="805058" y="2498177"/>
+            <a:ext cx="2762088" cy="2743298"/>
+          </a:xfrm>
+          <a:prstGeom prst="rect">
+            <a:avLst/>
+          </a:prstGeom>
+        </p:spPr>
+      </p:pic>
+      <p:graphicFrame>
+        <p:nvGraphicFramePr>
+          <p:cNvPr id="5" name="Tabelle 45">
+            <a:extLst>
+              <a:ext uri="{FF2B5EF4-FFF2-40B4-BE49-F238E27FC236}">
+                <a16:creationId xmlns:a16="http://schemas.microsoft.com/office/drawing/2014/main" id="{5B3E49EB-73DA-4DEB-962D-C7669FADFC57}"/>
+              </a:ext>
+            </a:extLst>
+          </p:cNvPr>
+          <p:cNvGraphicFramePr>
+            <a:graphicFrameLocks noGrp="1"/>
+          </p:cNvGraphicFramePr>
+          <p:nvPr>
+            <p:extLst>
+              <p:ext uri="{D42A27DB-BD31-4B8C-83A1-F6EECF244321}">
+                <p14:modId xmlns:p14="http://schemas.microsoft.com/office/powerpoint/2010/main" val="494643121"/>
+              </p:ext>
+            </p:extLst>
+          </p:nvPr>
+        </p:nvGraphicFramePr>
+        <p:xfrm>
+          <a:off x="805058" y="2498175"/>
+          <a:ext cx="2762089" cy="2743295"/>
+        </p:xfrm>
+        <a:graphic>
+          <a:graphicData uri="http://schemas.openxmlformats.org/drawingml/2006/table">
+            <a:tbl>
+              <a:tblPr firstRow="1" bandRow="1">
+                <a:tableStyleId>{5C22544A-7EE6-4342-B048-85BDC9FD1C3A}</a:tableStyleId>
+              </a:tblPr>
+              <a:tblGrid>
+                <a:gridCol w="552401">
+                  <a:extLst>
+                    <a:ext uri="{9D8B030D-6E8A-4147-A177-3AD203B41FA5}">
+                      <a16:colId xmlns:a16="http://schemas.microsoft.com/office/drawing/2014/main" val="2998899102"/>
+                    </a:ext>
+                  </a:extLst>
+                </a:gridCol>
+                <a:gridCol w="556182">
+                  <a:extLst>
+                    <a:ext uri="{9D8B030D-6E8A-4147-A177-3AD203B41FA5}">
+                      <a16:colId xmlns:a16="http://schemas.microsoft.com/office/drawing/2014/main" val="231906347"/>
+                    </a:ext>
+                  </a:extLst>
+                </a:gridCol>
+                <a:gridCol w="537328">
+                  <a:extLst>
+                    <a:ext uri="{9D8B030D-6E8A-4147-A177-3AD203B41FA5}">
+                      <a16:colId xmlns:a16="http://schemas.microsoft.com/office/drawing/2014/main" val="1541407098"/>
+                    </a:ext>
+                  </a:extLst>
+                </a:gridCol>
+                <a:gridCol w="556181">
+                  <a:extLst>
+                    <a:ext uri="{9D8B030D-6E8A-4147-A177-3AD203B41FA5}">
+                      <a16:colId xmlns:a16="http://schemas.microsoft.com/office/drawing/2014/main" val="3529405233"/>
+                    </a:ext>
+                  </a:extLst>
+                </a:gridCol>
+                <a:gridCol w="559997">
+                  <a:extLst>
+                    <a:ext uri="{9D8B030D-6E8A-4147-A177-3AD203B41FA5}">
+                      <a16:colId xmlns:a16="http://schemas.microsoft.com/office/drawing/2014/main" val="3811571337"/>
+                    </a:ext>
+                  </a:extLst>
+                </a:gridCol>
+              </a:tblGrid>
+              <a:tr h="548659">
+                <a:tc>
+                  <a:txBody>
+                    <a:bodyPr/>
+                    <a:lstStyle/>
+                    <a:p>
+                      <a:pPr algn="ctr"/>
+                      <a:r>
+                        <a:rPr lang="de-DE" sz="1800" b="1" dirty="0">
+                          <a:solidFill>
+                            <a:schemeClr val="tx1"/>
+                          </a:solidFill>
+                        </a:rPr>
+                        <a:t>0</a:t>
+                      </a:r>
+                    </a:p>
+                  </a:txBody>
+                  <a:tcPr>
+                    <a:lnL w="12700" cmpd="sng">
+                      <a:noFill/>
+                    </a:lnL>
+                    <a:lnR w="12700" cmpd="sng">
+                      <a:noFill/>
+                    </a:lnR>
+                    <a:lnT w="12700" cmpd="sng">
+                      <a:noFill/>
+                    </a:lnT>
+                    <a:lnB w="38100" cmpd="sng">
+                      <a:noFill/>
+                    </a:lnB>
+                    <a:lnTlToBr w="12700" cmpd="sng">
+                      <a:noFill/>
+                      <a:prstDash val="solid"/>
+                    </a:lnTlToBr>
+                    <a:lnBlToTr w="12700" cmpd="sng">
+                      <a:noFill/>
+                      <a:prstDash val="solid"/>
+                    </a:lnBlToTr>
+                    <a:noFill/>
+                  </a:tcPr>
+                </a:tc>
+                <a:tc>
+                  <a:txBody>
+                    <a:bodyPr/>
+                    <a:lstStyle/>
+                    <a:p>
+                      <a:pPr algn="ctr"/>
+                      <a:r>
+                        <a:rPr lang="de-DE" sz="1800" b="1" dirty="0">
+                          <a:solidFill>
+                            <a:schemeClr val="tx1"/>
+                          </a:solidFill>
+                        </a:rPr>
+                        <a:t>1</a:t>
+                      </a:r>
+                    </a:p>
+                  </a:txBody>
+                  <a:tcPr>
+                    <a:lnL w="12700" cmpd="sng">
+                      <a:noFill/>
+                    </a:lnL>
+                    <a:lnR w="12700" cmpd="sng">
+                      <a:noFill/>
+                    </a:lnR>
+                    <a:lnT w="12700" cmpd="sng">
+                      <a:noFill/>
+                    </a:lnT>
+                    <a:lnB w="38100" cmpd="sng">
+                      <a:noFill/>
+                    </a:lnB>
+                    <a:lnTlToBr w="12700" cmpd="sng">
+                      <a:noFill/>
+                      <a:prstDash val="solid"/>
+                    </a:lnTlToBr>
+                    <a:lnBlToTr w="12700" cmpd="sng">
+                      <a:noFill/>
+                      <a:prstDash val="solid"/>
+                    </a:lnBlToTr>
+                    <a:noFill/>
+                  </a:tcPr>
+                </a:tc>
+                <a:tc>
+                  <a:txBody>
+                    <a:bodyPr/>
+                    <a:lstStyle/>
+                    <a:p>
+                      <a:pPr algn="ctr"/>
+                      <a:r>
+                        <a:rPr lang="de-DE" sz="1800" b="1" dirty="0">
+                          <a:solidFill>
+                            <a:schemeClr val="tx1"/>
+                          </a:solidFill>
+                        </a:rPr>
+                        <a:t>2</a:t>
+                      </a:r>
+                    </a:p>
+                  </a:txBody>
+                  <a:tcPr>
+                    <a:lnL w="12700" cmpd="sng">
+                      <a:noFill/>
+                    </a:lnL>
+                    <a:lnR w="12700" cmpd="sng">
+                      <a:noFill/>
+                    </a:lnR>
+                    <a:lnT w="12700" cmpd="sng">
+                      <a:noFill/>
+                    </a:lnT>
+                    <a:lnB w="38100" cmpd="sng">
+                      <a:noFill/>
+                    </a:lnB>
+                    <a:lnTlToBr w="12700" cmpd="sng">
+                      <a:noFill/>
+                      <a:prstDash val="solid"/>
+                    </a:lnTlToBr>
+                    <a:lnBlToTr w="12700" cmpd="sng">
+                      <a:noFill/>
+                      <a:prstDash val="solid"/>
+                    </a:lnBlToTr>
+                    <a:noFill/>
+                  </a:tcPr>
+                </a:tc>
+                <a:tc>
+                  <a:txBody>
+                    <a:bodyPr/>
+                    <a:lstStyle/>
+                    <a:p>
+                      <a:pPr algn="ctr"/>
+                      <a:r>
+                        <a:rPr lang="de-DE" sz="1800" b="1" dirty="0">
+                          <a:solidFill>
+                            <a:schemeClr val="tx1"/>
+                          </a:solidFill>
+                        </a:rPr>
+                        <a:t>3</a:t>
+                      </a:r>
+                    </a:p>
+                  </a:txBody>
+                  <a:tcPr>
+                    <a:lnL w="12700" cmpd="sng">
+                      <a:noFill/>
+                    </a:lnL>
+                    <a:lnR w="12700" cmpd="sng">
+                      <a:noFill/>
+                    </a:lnR>
+                    <a:lnT w="12700" cmpd="sng">
+                      <a:noFill/>
+                    </a:lnT>
+                    <a:lnB w="38100" cmpd="sng">
+                      <a:noFill/>
+                    </a:lnB>
+                    <a:lnTlToBr w="12700" cmpd="sng">
+                      <a:noFill/>
+                      <a:prstDash val="solid"/>
+                    </a:lnTlToBr>
+                    <a:lnBlToTr w="12700" cmpd="sng">
+                      <a:noFill/>
+                      <a:prstDash val="solid"/>
+                    </a:lnBlToTr>
+                    <a:noFill/>
+                  </a:tcPr>
+                </a:tc>
+                <a:tc>
+                  <a:txBody>
+                    <a:bodyPr/>
+                    <a:lstStyle/>
+                    <a:p>
+                      <a:pPr algn="ctr"/>
+                      <a:r>
+                        <a:rPr lang="de-DE" sz="1800" b="1" dirty="0">
+                          <a:solidFill>
+                            <a:schemeClr val="tx1"/>
+                          </a:solidFill>
+                        </a:rPr>
+                        <a:t>4</a:t>
+                      </a:r>
+                    </a:p>
+                  </a:txBody>
+                  <a:tcPr>
+                    <a:lnL w="12700" cmpd="sng">
+                      <a:noFill/>
+                    </a:lnL>
+                    <a:lnR w="12700" cmpd="sng">
+                      <a:noFill/>
+                    </a:lnR>
+                    <a:lnT w="12700" cmpd="sng">
+                      <a:noFill/>
+                    </a:lnT>
+                    <a:lnB w="38100" cmpd="sng">
+                      <a:noFill/>
+                    </a:lnB>
+                    <a:lnTlToBr w="12700" cmpd="sng">
+                      <a:noFill/>
+                      <a:prstDash val="solid"/>
+                    </a:lnTlToBr>
+                    <a:lnBlToTr w="12700" cmpd="sng">
+                      <a:noFill/>
+                      <a:prstDash val="solid"/>
+                    </a:lnBlToTr>
+                    <a:noFill/>
+                  </a:tcPr>
+                </a:tc>
+                <a:extLst>
+                  <a:ext uri="{0D108BD9-81ED-4DB2-BD59-A6C34878D82A}">
+                    <a16:rowId xmlns:a16="http://schemas.microsoft.com/office/drawing/2014/main" val="330099190"/>
+                  </a:ext>
+                </a:extLst>
+              </a:tr>
+              <a:tr h="548659">
+                <a:tc>
+                  <a:txBody>
+                    <a:bodyPr/>
+                    <a:lstStyle/>
+                    <a:p>
+                      <a:pPr algn="ctr"/>
+                      <a:r>
+                        <a:rPr lang="de-DE" sz="1800" b="1" dirty="0"/>
+                        <a:t>5</a:t>
+                      </a:r>
+                    </a:p>
+                  </a:txBody>
+                  <a:tcPr>
+                    <a:lnL w="12700" cmpd="sng">
+                      <a:noFill/>
+                    </a:lnL>
+                    <a:lnR w="12700" cmpd="sng">
+                      <a:noFill/>
+                    </a:lnR>
+                    <a:lnT w="38100" cmpd="sng">
+                      <a:noFill/>
+                    </a:lnT>
+                    <a:lnB w="12700" cmpd="sng">
+                      <a:noFill/>
+                    </a:lnB>
+                    <a:lnTlToBr w="12700" cmpd="sng">
+                      <a:noFill/>
+                      <a:prstDash val="solid"/>
+                    </a:lnTlToBr>
+                    <a:lnBlToTr w="12700" cmpd="sng">
+                      <a:noFill/>
+                      <a:prstDash val="solid"/>
+                    </a:lnBlToTr>
+                    <a:noFill/>
+                  </a:tcPr>
+                </a:tc>
+                <a:tc>
+                  <a:txBody>
+                    <a:bodyPr/>
+                    <a:lstStyle/>
+                    <a:p>
+                      <a:pPr algn="ctr"/>
+                      <a:r>
+                        <a:rPr lang="de-DE" sz="1800" b="1" dirty="0"/>
+                        <a:t>6</a:t>
+                      </a:r>
+                    </a:p>
+                  </a:txBody>
+                  <a:tcPr>
+                    <a:lnL w="12700" cmpd="sng">
+                      <a:noFill/>
+                    </a:lnL>
+                    <a:lnR w="12700" cmpd="sng">
+                      <a:noFill/>
+                    </a:lnR>
+                    <a:lnT w="38100" cmpd="sng">
+                      <a:noFill/>
+                    </a:lnT>
+                    <a:lnB w="12700" cmpd="sng">
+                      <a:noFill/>
+                    </a:lnB>
+                    <a:lnTlToBr w="12700" cmpd="sng">
+                      <a:noFill/>
+                      <a:prstDash val="solid"/>
+                    </a:lnTlToBr>
+                    <a:lnBlToTr w="12700" cmpd="sng">
+                      <a:noFill/>
+                      <a:prstDash val="solid"/>
+                    </a:lnBlToTr>
+                    <a:noFill/>
+                  </a:tcPr>
+                </a:tc>
+                <a:tc>
+                  <a:txBody>
+                    <a:bodyPr/>
+                    <a:lstStyle/>
+                    <a:p>
+                      <a:pPr algn="ctr"/>
+                      <a:r>
+                        <a:rPr lang="de-DE" sz="1800" b="1" dirty="0"/>
+                        <a:t>7</a:t>
+                      </a:r>
+                    </a:p>
+                  </a:txBody>
+                  <a:tcPr>
+                    <a:lnL w="12700" cmpd="sng">
+                      <a:noFill/>
+                    </a:lnL>
+                    <a:lnR w="12700" cmpd="sng">
+                      <a:noFill/>
+                    </a:lnR>
+                    <a:lnT w="38100" cmpd="sng">
+                      <a:noFill/>
+                    </a:lnT>
+                    <a:lnB w="12700" cmpd="sng">
+                      <a:noFill/>
+                    </a:lnB>
+                    <a:lnTlToBr w="12700" cmpd="sng">
+                      <a:noFill/>
+                      <a:prstDash val="solid"/>
+                    </a:lnTlToBr>
+                    <a:lnBlToTr w="12700" cmpd="sng">
+                      <a:noFill/>
+                      <a:prstDash val="solid"/>
+                    </a:lnBlToTr>
+                    <a:noFill/>
+                  </a:tcPr>
+                </a:tc>
+                <a:tc>
+                  <a:txBody>
+                    <a:bodyPr/>
+                    <a:lstStyle/>
+                    <a:p>
+                      <a:pPr algn="ctr"/>
+                      <a:r>
+                        <a:rPr lang="de-DE" sz="1800" b="1" dirty="0"/>
+                        <a:t>8</a:t>
+                      </a:r>
+                    </a:p>
+                  </a:txBody>
+                  <a:tcPr>
+                    <a:lnL w="12700" cmpd="sng">
+                      <a:noFill/>
+                    </a:lnL>
+                    <a:lnR w="12700" cmpd="sng">
+                      <a:noFill/>
+                    </a:lnR>
+                    <a:lnT w="38100" cmpd="sng">
+                      <a:noFill/>
+                    </a:lnT>
+                    <a:lnB w="12700" cmpd="sng">
+                      <a:noFill/>
+                    </a:lnB>
+                    <a:lnTlToBr w="12700" cmpd="sng">
+                      <a:noFill/>
+                      <a:prstDash val="solid"/>
+                    </a:lnTlToBr>
+                    <a:lnBlToTr w="12700" cmpd="sng">
+                      <a:noFill/>
+                      <a:prstDash val="solid"/>
+                    </a:lnBlToTr>
+                    <a:noFill/>
+                  </a:tcPr>
+                </a:tc>
+                <a:tc>
+                  <a:txBody>
+                    <a:bodyPr/>
+                    <a:lstStyle/>
+                    <a:p>
+                      <a:pPr algn="ctr"/>
+                      <a:r>
+                        <a:rPr lang="de-DE" sz="1800" b="1" dirty="0"/>
+                        <a:t>9</a:t>
+                      </a:r>
+                    </a:p>
+                  </a:txBody>
+                  <a:tcPr>
+                    <a:lnL w="12700" cmpd="sng">
+                      <a:noFill/>
+                    </a:lnL>
+                    <a:lnR w="12700" cmpd="sng">
+                      <a:noFill/>
+                    </a:lnR>
+                    <a:lnT w="38100" cmpd="sng">
+                      <a:noFill/>
+                    </a:lnT>
+                    <a:lnB w="12700" cmpd="sng">
+                      <a:noFill/>
+                    </a:lnB>
+                    <a:lnTlToBr w="12700" cmpd="sng">
+                      <a:noFill/>
+                      <a:prstDash val="solid"/>
+                    </a:lnTlToBr>
+                    <a:lnBlToTr w="12700" cmpd="sng">
+                      <a:noFill/>
+                      <a:prstDash val="solid"/>
+                    </a:lnBlToTr>
+                    <a:noFill/>
+                  </a:tcPr>
+                </a:tc>
+                <a:extLst>
+                  <a:ext uri="{0D108BD9-81ED-4DB2-BD59-A6C34878D82A}">
+                    <a16:rowId xmlns:a16="http://schemas.microsoft.com/office/drawing/2014/main" val="2263004051"/>
+                  </a:ext>
+                </a:extLst>
+              </a:tr>
+              <a:tr h="548659">
+                <a:tc>
+                  <a:txBody>
+                    <a:bodyPr/>
+                    <a:lstStyle/>
+                    <a:p>
+                      <a:pPr algn="ctr"/>
+                      <a:r>
+                        <a:rPr lang="de-DE" sz="1800" b="1" dirty="0"/>
+                        <a:t>10</a:t>
+                      </a:r>
+                    </a:p>
+                  </a:txBody>
+                  <a:tcPr>
+                    <a:lnL w="12700" cmpd="sng">
+                      <a:noFill/>
+                    </a:lnL>
+                    <a:lnR w="12700" cmpd="sng">
+                      <a:noFill/>
+                    </a:lnR>
+                    <a:lnT w="12700" cmpd="sng">
+                      <a:noFill/>
+                    </a:lnT>
+                    <a:lnB w="12700" cmpd="sng">
+                      <a:noFill/>
+                    </a:lnB>
+                    <a:lnTlToBr w="12700" cmpd="sng">
+                      <a:noFill/>
+                      <a:prstDash val="solid"/>
+                    </a:lnTlToBr>
+                    <a:lnBlToTr w="12700" cmpd="sng">
+                      <a:noFill/>
+                      <a:prstDash val="solid"/>
+                    </a:lnBlToTr>
+                    <a:noFill/>
+                  </a:tcPr>
+                </a:tc>
+                <a:tc>
+                  <a:txBody>
+                    <a:bodyPr/>
+                    <a:lstStyle/>
+                    <a:p>
+                      <a:pPr algn="ctr"/>
+                      <a:r>
+                        <a:rPr lang="de-DE" sz="1800" b="1" dirty="0"/>
+                        <a:t>11</a:t>
+                      </a:r>
+                    </a:p>
+                  </a:txBody>
+                  <a:tcPr>
+                    <a:lnL w="12700" cmpd="sng">
+                      <a:noFill/>
+                    </a:lnL>
+                    <a:lnR w="12700" cmpd="sng">
+                      <a:noFill/>
+                    </a:lnR>
+                    <a:lnT w="12700" cmpd="sng">
+                      <a:noFill/>
+                    </a:lnT>
+                    <a:lnB w="12700" cmpd="sng">
+                      <a:noFill/>
+                    </a:lnB>
+                    <a:lnTlToBr w="12700" cmpd="sng">
+                      <a:noFill/>
+                      <a:prstDash val="solid"/>
+                    </a:lnTlToBr>
+                    <a:lnBlToTr w="12700" cmpd="sng">
+                      <a:noFill/>
+                      <a:prstDash val="solid"/>
+                    </a:lnBlToTr>
+                    <a:noFill/>
+                  </a:tcPr>
+                </a:tc>
+                <a:tc>
+                  <a:txBody>
+                    <a:bodyPr/>
+                    <a:lstStyle/>
+                    <a:p>
+                      <a:pPr algn="ctr"/>
+                      <a:r>
+                        <a:rPr lang="de-DE" sz="1800" b="1" dirty="0"/>
+                        <a:t>12</a:t>
+                      </a:r>
+                    </a:p>
+                  </a:txBody>
+                  <a:tcPr>
+                    <a:lnL w="12700" cmpd="sng">
+                      <a:noFill/>
+                    </a:lnL>
+                    <a:lnR w="12700" cmpd="sng">
+                      <a:noFill/>
+                    </a:lnR>
+                    <a:lnT w="12700" cmpd="sng">
+                      <a:noFill/>
+                    </a:lnT>
+                    <a:lnB w="12700" cmpd="sng">
+                      <a:noFill/>
+                    </a:lnB>
+                    <a:lnTlToBr w="12700" cmpd="sng">
+                      <a:noFill/>
+                      <a:prstDash val="solid"/>
+                    </a:lnTlToBr>
+                    <a:lnBlToTr w="12700" cmpd="sng">
+                      <a:noFill/>
+                      <a:prstDash val="solid"/>
+                    </a:lnBlToTr>
+                    <a:noFill/>
+                  </a:tcPr>
+                </a:tc>
+                <a:tc>
+                  <a:txBody>
+                    <a:bodyPr/>
+                    <a:lstStyle/>
+                    <a:p>
+                      <a:pPr algn="ctr"/>
+                      <a:r>
+                        <a:rPr lang="de-DE" sz="1800" b="1" dirty="0"/>
+                        <a:t>13</a:t>
+                      </a:r>
+                    </a:p>
+                  </a:txBody>
+                  <a:tcPr>
+                    <a:lnL w="12700" cmpd="sng">
+                      <a:noFill/>
+                    </a:lnL>
+                    <a:lnR w="12700" cmpd="sng">
+                      <a:noFill/>
+                    </a:lnR>
+                    <a:lnT w="12700" cmpd="sng">
+                      <a:noFill/>
+                    </a:lnT>
+                    <a:lnB w="12700" cmpd="sng">
+                      <a:noFill/>
+                    </a:lnB>
+                    <a:lnTlToBr w="12700" cmpd="sng">
+                      <a:noFill/>
+                      <a:prstDash val="solid"/>
+                    </a:lnTlToBr>
+                    <a:lnBlToTr w="12700" cmpd="sng">
+                      <a:noFill/>
+                      <a:prstDash val="solid"/>
+                    </a:lnBlToTr>
+                    <a:noFill/>
+                  </a:tcPr>
+                </a:tc>
+                <a:tc>
+                  <a:txBody>
+                    <a:bodyPr/>
+                    <a:lstStyle/>
+                    <a:p>
+                      <a:pPr algn="ctr"/>
+                      <a:r>
+                        <a:rPr lang="de-DE" sz="1800" b="1" dirty="0"/>
+                        <a:t>14</a:t>
+                      </a:r>
+                    </a:p>
+                  </a:txBody>
+                  <a:tcPr>
+                    <a:lnL w="12700" cmpd="sng">
+                      <a:noFill/>
+                    </a:lnL>
+                    <a:lnR w="12700" cmpd="sng">
+                      <a:noFill/>
+                    </a:lnR>
+                    <a:lnT w="12700" cmpd="sng">
+                      <a:noFill/>
+                    </a:lnT>
+                    <a:lnB w="12700" cmpd="sng">
+                      <a:noFill/>
+                    </a:lnB>
+                    <a:lnTlToBr w="12700" cmpd="sng">
+                      <a:noFill/>
+                      <a:prstDash val="solid"/>
+                    </a:lnTlToBr>
+                    <a:lnBlToTr w="12700" cmpd="sng">
+                      <a:noFill/>
+                      <a:prstDash val="solid"/>
+                    </a:lnBlToTr>
+                    <a:noFill/>
+                  </a:tcPr>
+                </a:tc>
+                <a:extLst>
+                  <a:ext uri="{0D108BD9-81ED-4DB2-BD59-A6C34878D82A}">
+                    <a16:rowId xmlns:a16="http://schemas.microsoft.com/office/drawing/2014/main" val="369189791"/>
+                  </a:ext>
+                </a:extLst>
+              </a:tr>
+              <a:tr h="548659">
+                <a:tc>
+                  <a:txBody>
+                    <a:bodyPr/>
+                    <a:lstStyle/>
+                    <a:p>
+                      <a:pPr algn="ctr"/>
+                      <a:r>
+                        <a:rPr lang="de-DE" sz="1800" b="1" dirty="0"/>
+                        <a:t>15</a:t>
+                      </a:r>
+                    </a:p>
+                  </a:txBody>
+                  <a:tcPr>
+                    <a:lnL w="12700" cmpd="sng">
+                      <a:noFill/>
+                    </a:lnL>
+                    <a:lnR w="12700" cmpd="sng">
+                      <a:noFill/>
+                    </a:lnR>
+                    <a:lnT w="12700" cmpd="sng">
+                      <a:noFill/>
+                    </a:lnT>
+                    <a:lnB w="12700" cmpd="sng">
+                      <a:noFill/>
+                    </a:lnB>
+                    <a:lnTlToBr w="12700" cmpd="sng">
+                      <a:noFill/>
+                      <a:prstDash val="solid"/>
+                    </a:lnTlToBr>
+                    <a:lnBlToTr w="12700" cmpd="sng">
+                      <a:noFill/>
+                      <a:prstDash val="solid"/>
+                    </a:lnBlToTr>
+                    <a:noFill/>
+                  </a:tcPr>
+                </a:tc>
+                <a:tc>
+                  <a:txBody>
+                    <a:bodyPr/>
+                    <a:lstStyle/>
+                    <a:p>
+                      <a:pPr algn="ctr"/>
+                      <a:r>
+                        <a:rPr lang="de-DE" sz="1800" b="1" dirty="0"/>
+                        <a:t>16</a:t>
+                      </a:r>
+                    </a:p>
+                  </a:txBody>
+                  <a:tcPr>
+                    <a:lnL w="12700" cmpd="sng">
+                      <a:noFill/>
+                    </a:lnL>
+                    <a:lnR w="12700" cmpd="sng">
+                      <a:noFill/>
+                    </a:lnR>
+                    <a:lnT w="12700" cmpd="sng">
+                      <a:noFill/>
+                    </a:lnT>
+                    <a:lnB w="12700" cmpd="sng">
+                      <a:noFill/>
+                    </a:lnB>
+                    <a:lnTlToBr w="12700" cmpd="sng">
+                      <a:noFill/>
+                      <a:prstDash val="solid"/>
+                    </a:lnTlToBr>
+                    <a:lnBlToTr w="12700" cmpd="sng">
+                      <a:noFill/>
+                      <a:prstDash val="solid"/>
+                    </a:lnBlToTr>
+                    <a:noFill/>
+                  </a:tcPr>
+                </a:tc>
+                <a:tc>
+                  <a:txBody>
+                    <a:bodyPr/>
+                    <a:lstStyle/>
+                    <a:p>
+                      <a:pPr algn="ctr"/>
+                      <a:r>
+                        <a:rPr lang="de-DE" sz="1800" b="1" dirty="0"/>
+                        <a:t>17</a:t>
+                      </a:r>
+                    </a:p>
+                  </a:txBody>
+                  <a:tcPr>
+                    <a:lnL w="12700" cmpd="sng">
+                      <a:noFill/>
+                    </a:lnL>
+                    <a:lnR w="12700" cmpd="sng">
+                      <a:noFill/>
+                    </a:lnR>
+                    <a:lnT w="12700" cmpd="sng">
+                      <a:noFill/>
+                    </a:lnT>
+                    <a:lnB w="12700" cmpd="sng">
+                      <a:noFill/>
+                    </a:lnB>
+                    <a:lnTlToBr w="12700" cmpd="sng">
+                      <a:noFill/>
+                      <a:prstDash val="solid"/>
+                    </a:lnTlToBr>
+                    <a:lnBlToTr w="12700" cmpd="sng">
+                      <a:noFill/>
+                      <a:prstDash val="solid"/>
+                    </a:lnBlToTr>
+                    <a:noFill/>
+                  </a:tcPr>
+                </a:tc>
+                <a:tc>
+                  <a:txBody>
+                    <a:bodyPr/>
+                    <a:lstStyle/>
+                    <a:p>
+                      <a:pPr algn="ctr"/>
+                      <a:r>
+                        <a:rPr lang="de-DE" sz="1800" b="1" dirty="0"/>
+                        <a:t>18</a:t>
+                      </a:r>
+                    </a:p>
+                  </a:txBody>
+                  <a:tcPr>
+                    <a:lnL w="12700" cmpd="sng">
+                      <a:noFill/>
+                    </a:lnL>
+                    <a:lnR w="12700" cmpd="sng">
+                      <a:noFill/>
+                    </a:lnR>
+                    <a:lnT w="12700" cmpd="sng">
+                      <a:noFill/>
+                    </a:lnT>
+                    <a:lnB w="12700" cmpd="sng">
+                      <a:noFill/>
+                    </a:lnB>
+                    <a:lnTlToBr w="12700" cmpd="sng">
+                      <a:noFill/>
+                      <a:prstDash val="solid"/>
+                    </a:lnTlToBr>
+                    <a:lnBlToTr w="12700" cmpd="sng">
+                      <a:noFill/>
+                      <a:prstDash val="solid"/>
+                    </a:lnBlToTr>
+                    <a:noFill/>
+                  </a:tcPr>
+                </a:tc>
+                <a:tc>
+                  <a:txBody>
+                    <a:bodyPr/>
+                    <a:lstStyle/>
+                    <a:p>
+                      <a:pPr algn="ctr"/>
+                      <a:r>
+                        <a:rPr lang="de-DE" sz="1800" b="1" dirty="0"/>
+                        <a:t>19</a:t>
+                      </a:r>
+                    </a:p>
+                  </a:txBody>
+                  <a:tcPr>
+                    <a:lnL w="12700" cmpd="sng">
+                      <a:noFill/>
+                    </a:lnL>
+                    <a:lnR w="12700" cmpd="sng">
+                      <a:noFill/>
+                    </a:lnR>
+                    <a:lnT w="12700" cmpd="sng">
+                      <a:noFill/>
+                    </a:lnT>
+                    <a:lnB w="12700" cmpd="sng">
+                      <a:noFill/>
+                    </a:lnB>
+                    <a:lnTlToBr w="12700" cmpd="sng">
+                      <a:noFill/>
+                      <a:prstDash val="solid"/>
+                    </a:lnTlToBr>
+                    <a:lnBlToTr w="12700" cmpd="sng">
+                      <a:noFill/>
+                      <a:prstDash val="solid"/>
+                    </a:lnBlToTr>
+                    <a:noFill/>
+                  </a:tcPr>
+                </a:tc>
+                <a:extLst>
+                  <a:ext uri="{0D108BD9-81ED-4DB2-BD59-A6C34878D82A}">
+                    <a16:rowId xmlns:a16="http://schemas.microsoft.com/office/drawing/2014/main" val="516350045"/>
+                  </a:ext>
+                </a:extLst>
+              </a:tr>
+              <a:tr h="548659">
+                <a:tc>
+                  <a:txBody>
+                    <a:bodyPr/>
+                    <a:lstStyle/>
+                    <a:p>
+                      <a:pPr algn="ctr"/>
+                      <a:r>
+                        <a:rPr lang="de-DE" sz="1800" b="1" dirty="0"/>
+                        <a:t>20</a:t>
+                      </a:r>
+                    </a:p>
+                  </a:txBody>
+                  <a:tcPr>
+                    <a:lnL w="12700" cmpd="sng">
+                      <a:noFill/>
+                    </a:lnL>
+                    <a:lnR w="12700" cmpd="sng">
+                      <a:noFill/>
+                    </a:lnR>
+                    <a:lnT w="12700" cmpd="sng">
+                      <a:noFill/>
+                    </a:lnT>
+                    <a:lnB w="12700" cmpd="sng">
+                      <a:noFill/>
+                    </a:lnB>
+                    <a:lnTlToBr w="12700" cmpd="sng">
+                      <a:noFill/>
+                      <a:prstDash val="solid"/>
+                    </a:lnTlToBr>
+                    <a:lnBlToTr w="12700" cmpd="sng">
+                      <a:noFill/>
+                      <a:prstDash val="solid"/>
+                    </a:lnBlToTr>
+                    <a:noFill/>
+                  </a:tcPr>
+                </a:tc>
+                <a:tc>
+                  <a:txBody>
+                    <a:bodyPr/>
+                    <a:lstStyle/>
+                    <a:p>
+                      <a:pPr algn="ctr"/>
+                      <a:r>
+                        <a:rPr lang="de-DE" sz="1800" b="1" dirty="0"/>
+                        <a:t>21</a:t>
+                      </a:r>
+                    </a:p>
+                  </a:txBody>
+                  <a:tcPr>
+                    <a:lnL w="12700" cmpd="sng">
+                      <a:noFill/>
+                    </a:lnL>
+                    <a:lnR w="12700" cmpd="sng">
+                      <a:noFill/>
+                    </a:lnR>
+                    <a:lnT w="12700" cmpd="sng">
+                      <a:noFill/>
+                    </a:lnT>
+                    <a:lnB w="12700" cmpd="sng">
+                      <a:noFill/>
+                    </a:lnB>
+                    <a:lnTlToBr w="12700" cmpd="sng">
+                      <a:noFill/>
+                      <a:prstDash val="solid"/>
+                    </a:lnTlToBr>
+                    <a:lnBlToTr w="12700" cmpd="sng">
+                      <a:noFill/>
+                      <a:prstDash val="solid"/>
+                    </a:lnBlToTr>
+                    <a:noFill/>
+                  </a:tcPr>
+                </a:tc>
+                <a:tc>
+                  <a:txBody>
+                    <a:bodyPr/>
+                    <a:lstStyle/>
+                    <a:p>
+                      <a:pPr algn="ctr"/>
+                      <a:r>
+                        <a:rPr lang="de-DE" sz="1800" b="1" dirty="0"/>
+                        <a:t>22</a:t>
+                      </a:r>
+                    </a:p>
+                  </a:txBody>
+                  <a:tcPr>
+                    <a:lnL w="12700" cmpd="sng">
+                      <a:noFill/>
+                    </a:lnL>
+                    <a:lnR w="12700" cmpd="sng">
+                      <a:noFill/>
+                    </a:lnR>
+                    <a:lnT w="12700" cmpd="sng">
+                      <a:noFill/>
+                    </a:lnT>
+                    <a:lnB w="12700" cmpd="sng">
+                      <a:noFill/>
+                    </a:lnB>
+                    <a:lnTlToBr w="12700" cmpd="sng">
+                      <a:noFill/>
+                      <a:prstDash val="solid"/>
+                    </a:lnTlToBr>
+                    <a:lnBlToTr w="12700" cmpd="sng">
+                      <a:noFill/>
+                      <a:prstDash val="solid"/>
+                    </a:lnBlToTr>
+                    <a:noFill/>
+                  </a:tcPr>
+                </a:tc>
+                <a:tc>
+                  <a:txBody>
+                    <a:bodyPr/>
+                    <a:lstStyle/>
+                    <a:p>
+                      <a:pPr algn="ctr"/>
+                      <a:r>
+                        <a:rPr lang="de-DE" sz="1800" b="1" dirty="0"/>
+                        <a:t>23</a:t>
+                      </a:r>
+                    </a:p>
+                  </a:txBody>
+                  <a:tcPr>
+                    <a:lnL w="12700" cmpd="sng">
+                      <a:noFill/>
+                    </a:lnL>
+                    <a:lnR w="12700" cmpd="sng">
+                      <a:noFill/>
+                    </a:lnR>
+                    <a:lnT w="12700" cmpd="sng">
+                      <a:noFill/>
+                    </a:lnT>
+                    <a:lnB w="12700" cmpd="sng">
+                      <a:noFill/>
+                    </a:lnB>
+                    <a:lnTlToBr w="12700" cmpd="sng">
+                      <a:noFill/>
+                      <a:prstDash val="solid"/>
+                    </a:lnTlToBr>
+                    <a:lnBlToTr w="12700" cmpd="sng">
+                      <a:noFill/>
+                      <a:prstDash val="solid"/>
+                    </a:lnBlToTr>
+                    <a:noFill/>
+                  </a:tcPr>
+                </a:tc>
+                <a:tc>
+                  <a:txBody>
+                    <a:bodyPr/>
+                    <a:lstStyle/>
+                    <a:p>
+                      <a:pPr algn="ctr"/>
+                      <a:r>
+                        <a:rPr lang="de-DE" sz="1800" b="1" dirty="0"/>
+                        <a:t>24</a:t>
+                      </a:r>
+                    </a:p>
+                  </a:txBody>
+                  <a:tcPr>
+                    <a:lnL w="12700" cmpd="sng">
+                      <a:noFill/>
+                    </a:lnL>
+                    <a:lnR w="12700" cmpd="sng">
+                      <a:noFill/>
+                    </a:lnR>
+                    <a:lnT w="12700" cmpd="sng">
+                      <a:noFill/>
+                    </a:lnT>
+                    <a:lnB w="12700" cmpd="sng">
+                      <a:noFill/>
+                    </a:lnB>
+                    <a:lnTlToBr w="12700" cmpd="sng">
+                      <a:noFill/>
+                      <a:prstDash val="solid"/>
+                    </a:lnTlToBr>
+                    <a:lnBlToTr w="12700" cmpd="sng">
+                      <a:noFill/>
+                      <a:prstDash val="solid"/>
+                    </a:lnBlToTr>
+                    <a:noFill/>
+                  </a:tcPr>
+                </a:tc>
+                <a:extLst>
+                  <a:ext uri="{0D108BD9-81ED-4DB2-BD59-A6C34878D82A}">
+                    <a16:rowId xmlns:a16="http://schemas.microsoft.com/office/drawing/2014/main" val="2946126492"/>
+                  </a:ext>
+                </a:extLst>
+              </a:tr>
+            </a:tbl>
+          </a:graphicData>
+        </a:graphic>
+      </p:graphicFrame>
+      <p:pic>
+        <p:nvPicPr>
+          <p:cNvPr id="7" name="Grafik 6">
+            <a:extLst>
+              <a:ext uri="{FF2B5EF4-FFF2-40B4-BE49-F238E27FC236}">
+                <a16:creationId xmlns:a16="http://schemas.microsoft.com/office/drawing/2014/main" id="{116152EA-0AA7-4FF7-904A-800088863A78}"/>
+              </a:ext>
+            </a:extLst>
+          </p:cNvPr>
+          <p:cNvPicPr>
+            <a:picLocks noChangeAspect="1"/>
+          </p:cNvPicPr>
+          <p:nvPr/>
+        </p:nvPicPr>
+        <p:blipFill>
+          <a:blip r:embed="rId3"/>
+          <a:stretch>
+            <a:fillRect/>
+          </a:stretch>
+        </p:blipFill>
+        <p:spPr>
+          <a:xfrm>
+            <a:off x="5449183" y="477280"/>
+            <a:ext cx="1123950" cy="1133475"/>
+          </a:xfrm>
+          <a:prstGeom prst="rect">
+            <a:avLst/>
+          </a:prstGeom>
+        </p:spPr>
+      </p:pic>
+      <p:pic>
+        <p:nvPicPr>
+          <p:cNvPr id="9" name="Grafik 8">
+            <a:extLst>
+              <a:ext uri="{FF2B5EF4-FFF2-40B4-BE49-F238E27FC236}">
+                <a16:creationId xmlns:a16="http://schemas.microsoft.com/office/drawing/2014/main" id="{01F4456F-18B8-4076-AAE1-7D82258B9671}"/>
+              </a:ext>
+            </a:extLst>
+          </p:cNvPr>
+          <p:cNvPicPr>
+            <a:picLocks noChangeAspect="1"/>
+          </p:cNvPicPr>
+          <p:nvPr/>
+        </p:nvPicPr>
+        <p:blipFill>
+          <a:blip r:embed="rId4"/>
+          <a:stretch>
+            <a:fillRect/>
+          </a:stretch>
+        </p:blipFill>
+        <p:spPr>
+          <a:xfrm>
+            <a:off x="6844350" y="482042"/>
+            <a:ext cx="1123950" cy="1123950"/>
+          </a:xfrm>
+          <a:prstGeom prst="rect">
+            <a:avLst/>
+          </a:prstGeom>
+        </p:spPr>
+      </p:pic>
+      <p:pic>
+        <p:nvPicPr>
+          <p:cNvPr id="11" name="Grafik 10">
+            <a:extLst>
+              <a:ext uri="{FF2B5EF4-FFF2-40B4-BE49-F238E27FC236}">
+                <a16:creationId xmlns:a16="http://schemas.microsoft.com/office/drawing/2014/main" id="{667A3C74-C460-490F-8C6B-D811578BC1C0}"/>
+              </a:ext>
+            </a:extLst>
+          </p:cNvPr>
+          <p:cNvPicPr>
+            <a:picLocks noChangeAspect="1"/>
+          </p:cNvPicPr>
+          <p:nvPr/>
+        </p:nvPicPr>
+        <p:blipFill>
+          <a:blip r:embed="rId5"/>
+          <a:stretch>
+            <a:fillRect/>
+          </a:stretch>
+        </p:blipFill>
+        <p:spPr>
+          <a:xfrm>
+            <a:off x="8239517" y="477280"/>
+            <a:ext cx="1123950" cy="1095375"/>
+          </a:xfrm>
+          <a:prstGeom prst="rect">
+            <a:avLst/>
+          </a:prstGeom>
+        </p:spPr>
+      </p:pic>
+      <p:pic>
+        <p:nvPicPr>
+          <p:cNvPr id="13" name="Grafik 12">
+            <a:extLst>
+              <a:ext uri="{FF2B5EF4-FFF2-40B4-BE49-F238E27FC236}">
+                <a16:creationId xmlns:a16="http://schemas.microsoft.com/office/drawing/2014/main" id="{857F2174-5060-463D-A772-C8FC6B47F7DB}"/>
+              </a:ext>
+            </a:extLst>
+          </p:cNvPr>
+          <p:cNvPicPr>
+            <a:picLocks noChangeAspect="1"/>
+          </p:cNvPicPr>
+          <p:nvPr/>
+        </p:nvPicPr>
+        <p:blipFill>
+          <a:blip r:embed="rId6"/>
+          <a:stretch>
+            <a:fillRect/>
+          </a:stretch>
+        </p:blipFill>
+        <p:spPr>
+          <a:xfrm>
+            <a:off x="9634684" y="467755"/>
+            <a:ext cx="1085850" cy="1104900"/>
+          </a:xfrm>
+          <a:prstGeom prst="rect">
+            <a:avLst/>
+          </a:prstGeom>
+        </p:spPr>
+      </p:pic>
+      <p:pic>
+        <p:nvPicPr>
+          <p:cNvPr id="15" name="Grafik 14">
+            <a:extLst>
+              <a:ext uri="{FF2B5EF4-FFF2-40B4-BE49-F238E27FC236}">
+                <a16:creationId xmlns:a16="http://schemas.microsoft.com/office/drawing/2014/main" id="{84653D00-1993-4590-9FF7-5860415C20EA}"/>
+              </a:ext>
+            </a:extLst>
+          </p:cNvPr>
+          <p:cNvPicPr>
+            <a:picLocks noChangeAspect="1"/>
+          </p:cNvPicPr>
+          <p:nvPr/>
+        </p:nvPicPr>
+        <p:blipFill>
+          <a:blip r:embed="rId7"/>
+          <a:stretch>
+            <a:fillRect/>
+          </a:stretch>
+        </p:blipFill>
+        <p:spPr>
+          <a:xfrm>
+            <a:off x="5449183" y="2078905"/>
+            <a:ext cx="1143000" cy="1114425"/>
+          </a:xfrm>
+          <a:prstGeom prst="rect">
+            <a:avLst/>
+          </a:prstGeom>
+        </p:spPr>
+      </p:pic>
+      <p:pic>
+        <p:nvPicPr>
+          <p:cNvPr id="17" name="Grafik 16">
+            <a:extLst>
+              <a:ext uri="{FF2B5EF4-FFF2-40B4-BE49-F238E27FC236}">
+                <a16:creationId xmlns:a16="http://schemas.microsoft.com/office/drawing/2014/main" id="{4671FBCB-4F2E-45D2-8429-9458CCE41D0E}"/>
+              </a:ext>
+            </a:extLst>
+          </p:cNvPr>
+          <p:cNvPicPr>
+            <a:picLocks noChangeAspect="1"/>
+          </p:cNvPicPr>
+          <p:nvPr/>
+        </p:nvPicPr>
+        <p:blipFill>
+          <a:blip r:embed="rId8"/>
+          <a:stretch>
+            <a:fillRect/>
+          </a:stretch>
+        </p:blipFill>
+        <p:spPr>
+          <a:xfrm>
+            <a:off x="6849112" y="2069380"/>
+            <a:ext cx="1114425" cy="1123950"/>
+          </a:xfrm>
+          <a:prstGeom prst="rect">
+            <a:avLst/>
+          </a:prstGeom>
+        </p:spPr>
+      </p:pic>
+      <p:pic>
+        <p:nvPicPr>
+          <p:cNvPr id="19" name="Grafik 18">
+            <a:extLst>
+              <a:ext uri="{FF2B5EF4-FFF2-40B4-BE49-F238E27FC236}">
+                <a16:creationId xmlns:a16="http://schemas.microsoft.com/office/drawing/2014/main" id="{247EA550-1C22-4DA9-89E1-5C6D2D120CA2}"/>
+              </a:ext>
+            </a:extLst>
+          </p:cNvPr>
+          <p:cNvPicPr>
+            <a:picLocks noChangeAspect="1"/>
+          </p:cNvPicPr>
+          <p:nvPr/>
+        </p:nvPicPr>
+        <p:blipFill>
+          <a:blip r:embed="rId9"/>
+          <a:stretch>
+            <a:fillRect/>
+          </a:stretch>
+        </p:blipFill>
+        <p:spPr>
+          <a:xfrm>
+            <a:off x="8268092" y="2069380"/>
+            <a:ext cx="1095375" cy="1095375"/>
+          </a:xfrm>
+          <a:prstGeom prst="rect">
+            <a:avLst/>
+          </a:prstGeom>
+        </p:spPr>
+      </p:pic>
+      <p:pic>
+        <p:nvPicPr>
+          <p:cNvPr id="21" name="Grafik 20">
+            <a:extLst>
+              <a:ext uri="{FF2B5EF4-FFF2-40B4-BE49-F238E27FC236}">
+                <a16:creationId xmlns:a16="http://schemas.microsoft.com/office/drawing/2014/main" id="{CDD0C9CA-3786-4060-A60E-A2C94BE02CE7}"/>
+              </a:ext>
+            </a:extLst>
+          </p:cNvPr>
+          <p:cNvPicPr>
+            <a:picLocks noChangeAspect="1"/>
+          </p:cNvPicPr>
+          <p:nvPr/>
+        </p:nvPicPr>
+        <p:blipFill>
+          <a:blip r:embed="rId10"/>
+          <a:stretch>
+            <a:fillRect/>
+          </a:stretch>
+        </p:blipFill>
+        <p:spPr>
+          <a:xfrm>
+            <a:off x="9634684" y="2078905"/>
+            <a:ext cx="1095375" cy="1114425"/>
+          </a:xfrm>
+          <a:prstGeom prst="rect">
+            <a:avLst/>
+          </a:prstGeom>
+        </p:spPr>
+      </p:pic>
+      <p:pic>
+        <p:nvPicPr>
+          <p:cNvPr id="23" name="Grafik 22">
+            <a:extLst>
+              <a:ext uri="{FF2B5EF4-FFF2-40B4-BE49-F238E27FC236}">
+                <a16:creationId xmlns:a16="http://schemas.microsoft.com/office/drawing/2014/main" id="{593798A6-1691-4B4A-BFCC-8761BCCC6C3D}"/>
+              </a:ext>
+            </a:extLst>
+          </p:cNvPr>
+          <p:cNvPicPr>
+            <a:picLocks noChangeAspect="1"/>
+          </p:cNvPicPr>
+          <p:nvPr/>
+        </p:nvPicPr>
+        <p:blipFill>
+          <a:blip r:embed="rId11"/>
+          <a:stretch>
+            <a:fillRect/>
+          </a:stretch>
+        </p:blipFill>
+        <p:spPr>
+          <a:xfrm>
+            <a:off x="5449183" y="3661480"/>
+            <a:ext cx="1114425" cy="1114425"/>
+          </a:xfrm>
+          <a:prstGeom prst="rect">
+            <a:avLst/>
+          </a:prstGeom>
+        </p:spPr>
+      </p:pic>
+      <p:pic>
+        <p:nvPicPr>
+          <p:cNvPr id="25" name="Grafik 24">
+            <a:extLst>
+              <a:ext uri="{FF2B5EF4-FFF2-40B4-BE49-F238E27FC236}">
+                <a16:creationId xmlns:a16="http://schemas.microsoft.com/office/drawing/2014/main" id="{AC8EFAC5-96BE-4E0F-B950-0EB04E4CD1B9}"/>
+              </a:ext>
+            </a:extLst>
+          </p:cNvPr>
+          <p:cNvPicPr>
+            <a:picLocks noChangeAspect="1"/>
+          </p:cNvPicPr>
+          <p:nvPr/>
+        </p:nvPicPr>
+        <p:blipFill>
+          <a:blip r:embed="rId12"/>
+          <a:stretch>
+            <a:fillRect/>
+          </a:stretch>
+        </p:blipFill>
+        <p:spPr>
+          <a:xfrm>
+            <a:off x="6844350" y="3656718"/>
+            <a:ext cx="1104900" cy="1114425"/>
+          </a:xfrm>
+          <a:prstGeom prst="rect">
+            <a:avLst/>
+          </a:prstGeom>
+        </p:spPr>
+      </p:pic>
+      <p:pic>
+        <p:nvPicPr>
+          <p:cNvPr id="27" name="Grafik 26">
+            <a:extLst>
+              <a:ext uri="{FF2B5EF4-FFF2-40B4-BE49-F238E27FC236}">
+                <a16:creationId xmlns:a16="http://schemas.microsoft.com/office/drawing/2014/main" id="{0C2BA22C-8161-4455-A97E-E54730A92C55}"/>
+              </a:ext>
+            </a:extLst>
+          </p:cNvPr>
+          <p:cNvPicPr>
+            <a:picLocks noChangeAspect="1"/>
+          </p:cNvPicPr>
+          <p:nvPr/>
+        </p:nvPicPr>
+        <p:blipFill>
+          <a:blip r:embed="rId13"/>
+          <a:stretch>
+            <a:fillRect/>
+          </a:stretch>
+        </p:blipFill>
+        <p:spPr>
+          <a:xfrm>
+            <a:off x="8268092" y="3642430"/>
+            <a:ext cx="1104900" cy="1143000"/>
+          </a:xfrm>
+          <a:prstGeom prst="rect">
+            <a:avLst/>
+          </a:prstGeom>
+        </p:spPr>
+      </p:pic>
+      <p:pic>
+        <p:nvPicPr>
+          <p:cNvPr id="29" name="Grafik 28">
+            <a:extLst>
+              <a:ext uri="{FF2B5EF4-FFF2-40B4-BE49-F238E27FC236}">
+                <a16:creationId xmlns:a16="http://schemas.microsoft.com/office/drawing/2014/main" id="{AE0FF6D6-37EC-4792-A818-6E3FBB250EE3}"/>
+              </a:ext>
+            </a:extLst>
+          </p:cNvPr>
+          <p:cNvPicPr>
+            <a:picLocks noChangeAspect="1"/>
+          </p:cNvPicPr>
+          <p:nvPr/>
+        </p:nvPicPr>
+        <p:blipFill>
+          <a:blip r:embed="rId14"/>
+          <a:stretch>
+            <a:fillRect/>
+          </a:stretch>
+        </p:blipFill>
+        <p:spPr>
+          <a:xfrm>
+            <a:off x="9615634" y="3664671"/>
+            <a:ext cx="1104900" cy="1095375"/>
+          </a:xfrm>
+          <a:prstGeom prst="rect">
+            <a:avLst/>
+          </a:prstGeom>
+        </p:spPr>
+      </p:pic>
+      <p:pic>
+        <p:nvPicPr>
+          <p:cNvPr id="31" name="Grafik 30">
+            <a:extLst>
+              <a:ext uri="{FF2B5EF4-FFF2-40B4-BE49-F238E27FC236}">
+                <a16:creationId xmlns:a16="http://schemas.microsoft.com/office/drawing/2014/main" id="{84F04A5D-D63D-4013-9817-E9189FF5E1BF}"/>
+              </a:ext>
+            </a:extLst>
+          </p:cNvPr>
+          <p:cNvPicPr>
+            <a:picLocks noChangeAspect="1"/>
+          </p:cNvPicPr>
+          <p:nvPr/>
+        </p:nvPicPr>
+        <p:blipFill>
+          <a:blip r:embed="rId15"/>
+          <a:stretch>
+            <a:fillRect/>
+          </a:stretch>
+        </p:blipFill>
+        <p:spPr>
+          <a:xfrm>
+            <a:off x="5449182" y="5241470"/>
+            <a:ext cx="1114425" cy="1085850"/>
+          </a:xfrm>
+          <a:prstGeom prst="rect">
+            <a:avLst/>
+          </a:prstGeom>
+        </p:spPr>
+      </p:pic>
+      <p:pic>
+        <p:nvPicPr>
+          <p:cNvPr id="33" name="Grafik 32">
+            <a:extLst>
+              <a:ext uri="{FF2B5EF4-FFF2-40B4-BE49-F238E27FC236}">
+                <a16:creationId xmlns:a16="http://schemas.microsoft.com/office/drawing/2014/main" id="{29EB2593-F47A-4EA0-9020-03E5F120BF6B}"/>
+              </a:ext>
+            </a:extLst>
+          </p:cNvPr>
+          <p:cNvPicPr>
+            <a:picLocks noChangeAspect="1"/>
+          </p:cNvPicPr>
+          <p:nvPr/>
+        </p:nvPicPr>
+        <p:blipFill>
+          <a:blip r:embed="rId16"/>
+          <a:stretch>
+            <a:fillRect/>
+          </a:stretch>
+        </p:blipFill>
+        <p:spPr>
+          <a:xfrm>
+            <a:off x="8268092" y="5203370"/>
+            <a:ext cx="1114425" cy="1123950"/>
+          </a:xfrm>
+          <a:prstGeom prst="rect">
+            <a:avLst/>
+          </a:prstGeom>
+        </p:spPr>
+      </p:pic>
+      <p:pic>
+        <p:nvPicPr>
+          <p:cNvPr id="35" name="Grafik 34">
+            <a:extLst>
+              <a:ext uri="{FF2B5EF4-FFF2-40B4-BE49-F238E27FC236}">
+                <a16:creationId xmlns:a16="http://schemas.microsoft.com/office/drawing/2014/main" id="{652C0948-FE6F-45F6-BB30-6F1FEC25CEFD}"/>
+              </a:ext>
+            </a:extLst>
+          </p:cNvPr>
+          <p:cNvPicPr>
+            <a:picLocks noChangeAspect="1"/>
+          </p:cNvPicPr>
+          <p:nvPr/>
+        </p:nvPicPr>
+        <p:blipFill>
+          <a:blip r:embed="rId17"/>
+          <a:stretch>
+            <a:fillRect/>
+          </a:stretch>
+        </p:blipFill>
+        <p:spPr>
+          <a:xfrm>
+            <a:off x="6844350" y="5227182"/>
+            <a:ext cx="1076325" cy="1076325"/>
+          </a:xfrm>
+          <a:prstGeom prst="rect">
+            <a:avLst/>
+          </a:prstGeom>
+        </p:spPr>
+      </p:pic>
+      <p:pic>
+        <p:nvPicPr>
+          <p:cNvPr id="37" name="Grafik 36">
+            <a:extLst>
+              <a:ext uri="{FF2B5EF4-FFF2-40B4-BE49-F238E27FC236}">
+                <a16:creationId xmlns:a16="http://schemas.microsoft.com/office/drawing/2014/main" id="{2EB6734D-9C8F-4DDE-99A1-98A09B570CB7}"/>
+              </a:ext>
+            </a:extLst>
+          </p:cNvPr>
+          <p:cNvPicPr>
+            <a:picLocks noChangeAspect="1"/>
+          </p:cNvPicPr>
+          <p:nvPr/>
+        </p:nvPicPr>
+        <p:blipFill>
+          <a:blip r:embed="rId18"/>
+          <a:stretch>
+            <a:fillRect/>
+          </a:stretch>
+        </p:blipFill>
+        <p:spPr>
+          <a:xfrm>
+            <a:off x="9634684" y="5203370"/>
+            <a:ext cx="1123950" cy="1085850"/>
+          </a:xfrm>
+          <a:prstGeom prst="rect">
+            <a:avLst/>
+          </a:prstGeom>
+        </p:spPr>
+      </p:pic>
+      <p:sp>
+        <p:nvSpPr>
+          <p:cNvPr id="38" name="Titel 1">
+            <a:extLst>
+              <a:ext uri="{FF2B5EF4-FFF2-40B4-BE49-F238E27FC236}">
+                <a16:creationId xmlns:a16="http://schemas.microsoft.com/office/drawing/2014/main" id="{4D56B25E-3F59-4D12-8681-F3A534153880}"/>
+              </a:ext>
+            </a:extLst>
+          </p:cNvPr>
+          <p:cNvSpPr>
+            <a:spLocks noGrp="1"/>
+          </p:cNvSpPr>
+          <p:nvPr>
+            <p:ph type="title"/>
+          </p:nvPr>
+        </p:nvSpPr>
+        <p:spPr>
+          <a:xfrm>
+            <a:off x="149356" y="190772"/>
+            <a:ext cx="10515600" cy="679816"/>
+          </a:xfrm>
+        </p:spPr>
+        <p:txBody>
+          <a:bodyPr>
+            <a:normAutofit fontScale="90000"/>
+          </a:bodyPr>
+          <a:lstStyle/>
+          <a:p>
+            <a:r>
+              <a:rPr lang="de-DE" dirty="0"/>
+              <a:t>Gedankenspiel Oster</a:t>
+            </a:r>
+          </a:p>
+        </p:txBody>
+      </p:sp>
+    </p:spTree>
+    <p:extLst>
+      <p:ext uri="{BB962C8B-B14F-4D97-AF65-F5344CB8AC3E}">
+        <p14:creationId xmlns:p14="http://schemas.microsoft.com/office/powerpoint/2010/main" val="3468704632"/>
       </p:ext>
     </p:extLst>
   </p:cSld>

--- a/Dokumentation/Stand Oster/BayerPatternVearbeitung/Grafiken.pptx
+++ b/Dokumentation/Stand Oster/BayerPatternVearbeitung/Grafiken.pptx
@@ -4787,11 +4787,9 @@
           <a:noFill/>
           <a:ln w="76200">
             <a:solidFill>
-              <a:schemeClr val="tx1">
-                <a:lumMod val="50000"/>
-                <a:lumOff val="50000"/>
-                <a:alpha val="80000"/>
-              </a:schemeClr>
+              <a:srgbClr val="FFC000">
+                <a:alpha val="89804"/>
+              </a:srgbClr>
             </a:solidFill>
           </a:ln>
         </p:spPr>
@@ -4831,13 +4829,14 @@
           </p:cNvPr>
           <p:cNvCxnSpPr>
             <a:cxnSpLocks/>
+            <a:stCxn id="17" idx="3"/>
           </p:cNvCxnSpPr>
           <p:nvPr/>
         </p:nvCxnSpPr>
         <p:spPr>
           <a:xfrm flipV="1">
-            <a:off x="2295781" y="2463190"/>
-            <a:ext cx="4353473" cy="267850"/>
+            <a:off x="2217906" y="2463191"/>
+            <a:ext cx="4431348" cy="267850"/>
           </a:xfrm>
           <a:prstGeom prst="straightConnector1">
             <a:avLst/>
@@ -4885,11 +4884,9 @@
           </a:prstGeom>
           <a:ln w="57150">
             <a:solidFill>
-              <a:schemeClr val="tx1">
-                <a:lumMod val="50000"/>
-                <a:lumOff val="50000"/>
-                <a:alpha val="80000"/>
-              </a:schemeClr>
+              <a:srgbClr val="FFC000">
+                <a:alpha val="89804"/>
+              </a:srgbClr>
             </a:solidFill>
             <a:tailEnd type="triangle"/>
           </a:ln>
@@ -6186,11 +6183,9 @@
           <a:noFill/>
           <a:ln w="76200">
             <a:solidFill>
-              <a:schemeClr val="tx1">
-                <a:lumMod val="65000"/>
-                <a:lumOff val="35000"/>
-                <a:alpha val="80000"/>
-              </a:schemeClr>
+              <a:srgbClr val="FFC000">
+                <a:alpha val="89804"/>
+              </a:srgbClr>
             </a:solidFill>
           </a:ln>
         </p:spPr>
@@ -6286,11 +6281,9 @@
           </a:prstGeom>
           <a:ln w="57150">
             <a:solidFill>
-              <a:schemeClr val="tx1">
-                <a:lumMod val="65000"/>
-                <a:lumOff val="35000"/>
-                <a:alpha val="80000"/>
-              </a:schemeClr>
+              <a:srgbClr val="FFC000">
+                <a:alpha val="89804"/>
+              </a:srgbClr>
             </a:solidFill>
             <a:tailEnd type="triangle"/>
           </a:ln>
@@ -8766,137 +8759,122 @@
           </a:prstGeom>
         </p:spPr>
       </p:pic>
-      <p:cxnSp>
-        <p:nvCxnSpPr>
-          <p:cNvPr id="67" name="Gerade Verbindung mit Pfeil 66">
-            <a:extLst>
-              <a:ext uri="{FF2B5EF4-FFF2-40B4-BE49-F238E27FC236}">
-                <a16:creationId xmlns:a16="http://schemas.microsoft.com/office/drawing/2014/main" id="{14CFEA1E-F7AA-4BA0-A1AC-A4731D9A6A77}"/>
-              </a:ext>
-            </a:extLst>
-          </p:cNvPr>
-          <p:cNvCxnSpPr/>
-          <p:nvPr/>
-        </p:nvCxnSpPr>
-        <p:spPr>
-          <a:xfrm flipV="1">
-            <a:off x="2450969" y="1989960"/>
-            <a:ext cx="3655539" cy="841018"/>
-          </a:xfrm>
-          <a:prstGeom prst="straightConnector1">
-            <a:avLst/>
-          </a:prstGeom>
-          <a:ln w="28575">
-            <a:tailEnd type="triangle"/>
-          </a:ln>
+      <p:sp>
+        <p:nvSpPr>
+          <p:cNvPr id="8" name="Textfeld 7">
+            <a:extLst>
+              <a:ext uri="{FF2B5EF4-FFF2-40B4-BE49-F238E27FC236}">
+                <a16:creationId xmlns:a16="http://schemas.microsoft.com/office/drawing/2014/main" id="{67B92286-FAA6-408B-AAA1-0C6D14B8EBC6}"/>
+              </a:ext>
+            </a:extLst>
+          </p:cNvPr>
+          <p:cNvSpPr txBox="1"/>
+          <p:nvPr/>
+        </p:nvSpPr>
+        <p:spPr>
+          <a:xfrm>
+            <a:off x="2253274" y="1613406"/>
+            <a:ext cx="1543628" cy="369332"/>
+          </a:xfrm>
+          <a:prstGeom prst="rect">
+            <a:avLst/>
+          </a:prstGeom>
+          <a:noFill/>
+        </p:spPr>
+        <p:txBody>
+          <a:bodyPr wrap="none" rtlCol="0">
+            <a:spAutoFit/>
+          </a:bodyPr>
+          <a:lstStyle/>
+          <a:p>
+            <a:r>
+              <a:rPr lang="de-DE" dirty="0"/>
+              <a:t>5x5 Byte Block</a:t>
+            </a:r>
+          </a:p>
+        </p:txBody>
+      </p:sp>
+      <p:sp>
+        <p:nvSpPr>
+          <p:cNvPr id="15" name="Pfeil: nach rechts 14">
+            <a:extLst>
+              <a:ext uri="{FF2B5EF4-FFF2-40B4-BE49-F238E27FC236}">
+                <a16:creationId xmlns:a16="http://schemas.microsoft.com/office/drawing/2014/main" id="{EA3CD5E5-B1BA-4A95-BD7F-244FD47A8975}"/>
+              </a:ext>
+            </a:extLst>
+          </p:cNvPr>
+          <p:cNvSpPr/>
+          <p:nvPr/>
+        </p:nvSpPr>
+        <p:spPr>
+          <a:xfrm>
+            <a:off x="4518026" y="3129699"/>
+            <a:ext cx="864679" cy="679816"/>
+          </a:xfrm>
+          <a:prstGeom prst="rightArrow">
+            <a:avLst/>
+          </a:prstGeom>
         </p:spPr>
         <p:style>
-          <a:lnRef idx="1">
-            <a:schemeClr val="accent1"/>
+          <a:lnRef idx="2">
+            <a:schemeClr val="accent1">
+              <a:shade val="50000"/>
+            </a:schemeClr>
           </a:lnRef>
-          <a:fillRef idx="0">
+          <a:fillRef idx="1">
             <a:schemeClr val="accent1"/>
           </a:fillRef>
           <a:effectRef idx="0">
             <a:schemeClr val="accent1"/>
           </a:effectRef>
           <a:fontRef idx="minor">
-            <a:schemeClr val="tx1"/>
+            <a:schemeClr val="lt1"/>
           </a:fontRef>
         </p:style>
-      </p:cxnSp>
-      <p:cxnSp>
-        <p:nvCxnSpPr>
-          <p:cNvPr id="68" name="Gerade Verbindung mit Pfeil 67">
-            <a:extLst>
-              <a:ext uri="{FF2B5EF4-FFF2-40B4-BE49-F238E27FC236}">
-                <a16:creationId xmlns:a16="http://schemas.microsoft.com/office/drawing/2014/main" id="{644CD79A-A409-47FB-B7CD-E1ADAFE69F43}"/>
-              </a:ext>
-            </a:extLst>
-          </p:cNvPr>
-          <p:cNvCxnSpPr>
-            <a:cxnSpLocks/>
-          </p:cNvCxnSpPr>
-          <p:nvPr/>
-        </p:nvCxnSpPr>
-        <p:spPr>
-          <a:xfrm flipV="1">
-            <a:off x="3032562" y="1989959"/>
-            <a:ext cx="4601088" cy="851449"/>
-          </a:xfrm>
-          <a:prstGeom prst="straightConnector1">
-            <a:avLst/>
-          </a:prstGeom>
-          <a:ln w="28575">
-            <a:solidFill>
-              <a:srgbClr val="4472C4">
-                <a:alpha val="80000"/>
-              </a:srgbClr>
-            </a:solidFill>
-            <a:tailEnd type="triangle"/>
-          </a:ln>
-        </p:spPr>
-        <p:style>
-          <a:lnRef idx="1">
-            <a:schemeClr val="accent1"/>
-          </a:lnRef>
-          <a:fillRef idx="0">
-            <a:schemeClr val="accent1"/>
-          </a:fillRef>
-          <a:effectRef idx="0">
-            <a:schemeClr val="accent1"/>
-          </a:effectRef>
-          <a:fontRef idx="minor">
-            <a:schemeClr val="tx1"/>
-          </a:fontRef>
-        </p:style>
-      </p:cxnSp>
-      <p:cxnSp>
-        <p:nvCxnSpPr>
-          <p:cNvPr id="71" name="Gerade Verbindung mit Pfeil 70">
-            <a:extLst>
-              <a:ext uri="{FF2B5EF4-FFF2-40B4-BE49-F238E27FC236}">
-                <a16:creationId xmlns:a16="http://schemas.microsoft.com/office/drawing/2014/main" id="{7E2FB5BE-8BEF-4958-8615-ED858963470F}"/>
-              </a:ext>
-            </a:extLst>
-          </p:cNvPr>
-          <p:cNvCxnSpPr>
-            <a:cxnSpLocks/>
-          </p:cNvCxnSpPr>
-          <p:nvPr/>
-        </p:nvCxnSpPr>
-        <p:spPr>
-          <a:xfrm flipV="1">
-            <a:off x="3649875" y="2020237"/>
-            <a:ext cx="5490273" cy="821172"/>
-          </a:xfrm>
-          <a:prstGeom prst="straightConnector1">
-            <a:avLst/>
-          </a:prstGeom>
-          <a:ln w="28575">
-            <a:solidFill>
-              <a:srgbClr val="4472C4">
-                <a:alpha val="50196"/>
-              </a:srgbClr>
-            </a:solidFill>
-            <a:tailEnd type="triangle"/>
-          </a:ln>
-        </p:spPr>
-        <p:style>
-          <a:lnRef idx="1">
-            <a:schemeClr val="accent1"/>
-          </a:lnRef>
-          <a:fillRef idx="0">
-            <a:schemeClr val="accent1"/>
-          </a:fillRef>
-          <a:effectRef idx="0">
-            <a:schemeClr val="accent1"/>
-          </a:effectRef>
-          <a:fontRef idx="minor">
-            <a:schemeClr val="tx1"/>
-          </a:fontRef>
-        </p:style>
-      </p:cxnSp>
+        <p:txBody>
+          <a:bodyPr rtlCol="0" anchor="ctr"/>
+          <a:lstStyle/>
+          <a:p>
+            <a:pPr algn="ctr"/>
+            <a:endParaRPr lang="de-DE"/>
+          </a:p>
+        </p:txBody>
+      </p:sp>
+      <p:sp>
+        <p:nvSpPr>
+          <p:cNvPr id="32" name="Textfeld 31">
+            <a:extLst>
+              <a:ext uri="{FF2B5EF4-FFF2-40B4-BE49-F238E27FC236}">
+                <a16:creationId xmlns:a16="http://schemas.microsoft.com/office/drawing/2014/main" id="{11810D5C-3ED3-4D7B-AEA7-81213FD7B3BA}"/>
+              </a:ext>
+            </a:extLst>
+          </p:cNvPr>
+          <p:cNvSpPr txBox="1"/>
+          <p:nvPr/>
+        </p:nvSpPr>
+        <p:spPr>
+          <a:xfrm>
+            <a:off x="6576541" y="941159"/>
+            <a:ext cx="2079608" cy="369332"/>
+          </a:xfrm>
+          <a:prstGeom prst="rect">
+            <a:avLst/>
+          </a:prstGeom>
+          <a:noFill/>
+        </p:spPr>
+        <p:txBody>
+          <a:bodyPr wrap="none" rtlCol="0">
+            <a:spAutoFit/>
+          </a:bodyPr>
+          <a:lstStyle/>
+          <a:p>
+            <a:r>
+              <a:rPr lang="de-DE" dirty="0"/>
+              <a:t>9 x 3 x 3 Byte Blöcke</a:t>
+            </a:r>
+          </a:p>
+        </p:txBody>
+      </p:sp>
     </p:spTree>
     <p:extLst>
       <p:ext uri="{BB962C8B-B14F-4D97-AF65-F5344CB8AC3E}">

--- a/Dokumentation/Stand Oster/BayerPatternVearbeitung/Grafiken.pptx
+++ b/Dokumentation/Stand Oster/BayerPatternVearbeitung/Grafiken.pptx
@@ -12,6 +12,7 @@
     <p:sldId id="260" r:id="rId6"/>
     <p:sldId id="261" r:id="rId7"/>
     <p:sldId id="262" r:id="rId8"/>
+    <p:sldId id="263" r:id="rId9"/>
   </p:sldIdLst>
   <p:sldSz cx="12192000" cy="6858000"/>
   <p:notesSz cx="6858000" cy="9144000"/>
@@ -265,7 +266,7 @@
           <a:p>
             <a:fld id="{395C48E5-9D41-460D-AEA6-338A2B2E3B37}" type="datetimeFigureOut">
               <a:rPr lang="de-DE" smtClean="0"/>
-              <a:t>06.05.2021</a:t>
+              <a:t>04.06.2021</a:t>
             </a:fld>
             <a:endParaRPr lang="de-DE"/>
           </a:p>
@@ -463,7 +464,7 @@
           <a:p>
             <a:fld id="{395C48E5-9D41-460D-AEA6-338A2B2E3B37}" type="datetimeFigureOut">
               <a:rPr lang="de-DE" smtClean="0"/>
-              <a:t>06.05.2021</a:t>
+              <a:t>04.06.2021</a:t>
             </a:fld>
             <a:endParaRPr lang="de-DE"/>
           </a:p>
@@ -671,7 +672,7 @@
           <a:p>
             <a:fld id="{395C48E5-9D41-460D-AEA6-338A2B2E3B37}" type="datetimeFigureOut">
               <a:rPr lang="de-DE" smtClean="0"/>
-              <a:t>06.05.2021</a:t>
+              <a:t>04.06.2021</a:t>
             </a:fld>
             <a:endParaRPr lang="de-DE"/>
           </a:p>
@@ -869,7 +870,7 @@
           <a:p>
             <a:fld id="{395C48E5-9D41-460D-AEA6-338A2B2E3B37}" type="datetimeFigureOut">
               <a:rPr lang="de-DE" smtClean="0"/>
-              <a:t>06.05.2021</a:t>
+              <a:t>04.06.2021</a:t>
             </a:fld>
             <a:endParaRPr lang="de-DE"/>
           </a:p>
@@ -1144,7 +1145,7 @@
           <a:p>
             <a:fld id="{395C48E5-9D41-460D-AEA6-338A2B2E3B37}" type="datetimeFigureOut">
               <a:rPr lang="de-DE" smtClean="0"/>
-              <a:t>06.05.2021</a:t>
+              <a:t>04.06.2021</a:t>
             </a:fld>
             <a:endParaRPr lang="de-DE"/>
           </a:p>
@@ -1409,7 +1410,7 @@
           <a:p>
             <a:fld id="{395C48E5-9D41-460D-AEA6-338A2B2E3B37}" type="datetimeFigureOut">
               <a:rPr lang="de-DE" smtClean="0"/>
-              <a:t>06.05.2021</a:t>
+              <a:t>04.06.2021</a:t>
             </a:fld>
             <a:endParaRPr lang="de-DE"/>
           </a:p>
@@ -1821,7 +1822,7 @@
           <a:p>
             <a:fld id="{395C48E5-9D41-460D-AEA6-338A2B2E3B37}" type="datetimeFigureOut">
               <a:rPr lang="de-DE" smtClean="0"/>
-              <a:t>06.05.2021</a:t>
+              <a:t>04.06.2021</a:t>
             </a:fld>
             <a:endParaRPr lang="de-DE"/>
           </a:p>
@@ -1962,7 +1963,7 @@
           <a:p>
             <a:fld id="{395C48E5-9D41-460D-AEA6-338A2B2E3B37}" type="datetimeFigureOut">
               <a:rPr lang="de-DE" smtClean="0"/>
-              <a:t>06.05.2021</a:t>
+              <a:t>04.06.2021</a:t>
             </a:fld>
             <a:endParaRPr lang="de-DE"/>
           </a:p>
@@ -2075,7 +2076,7 @@
           <a:p>
             <a:fld id="{395C48E5-9D41-460D-AEA6-338A2B2E3B37}" type="datetimeFigureOut">
               <a:rPr lang="de-DE" smtClean="0"/>
-              <a:t>06.05.2021</a:t>
+              <a:t>04.06.2021</a:t>
             </a:fld>
             <a:endParaRPr lang="de-DE"/>
           </a:p>
@@ -2386,7 +2387,7 @@
           <a:p>
             <a:fld id="{395C48E5-9D41-460D-AEA6-338A2B2E3B37}" type="datetimeFigureOut">
               <a:rPr lang="de-DE" smtClean="0"/>
-              <a:t>06.05.2021</a:t>
+              <a:t>04.06.2021</a:t>
             </a:fld>
             <a:endParaRPr lang="de-DE"/>
           </a:p>
@@ -2674,7 +2675,7 @@
           <a:p>
             <a:fld id="{395C48E5-9D41-460D-AEA6-338A2B2E3B37}" type="datetimeFigureOut">
               <a:rPr lang="de-DE" smtClean="0"/>
-              <a:t>06.05.2021</a:t>
+              <a:t>04.06.2021</a:t>
             </a:fld>
             <a:endParaRPr lang="de-DE"/>
           </a:p>
@@ -2915,7 +2916,7 @@
           <a:p>
             <a:fld id="{395C48E5-9D41-460D-AEA6-338A2B2E3B37}" type="datetimeFigureOut">
               <a:rPr lang="de-DE" smtClean="0"/>
-              <a:t>06.05.2021</a:t>
+              <a:t>04.06.2021</a:t>
             </a:fld>
             <a:endParaRPr lang="de-DE"/>
           </a:p>
@@ -4132,10 +4133,10 @@
       </p:grpSpPr>
       <p:sp>
         <p:nvSpPr>
-          <p:cNvPr id="2" name="Titel 1">
-            <a:extLst>
-              <a:ext uri="{FF2B5EF4-FFF2-40B4-BE49-F238E27FC236}">
-                <a16:creationId xmlns:a16="http://schemas.microsoft.com/office/drawing/2014/main" id="{1C11442E-8D46-4DBC-8962-B79FE5BBD600}"/>
+          <p:cNvPr id="4" name="Titel 1">
+            <a:extLst>
+              <a:ext uri="{FF2B5EF4-FFF2-40B4-BE49-F238E27FC236}">
+                <a16:creationId xmlns:a16="http://schemas.microsoft.com/office/drawing/2014/main" id="{16A3E64D-25A1-4426-B3AE-E1D73BE6D3F1}"/>
               </a:ext>
             </a:extLst>
           </p:cNvPr>
@@ -4146,40 +4147,1000 @@
             <p:ph type="title"/>
           </p:nvPr>
         </p:nvSpPr>
-        <p:spPr/>
+        <p:spPr>
+          <a:xfrm>
+            <a:off x="770106" y="261343"/>
+            <a:ext cx="10515600" cy="679816"/>
+          </a:xfrm>
+        </p:spPr>
         <p:txBody>
-          <a:bodyPr/>
+          <a:bodyPr>
+            <a:normAutofit fontScale="90000"/>
+          </a:bodyPr>
           <a:lstStyle/>
           <a:p>
-            <a:endParaRPr lang="de-DE"/>
+            <a:r>
+              <a:rPr lang="de-DE" dirty="0"/>
+              <a:t>Ist Zustand </a:t>
+            </a:r>
+            <a:r>
+              <a:rPr lang="de-DE" dirty="0" err="1"/>
+              <a:t>Perske</a:t>
+            </a:r>
+            <a:endParaRPr lang="de-DE" dirty="0"/>
           </a:p>
         </p:txBody>
       </p:sp>
       <p:sp>
         <p:nvSpPr>
-          <p:cNvPr id="3" name="Inhaltsplatzhalter 2">
-            <a:extLst>
-              <a:ext uri="{FF2B5EF4-FFF2-40B4-BE49-F238E27FC236}">
-                <a16:creationId xmlns:a16="http://schemas.microsoft.com/office/drawing/2014/main" id="{CD7D7F9B-825D-4812-AA35-E3B1FCBE4D89}"/>
-              </a:ext>
-            </a:extLst>
-          </p:cNvPr>
-          <p:cNvSpPr>
-            <a:spLocks noGrp="1"/>
-          </p:cNvSpPr>
-          <p:nvPr>
-            <p:ph idx="1"/>
-          </p:nvPr>
+          <p:cNvPr id="9" name="Rechteck 8">
+            <a:extLst>
+              <a:ext uri="{FF2B5EF4-FFF2-40B4-BE49-F238E27FC236}">
+                <a16:creationId xmlns:a16="http://schemas.microsoft.com/office/drawing/2014/main" id="{7B214AE2-633B-4A08-AF7B-CECB70C52377}"/>
+              </a:ext>
+            </a:extLst>
+          </p:cNvPr>
+          <p:cNvSpPr/>
+          <p:nvPr/>
         </p:nvSpPr>
-        <p:spPr/>
+        <p:spPr>
+          <a:xfrm>
+            <a:off x="1909665" y="2733869"/>
+            <a:ext cx="834759" cy="849086"/>
+          </a:xfrm>
+          <a:prstGeom prst="rect">
+            <a:avLst/>
+          </a:prstGeom>
+        </p:spPr>
+        <p:style>
+          <a:lnRef idx="2">
+            <a:schemeClr val="accent1">
+              <a:shade val="50000"/>
+            </a:schemeClr>
+          </a:lnRef>
+          <a:fillRef idx="1">
+            <a:schemeClr val="accent1"/>
+          </a:fillRef>
+          <a:effectRef idx="0">
+            <a:schemeClr val="accent1"/>
+          </a:effectRef>
+          <a:fontRef idx="minor">
+            <a:schemeClr val="lt1"/>
+          </a:fontRef>
+        </p:style>
         <p:txBody>
-          <a:bodyPr/>
+          <a:bodyPr rtlCol="0" anchor="ctr"/>
           <a:lstStyle/>
           <a:p>
-            <a:endParaRPr lang="de-DE"/>
+            <a:pPr algn="ctr"/>
+            <a:r>
+              <a:rPr lang="de-DE" sz="1200" dirty="0"/>
+              <a:t>CAM</a:t>
+            </a:r>
+            <a:br>
+              <a:rPr lang="de-DE" sz="1200" dirty="0"/>
+            </a:br>
+            <a:r>
+              <a:rPr lang="de-DE" sz="1200" dirty="0"/>
+              <a:t>Data</a:t>
+            </a:r>
+            <a:br>
+              <a:rPr lang="de-DE" sz="1200" dirty="0"/>
+            </a:br>
+            <a:r>
+              <a:rPr lang="de-DE" sz="1200" dirty="0" err="1"/>
+              <a:t>Mux</a:t>
+            </a:r>
+            <a:endParaRPr lang="de-DE" sz="1200" dirty="0"/>
           </a:p>
         </p:txBody>
       </p:sp>
+      <p:sp>
+        <p:nvSpPr>
+          <p:cNvPr id="10" name="Rechteck 9">
+            <a:extLst>
+              <a:ext uri="{FF2B5EF4-FFF2-40B4-BE49-F238E27FC236}">
+                <a16:creationId xmlns:a16="http://schemas.microsoft.com/office/drawing/2014/main" id="{D76C4116-65D3-4E66-A4D6-CDD1C1F561FC}"/>
+              </a:ext>
+            </a:extLst>
+          </p:cNvPr>
+          <p:cNvSpPr/>
+          <p:nvPr/>
+        </p:nvSpPr>
+        <p:spPr>
+          <a:xfrm>
+            <a:off x="3032693" y="2733869"/>
+            <a:ext cx="834759" cy="849086"/>
+          </a:xfrm>
+          <a:prstGeom prst="rect">
+            <a:avLst/>
+          </a:prstGeom>
+        </p:spPr>
+        <p:style>
+          <a:lnRef idx="2">
+            <a:schemeClr val="accent1">
+              <a:shade val="50000"/>
+            </a:schemeClr>
+          </a:lnRef>
+          <a:fillRef idx="1">
+            <a:schemeClr val="accent1"/>
+          </a:fillRef>
+          <a:effectRef idx="0">
+            <a:schemeClr val="accent1"/>
+          </a:effectRef>
+          <a:fontRef idx="minor">
+            <a:schemeClr val="lt1"/>
+          </a:fontRef>
+        </p:style>
+        <p:txBody>
+          <a:bodyPr rtlCol="0" anchor="ctr"/>
+          <a:lstStyle/>
+          <a:p>
+            <a:pPr algn="ctr"/>
+            <a:r>
+              <a:rPr lang="de-DE" sz="1200" dirty="0"/>
+              <a:t>SDRAM</a:t>
+            </a:r>
+            <a:br>
+              <a:rPr lang="de-DE" sz="1200" dirty="0"/>
+            </a:br>
+            <a:r>
+              <a:rPr lang="de-DE" sz="1200" dirty="0"/>
+              <a:t>Write</a:t>
+            </a:r>
+            <a:br>
+              <a:rPr lang="de-DE" sz="1200" dirty="0"/>
+            </a:br>
+            <a:r>
+              <a:rPr lang="de-DE" sz="1200" dirty="0"/>
+              <a:t>Buffer</a:t>
+            </a:r>
+          </a:p>
+        </p:txBody>
+      </p:sp>
+      <p:sp>
+        <p:nvSpPr>
+          <p:cNvPr id="11" name="Rechteck 10">
+            <a:extLst>
+              <a:ext uri="{FF2B5EF4-FFF2-40B4-BE49-F238E27FC236}">
+                <a16:creationId xmlns:a16="http://schemas.microsoft.com/office/drawing/2014/main" id="{67DE0F21-EB95-4500-B170-7F55127783DC}"/>
+              </a:ext>
+            </a:extLst>
+          </p:cNvPr>
+          <p:cNvSpPr/>
+          <p:nvPr/>
+        </p:nvSpPr>
+        <p:spPr>
+          <a:xfrm>
+            <a:off x="4198377" y="2733869"/>
+            <a:ext cx="834759" cy="849086"/>
+          </a:xfrm>
+          <a:prstGeom prst="rect">
+            <a:avLst/>
+          </a:prstGeom>
+        </p:spPr>
+        <p:style>
+          <a:lnRef idx="2">
+            <a:schemeClr val="accent1">
+              <a:shade val="50000"/>
+            </a:schemeClr>
+          </a:lnRef>
+          <a:fillRef idx="1">
+            <a:schemeClr val="accent1"/>
+          </a:fillRef>
+          <a:effectRef idx="0">
+            <a:schemeClr val="accent1"/>
+          </a:effectRef>
+          <a:fontRef idx="minor">
+            <a:schemeClr val="lt1"/>
+          </a:fontRef>
+        </p:style>
+        <p:txBody>
+          <a:bodyPr rtlCol="0" anchor="ctr"/>
+          <a:lstStyle/>
+          <a:p>
+            <a:pPr algn="ctr"/>
+            <a:r>
+              <a:rPr lang="de-DE" sz="1200" dirty="0"/>
+              <a:t>SDRAM</a:t>
+            </a:r>
+            <a:br>
+              <a:rPr lang="de-DE" sz="1200" dirty="0"/>
+            </a:br>
+            <a:r>
+              <a:rPr lang="de-DE" sz="1200" dirty="0" err="1"/>
+              <a:t>Controler</a:t>
+            </a:r>
+            <a:endParaRPr lang="de-DE" sz="1200" dirty="0"/>
+          </a:p>
+        </p:txBody>
+      </p:sp>
+      <p:sp>
+        <p:nvSpPr>
+          <p:cNvPr id="12" name="Rechteck 11">
+            <a:extLst>
+              <a:ext uri="{FF2B5EF4-FFF2-40B4-BE49-F238E27FC236}">
+                <a16:creationId xmlns:a16="http://schemas.microsoft.com/office/drawing/2014/main" id="{503E643E-F422-46C7-9358-46C9736D2E3E}"/>
+              </a:ext>
+            </a:extLst>
+          </p:cNvPr>
+          <p:cNvSpPr/>
+          <p:nvPr/>
+        </p:nvSpPr>
+        <p:spPr>
+          <a:xfrm>
+            <a:off x="4198377" y="1563496"/>
+            <a:ext cx="834759" cy="849086"/>
+          </a:xfrm>
+          <a:prstGeom prst="rect">
+            <a:avLst/>
+          </a:prstGeom>
+        </p:spPr>
+        <p:style>
+          <a:lnRef idx="2">
+            <a:schemeClr val="accent1">
+              <a:shade val="50000"/>
+            </a:schemeClr>
+          </a:lnRef>
+          <a:fillRef idx="1">
+            <a:schemeClr val="accent1"/>
+          </a:fillRef>
+          <a:effectRef idx="0">
+            <a:schemeClr val="accent1"/>
+          </a:effectRef>
+          <a:fontRef idx="minor">
+            <a:schemeClr val="lt1"/>
+          </a:fontRef>
+        </p:style>
+        <p:txBody>
+          <a:bodyPr rtlCol="0" anchor="ctr"/>
+          <a:lstStyle/>
+          <a:p>
+            <a:pPr algn="ctr"/>
+            <a:r>
+              <a:rPr lang="de-DE" sz="1200" dirty="0"/>
+              <a:t>Memory</a:t>
+            </a:r>
+            <a:br>
+              <a:rPr lang="de-DE" sz="1200" dirty="0"/>
+            </a:br>
+            <a:r>
+              <a:rPr lang="de-DE" sz="1200" dirty="0"/>
+              <a:t>Access</a:t>
+            </a:r>
+            <a:br>
+              <a:rPr lang="de-DE" sz="1200" dirty="0"/>
+            </a:br>
+            <a:r>
+              <a:rPr lang="de-DE" sz="1200" dirty="0"/>
+              <a:t>Control</a:t>
+            </a:r>
+          </a:p>
+        </p:txBody>
+      </p:sp>
+      <p:sp>
+        <p:nvSpPr>
+          <p:cNvPr id="13" name="Rechteck 12">
+            <a:extLst>
+              <a:ext uri="{FF2B5EF4-FFF2-40B4-BE49-F238E27FC236}">
+                <a16:creationId xmlns:a16="http://schemas.microsoft.com/office/drawing/2014/main" id="{9CB412B5-0B8B-423E-8979-8747583C3B4B}"/>
+              </a:ext>
+            </a:extLst>
+          </p:cNvPr>
+          <p:cNvSpPr/>
+          <p:nvPr/>
+        </p:nvSpPr>
+        <p:spPr>
+          <a:xfrm>
+            <a:off x="5364061" y="2733869"/>
+            <a:ext cx="834759" cy="849086"/>
+          </a:xfrm>
+          <a:prstGeom prst="rect">
+            <a:avLst/>
+          </a:prstGeom>
+        </p:spPr>
+        <p:style>
+          <a:lnRef idx="2">
+            <a:schemeClr val="accent1">
+              <a:shade val="50000"/>
+            </a:schemeClr>
+          </a:lnRef>
+          <a:fillRef idx="1">
+            <a:schemeClr val="accent1"/>
+          </a:fillRef>
+          <a:effectRef idx="0">
+            <a:schemeClr val="accent1"/>
+          </a:effectRef>
+          <a:fontRef idx="minor">
+            <a:schemeClr val="lt1"/>
+          </a:fontRef>
+        </p:style>
+        <p:txBody>
+          <a:bodyPr rtlCol="0" anchor="ctr"/>
+          <a:lstStyle/>
+          <a:p>
+            <a:pPr algn="ctr"/>
+            <a:r>
+              <a:rPr lang="de-DE" sz="1200" dirty="0"/>
+              <a:t>SDRAM</a:t>
+            </a:r>
+            <a:br>
+              <a:rPr lang="de-DE" sz="1200" dirty="0"/>
+            </a:br>
+            <a:r>
+              <a:rPr lang="de-DE" sz="1200" dirty="0"/>
+              <a:t>Read</a:t>
+            </a:r>
+            <a:br>
+              <a:rPr lang="de-DE" sz="1200" dirty="0"/>
+            </a:br>
+            <a:r>
+              <a:rPr lang="de-DE" sz="1200" dirty="0"/>
+              <a:t>Buffer</a:t>
+            </a:r>
+          </a:p>
+        </p:txBody>
+      </p:sp>
+      <p:sp>
+        <p:nvSpPr>
+          <p:cNvPr id="8" name="Textfeld 7">
+            <a:extLst>
+              <a:ext uri="{FF2B5EF4-FFF2-40B4-BE49-F238E27FC236}">
+                <a16:creationId xmlns:a16="http://schemas.microsoft.com/office/drawing/2014/main" id="{64638BB4-9E84-4ABF-B41F-0C94E079A970}"/>
+              </a:ext>
+            </a:extLst>
+          </p:cNvPr>
+          <p:cNvSpPr txBox="1"/>
+          <p:nvPr/>
+        </p:nvSpPr>
+        <p:spPr>
+          <a:xfrm>
+            <a:off x="940424" y="2973746"/>
+            <a:ext cx="638316" cy="369332"/>
+          </a:xfrm>
+          <a:prstGeom prst="rect">
+            <a:avLst/>
+          </a:prstGeom>
+          <a:noFill/>
+        </p:spPr>
+        <p:txBody>
+          <a:bodyPr wrap="none" rtlCol="0">
+            <a:spAutoFit/>
+          </a:bodyPr>
+          <a:lstStyle/>
+          <a:p>
+            <a:r>
+              <a:rPr lang="de-DE" dirty="0"/>
+              <a:t>CAM</a:t>
+            </a:r>
+          </a:p>
+        </p:txBody>
+      </p:sp>
+      <p:sp>
+        <p:nvSpPr>
+          <p:cNvPr id="16" name="Textfeld 15">
+            <a:extLst>
+              <a:ext uri="{FF2B5EF4-FFF2-40B4-BE49-F238E27FC236}">
+                <a16:creationId xmlns:a16="http://schemas.microsoft.com/office/drawing/2014/main" id="{9FEBA017-927E-4F0E-A6C5-BE7A66BA969B}"/>
+              </a:ext>
+            </a:extLst>
+          </p:cNvPr>
+          <p:cNvSpPr txBox="1"/>
+          <p:nvPr/>
+        </p:nvSpPr>
+        <p:spPr>
+          <a:xfrm>
+            <a:off x="5404436" y="4443614"/>
+            <a:ext cx="592213" cy="369332"/>
+          </a:xfrm>
+          <a:prstGeom prst="rect">
+            <a:avLst/>
+          </a:prstGeom>
+          <a:noFill/>
+        </p:spPr>
+        <p:txBody>
+          <a:bodyPr wrap="none" rtlCol="0">
+            <a:spAutoFit/>
+          </a:bodyPr>
+          <a:lstStyle/>
+          <a:p>
+            <a:r>
+              <a:rPr lang="de-DE" dirty="0"/>
+              <a:t>VGA</a:t>
+            </a:r>
+          </a:p>
+        </p:txBody>
+      </p:sp>
+      <p:sp>
+        <p:nvSpPr>
+          <p:cNvPr id="18" name="Rechteck 17">
+            <a:extLst>
+              <a:ext uri="{FF2B5EF4-FFF2-40B4-BE49-F238E27FC236}">
+                <a16:creationId xmlns:a16="http://schemas.microsoft.com/office/drawing/2014/main" id="{DE524476-446D-4491-8961-2687BC4C4C5D}"/>
+              </a:ext>
+            </a:extLst>
+          </p:cNvPr>
+          <p:cNvSpPr/>
+          <p:nvPr/>
+        </p:nvSpPr>
+        <p:spPr>
+          <a:xfrm>
+            <a:off x="1909665" y="4205292"/>
+            <a:ext cx="834759" cy="849086"/>
+          </a:xfrm>
+          <a:prstGeom prst="rect">
+            <a:avLst/>
+          </a:prstGeom>
+        </p:spPr>
+        <p:style>
+          <a:lnRef idx="2">
+            <a:schemeClr val="accent1">
+              <a:shade val="50000"/>
+            </a:schemeClr>
+          </a:lnRef>
+          <a:fillRef idx="1">
+            <a:schemeClr val="accent1"/>
+          </a:fillRef>
+          <a:effectRef idx="0">
+            <a:schemeClr val="accent1"/>
+          </a:effectRef>
+          <a:fontRef idx="minor">
+            <a:schemeClr val="lt1"/>
+          </a:fontRef>
+        </p:style>
+        <p:txBody>
+          <a:bodyPr rtlCol="0" anchor="ctr"/>
+          <a:lstStyle/>
+          <a:p>
+            <a:pPr algn="ctr"/>
+            <a:r>
+              <a:rPr lang="de-DE" sz="1200" dirty="0"/>
+              <a:t>SDRAM</a:t>
+            </a:r>
+            <a:br>
+              <a:rPr lang="de-DE" sz="1200" dirty="0"/>
+            </a:br>
+            <a:r>
+              <a:rPr lang="de-DE" sz="1200" dirty="0"/>
+              <a:t>Pixel</a:t>
+            </a:r>
+            <a:br>
+              <a:rPr lang="de-DE" sz="1200" dirty="0"/>
+            </a:br>
+            <a:r>
+              <a:rPr lang="de-DE" sz="1200" dirty="0"/>
+              <a:t>Buffer</a:t>
+            </a:r>
+          </a:p>
+        </p:txBody>
+      </p:sp>
+      <p:sp>
+        <p:nvSpPr>
+          <p:cNvPr id="21" name="Rechteck 20">
+            <a:extLst>
+              <a:ext uri="{FF2B5EF4-FFF2-40B4-BE49-F238E27FC236}">
+                <a16:creationId xmlns:a16="http://schemas.microsoft.com/office/drawing/2014/main" id="{53964735-72AE-43BA-A3EE-9E69C9C536BA}"/>
+              </a:ext>
+            </a:extLst>
+          </p:cNvPr>
+          <p:cNvSpPr/>
+          <p:nvPr/>
+        </p:nvSpPr>
+        <p:spPr>
+          <a:xfrm>
+            <a:off x="3038839" y="4205292"/>
+            <a:ext cx="834759" cy="849086"/>
+          </a:xfrm>
+          <a:prstGeom prst="rect">
+            <a:avLst/>
+          </a:prstGeom>
+        </p:spPr>
+        <p:style>
+          <a:lnRef idx="2">
+            <a:schemeClr val="accent1">
+              <a:shade val="50000"/>
+            </a:schemeClr>
+          </a:lnRef>
+          <a:fillRef idx="1">
+            <a:schemeClr val="accent1"/>
+          </a:fillRef>
+          <a:effectRef idx="0">
+            <a:schemeClr val="accent1"/>
+          </a:effectRef>
+          <a:fontRef idx="minor">
+            <a:schemeClr val="lt1"/>
+          </a:fontRef>
+        </p:style>
+        <p:txBody>
+          <a:bodyPr rtlCol="0" anchor="ctr"/>
+          <a:lstStyle/>
+          <a:p>
+            <a:pPr algn="ctr"/>
+            <a:r>
+              <a:rPr lang="de-DE" sz="1200" dirty="0" err="1"/>
+              <a:t>Debay</a:t>
+            </a:r>
+            <a:endParaRPr lang="de-DE" sz="1200" dirty="0"/>
+          </a:p>
+        </p:txBody>
+      </p:sp>
+      <p:sp>
+        <p:nvSpPr>
+          <p:cNvPr id="22" name="Rechteck 21">
+            <a:extLst>
+              <a:ext uri="{FF2B5EF4-FFF2-40B4-BE49-F238E27FC236}">
+                <a16:creationId xmlns:a16="http://schemas.microsoft.com/office/drawing/2014/main" id="{CF91810D-F6D1-43C5-ADB1-A199AB9AEDD3}"/>
+              </a:ext>
+            </a:extLst>
+          </p:cNvPr>
+          <p:cNvSpPr/>
+          <p:nvPr/>
+        </p:nvSpPr>
+        <p:spPr>
+          <a:xfrm>
+            <a:off x="4176282" y="4205292"/>
+            <a:ext cx="834759" cy="849086"/>
+          </a:xfrm>
+          <a:prstGeom prst="rect">
+            <a:avLst/>
+          </a:prstGeom>
+        </p:spPr>
+        <p:style>
+          <a:lnRef idx="2">
+            <a:schemeClr val="accent1">
+              <a:shade val="50000"/>
+            </a:schemeClr>
+          </a:lnRef>
+          <a:fillRef idx="1">
+            <a:schemeClr val="accent1"/>
+          </a:fillRef>
+          <a:effectRef idx="0">
+            <a:schemeClr val="accent1"/>
+          </a:effectRef>
+          <a:fontRef idx="minor">
+            <a:schemeClr val="lt1"/>
+          </a:fontRef>
+        </p:style>
+        <p:txBody>
+          <a:bodyPr rtlCol="0" anchor="ctr"/>
+          <a:lstStyle/>
+          <a:p>
+            <a:pPr algn="ctr"/>
+            <a:r>
+              <a:rPr lang="de-DE" sz="1200" dirty="0" err="1"/>
+              <a:t>Convo-lution</a:t>
+            </a:r>
+            <a:endParaRPr lang="de-DE" sz="1200" dirty="0"/>
+          </a:p>
+        </p:txBody>
+      </p:sp>
+      <p:cxnSp>
+        <p:nvCxnSpPr>
+          <p:cNvPr id="23" name="Gerade Verbindung mit Pfeil 22">
+            <a:extLst>
+              <a:ext uri="{FF2B5EF4-FFF2-40B4-BE49-F238E27FC236}">
+                <a16:creationId xmlns:a16="http://schemas.microsoft.com/office/drawing/2014/main" id="{D9C23501-432F-4825-B383-C2914EE485E6}"/>
+              </a:ext>
+            </a:extLst>
+          </p:cNvPr>
+          <p:cNvCxnSpPr>
+            <a:stCxn id="8" idx="3"/>
+            <a:endCxn id="9" idx="1"/>
+          </p:cNvCxnSpPr>
+          <p:nvPr/>
+        </p:nvCxnSpPr>
+        <p:spPr>
+          <a:xfrm>
+            <a:off x="1578740" y="3158412"/>
+            <a:ext cx="330925" cy="0"/>
+          </a:xfrm>
+          <a:prstGeom prst="straightConnector1">
+            <a:avLst/>
+          </a:prstGeom>
+          <a:ln>
+            <a:tailEnd type="triangle"/>
+          </a:ln>
+        </p:spPr>
+        <p:style>
+          <a:lnRef idx="1">
+            <a:schemeClr val="accent1"/>
+          </a:lnRef>
+          <a:fillRef idx="0">
+            <a:schemeClr val="accent1"/>
+          </a:fillRef>
+          <a:effectRef idx="0">
+            <a:schemeClr val="accent1"/>
+          </a:effectRef>
+          <a:fontRef idx="minor">
+            <a:schemeClr val="tx1"/>
+          </a:fontRef>
+        </p:style>
+      </p:cxnSp>
+      <p:cxnSp>
+        <p:nvCxnSpPr>
+          <p:cNvPr id="25" name="Gerade Verbindung mit Pfeil 24">
+            <a:extLst>
+              <a:ext uri="{FF2B5EF4-FFF2-40B4-BE49-F238E27FC236}">
+                <a16:creationId xmlns:a16="http://schemas.microsoft.com/office/drawing/2014/main" id="{5454FA44-9F10-4511-9538-45A9A3C72478}"/>
+              </a:ext>
+            </a:extLst>
+          </p:cNvPr>
+          <p:cNvCxnSpPr>
+            <a:stCxn id="9" idx="3"/>
+            <a:endCxn id="10" idx="1"/>
+          </p:cNvCxnSpPr>
+          <p:nvPr/>
+        </p:nvCxnSpPr>
+        <p:spPr>
+          <a:xfrm>
+            <a:off x="2744424" y="3158412"/>
+            <a:ext cx="288269" cy="0"/>
+          </a:xfrm>
+          <a:prstGeom prst="straightConnector1">
+            <a:avLst/>
+          </a:prstGeom>
+          <a:ln>
+            <a:tailEnd type="triangle"/>
+          </a:ln>
+        </p:spPr>
+        <p:style>
+          <a:lnRef idx="1">
+            <a:schemeClr val="accent1"/>
+          </a:lnRef>
+          <a:fillRef idx="0">
+            <a:schemeClr val="accent1"/>
+          </a:fillRef>
+          <a:effectRef idx="0">
+            <a:schemeClr val="accent1"/>
+          </a:effectRef>
+          <a:fontRef idx="minor">
+            <a:schemeClr val="tx1"/>
+          </a:fontRef>
+        </p:style>
+      </p:cxnSp>
+      <p:cxnSp>
+        <p:nvCxnSpPr>
+          <p:cNvPr id="27" name="Gerade Verbindung mit Pfeil 26">
+            <a:extLst>
+              <a:ext uri="{FF2B5EF4-FFF2-40B4-BE49-F238E27FC236}">
+                <a16:creationId xmlns:a16="http://schemas.microsoft.com/office/drawing/2014/main" id="{16552561-AE64-4607-9564-90EAC045B182}"/>
+              </a:ext>
+            </a:extLst>
+          </p:cNvPr>
+          <p:cNvCxnSpPr>
+            <a:stCxn id="10" idx="3"/>
+            <a:endCxn id="11" idx="1"/>
+          </p:cNvCxnSpPr>
+          <p:nvPr/>
+        </p:nvCxnSpPr>
+        <p:spPr>
+          <a:xfrm>
+            <a:off x="3867452" y="3158412"/>
+            <a:ext cx="330925" cy="0"/>
+          </a:xfrm>
+          <a:prstGeom prst="straightConnector1">
+            <a:avLst/>
+          </a:prstGeom>
+          <a:ln>
+            <a:tailEnd type="triangle"/>
+          </a:ln>
+        </p:spPr>
+        <p:style>
+          <a:lnRef idx="1">
+            <a:schemeClr val="accent1"/>
+          </a:lnRef>
+          <a:fillRef idx="0">
+            <a:schemeClr val="accent1"/>
+          </a:fillRef>
+          <a:effectRef idx="0">
+            <a:schemeClr val="accent1"/>
+          </a:effectRef>
+          <a:fontRef idx="minor">
+            <a:schemeClr val="tx1"/>
+          </a:fontRef>
+        </p:style>
+      </p:cxnSp>
+      <p:cxnSp>
+        <p:nvCxnSpPr>
+          <p:cNvPr id="29" name="Gerade Verbindung mit Pfeil 28">
+            <a:extLst>
+              <a:ext uri="{FF2B5EF4-FFF2-40B4-BE49-F238E27FC236}">
+                <a16:creationId xmlns:a16="http://schemas.microsoft.com/office/drawing/2014/main" id="{541153BC-3271-4125-8531-B1126261CEA5}"/>
+              </a:ext>
+            </a:extLst>
+          </p:cNvPr>
+          <p:cNvCxnSpPr>
+            <a:stCxn id="11" idx="3"/>
+            <a:endCxn id="13" idx="1"/>
+          </p:cNvCxnSpPr>
+          <p:nvPr/>
+        </p:nvCxnSpPr>
+        <p:spPr>
+          <a:xfrm>
+            <a:off x="5033136" y="3158412"/>
+            <a:ext cx="330925" cy="0"/>
+          </a:xfrm>
+          <a:prstGeom prst="straightConnector1">
+            <a:avLst/>
+          </a:prstGeom>
+          <a:ln>
+            <a:tailEnd type="triangle"/>
+          </a:ln>
+        </p:spPr>
+        <p:style>
+          <a:lnRef idx="1">
+            <a:schemeClr val="accent1"/>
+          </a:lnRef>
+          <a:fillRef idx="0">
+            <a:schemeClr val="accent1"/>
+          </a:fillRef>
+          <a:effectRef idx="0">
+            <a:schemeClr val="accent1"/>
+          </a:effectRef>
+          <a:fontRef idx="minor">
+            <a:schemeClr val="tx1"/>
+          </a:fontRef>
+        </p:style>
+      </p:cxnSp>
+      <p:cxnSp>
+        <p:nvCxnSpPr>
+          <p:cNvPr id="33" name="Verbinder: gewinkelt 32">
+            <a:extLst>
+              <a:ext uri="{FF2B5EF4-FFF2-40B4-BE49-F238E27FC236}">
+                <a16:creationId xmlns:a16="http://schemas.microsoft.com/office/drawing/2014/main" id="{F67B0C5F-0367-45A4-A569-91874D8F66BF}"/>
+              </a:ext>
+            </a:extLst>
+          </p:cNvPr>
+          <p:cNvCxnSpPr>
+            <a:cxnSpLocks/>
+            <a:stCxn id="13" idx="2"/>
+            <a:endCxn id="18" idx="1"/>
+          </p:cNvCxnSpPr>
+          <p:nvPr/>
+        </p:nvCxnSpPr>
+        <p:spPr>
+          <a:xfrm rot="5400000">
+            <a:off x="3322113" y="2170507"/>
+            <a:ext cx="1046880" cy="3871776"/>
+          </a:xfrm>
+          <a:prstGeom prst="bentConnector4">
+            <a:avLst>
+              <a:gd name="adj1" fmla="val 29723"/>
+              <a:gd name="adj2" fmla="val 105904"/>
+            </a:avLst>
+          </a:prstGeom>
+          <a:ln>
+            <a:tailEnd type="triangle"/>
+          </a:ln>
+        </p:spPr>
+        <p:style>
+          <a:lnRef idx="1">
+            <a:schemeClr val="accent1"/>
+          </a:lnRef>
+          <a:fillRef idx="0">
+            <a:schemeClr val="accent1"/>
+          </a:fillRef>
+          <a:effectRef idx="0">
+            <a:schemeClr val="accent1"/>
+          </a:effectRef>
+          <a:fontRef idx="minor">
+            <a:schemeClr val="tx1"/>
+          </a:fontRef>
+        </p:style>
+      </p:cxnSp>
+      <p:cxnSp>
+        <p:nvCxnSpPr>
+          <p:cNvPr id="37" name="Gerade Verbindung mit Pfeil 36">
+            <a:extLst>
+              <a:ext uri="{FF2B5EF4-FFF2-40B4-BE49-F238E27FC236}">
+                <a16:creationId xmlns:a16="http://schemas.microsoft.com/office/drawing/2014/main" id="{0911CA8E-4F68-4FE0-B97F-1AA00CAB9472}"/>
+              </a:ext>
+            </a:extLst>
+          </p:cNvPr>
+          <p:cNvCxnSpPr>
+            <a:stCxn id="18" idx="3"/>
+            <a:endCxn id="21" idx="1"/>
+          </p:cNvCxnSpPr>
+          <p:nvPr/>
+        </p:nvCxnSpPr>
+        <p:spPr>
+          <a:xfrm>
+            <a:off x="2744424" y="4629835"/>
+            <a:ext cx="294415" cy="0"/>
+          </a:xfrm>
+          <a:prstGeom prst="straightConnector1">
+            <a:avLst/>
+          </a:prstGeom>
+          <a:ln>
+            <a:tailEnd type="triangle"/>
+          </a:ln>
+        </p:spPr>
+        <p:style>
+          <a:lnRef idx="1">
+            <a:schemeClr val="accent1"/>
+          </a:lnRef>
+          <a:fillRef idx="0">
+            <a:schemeClr val="accent1"/>
+          </a:fillRef>
+          <a:effectRef idx="0">
+            <a:schemeClr val="accent1"/>
+          </a:effectRef>
+          <a:fontRef idx="minor">
+            <a:schemeClr val="tx1"/>
+          </a:fontRef>
+        </p:style>
+      </p:cxnSp>
+      <p:cxnSp>
+        <p:nvCxnSpPr>
+          <p:cNvPr id="39" name="Gerade Verbindung mit Pfeil 38">
+            <a:extLst>
+              <a:ext uri="{FF2B5EF4-FFF2-40B4-BE49-F238E27FC236}">
+                <a16:creationId xmlns:a16="http://schemas.microsoft.com/office/drawing/2014/main" id="{49482D0D-06D1-4D7F-B23E-3F800660975D}"/>
+              </a:ext>
+            </a:extLst>
+          </p:cNvPr>
+          <p:cNvCxnSpPr>
+            <a:cxnSpLocks/>
+            <a:stCxn id="21" idx="3"/>
+            <a:endCxn id="22" idx="1"/>
+          </p:cNvCxnSpPr>
+          <p:nvPr/>
+        </p:nvCxnSpPr>
+        <p:spPr>
+          <a:xfrm>
+            <a:off x="3873598" y="4629835"/>
+            <a:ext cx="302684" cy="0"/>
+          </a:xfrm>
+          <a:prstGeom prst="straightConnector1">
+            <a:avLst/>
+          </a:prstGeom>
+          <a:ln>
+            <a:tailEnd type="triangle"/>
+          </a:ln>
+        </p:spPr>
+        <p:style>
+          <a:lnRef idx="1">
+            <a:schemeClr val="accent1"/>
+          </a:lnRef>
+          <a:fillRef idx="0">
+            <a:schemeClr val="accent1"/>
+          </a:fillRef>
+          <a:effectRef idx="0">
+            <a:schemeClr val="accent1"/>
+          </a:effectRef>
+          <a:fontRef idx="minor">
+            <a:schemeClr val="tx1"/>
+          </a:fontRef>
+        </p:style>
+      </p:cxnSp>
+      <p:cxnSp>
+        <p:nvCxnSpPr>
+          <p:cNvPr id="41" name="Gerade Verbindung mit Pfeil 40">
+            <a:extLst>
+              <a:ext uri="{FF2B5EF4-FFF2-40B4-BE49-F238E27FC236}">
+                <a16:creationId xmlns:a16="http://schemas.microsoft.com/office/drawing/2014/main" id="{8293AEC5-CBA3-43A2-9BEC-16A19B08DB15}"/>
+              </a:ext>
+            </a:extLst>
+          </p:cNvPr>
+          <p:cNvCxnSpPr>
+            <a:stCxn id="22" idx="3"/>
+            <a:endCxn id="16" idx="1"/>
+          </p:cNvCxnSpPr>
+          <p:nvPr/>
+        </p:nvCxnSpPr>
+        <p:spPr>
+          <a:xfrm flipV="1">
+            <a:off x="5011041" y="4628280"/>
+            <a:ext cx="393395" cy="1555"/>
+          </a:xfrm>
+          <a:prstGeom prst="straightConnector1">
+            <a:avLst/>
+          </a:prstGeom>
+          <a:ln>
+            <a:tailEnd type="triangle"/>
+          </a:ln>
+        </p:spPr>
+        <p:style>
+          <a:lnRef idx="1">
+            <a:schemeClr val="accent1"/>
+          </a:lnRef>
+          <a:fillRef idx="0">
+            <a:schemeClr val="accent1"/>
+          </a:fillRef>
+          <a:effectRef idx="0">
+            <a:schemeClr val="accent1"/>
+          </a:effectRef>
+          <a:fontRef idx="minor">
+            <a:schemeClr val="tx1"/>
+          </a:fontRef>
+        </p:style>
+      </p:cxnSp>
+      <p:cxnSp>
+        <p:nvCxnSpPr>
+          <p:cNvPr id="44" name="Verbinder: gewinkelt 43">
+            <a:extLst>
+              <a:ext uri="{FF2B5EF4-FFF2-40B4-BE49-F238E27FC236}">
+                <a16:creationId xmlns:a16="http://schemas.microsoft.com/office/drawing/2014/main" id="{04093F6E-2DA9-42FF-8674-FADA36A296A1}"/>
+              </a:ext>
+            </a:extLst>
+          </p:cNvPr>
+          <p:cNvCxnSpPr>
+            <a:stCxn id="10" idx="0"/>
+            <a:endCxn id="12" idx="1"/>
+          </p:cNvCxnSpPr>
+          <p:nvPr/>
+        </p:nvCxnSpPr>
+        <p:spPr>
+          <a:xfrm rot="5400000" flipH="1" flipV="1">
+            <a:off x="3451310" y="1986802"/>
+            <a:ext cx="745830" cy="748304"/>
+          </a:xfrm>
+          <a:prstGeom prst="bentConnector2">
+            <a:avLst/>
+          </a:prstGeom>
+          <a:ln>
+            <a:headEnd type="triangle"/>
+            <a:tailEnd type="triangle"/>
+          </a:ln>
+        </p:spPr>
+        <p:style>
+          <a:lnRef idx="1">
+            <a:schemeClr val="accent1"/>
+          </a:lnRef>
+          <a:fillRef idx="0">
+            <a:schemeClr val="accent1"/>
+          </a:fillRef>
+          <a:effectRef idx="0">
+            <a:schemeClr val="accent1"/>
+          </a:effectRef>
+          <a:fontRef idx="minor">
+            <a:schemeClr val="tx1"/>
+          </a:fontRef>
+        </p:style>
+      </p:cxnSp>
+      <p:cxnSp>
+        <p:nvCxnSpPr>
+          <p:cNvPr id="46" name="Verbinder: gewinkelt 45">
+            <a:extLst>
+              <a:ext uri="{FF2B5EF4-FFF2-40B4-BE49-F238E27FC236}">
+                <a16:creationId xmlns:a16="http://schemas.microsoft.com/office/drawing/2014/main" id="{D3143B2A-51D1-4C72-868D-ACAF7C443F9A}"/>
+              </a:ext>
+            </a:extLst>
+          </p:cNvPr>
+          <p:cNvCxnSpPr>
+            <a:stCxn id="12" idx="3"/>
+            <a:endCxn id="13" idx="0"/>
+          </p:cNvCxnSpPr>
+          <p:nvPr/>
+        </p:nvCxnSpPr>
+        <p:spPr>
+          <a:xfrm>
+            <a:off x="5033136" y="1988039"/>
+            <a:ext cx="748305" cy="745830"/>
+          </a:xfrm>
+          <a:prstGeom prst="bentConnector2">
+            <a:avLst/>
+          </a:prstGeom>
+          <a:ln>
+            <a:headEnd type="triangle"/>
+            <a:tailEnd type="triangle"/>
+          </a:ln>
+        </p:spPr>
+        <p:style>
+          <a:lnRef idx="1">
+            <a:schemeClr val="accent1"/>
+          </a:lnRef>
+          <a:fillRef idx="0">
+            <a:schemeClr val="accent1"/>
+          </a:fillRef>
+          <a:effectRef idx="0">
+            <a:schemeClr val="accent1"/>
+          </a:effectRef>
+          <a:fontRef idx="minor">
+            <a:schemeClr val="tx1"/>
+          </a:fontRef>
+        </p:style>
+      </p:cxnSp>
     </p:spTree>
     <p:extLst>
       <p:ext uri="{BB962C8B-B14F-4D97-AF65-F5344CB8AC3E}">
@@ -12249,6 +13210,36 @@
     <p:extLst>
       <p:ext uri="{BB962C8B-B14F-4D97-AF65-F5344CB8AC3E}">
         <p14:creationId xmlns:p14="http://schemas.microsoft.com/office/powerpoint/2010/main" val="3468704632"/>
+      </p:ext>
+    </p:extLst>
+  </p:cSld>
+  <p:clrMapOvr>
+    <a:masterClrMapping/>
+  </p:clrMapOvr>
+</p:sld>
+</file>
+
+<file path=ppt/slides/slide8.xml><?xml version="1.0" encoding="utf-8"?>
+<p:sld xmlns:a="http://schemas.openxmlformats.org/drawingml/2006/main" xmlns:r="http://schemas.openxmlformats.org/officeDocument/2006/relationships" xmlns:p="http://schemas.openxmlformats.org/presentationml/2006/main">
+  <p:cSld>
+    <p:spTree>
+      <p:nvGrpSpPr>
+        <p:cNvPr id="1" name=""/>
+        <p:cNvGrpSpPr/>
+        <p:nvPr/>
+      </p:nvGrpSpPr>
+      <p:grpSpPr>
+        <a:xfrm>
+          <a:off x="0" y="0"/>
+          <a:ext cx="0" cy="0"/>
+          <a:chOff x="0" y="0"/>
+          <a:chExt cx="0" cy="0"/>
+        </a:xfrm>
+      </p:grpSpPr>
+    </p:spTree>
+    <p:extLst>
+      <p:ext uri="{BB962C8B-B14F-4D97-AF65-F5344CB8AC3E}">
+        <p14:creationId xmlns:p14="http://schemas.microsoft.com/office/powerpoint/2010/main" val="1367621272"/>
       </p:ext>
     </p:extLst>
   </p:cSld>

--- a/Dokumentation/Stand Oster/BayerPatternVearbeitung/Grafiken.pptx
+++ b/Dokumentation/Stand Oster/BayerPatternVearbeitung/Grafiken.pptx
@@ -6,13 +6,12 @@
   </p:sldMasterIdLst>
   <p:sldIdLst>
     <p:sldId id="256" r:id="rId2"/>
-    <p:sldId id="258" r:id="rId3"/>
-    <p:sldId id="257" r:id="rId4"/>
-    <p:sldId id="259" r:id="rId5"/>
-    <p:sldId id="260" r:id="rId6"/>
-    <p:sldId id="261" r:id="rId7"/>
-    <p:sldId id="262" r:id="rId8"/>
-    <p:sldId id="263" r:id="rId9"/>
+    <p:sldId id="257" r:id="rId3"/>
+    <p:sldId id="259" r:id="rId4"/>
+    <p:sldId id="260" r:id="rId5"/>
+    <p:sldId id="261" r:id="rId6"/>
+    <p:sldId id="262" r:id="rId7"/>
+    <p:sldId id="263" r:id="rId8"/>
   </p:sldIdLst>
   <p:sldSz cx="12192000" cy="6858000"/>
   <p:notesSz cx="6858000" cy="9144000"/>
@@ -266,7 +265,7 @@
           <a:p>
             <a:fld id="{395C48E5-9D41-460D-AEA6-338A2B2E3B37}" type="datetimeFigureOut">
               <a:rPr lang="de-DE" smtClean="0"/>
-              <a:t>04.06.2021</a:t>
+              <a:t>20.07.2021</a:t>
             </a:fld>
             <a:endParaRPr lang="de-DE"/>
           </a:p>
@@ -464,7 +463,7 @@
           <a:p>
             <a:fld id="{395C48E5-9D41-460D-AEA6-338A2B2E3B37}" type="datetimeFigureOut">
               <a:rPr lang="de-DE" smtClean="0"/>
-              <a:t>04.06.2021</a:t>
+              <a:t>20.07.2021</a:t>
             </a:fld>
             <a:endParaRPr lang="de-DE"/>
           </a:p>
@@ -672,7 +671,7 @@
           <a:p>
             <a:fld id="{395C48E5-9D41-460D-AEA6-338A2B2E3B37}" type="datetimeFigureOut">
               <a:rPr lang="de-DE" smtClean="0"/>
-              <a:t>04.06.2021</a:t>
+              <a:t>20.07.2021</a:t>
             </a:fld>
             <a:endParaRPr lang="de-DE"/>
           </a:p>
@@ -870,7 +869,7 @@
           <a:p>
             <a:fld id="{395C48E5-9D41-460D-AEA6-338A2B2E3B37}" type="datetimeFigureOut">
               <a:rPr lang="de-DE" smtClean="0"/>
-              <a:t>04.06.2021</a:t>
+              <a:t>20.07.2021</a:t>
             </a:fld>
             <a:endParaRPr lang="de-DE"/>
           </a:p>
@@ -1145,7 +1144,7 @@
           <a:p>
             <a:fld id="{395C48E5-9D41-460D-AEA6-338A2B2E3B37}" type="datetimeFigureOut">
               <a:rPr lang="de-DE" smtClean="0"/>
-              <a:t>04.06.2021</a:t>
+              <a:t>20.07.2021</a:t>
             </a:fld>
             <a:endParaRPr lang="de-DE"/>
           </a:p>
@@ -1410,7 +1409,7 @@
           <a:p>
             <a:fld id="{395C48E5-9D41-460D-AEA6-338A2B2E3B37}" type="datetimeFigureOut">
               <a:rPr lang="de-DE" smtClean="0"/>
-              <a:t>04.06.2021</a:t>
+              <a:t>20.07.2021</a:t>
             </a:fld>
             <a:endParaRPr lang="de-DE"/>
           </a:p>
@@ -1822,7 +1821,7 @@
           <a:p>
             <a:fld id="{395C48E5-9D41-460D-AEA6-338A2B2E3B37}" type="datetimeFigureOut">
               <a:rPr lang="de-DE" smtClean="0"/>
-              <a:t>04.06.2021</a:t>
+              <a:t>20.07.2021</a:t>
             </a:fld>
             <a:endParaRPr lang="de-DE"/>
           </a:p>
@@ -1963,7 +1962,7 @@
           <a:p>
             <a:fld id="{395C48E5-9D41-460D-AEA6-338A2B2E3B37}" type="datetimeFigureOut">
               <a:rPr lang="de-DE" smtClean="0"/>
-              <a:t>04.06.2021</a:t>
+              <a:t>20.07.2021</a:t>
             </a:fld>
             <a:endParaRPr lang="de-DE"/>
           </a:p>
@@ -2076,7 +2075,7 @@
           <a:p>
             <a:fld id="{395C48E5-9D41-460D-AEA6-338A2B2E3B37}" type="datetimeFigureOut">
               <a:rPr lang="de-DE" smtClean="0"/>
-              <a:t>04.06.2021</a:t>
+              <a:t>20.07.2021</a:t>
             </a:fld>
             <a:endParaRPr lang="de-DE"/>
           </a:p>
@@ -2387,7 +2386,7 @@
           <a:p>
             <a:fld id="{395C48E5-9D41-460D-AEA6-338A2B2E3B37}" type="datetimeFigureOut">
               <a:rPr lang="de-DE" smtClean="0"/>
-              <a:t>04.06.2021</a:t>
+              <a:t>20.07.2021</a:t>
             </a:fld>
             <a:endParaRPr lang="de-DE"/>
           </a:p>
@@ -2675,7 +2674,7 @@
           <a:p>
             <a:fld id="{395C48E5-9D41-460D-AEA6-338A2B2E3B37}" type="datetimeFigureOut">
               <a:rPr lang="de-DE" smtClean="0"/>
-              <a:t>04.06.2021</a:t>
+              <a:t>20.07.2021</a:t>
             </a:fld>
             <a:endParaRPr lang="de-DE"/>
           </a:p>
@@ -2916,7 +2915,7 @@
           <a:p>
             <a:fld id="{395C48E5-9D41-460D-AEA6-338A2B2E3B37}" type="datetimeFigureOut">
               <a:rPr lang="de-DE" smtClean="0"/>
-              <a:t>04.06.2021</a:t>
+              <a:t>20.07.2021</a:t>
             </a:fld>
             <a:endParaRPr lang="de-DE"/>
           </a:p>
@@ -4133,1046 +4132,6 @@
       </p:grpSpPr>
       <p:sp>
         <p:nvSpPr>
-          <p:cNvPr id="4" name="Titel 1">
-            <a:extLst>
-              <a:ext uri="{FF2B5EF4-FFF2-40B4-BE49-F238E27FC236}">
-                <a16:creationId xmlns:a16="http://schemas.microsoft.com/office/drawing/2014/main" id="{16A3E64D-25A1-4426-B3AE-E1D73BE6D3F1}"/>
-              </a:ext>
-            </a:extLst>
-          </p:cNvPr>
-          <p:cNvSpPr>
-            <a:spLocks noGrp="1"/>
-          </p:cNvSpPr>
-          <p:nvPr>
-            <p:ph type="title"/>
-          </p:nvPr>
-        </p:nvSpPr>
-        <p:spPr>
-          <a:xfrm>
-            <a:off x="770106" y="261343"/>
-            <a:ext cx="10515600" cy="679816"/>
-          </a:xfrm>
-        </p:spPr>
-        <p:txBody>
-          <a:bodyPr>
-            <a:normAutofit fontScale="90000"/>
-          </a:bodyPr>
-          <a:lstStyle/>
-          <a:p>
-            <a:r>
-              <a:rPr lang="de-DE" dirty="0"/>
-              <a:t>Ist Zustand </a:t>
-            </a:r>
-            <a:r>
-              <a:rPr lang="de-DE" dirty="0" err="1"/>
-              <a:t>Perske</a:t>
-            </a:r>
-            <a:endParaRPr lang="de-DE" dirty="0"/>
-          </a:p>
-        </p:txBody>
-      </p:sp>
-      <p:sp>
-        <p:nvSpPr>
-          <p:cNvPr id="9" name="Rechteck 8">
-            <a:extLst>
-              <a:ext uri="{FF2B5EF4-FFF2-40B4-BE49-F238E27FC236}">
-                <a16:creationId xmlns:a16="http://schemas.microsoft.com/office/drawing/2014/main" id="{7B214AE2-633B-4A08-AF7B-CECB70C52377}"/>
-              </a:ext>
-            </a:extLst>
-          </p:cNvPr>
-          <p:cNvSpPr/>
-          <p:nvPr/>
-        </p:nvSpPr>
-        <p:spPr>
-          <a:xfrm>
-            <a:off x="1909665" y="2733869"/>
-            <a:ext cx="834759" cy="849086"/>
-          </a:xfrm>
-          <a:prstGeom prst="rect">
-            <a:avLst/>
-          </a:prstGeom>
-        </p:spPr>
-        <p:style>
-          <a:lnRef idx="2">
-            <a:schemeClr val="accent1">
-              <a:shade val="50000"/>
-            </a:schemeClr>
-          </a:lnRef>
-          <a:fillRef idx="1">
-            <a:schemeClr val="accent1"/>
-          </a:fillRef>
-          <a:effectRef idx="0">
-            <a:schemeClr val="accent1"/>
-          </a:effectRef>
-          <a:fontRef idx="minor">
-            <a:schemeClr val="lt1"/>
-          </a:fontRef>
-        </p:style>
-        <p:txBody>
-          <a:bodyPr rtlCol="0" anchor="ctr"/>
-          <a:lstStyle/>
-          <a:p>
-            <a:pPr algn="ctr"/>
-            <a:r>
-              <a:rPr lang="de-DE" sz="1200" dirty="0"/>
-              <a:t>CAM</a:t>
-            </a:r>
-            <a:br>
-              <a:rPr lang="de-DE" sz="1200" dirty="0"/>
-            </a:br>
-            <a:r>
-              <a:rPr lang="de-DE" sz="1200" dirty="0"/>
-              <a:t>Data</a:t>
-            </a:r>
-            <a:br>
-              <a:rPr lang="de-DE" sz="1200" dirty="0"/>
-            </a:br>
-            <a:r>
-              <a:rPr lang="de-DE" sz="1200" dirty="0" err="1"/>
-              <a:t>Mux</a:t>
-            </a:r>
-            <a:endParaRPr lang="de-DE" sz="1200" dirty="0"/>
-          </a:p>
-        </p:txBody>
-      </p:sp>
-      <p:sp>
-        <p:nvSpPr>
-          <p:cNvPr id="10" name="Rechteck 9">
-            <a:extLst>
-              <a:ext uri="{FF2B5EF4-FFF2-40B4-BE49-F238E27FC236}">
-                <a16:creationId xmlns:a16="http://schemas.microsoft.com/office/drawing/2014/main" id="{D76C4116-65D3-4E66-A4D6-CDD1C1F561FC}"/>
-              </a:ext>
-            </a:extLst>
-          </p:cNvPr>
-          <p:cNvSpPr/>
-          <p:nvPr/>
-        </p:nvSpPr>
-        <p:spPr>
-          <a:xfrm>
-            <a:off x="3032693" y="2733869"/>
-            <a:ext cx="834759" cy="849086"/>
-          </a:xfrm>
-          <a:prstGeom prst="rect">
-            <a:avLst/>
-          </a:prstGeom>
-        </p:spPr>
-        <p:style>
-          <a:lnRef idx="2">
-            <a:schemeClr val="accent1">
-              <a:shade val="50000"/>
-            </a:schemeClr>
-          </a:lnRef>
-          <a:fillRef idx="1">
-            <a:schemeClr val="accent1"/>
-          </a:fillRef>
-          <a:effectRef idx="0">
-            <a:schemeClr val="accent1"/>
-          </a:effectRef>
-          <a:fontRef idx="minor">
-            <a:schemeClr val="lt1"/>
-          </a:fontRef>
-        </p:style>
-        <p:txBody>
-          <a:bodyPr rtlCol="0" anchor="ctr"/>
-          <a:lstStyle/>
-          <a:p>
-            <a:pPr algn="ctr"/>
-            <a:r>
-              <a:rPr lang="de-DE" sz="1200" dirty="0"/>
-              <a:t>SDRAM</a:t>
-            </a:r>
-            <a:br>
-              <a:rPr lang="de-DE" sz="1200" dirty="0"/>
-            </a:br>
-            <a:r>
-              <a:rPr lang="de-DE" sz="1200" dirty="0"/>
-              <a:t>Write</a:t>
-            </a:r>
-            <a:br>
-              <a:rPr lang="de-DE" sz="1200" dirty="0"/>
-            </a:br>
-            <a:r>
-              <a:rPr lang="de-DE" sz="1200" dirty="0"/>
-              <a:t>Buffer</a:t>
-            </a:r>
-          </a:p>
-        </p:txBody>
-      </p:sp>
-      <p:sp>
-        <p:nvSpPr>
-          <p:cNvPr id="11" name="Rechteck 10">
-            <a:extLst>
-              <a:ext uri="{FF2B5EF4-FFF2-40B4-BE49-F238E27FC236}">
-                <a16:creationId xmlns:a16="http://schemas.microsoft.com/office/drawing/2014/main" id="{67DE0F21-EB95-4500-B170-7F55127783DC}"/>
-              </a:ext>
-            </a:extLst>
-          </p:cNvPr>
-          <p:cNvSpPr/>
-          <p:nvPr/>
-        </p:nvSpPr>
-        <p:spPr>
-          <a:xfrm>
-            <a:off x="4198377" y="2733869"/>
-            <a:ext cx="834759" cy="849086"/>
-          </a:xfrm>
-          <a:prstGeom prst="rect">
-            <a:avLst/>
-          </a:prstGeom>
-        </p:spPr>
-        <p:style>
-          <a:lnRef idx="2">
-            <a:schemeClr val="accent1">
-              <a:shade val="50000"/>
-            </a:schemeClr>
-          </a:lnRef>
-          <a:fillRef idx="1">
-            <a:schemeClr val="accent1"/>
-          </a:fillRef>
-          <a:effectRef idx="0">
-            <a:schemeClr val="accent1"/>
-          </a:effectRef>
-          <a:fontRef idx="minor">
-            <a:schemeClr val="lt1"/>
-          </a:fontRef>
-        </p:style>
-        <p:txBody>
-          <a:bodyPr rtlCol="0" anchor="ctr"/>
-          <a:lstStyle/>
-          <a:p>
-            <a:pPr algn="ctr"/>
-            <a:r>
-              <a:rPr lang="de-DE" sz="1200" dirty="0"/>
-              <a:t>SDRAM</a:t>
-            </a:r>
-            <a:br>
-              <a:rPr lang="de-DE" sz="1200" dirty="0"/>
-            </a:br>
-            <a:r>
-              <a:rPr lang="de-DE" sz="1200" dirty="0" err="1"/>
-              <a:t>Controler</a:t>
-            </a:r>
-            <a:endParaRPr lang="de-DE" sz="1200" dirty="0"/>
-          </a:p>
-        </p:txBody>
-      </p:sp>
-      <p:sp>
-        <p:nvSpPr>
-          <p:cNvPr id="12" name="Rechteck 11">
-            <a:extLst>
-              <a:ext uri="{FF2B5EF4-FFF2-40B4-BE49-F238E27FC236}">
-                <a16:creationId xmlns:a16="http://schemas.microsoft.com/office/drawing/2014/main" id="{503E643E-F422-46C7-9358-46C9736D2E3E}"/>
-              </a:ext>
-            </a:extLst>
-          </p:cNvPr>
-          <p:cNvSpPr/>
-          <p:nvPr/>
-        </p:nvSpPr>
-        <p:spPr>
-          <a:xfrm>
-            <a:off x="4198377" y="1563496"/>
-            <a:ext cx="834759" cy="849086"/>
-          </a:xfrm>
-          <a:prstGeom prst="rect">
-            <a:avLst/>
-          </a:prstGeom>
-        </p:spPr>
-        <p:style>
-          <a:lnRef idx="2">
-            <a:schemeClr val="accent1">
-              <a:shade val="50000"/>
-            </a:schemeClr>
-          </a:lnRef>
-          <a:fillRef idx="1">
-            <a:schemeClr val="accent1"/>
-          </a:fillRef>
-          <a:effectRef idx="0">
-            <a:schemeClr val="accent1"/>
-          </a:effectRef>
-          <a:fontRef idx="minor">
-            <a:schemeClr val="lt1"/>
-          </a:fontRef>
-        </p:style>
-        <p:txBody>
-          <a:bodyPr rtlCol="0" anchor="ctr"/>
-          <a:lstStyle/>
-          <a:p>
-            <a:pPr algn="ctr"/>
-            <a:r>
-              <a:rPr lang="de-DE" sz="1200" dirty="0"/>
-              <a:t>Memory</a:t>
-            </a:r>
-            <a:br>
-              <a:rPr lang="de-DE" sz="1200" dirty="0"/>
-            </a:br>
-            <a:r>
-              <a:rPr lang="de-DE" sz="1200" dirty="0"/>
-              <a:t>Access</a:t>
-            </a:r>
-            <a:br>
-              <a:rPr lang="de-DE" sz="1200" dirty="0"/>
-            </a:br>
-            <a:r>
-              <a:rPr lang="de-DE" sz="1200" dirty="0"/>
-              <a:t>Control</a:t>
-            </a:r>
-          </a:p>
-        </p:txBody>
-      </p:sp>
-      <p:sp>
-        <p:nvSpPr>
-          <p:cNvPr id="13" name="Rechteck 12">
-            <a:extLst>
-              <a:ext uri="{FF2B5EF4-FFF2-40B4-BE49-F238E27FC236}">
-                <a16:creationId xmlns:a16="http://schemas.microsoft.com/office/drawing/2014/main" id="{9CB412B5-0B8B-423E-8979-8747583C3B4B}"/>
-              </a:ext>
-            </a:extLst>
-          </p:cNvPr>
-          <p:cNvSpPr/>
-          <p:nvPr/>
-        </p:nvSpPr>
-        <p:spPr>
-          <a:xfrm>
-            <a:off x="5364061" y="2733869"/>
-            <a:ext cx="834759" cy="849086"/>
-          </a:xfrm>
-          <a:prstGeom prst="rect">
-            <a:avLst/>
-          </a:prstGeom>
-        </p:spPr>
-        <p:style>
-          <a:lnRef idx="2">
-            <a:schemeClr val="accent1">
-              <a:shade val="50000"/>
-            </a:schemeClr>
-          </a:lnRef>
-          <a:fillRef idx="1">
-            <a:schemeClr val="accent1"/>
-          </a:fillRef>
-          <a:effectRef idx="0">
-            <a:schemeClr val="accent1"/>
-          </a:effectRef>
-          <a:fontRef idx="minor">
-            <a:schemeClr val="lt1"/>
-          </a:fontRef>
-        </p:style>
-        <p:txBody>
-          <a:bodyPr rtlCol="0" anchor="ctr"/>
-          <a:lstStyle/>
-          <a:p>
-            <a:pPr algn="ctr"/>
-            <a:r>
-              <a:rPr lang="de-DE" sz="1200" dirty="0"/>
-              <a:t>SDRAM</a:t>
-            </a:r>
-            <a:br>
-              <a:rPr lang="de-DE" sz="1200" dirty="0"/>
-            </a:br>
-            <a:r>
-              <a:rPr lang="de-DE" sz="1200" dirty="0"/>
-              <a:t>Read</a:t>
-            </a:r>
-            <a:br>
-              <a:rPr lang="de-DE" sz="1200" dirty="0"/>
-            </a:br>
-            <a:r>
-              <a:rPr lang="de-DE" sz="1200" dirty="0"/>
-              <a:t>Buffer</a:t>
-            </a:r>
-          </a:p>
-        </p:txBody>
-      </p:sp>
-      <p:sp>
-        <p:nvSpPr>
-          <p:cNvPr id="8" name="Textfeld 7">
-            <a:extLst>
-              <a:ext uri="{FF2B5EF4-FFF2-40B4-BE49-F238E27FC236}">
-                <a16:creationId xmlns:a16="http://schemas.microsoft.com/office/drawing/2014/main" id="{64638BB4-9E84-4ABF-B41F-0C94E079A970}"/>
-              </a:ext>
-            </a:extLst>
-          </p:cNvPr>
-          <p:cNvSpPr txBox="1"/>
-          <p:nvPr/>
-        </p:nvSpPr>
-        <p:spPr>
-          <a:xfrm>
-            <a:off x="940424" y="2973746"/>
-            <a:ext cx="638316" cy="369332"/>
-          </a:xfrm>
-          <a:prstGeom prst="rect">
-            <a:avLst/>
-          </a:prstGeom>
-          <a:noFill/>
-        </p:spPr>
-        <p:txBody>
-          <a:bodyPr wrap="none" rtlCol="0">
-            <a:spAutoFit/>
-          </a:bodyPr>
-          <a:lstStyle/>
-          <a:p>
-            <a:r>
-              <a:rPr lang="de-DE" dirty="0"/>
-              <a:t>CAM</a:t>
-            </a:r>
-          </a:p>
-        </p:txBody>
-      </p:sp>
-      <p:sp>
-        <p:nvSpPr>
-          <p:cNvPr id="16" name="Textfeld 15">
-            <a:extLst>
-              <a:ext uri="{FF2B5EF4-FFF2-40B4-BE49-F238E27FC236}">
-                <a16:creationId xmlns:a16="http://schemas.microsoft.com/office/drawing/2014/main" id="{9FEBA017-927E-4F0E-A6C5-BE7A66BA969B}"/>
-              </a:ext>
-            </a:extLst>
-          </p:cNvPr>
-          <p:cNvSpPr txBox="1"/>
-          <p:nvPr/>
-        </p:nvSpPr>
-        <p:spPr>
-          <a:xfrm>
-            <a:off x="5404436" y="4443614"/>
-            <a:ext cx="592213" cy="369332"/>
-          </a:xfrm>
-          <a:prstGeom prst="rect">
-            <a:avLst/>
-          </a:prstGeom>
-          <a:noFill/>
-        </p:spPr>
-        <p:txBody>
-          <a:bodyPr wrap="none" rtlCol="0">
-            <a:spAutoFit/>
-          </a:bodyPr>
-          <a:lstStyle/>
-          <a:p>
-            <a:r>
-              <a:rPr lang="de-DE" dirty="0"/>
-              <a:t>VGA</a:t>
-            </a:r>
-          </a:p>
-        </p:txBody>
-      </p:sp>
-      <p:sp>
-        <p:nvSpPr>
-          <p:cNvPr id="18" name="Rechteck 17">
-            <a:extLst>
-              <a:ext uri="{FF2B5EF4-FFF2-40B4-BE49-F238E27FC236}">
-                <a16:creationId xmlns:a16="http://schemas.microsoft.com/office/drawing/2014/main" id="{DE524476-446D-4491-8961-2687BC4C4C5D}"/>
-              </a:ext>
-            </a:extLst>
-          </p:cNvPr>
-          <p:cNvSpPr/>
-          <p:nvPr/>
-        </p:nvSpPr>
-        <p:spPr>
-          <a:xfrm>
-            <a:off x="1909665" y="4205292"/>
-            <a:ext cx="834759" cy="849086"/>
-          </a:xfrm>
-          <a:prstGeom prst="rect">
-            <a:avLst/>
-          </a:prstGeom>
-        </p:spPr>
-        <p:style>
-          <a:lnRef idx="2">
-            <a:schemeClr val="accent1">
-              <a:shade val="50000"/>
-            </a:schemeClr>
-          </a:lnRef>
-          <a:fillRef idx="1">
-            <a:schemeClr val="accent1"/>
-          </a:fillRef>
-          <a:effectRef idx="0">
-            <a:schemeClr val="accent1"/>
-          </a:effectRef>
-          <a:fontRef idx="minor">
-            <a:schemeClr val="lt1"/>
-          </a:fontRef>
-        </p:style>
-        <p:txBody>
-          <a:bodyPr rtlCol="0" anchor="ctr"/>
-          <a:lstStyle/>
-          <a:p>
-            <a:pPr algn="ctr"/>
-            <a:r>
-              <a:rPr lang="de-DE" sz="1200" dirty="0"/>
-              <a:t>SDRAM</a:t>
-            </a:r>
-            <a:br>
-              <a:rPr lang="de-DE" sz="1200" dirty="0"/>
-            </a:br>
-            <a:r>
-              <a:rPr lang="de-DE" sz="1200" dirty="0"/>
-              <a:t>Pixel</a:t>
-            </a:r>
-            <a:br>
-              <a:rPr lang="de-DE" sz="1200" dirty="0"/>
-            </a:br>
-            <a:r>
-              <a:rPr lang="de-DE" sz="1200" dirty="0"/>
-              <a:t>Buffer</a:t>
-            </a:r>
-          </a:p>
-        </p:txBody>
-      </p:sp>
-      <p:sp>
-        <p:nvSpPr>
-          <p:cNvPr id="21" name="Rechteck 20">
-            <a:extLst>
-              <a:ext uri="{FF2B5EF4-FFF2-40B4-BE49-F238E27FC236}">
-                <a16:creationId xmlns:a16="http://schemas.microsoft.com/office/drawing/2014/main" id="{53964735-72AE-43BA-A3EE-9E69C9C536BA}"/>
-              </a:ext>
-            </a:extLst>
-          </p:cNvPr>
-          <p:cNvSpPr/>
-          <p:nvPr/>
-        </p:nvSpPr>
-        <p:spPr>
-          <a:xfrm>
-            <a:off x="3038839" y="4205292"/>
-            <a:ext cx="834759" cy="849086"/>
-          </a:xfrm>
-          <a:prstGeom prst="rect">
-            <a:avLst/>
-          </a:prstGeom>
-        </p:spPr>
-        <p:style>
-          <a:lnRef idx="2">
-            <a:schemeClr val="accent1">
-              <a:shade val="50000"/>
-            </a:schemeClr>
-          </a:lnRef>
-          <a:fillRef idx="1">
-            <a:schemeClr val="accent1"/>
-          </a:fillRef>
-          <a:effectRef idx="0">
-            <a:schemeClr val="accent1"/>
-          </a:effectRef>
-          <a:fontRef idx="minor">
-            <a:schemeClr val="lt1"/>
-          </a:fontRef>
-        </p:style>
-        <p:txBody>
-          <a:bodyPr rtlCol="0" anchor="ctr"/>
-          <a:lstStyle/>
-          <a:p>
-            <a:pPr algn="ctr"/>
-            <a:r>
-              <a:rPr lang="de-DE" sz="1200" dirty="0" err="1"/>
-              <a:t>Debay</a:t>
-            </a:r>
-            <a:endParaRPr lang="de-DE" sz="1200" dirty="0"/>
-          </a:p>
-        </p:txBody>
-      </p:sp>
-      <p:sp>
-        <p:nvSpPr>
-          <p:cNvPr id="22" name="Rechteck 21">
-            <a:extLst>
-              <a:ext uri="{FF2B5EF4-FFF2-40B4-BE49-F238E27FC236}">
-                <a16:creationId xmlns:a16="http://schemas.microsoft.com/office/drawing/2014/main" id="{CF91810D-F6D1-43C5-ADB1-A199AB9AEDD3}"/>
-              </a:ext>
-            </a:extLst>
-          </p:cNvPr>
-          <p:cNvSpPr/>
-          <p:nvPr/>
-        </p:nvSpPr>
-        <p:spPr>
-          <a:xfrm>
-            <a:off x="4176282" y="4205292"/>
-            <a:ext cx="834759" cy="849086"/>
-          </a:xfrm>
-          <a:prstGeom prst="rect">
-            <a:avLst/>
-          </a:prstGeom>
-        </p:spPr>
-        <p:style>
-          <a:lnRef idx="2">
-            <a:schemeClr val="accent1">
-              <a:shade val="50000"/>
-            </a:schemeClr>
-          </a:lnRef>
-          <a:fillRef idx="1">
-            <a:schemeClr val="accent1"/>
-          </a:fillRef>
-          <a:effectRef idx="0">
-            <a:schemeClr val="accent1"/>
-          </a:effectRef>
-          <a:fontRef idx="minor">
-            <a:schemeClr val="lt1"/>
-          </a:fontRef>
-        </p:style>
-        <p:txBody>
-          <a:bodyPr rtlCol="0" anchor="ctr"/>
-          <a:lstStyle/>
-          <a:p>
-            <a:pPr algn="ctr"/>
-            <a:r>
-              <a:rPr lang="de-DE" sz="1200" dirty="0" err="1"/>
-              <a:t>Convo-lution</a:t>
-            </a:r>
-            <a:endParaRPr lang="de-DE" sz="1200" dirty="0"/>
-          </a:p>
-        </p:txBody>
-      </p:sp>
-      <p:cxnSp>
-        <p:nvCxnSpPr>
-          <p:cNvPr id="23" name="Gerade Verbindung mit Pfeil 22">
-            <a:extLst>
-              <a:ext uri="{FF2B5EF4-FFF2-40B4-BE49-F238E27FC236}">
-                <a16:creationId xmlns:a16="http://schemas.microsoft.com/office/drawing/2014/main" id="{D9C23501-432F-4825-B383-C2914EE485E6}"/>
-              </a:ext>
-            </a:extLst>
-          </p:cNvPr>
-          <p:cNvCxnSpPr>
-            <a:stCxn id="8" idx="3"/>
-            <a:endCxn id="9" idx="1"/>
-          </p:cNvCxnSpPr>
-          <p:nvPr/>
-        </p:nvCxnSpPr>
-        <p:spPr>
-          <a:xfrm>
-            <a:off x="1578740" y="3158412"/>
-            <a:ext cx="330925" cy="0"/>
-          </a:xfrm>
-          <a:prstGeom prst="straightConnector1">
-            <a:avLst/>
-          </a:prstGeom>
-          <a:ln>
-            <a:tailEnd type="triangle"/>
-          </a:ln>
-        </p:spPr>
-        <p:style>
-          <a:lnRef idx="1">
-            <a:schemeClr val="accent1"/>
-          </a:lnRef>
-          <a:fillRef idx="0">
-            <a:schemeClr val="accent1"/>
-          </a:fillRef>
-          <a:effectRef idx="0">
-            <a:schemeClr val="accent1"/>
-          </a:effectRef>
-          <a:fontRef idx="minor">
-            <a:schemeClr val="tx1"/>
-          </a:fontRef>
-        </p:style>
-      </p:cxnSp>
-      <p:cxnSp>
-        <p:nvCxnSpPr>
-          <p:cNvPr id="25" name="Gerade Verbindung mit Pfeil 24">
-            <a:extLst>
-              <a:ext uri="{FF2B5EF4-FFF2-40B4-BE49-F238E27FC236}">
-                <a16:creationId xmlns:a16="http://schemas.microsoft.com/office/drawing/2014/main" id="{5454FA44-9F10-4511-9538-45A9A3C72478}"/>
-              </a:ext>
-            </a:extLst>
-          </p:cNvPr>
-          <p:cNvCxnSpPr>
-            <a:stCxn id="9" idx="3"/>
-            <a:endCxn id="10" idx="1"/>
-          </p:cNvCxnSpPr>
-          <p:nvPr/>
-        </p:nvCxnSpPr>
-        <p:spPr>
-          <a:xfrm>
-            <a:off x="2744424" y="3158412"/>
-            <a:ext cx="288269" cy="0"/>
-          </a:xfrm>
-          <a:prstGeom prst="straightConnector1">
-            <a:avLst/>
-          </a:prstGeom>
-          <a:ln>
-            <a:tailEnd type="triangle"/>
-          </a:ln>
-        </p:spPr>
-        <p:style>
-          <a:lnRef idx="1">
-            <a:schemeClr val="accent1"/>
-          </a:lnRef>
-          <a:fillRef idx="0">
-            <a:schemeClr val="accent1"/>
-          </a:fillRef>
-          <a:effectRef idx="0">
-            <a:schemeClr val="accent1"/>
-          </a:effectRef>
-          <a:fontRef idx="minor">
-            <a:schemeClr val="tx1"/>
-          </a:fontRef>
-        </p:style>
-      </p:cxnSp>
-      <p:cxnSp>
-        <p:nvCxnSpPr>
-          <p:cNvPr id="27" name="Gerade Verbindung mit Pfeil 26">
-            <a:extLst>
-              <a:ext uri="{FF2B5EF4-FFF2-40B4-BE49-F238E27FC236}">
-                <a16:creationId xmlns:a16="http://schemas.microsoft.com/office/drawing/2014/main" id="{16552561-AE64-4607-9564-90EAC045B182}"/>
-              </a:ext>
-            </a:extLst>
-          </p:cNvPr>
-          <p:cNvCxnSpPr>
-            <a:stCxn id="10" idx="3"/>
-            <a:endCxn id="11" idx="1"/>
-          </p:cNvCxnSpPr>
-          <p:nvPr/>
-        </p:nvCxnSpPr>
-        <p:spPr>
-          <a:xfrm>
-            <a:off x="3867452" y="3158412"/>
-            <a:ext cx="330925" cy="0"/>
-          </a:xfrm>
-          <a:prstGeom prst="straightConnector1">
-            <a:avLst/>
-          </a:prstGeom>
-          <a:ln>
-            <a:tailEnd type="triangle"/>
-          </a:ln>
-        </p:spPr>
-        <p:style>
-          <a:lnRef idx="1">
-            <a:schemeClr val="accent1"/>
-          </a:lnRef>
-          <a:fillRef idx="0">
-            <a:schemeClr val="accent1"/>
-          </a:fillRef>
-          <a:effectRef idx="0">
-            <a:schemeClr val="accent1"/>
-          </a:effectRef>
-          <a:fontRef idx="minor">
-            <a:schemeClr val="tx1"/>
-          </a:fontRef>
-        </p:style>
-      </p:cxnSp>
-      <p:cxnSp>
-        <p:nvCxnSpPr>
-          <p:cNvPr id="29" name="Gerade Verbindung mit Pfeil 28">
-            <a:extLst>
-              <a:ext uri="{FF2B5EF4-FFF2-40B4-BE49-F238E27FC236}">
-                <a16:creationId xmlns:a16="http://schemas.microsoft.com/office/drawing/2014/main" id="{541153BC-3271-4125-8531-B1126261CEA5}"/>
-              </a:ext>
-            </a:extLst>
-          </p:cNvPr>
-          <p:cNvCxnSpPr>
-            <a:stCxn id="11" idx="3"/>
-            <a:endCxn id="13" idx="1"/>
-          </p:cNvCxnSpPr>
-          <p:nvPr/>
-        </p:nvCxnSpPr>
-        <p:spPr>
-          <a:xfrm>
-            <a:off x="5033136" y="3158412"/>
-            <a:ext cx="330925" cy="0"/>
-          </a:xfrm>
-          <a:prstGeom prst="straightConnector1">
-            <a:avLst/>
-          </a:prstGeom>
-          <a:ln>
-            <a:tailEnd type="triangle"/>
-          </a:ln>
-        </p:spPr>
-        <p:style>
-          <a:lnRef idx="1">
-            <a:schemeClr val="accent1"/>
-          </a:lnRef>
-          <a:fillRef idx="0">
-            <a:schemeClr val="accent1"/>
-          </a:fillRef>
-          <a:effectRef idx="0">
-            <a:schemeClr val="accent1"/>
-          </a:effectRef>
-          <a:fontRef idx="minor">
-            <a:schemeClr val="tx1"/>
-          </a:fontRef>
-        </p:style>
-      </p:cxnSp>
-      <p:cxnSp>
-        <p:nvCxnSpPr>
-          <p:cNvPr id="33" name="Verbinder: gewinkelt 32">
-            <a:extLst>
-              <a:ext uri="{FF2B5EF4-FFF2-40B4-BE49-F238E27FC236}">
-                <a16:creationId xmlns:a16="http://schemas.microsoft.com/office/drawing/2014/main" id="{F67B0C5F-0367-45A4-A569-91874D8F66BF}"/>
-              </a:ext>
-            </a:extLst>
-          </p:cNvPr>
-          <p:cNvCxnSpPr>
-            <a:cxnSpLocks/>
-            <a:stCxn id="13" idx="2"/>
-            <a:endCxn id="18" idx="1"/>
-          </p:cNvCxnSpPr>
-          <p:nvPr/>
-        </p:nvCxnSpPr>
-        <p:spPr>
-          <a:xfrm rot="5400000">
-            <a:off x="3322113" y="2170507"/>
-            <a:ext cx="1046880" cy="3871776"/>
-          </a:xfrm>
-          <a:prstGeom prst="bentConnector4">
-            <a:avLst>
-              <a:gd name="adj1" fmla="val 29723"/>
-              <a:gd name="adj2" fmla="val 105904"/>
-            </a:avLst>
-          </a:prstGeom>
-          <a:ln>
-            <a:tailEnd type="triangle"/>
-          </a:ln>
-        </p:spPr>
-        <p:style>
-          <a:lnRef idx="1">
-            <a:schemeClr val="accent1"/>
-          </a:lnRef>
-          <a:fillRef idx="0">
-            <a:schemeClr val="accent1"/>
-          </a:fillRef>
-          <a:effectRef idx="0">
-            <a:schemeClr val="accent1"/>
-          </a:effectRef>
-          <a:fontRef idx="minor">
-            <a:schemeClr val="tx1"/>
-          </a:fontRef>
-        </p:style>
-      </p:cxnSp>
-      <p:cxnSp>
-        <p:nvCxnSpPr>
-          <p:cNvPr id="37" name="Gerade Verbindung mit Pfeil 36">
-            <a:extLst>
-              <a:ext uri="{FF2B5EF4-FFF2-40B4-BE49-F238E27FC236}">
-                <a16:creationId xmlns:a16="http://schemas.microsoft.com/office/drawing/2014/main" id="{0911CA8E-4F68-4FE0-B97F-1AA00CAB9472}"/>
-              </a:ext>
-            </a:extLst>
-          </p:cNvPr>
-          <p:cNvCxnSpPr>
-            <a:stCxn id="18" idx="3"/>
-            <a:endCxn id="21" idx="1"/>
-          </p:cNvCxnSpPr>
-          <p:nvPr/>
-        </p:nvCxnSpPr>
-        <p:spPr>
-          <a:xfrm>
-            <a:off x="2744424" y="4629835"/>
-            <a:ext cx="294415" cy="0"/>
-          </a:xfrm>
-          <a:prstGeom prst="straightConnector1">
-            <a:avLst/>
-          </a:prstGeom>
-          <a:ln>
-            <a:tailEnd type="triangle"/>
-          </a:ln>
-        </p:spPr>
-        <p:style>
-          <a:lnRef idx="1">
-            <a:schemeClr val="accent1"/>
-          </a:lnRef>
-          <a:fillRef idx="0">
-            <a:schemeClr val="accent1"/>
-          </a:fillRef>
-          <a:effectRef idx="0">
-            <a:schemeClr val="accent1"/>
-          </a:effectRef>
-          <a:fontRef idx="minor">
-            <a:schemeClr val="tx1"/>
-          </a:fontRef>
-        </p:style>
-      </p:cxnSp>
-      <p:cxnSp>
-        <p:nvCxnSpPr>
-          <p:cNvPr id="39" name="Gerade Verbindung mit Pfeil 38">
-            <a:extLst>
-              <a:ext uri="{FF2B5EF4-FFF2-40B4-BE49-F238E27FC236}">
-                <a16:creationId xmlns:a16="http://schemas.microsoft.com/office/drawing/2014/main" id="{49482D0D-06D1-4D7F-B23E-3F800660975D}"/>
-              </a:ext>
-            </a:extLst>
-          </p:cNvPr>
-          <p:cNvCxnSpPr>
-            <a:cxnSpLocks/>
-            <a:stCxn id="21" idx="3"/>
-            <a:endCxn id="22" idx="1"/>
-          </p:cNvCxnSpPr>
-          <p:nvPr/>
-        </p:nvCxnSpPr>
-        <p:spPr>
-          <a:xfrm>
-            <a:off x="3873598" y="4629835"/>
-            <a:ext cx="302684" cy="0"/>
-          </a:xfrm>
-          <a:prstGeom prst="straightConnector1">
-            <a:avLst/>
-          </a:prstGeom>
-          <a:ln>
-            <a:tailEnd type="triangle"/>
-          </a:ln>
-        </p:spPr>
-        <p:style>
-          <a:lnRef idx="1">
-            <a:schemeClr val="accent1"/>
-          </a:lnRef>
-          <a:fillRef idx="0">
-            <a:schemeClr val="accent1"/>
-          </a:fillRef>
-          <a:effectRef idx="0">
-            <a:schemeClr val="accent1"/>
-          </a:effectRef>
-          <a:fontRef idx="minor">
-            <a:schemeClr val="tx1"/>
-          </a:fontRef>
-        </p:style>
-      </p:cxnSp>
-      <p:cxnSp>
-        <p:nvCxnSpPr>
-          <p:cNvPr id="41" name="Gerade Verbindung mit Pfeil 40">
-            <a:extLst>
-              <a:ext uri="{FF2B5EF4-FFF2-40B4-BE49-F238E27FC236}">
-                <a16:creationId xmlns:a16="http://schemas.microsoft.com/office/drawing/2014/main" id="{8293AEC5-CBA3-43A2-9BEC-16A19B08DB15}"/>
-              </a:ext>
-            </a:extLst>
-          </p:cNvPr>
-          <p:cNvCxnSpPr>
-            <a:stCxn id="22" idx="3"/>
-            <a:endCxn id="16" idx="1"/>
-          </p:cNvCxnSpPr>
-          <p:nvPr/>
-        </p:nvCxnSpPr>
-        <p:spPr>
-          <a:xfrm flipV="1">
-            <a:off x="5011041" y="4628280"/>
-            <a:ext cx="393395" cy="1555"/>
-          </a:xfrm>
-          <a:prstGeom prst="straightConnector1">
-            <a:avLst/>
-          </a:prstGeom>
-          <a:ln>
-            <a:tailEnd type="triangle"/>
-          </a:ln>
-        </p:spPr>
-        <p:style>
-          <a:lnRef idx="1">
-            <a:schemeClr val="accent1"/>
-          </a:lnRef>
-          <a:fillRef idx="0">
-            <a:schemeClr val="accent1"/>
-          </a:fillRef>
-          <a:effectRef idx="0">
-            <a:schemeClr val="accent1"/>
-          </a:effectRef>
-          <a:fontRef idx="minor">
-            <a:schemeClr val="tx1"/>
-          </a:fontRef>
-        </p:style>
-      </p:cxnSp>
-      <p:cxnSp>
-        <p:nvCxnSpPr>
-          <p:cNvPr id="44" name="Verbinder: gewinkelt 43">
-            <a:extLst>
-              <a:ext uri="{FF2B5EF4-FFF2-40B4-BE49-F238E27FC236}">
-                <a16:creationId xmlns:a16="http://schemas.microsoft.com/office/drawing/2014/main" id="{04093F6E-2DA9-42FF-8674-FADA36A296A1}"/>
-              </a:ext>
-            </a:extLst>
-          </p:cNvPr>
-          <p:cNvCxnSpPr>
-            <a:stCxn id="10" idx="0"/>
-            <a:endCxn id="12" idx="1"/>
-          </p:cNvCxnSpPr>
-          <p:nvPr/>
-        </p:nvCxnSpPr>
-        <p:spPr>
-          <a:xfrm rot="5400000" flipH="1" flipV="1">
-            <a:off x="3451310" y="1986802"/>
-            <a:ext cx="745830" cy="748304"/>
-          </a:xfrm>
-          <a:prstGeom prst="bentConnector2">
-            <a:avLst/>
-          </a:prstGeom>
-          <a:ln>
-            <a:headEnd type="triangle"/>
-            <a:tailEnd type="triangle"/>
-          </a:ln>
-        </p:spPr>
-        <p:style>
-          <a:lnRef idx="1">
-            <a:schemeClr val="accent1"/>
-          </a:lnRef>
-          <a:fillRef idx="0">
-            <a:schemeClr val="accent1"/>
-          </a:fillRef>
-          <a:effectRef idx="0">
-            <a:schemeClr val="accent1"/>
-          </a:effectRef>
-          <a:fontRef idx="minor">
-            <a:schemeClr val="tx1"/>
-          </a:fontRef>
-        </p:style>
-      </p:cxnSp>
-      <p:cxnSp>
-        <p:nvCxnSpPr>
-          <p:cNvPr id="46" name="Verbinder: gewinkelt 45">
-            <a:extLst>
-              <a:ext uri="{FF2B5EF4-FFF2-40B4-BE49-F238E27FC236}">
-                <a16:creationId xmlns:a16="http://schemas.microsoft.com/office/drawing/2014/main" id="{D3143B2A-51D1-4C72-868D-ACAF7C443F9A}"/>
-              </a:ext>
-            </a:extLst>
-          </p:cNvPr>
-          <p:cNvCxnSpPr>
-            <a:stCxn id="12" idx="3"/>
-            <a:endCxn id="13" idx="0"/>
-          </p:cNvCxnSpPr>
-          <p:nvPr/>
-        </p:nvCxnSpPr>
-        <p:spPr>
-          <a:xfrm>
-            <a:off x="5033136" y="1988039"/>
-            <a:ext cx="748305" cy="745830"/>
-          </a:xfrm>
-          <a:prstGeom prst="bentConnector2">
-            <a:avLst/>
-          </a:prstGeom>
-          <a:ln>
-            <a:headEnd type="triangle"/>
-            <a:tailEnd type="triangle"/>
-          </a:ln>
-        </p:spPr>
-        <p:style>
-          <a:lnRef idx="1">
-            <a:schemeClr val="accent1"/>
-          </a:lnRef>
-          <a:fillRef idx="0">
-            <a:schemeClr val="accent1"/>
-          </a:fillRef>
-          <a:effectRef idx="0">
-            <a:schemeClr val="accent1"/>
-          </a:effectRef>
-          <a:fontRef idx="minor">
-            <a:schemeClr val="tx1"/>
-          </a:fontRef>
-        </p:style>
-      </p:cxnSp>
-    </p:spTree>
-    <p:extLst>
-      <p:ext uri="{BB962C8B-B14F-4D97-AF65-F5344CB8AC3E}">
-        <p14:creationId xmlns:p14="http://schemas.microsoft.com/office/powerpoint/2010/main" val="1658756434"/>
-      </p:ext>
-    </p:extLst>
-  </p:cSld>
-  <p:clrMapOvr>
-    <a:masterClrMapping/>
-  </p:clrMapOvr>
-</p:sld>
-</file>
-
-<file path=ppt/slides/slide3.xml><?xml version="1.0" encoding="utf-8"?>
-<p:sld xmlns:a="http://schemas.openxmlformats.org/drawingml/2006/main" xmlns:r="http://schemas.openxmlformats.org/officeDocument/2006/relationships" xmlns:p="http://schemas.openxmlformats.org/presentationml/2006/main">
-  <p:cSld>
-    <p:spTree>
-      <p:nvGrpSpPr>
-        <p:cNvPr id="1" name=""/>
-        <p:cNvGrpSpPr/>
-        <p:nvPr/>
-      </p:nvGrpSpPr>
-      <p:grpSpPr>
-        <a:xfrm>
-          <a:off x="0" y="0"/>
-          <a:ext cx="0" cy="0"/>
-          <a:chOff x="0" y="0"/>
-          <a:chExt cx="0" cy="0"/>
-        </a:xfrm>
-      </p:grpSpPr>
-      <p:sp>
-        <p:nvSpPr>
           <p:cNvPr id="2" name="Titel 1">
             <a:extLst>
               <a:ext uri="{FF2B5EF4-FFF2-40B4-BE49-F238E27FC236}">
@@ -6732,7 +5691,7 @@
 </p:sld>
 </file>
 
-<file path=ppt/slides/slide4.xml><?xml version="1.0" encoding="utf-8"?>
+<file path=ppt/slides/slide3.xml><?xml version="1.0" encoding="utf-8"?>
 <p:sld xmlns:a="http://schemas.openxmlformats.org/drawingml/2006/main" xmlns:r="http://schemas.openxmlformats.org/officeDocument/2006/relationships" xmlns:p="http://schemas.openxmlformats.org/presentationml/2006/main">
   <p:cSld>
     <p:spTree>
@@ -8341,7 +7300,7 @@
 </p:sld>
 </file>
 
-<file path=ppt/slides/slide5.xml><?xml version="1.0" encoding="utf-8"?>
+<file path=ppt/slides/slide4.xml><?xml version="1.0" encoding="utf-8"?>
 <p:sld xmlns:a="http://schemas.openxmlformats.org/drawingml/2006/main" xmlns:r="http://schemas.openxmlformats.org/officeDocument/2006/relationships" xmlns:p="http://schemas.openxmlformats.org/presentationml/2006/main">
   <p:cSld>
     <p:spTree>
@@ -9849,7 +8808,7 @@
 </p:sld>
 </file>
 
-<file path=ppt/slides/slide6.xml><?xml version="1.0" encoding="utf-8"?>
+<file path=ppt/slides/slide5.xml><?xml version="1.0" encoding="utf-8"?>
 <p:sld xmlns:a="http://schemas.openxmlformats.org/drawingml/2006/main" xmlns:r="http://schemas.openxmlformats.org/officeDocument/2006/relationships" xmlns:p="http://schemas.openxmlformats.org/presentationml/2006/main">
   <p:cSld>
     <p:spTree>
@@ -10188,6 +9147,114 @@
           </a:prstGeom>
         </p:spPr>
       </p:pic>
+      <p:sp>
+        <p:nvSpPr>
+          <p:cNvPr id="24" name="Rechteck 23">
+            <a:extLst>
+              <a:ext uri="{FF2B5EF4-FFF2-40B4-BE49-F238E27FC236}">
+                <a16:creationId xmlns:a16="http://schemas.microsoft.com/office/drawing/2014/main" id="{06C510A8-9204-4906-AB49-5F0999721C75}"/>
+              </a:ext>
+            </a:extLst>
+          </p:cNvPr>
+          <p:cNvSpPr/>
+          <p:nvPr/>
+        </p:nvSpPr>
+        <p:spPr>
+          <a:xfrm>
+            <a:off x="835058" y="1823031"/>
+            <a:ext cx="445102" cy="452809"/>
+          </a:xfrm>
+          <a:prstGeom prst="rect">
+            <a:avLst/>
+          </a:prstGeom>
+          <a:noFill/>
+          <a:ln w="76200">
+            <a:solidFill>
+              <a:schemeClr val="bg2">
+                <a:lumMod val="75000"/>
+              </a:schemeClr>
+            </a:solidFill>
+          </a:ln>
+        </p:spPr>
+        <p:style>
+          <a:lnRef idx="2">
+            <a:schemeClr val="accent1">
+              <a:shade val="50000"/>
+            </a:schemeClr>
+          </a:lnRef>
+          <a:fillRef idx="1">
+            <a:schemeClr val="accent1"/>
+          </a:fillRef>
+          <a:effectRef idx="0">
+            <a:schemeClr val="accent1"/>
+          </a:effectRef>
+          <a:fontRef idx="minor">
+            <a:schemeClr val="lt1"/>
+          </a:fontRef>
+        </p:style>
+        <p:txBody>
+          <a:bodyPr rtlCol="0" anchor="ctr"/>
+          <a:lstStyle/>
+          <a:p>
+            <a:pPr algn="ctr"/>
+            <a:endParaRPr lang="de-DE"/>
+          </a:p>
+        </p:txBody>
+      </p:sp>
+      <p:sp>
+        <p:nvSpPr>
+          <p:cNvPr id="25" name="Rechteck 24">
+            <a:extLst>
+              <a:ext uri="{FF2B5EF4-FFF2-40B4-BE49-F238E27FC236}">
+                <a16:creationId xmlns:a16="http://schemas.microsoft.com/office/drawing/2014/main" id="{F1D0CBCC-A196-444C-8B1E-5E48D462EDB6}"/>
+              </a:ext>
+            </a:extLst>
+          </p:cNvPr>
+          <p:cNvSpPr/>
+          <p:nvPr/>
+        </p:nvSpPr>
+        <p:spPr>
+          <a:xfrm>
+            <a:off x="1604500" y="1823031"/>
+            <a:ext cx="426601" cy="452809"/>
+          </a:xfrm>
+          <a:prstGeom prst="rect">
+            <a:avLst/>
+          </a:prstGeom>
+          <a:noFill/>
+          <a:ln w="76200">
+            <a:solidFill>
+              <a:schemeClr val="bg2">
+                <a:lumMod val="75000"/>
+              </a:schemeClr>
+            </a:solidFill>
+          </a:ln>
+        </p:spPr>
+        <p:style>
+          <a:lnRef idx="2">
+            <a:schemeClr val="accent1">
+              <a:shade val="50000"/>
+            </a:schemeClr>
+          </a:lnRef>
+          <a:fillRef idx="1">
+            <a:schemeClr val="accent1"/>
+          </a:fillRef>
+          <a:effectRef idx="0">
+            <a:schemeClr val="accent1"/>
+          </a:effectRef>
+          <a:fontRef idx="minor">
+            <a:schemeClr val="lt1"/>
+          </a:fontRef>
+        </p:style>
+        <p:txBody>
+          <a:bodyPr rtlCol="0" anchor="ctr"/>
+          <a:lstStyle/>
+          <a:p>
+            <a:pPr algn="ctr"/>
+            <a:endParaRPr lang="de-DE"/>
+          </a:p>
+        </p:txBody>
+      </p:sp>
       <p:graphicFrame>
         <p:nvGraphicFramePr>
           <p:cNvPr id="22" name="Tabelle 22">
@@ -10203,7 +9270,7 @@
           <p:nvPr>
             <p:extLst>
               <p:ext uri="{D42A27DB-BD31-4B8C-83A1-F6EECF244321}">
-                <p14:modId xmlns:p14="http://schemas.microsoft.com/office/powerpoint/2010/main" val="276312160"/>
+                <p14:modId xmlns:p14="http://schemas.microsoft.com/office/powerpoint/2010/main" val="929213937"/>
               </p:ext>
             </p:extLst>
           </p:nvPr>
@@ -10247,14 +9314,38 @@
                     <a:bodyPr/>
                     <a:lstStyle/>
                     <a:p>
-                      <a:pPr algn="ctr">
+                      <a:pPr marL="0" marR="0" lvl="0" indent="0" algn="ctr" defTabSz="914400" rtl="0" eaLnBrk="1" fontAlgn="auto" latinLnBrk="0" hangingPunct="1">
                         <a:lnSpc>
                           <a:spcPct val="100000"/>
                         </a:lnSpc>
+                        <a:spcBef>
+                          <a:spcPts val="0"/>
+                        </a:spcBef>
+                        <a:spcAft>
+                          <a:spcPts val="0"/>
+                        </a:spcAft>
+                        <a:buClrTx/>
+                        <a:buSzTx/>
+                        <a:buFontTx/>
+                        <a:buNone/>
+                        <a:tabLst/>
+                        <a:defRPr/>
                       </a:pPr>
-                      <a:endParaRPr lang="de-DE" sz="1400" b="0" dirty="0">
+                      <a:r>
+                        <a:rPr lang="de-DE" sz="1100" b="1" i="0" kern="1200" dirty="0">
+                          <a:solidFill>
+                            <a:sysClr val="windowText" lastClr="000000"/>
+                          </a:solidFill>
+                          <a:effectLst/>
+                          <a:latin typeface="+mn-lt"/>
+                          <a:ea typeface="+mn-ea"/>
+                          <a:cs typeface="+mn-cs"/>
+                        </a:rPr>
+                        <a:t>Ø(5+7)</a:t>
+                      </a:r>
+                      <a:endParaRPr lang="de-DE" sz="1000" b="0" dirty="0">
                         <a:solidFill>
-                          <a:schemeClr val="tx1"/>
+                          <a:sysClr val="windowText" lastClr="000000"/>
                         </a:solidFill>
                       </a:endParaRPr>
                     </a:p>
@@ -10307,11 +9398,14 @@
                           <a:spcPct val="100000"/>
                         </a:lnSpc>
                       </a:pPr>
-                      <a:endParaRPr lang="de-DE" sz="1400" b="0" dirty="0">
-                        <a:solidFill>
-                          <a:schemeClr val="tx1"/>
-                        </a:solidFill>
-                      </a:endParaRPr>
+                      <a:r>
+                        <a:rPr lang="de-DE" sz="1100" b="1" dirty="0">
+                          <a:solidFill>
+                            <a:schemeClr val="tx1"/>
+                          </a:solidFill>
+                        </a:rPr>
+                        <a:t>7</a:t>
+                      </a:r>
                     </a:p>
                   </a:txBody>
                   <a:tcPr marL="86564" marR="86564" marT="43280" marB="43280" anchor="ctr">
@@ -10380,9 +9474,21 @@
                         <a:tabLst/>
                         <a:defRPr/>
                       </a:pPr>
-                      <a:endParaRPr lang="de-DE" sz="1400" b="0" dirty="0">
+                      <a:r>
+                        <a:rPr lang="de-DE" sz="1100" b="1" i="0" kern="1200" dirty="0">
+                          <a:solidFill>
+                            <a:sysClr val="windowText" lastClr="000000"/>
+                          </a:solidFill>
+                          <a:effectLst/>
+                          <a:latin typeface="+mn-lt"/>
+                          <a:ea typeface="+mn-ea"/>
+                          <a:cs typeface="+mn-cs"/>
+                        </a:rPr>
+                        <a:t>Ø(7+9)</a:t>
+                      </a:r>
+                      <a:endParaRPr lang="de-DE" sz="1000" b="0" dirty="0">
                         <a:solidFill>
-                          <a:schemeClr val="tx1"/>
+                          <a:sysClr val="windowText" lastClr="000000"/>
                         </a:solidFill>
                       </a:endParaRPr>
                     </a:p>
@@ -10437,14 +9543,69 @@
                     <a:bodyPr/>
                     <a:lstStyle/>
                     <a:p>
-                      <a:pPr algn="ctr">
+                      <a:pPr marL="0" marR="0" lvl="0" indent="0" algn="ctr" defTabSz="914400" rtl="0" eaLnBrk="1" fontAlgn="auto" latinLnBrk="0" hangingPunct="1">
                         <a:lnSpc>
                           <a:spcPct val="100000"/>
                         </a:lnSpc>
+                        <a:spcBef>
+                          <a:spcPts val="0"/>
+                        </a:spcBef>
+                        <a:spcAft>
+                          <a:spcPts val="0"/>
+                        </a:spcAft>
+                        <a:buClrTx/>
+                        <a:buSzTx/>
+                        <a:buFontTx/>
+                        <a:buNone/>
+                        <a:tabLst/>
+                        <a:defRPr/>
                       </a:pPr>
-                      <a:endParaRPr lang="de-DE" sz="1400" b="0" dirty="0">
+                      <a:r>
+                        <a:rPr lang="de-DE" sz="1100" b="1" i="0" kern="1200" dirty="0">
+                          <a:solidFill>
+                            <a:sysClr val="windowText" lastClr="000000"/>
+                          </a:solidFill>
+                          <a:effectLst/>
+                          <a:latin typeface="+mn-lt"/>
+                          <a:ea typeface="+mn-ea"/>
+                          <a:cs typeface="+mn-cs"/>
+                        </a:rPr>
+                        <a:t>Ø(5+7+</a:t>
+                      </a:r>
+                    </a:p>
+                    <a:p>
+                      <a:pPr marL="0" marR="0" lvl="0" indent="0" algn="ctr" defTabSz="914400" rtl="0" eaLnBrk="1" fontAlgn="auto" latinLnBrk="0" hangingPunct="1">
+                        <a:lnSpc>
+                          <a:spcPct val="100000"/>
+                        </a:lnSpc>
+                        <a:spcBef>
+                          <a:spcPts val="0"/>
+                        </a:spcBef>
+                        <a:spcAft>
+                          <a:spcPts val="0"/>
+                        </a:spcAft>
+                        <a:buClrTx/>
+                        <a:buSzTx/>
+                        <a:buFontTx/>
+                        <a:buNone/>
+                        <a:tabLst/>
+                        <a:defRPr/>
+                      </a:pPr>
+                      <a:r>
+                        <a:rPr lang="de-DE" sz="1100" b="1" i="0" kern="1200" dirty="0">
+                          <a:solidFill>
+                            <a:sysClr val="windowText" lastClr="000000"/>
+                          </a:solidFill>
+                          <a:effectLst/>
+                          <a:latin typeface="+mn-lt"/>
+                          <a:ea typeface="+mn-ea"/>
+                          <a:cs typeface="+mn-cs"/>
+                        </a:rPr>
+                        <a:t>15+17)</a:t>
+                      </a:r>
+                      <a:endParaRPr lang="de-DE" sz="1000" b="0" dirty="0">
                         <a:solidFill>
-                          <a:schemeClr val="tx1"/>
+                          <a:sysClr val="windowText" lastClr="000000"/>
                         </a:solidFill>
                       </a:endParaRPr>
                     </a:p>
@@ -10503,7 +9664,19 @@
                           <a:spcPct val="100000"/>
                         </a:lnSpc>
                       </a:pPr>
-                      <a:endParaRPr lang="de-DE" sz="1400" b="0" dirty="0">
+                      <a:r>
+                        <a:rPr lang="de-DE" sz="1100" b="1" i="0" kern="1200" dirty="0">
+                          <a:solidFill>
+                            <a:sysClr val="windowText" lastClr="000000"/>
+                          </a:solidFill>
+                          <a:effectLst/>
+                          <a:latin typeface="+mn-lt"/>
+                          <a:ea typeface="+mn-ea"/>
+                          <a:cs typeface="+mn-cs"/>
+                        </a:rPr>
+                        <a:t>Ø(7+17)</a:t>
+                      </a:r>
+                      <a:endParaRPr lang="de-DE" sz="1100" b="0" dirty="0">
                         <a:solidFill>
                           <a:schemeClr val="tx1"/>
                         </a:solidFill>
@@ -10565,14 +9738,69 @@
                     <a:bodyPr/>
                     <a:lstStyle/>
                     <a:p>
-                      <a:pPr algn="ctr">
+                      <a:pPr marL="0" marR="0" lvl="0" indent="0" algn="ctr" defTabSz="914400" rtl="0" eaLnBrk="1" fontAlgn="auto" latinLnBrk="0" hangingPunct="1">
                         <a:lnSpc>
                           <a:spcPct val="100000"/>
                         </a:lnSpc>
+                        <a:spcBef>
+                          <a:spcPts val="0"/>
+                        </a:spcBef>
+                        <a:spcAft>
+                          <a:spcPts val="0"/>
+                        </a:spcAft>
+                        <a:buClrTx/>
+                        <a:buSzTx/>
+                        <a:buFontTx/>
+                        <a:buNone/>
+                        <a:tabLst/>
+                        <a:defRPr/>
                       </a:pPr>
-                      <a:endParaRPr lang="de-DE" sz="1400" b="0" dirty="0">
+                      <a:r>
+                        <a:rPr lang="de-DE" sz="1100" b="1" i="0" kern="1200" dirty="0">
+                          <a:solidFill>
+                            <a:sysClr val="windowText" lastClr="000000"/>
+                          </a:solidFill>
+                          <a:effectLst/>
+                          <a:latin typeface="+mn-lt"/>
+                          <a:ea typeface="+mn-ea"/>
+                          <a:cs typeface="+mn-cs"/>
+                        </a:rPr>
+                        <a:t>Ø(7+9+</a:t>
+                      </a:r>
+                    </a:p>
+                    <a:p>
+                      <a:pPr marL="0" marR="0" lvl="0" indent="0" algn="ctr" defTabSz="914400" rtl="0" eaLnBrk="1" fontAlgn="auto" latinLnBrk="0" hangingPunct="1">
+                        <a:lnSpc>
+                          <a:spcPct val="100000"/>
+                        </a:lnSpc>
+                        <a:spcBef>
+                          <a:spcPts val="0"/>
+                        </a:spcBef>
+                        <a:spcAft>
+                          <a:spcPts val="0"/>
+                        </a:spcAft>
+                        <a:buClrTx/>
+                        <a:buSzTx/>
+                        <a:buFontTx/>
+                        <a:buNone/>
+                        <a:tabLst/>
+                        <a:defRPr/>
+                      </a:pPr>
+                      <a:r>
+                        <a:rPr lang="de-DE" sz="1100" b="1" i="0" kern="1200" dirty="0">
+                          <a:solidFill>
+                            <a:sysClr val="windowText" lastClr="000000"/>
+                          </a:solidFill>
+                          <a:effectLst/>
+                          <a:latin typeface="+mn-lt"/>
+                          <a:ea typeface="+mn-ea"/>
+                          <a:cs typeface="+mn-cs"/>
+                        </a:rPr>
+                        <a:t>17+19)</a:t>
+                      </a:r>
+                      <a:endParaRPr lang="de-DE" sz="1000" b="0" dirty="0">
                         <a:solidFill>
-                          <a:schemeClr val="tx1"/>
+                          <a:sysClr val="windowText" lastClr="000000"/>
                         </a:solidFill>
                       </a:endParaRPr>
                     </a:p>
@@ -10633,14 +9861,38 @@
                     <a:bodyPr/>
                     <a:lstStyle/>
                     <a:p>
-                      <a:pPr algn="ctr">
+                      <a:pPr marL="0" marR="0" lvl="0" indent="0" algn="ctr" defTabSz="914400" rtl="0" eaLnBrk="1" fontAlgn="auto" latinLnBrk="0" hangingPunct="1">
                         <a:lnSpc>
                           <a:spcPct val="100000"/>
                         </a:lnSpc>
+                        <a:spcBef>
+                          <a:spcPts val="0"/>
+                        </a:spcBef>
+                        <a:spcAft>
+                          <a:spcPts val="0"/>
+                        </a:spcAft>
+                        <a:buClrTx/>
+                        <a:buSzTx/>
+                        <a:buFontTx/>
+                        <a:buNone/>
+                        <a:tabLst/>
+                        <a:defRPr/>
                       </a:pPr>
-                      <a:endParaRPr lang="de-DE" sz="1400" b="0">
+                      <a:r>
+                        <a:rPr lang="de-DE" sz="1100" b="1" i="0" kern="1200" dirty="0">
+                          <a:solidFill>
+                            <a:sysClr val="windowText" lastClr="000000"/>
+                          </a:solidFill>
+                          <a:effectLst/>
+                          <a:latin typeface="+mn-lt"/>
+                          <a:ea typeface="+mn-ea"/>
+                          <a:cs typeface="+mn-cs"/>
+                        </a:rPr>
+                        <a:t>Ø(15+17)</a:t>
+                      </a:r>
+                      <a:endParaRPr lang="de-DE" sz="1000" b="0" dirty="0">
                         <a:solidFill>
-                          <a:schemeClr val="tx1"/>
+                          <a:sysClr val="windowText" lastClr="000000"/>
                         </a:solidFill>
                       </a:endParaRPr>
                     </a:p>
@@ -10693,7 +9945,19 @@
                           <a:spcPct val="100000"/>
                         </a:lnSpc>
                       </a:pPr>
-                      <a:endParaRPr lang="de-DE" sz="1400" b="0" dirty="0">
+                      <a:r>
+                        <a:rPr lang="de-DE" sz="1100" b="1" i="0" kern="1200" dirty="0">
+                          <a:solidFill>
+                            <a:sysClr val="windowText" lastClr="000000"/>
+                          </a:solidFill>
+                          <a:effectLst/>
+                          <a:latin typeface="+mn-lt"/>
+                          <a:ea typeface="+mn-ea"/>
+                          <a:cs typeface="+mn-cs"/>
+                        </a:rPr>
+                        <a:t>17</a:t>
+                      </a:r>
+                      <a:endParaRPr lang="de-DE" sz="1100" b="0" dirty="0">
                         <a:solidFill>
                           <a:schemeClr val="tx1"/>
                         </a:solidFill>
@@ -10749,14 +10013,38 @@
                     <a:bodyPr/>
                     <a:lstStyle/>
                     <a:p>
-                      <a:pPr algn="ctr">
+                      <a:pPr marL="0" marR="0" lvl="0" indent="0" algn="ctr" defTabSz="914400" rtl="0" eaLnBrk="1" fontAlgn="auto" latinLnBrk="0" hangingPunct="1">
                         <a:lnSpc>
                           <a:spcPct val="100000"/>
                         </a:lnSpc>
+                        <a:spcBef>
+                          <a:spcPts val="0"/>
+                        </a:spcBef>
+                        <a:spcAft>
+                          <a:spcPts val="0"/>
+                        </a:spcAft>
+                        <a:buClrTx/>
+                        <a:buSzTx/>
+                        <a:buFontTx/>
+                        <a:buNone/>
+                        <a:tabLst/>
+                        <a:defRPr/>
                       </a:pPr>
-                      <a:endParaRPr lang="de-DE" sz="1400" b="0" dirty="0">
+                      <a:r>
+                        <a:rPr lang="de-DE" sz="1100" b="1" i="0" kern="1200" dirty="0">
+                          <a:solidFill>
+                            <a:sysClr val="windowText" lastClr="000000"/>
+                          </a:solidFill>
+                          <a:effectLst/>
+                          <a:latin typeface="+mn-lt"/>
+                          <a:ea typeface="+mn-ea"/>
+                          <a:cs typeface="+mn-cs"/>
+                        </a:rPr>
+                        <a:t>Ø(17+19)</a:t>
+                      </a:r>
+                      <a:endParaRPr lang="de-DE" sz="1000" b="0" dirty="0">
                         <a:solidFill>
-                          <a:schemeClr val="tx1"/>
+                          <a:sysClr val="windowText" lastClr="000000"/>
                         </a:solidFill>
                       </a:endParaRPr>
                     </a:p>
@@ -10811,10 +10099,10 @@
       </p:graphicFrame>
       <p:sp>
         <p:nvSpPr>
-          <p:cNvPr id="24" name="Rechteck 23">
-            <a:extLst>
-              <a:ext uri="{FF2B5EF4-FFF2-40B4-BE49-F238E27FC236}">
-                <a16:creationId xmlns:a16="http://schemas.microsoft.com/office/drawing/2014/main" id="{06C510A8-9204-4906-AB49-5F0999721C75}"/>
+          <p:cNvPr id="44" name="Rechteck 43">
+            <a:extLst>
+              <a:ext uri="{FF2B5EF4-FFF2-40B4-BE49-F238E27FC236}">
+                <a16:creationId xmlns:a16="http://schemas.microsoft.com/office/drawing/2014/main" id="{1A0E50B8-FFE0-43BE-B9AB-169AD7380B43}"/>
               </a:ext>
             </a:extLst>
           </p:cNvPr>
@@ -10823,7 +10111,7 @@
         </p:nvSpPr>
         <p:spPr>
           <a:xfrm>
-            <a:off x="835058" y="1823031"/>
+            <a:off x="3875690" y="1823031"/>
             <a:ext cx="445102" cy="452809"/>
           </a:xfrm>
           <a:prstGeom prst="rect">
@@ -10832,9 +10120,8 @@
           <a:noFill/>
           <a:ln w="76200">
             <a:solidFill>
-              <a:schemeClr val="tx1">
-                <a:lumMod val="65000"/>
-                <a:lumOff val="35000"/>
+              <a:schemeClr val="bg2">
+                <a:lumMod val="90000"/>
               </a:schemeClr>
             </a:solidFill>
           </a:ln>
@@ -10864,12 +10151,58 @@
           </a:p>
         </p:txBody>
       </p:sp>
+      <p:cxnSp>
+        <p:nvCxnSpPr>
+          <p:cNvPr id="45" name="Gerade Verbindung mit Pfeil 44">
+            <a:extLst>
+              <a:ext uri="{FF2B5EF4-FFF2-40B4-BE49-F238E27FC236}">
+                <a16:creationId xmlns:a16="http://schemas.microsoft.com/office/drawing/2014/main" id="{A115ED3E-95BA-427C-BC6A-89B8D31C80A0}"/>
+              </a:ext>
+            </a:extLst>
+          </p:cNvPr>
+          <p:cNvCxnSpPr>
+            <a:cxnSpLocks/>
+          </p:cNvCxnSpPr>
+          <p:nvPr/>
+        </p:nvCxnSpPr>
+        <p:spPr>
+          <a:xfrm>
+            <a:off x="4320792" y="1853336"/>
+            <a:ext cx="5043167" cy="612973"/>
+          </a:xfrm>
+          <a:prstGeom prst="straightConnector1">
+            <a:avLst/>
+          </a:prstGeom>
+          <a:ln w="19050">
+            <a:solidFill>
+              <a:schemeClr val="bg2">
+                <a:lumMod val="90000"/>
+              </a:schemeClr>
+            </a:solidFill>
+            <a:tailEnd type="triangle"/>
+          </a:ln>
+        </p:spPr>
+        <p:style>
+          <a:lnRef idx="1">
+            <a:schemeClr val="accent1"/>
+          </a:lnRef>
+          <a:fillRef idx="0">
+            <a:schemeClr val="accent1"/>
+          </a:fillRef>
+          <a:effectRef idx="0">
+            <a:schemeClr val="accent1"/>
+          </a:effectRef>
+          <a:fontRef idx="minor">
+            <a:schemeClr val="tx1"/>
+          </a:fontRef>
+        </p:style>
+      </p:cxnSp>
       <p:sp>
         <p:nvSpPr>
-          <p:cNvPr id="25" name="Rechteck 24">
-            <a:extLst>
-              <a:ext uri="{FF2B5EF4-FFF2-40B4-BE49-F238E27FC236}">
-                <a16:creationId xmlns:a16="http://schemas.microsoft.com/office/drawing/2014/main" id="{F1D0CBCC-A196-444C-8B1E-5E48D462EDB6}"/>
+          <p:cNvPr id="47" name="Rechteck 46">
+            <a:extLst>
+              <a:ext uri="{FF2B5EF4-FFF2-40B4-BE49-F238E27FC236}">
+                <a16:creationId xmlns:a16="http://schemas.microsoft.com/office/drawing/2014/main" id="{42B9BFB6-C22D-423C-9E4B-1724FEB02B57}"/>
               </a:ext>
             </a:extLst>
           </p:cNvPr>
@@ -10878,8 +10211,8 @@
         </p:nvSpPr>
         <p:spPr>
           <a:xfrm>
-            <a:off x="1604500" y="1823031"/>
-            <a:ext cx="426601" cy="452809"/>
+            <a:off x="4668155" y="1823031"/>
+            <a:ext cx="445102" cy="452809"/>
           </a:xfrm>
           <a:prstGeom prst="rect">
             <a:avLst/>
@@ -10887,9 +10220,8 @@
           <a:noFill/>
           <a:ln w="76200">
             <a:solidFill>
-              <a:schemeClr val="tx1">
-                <a:lumMod val="65000"/>
-                <a:lumOff val="35000"/>
+              <a:schemeClr val="bg2">
+                <a:lumMod val="90000"/>
               </a:schemeClr>
             </a:solidFill>
           </a:ln>
@@ -10921,58 +10253,10 @@
       </p:sp>
       <p:cxnSp>
         <p:nvCxnSpPr>
-          <p:cNvPr id="27" name="Gerade Verbindung mit Pfeil 26">
-            <a:extLst>
-              <a:ext uri="{FF2B5EF4-FFF2-40B4-BE49-F238E27FC236}">
-                <a16:creationId xmlns:a16="http://schemas.microsoft.com/office/drawing/2014/main" id="{755B2A1D-5EB9-499F-8866-EE50EDF2628F}"/>
-              </a:ext>
-            </a:extLst>
-          </p:cNvPr>
-          <p:cNvCxnSpPr>
-            <a:cxnSpLocks/>
-            <a:stCxn id="24" idx="2"/>
-          </p:cNvCxnSpPr>
-          <p:nvPr/>
-        </p:nvCxnSpPr>
-        <p:spPr>
-          <a:xfrm>
-            <a:off x="1057609" y="2275840"/>
-            <a:ext cx="6890051" cy="657838"/>
-          </a:xfrm>
-          <a:prstGeom prst="straightConnector1">
-            <a:avLst/>
-          </a:prstGeom>
-          <a:ln w="19050">
-            <a:solidFill>
-              <a:schemeClr val="tx1">
-                <a:lumMod val="65000"/>
-                <a:lumOff val="35000"/>
-              </a:schemeClr>
-            </a:solidFill>
-            <a:tailEnd type="triangle"/>
-          </a:ln>
-        </p:spPr>
-        <p:style>
-          <a:lnRef idx="1">
-            <a:schemeClr val="accent1"/>
-          </a:lnRef>
-          <a:fillRef idx="0">
-            <a:schemeClr val="accent1"/>
-          </a:fillRef>
-          <a:effectRef idx="0">
-            <a:schemeClr val="accent1"/>
-          </a:effectRef>
-          <a:fontRef idx="minor">
-            <a:schemeClr val="tx1"/>
-          </a:fontRef>
-        </p:style>
-      </p:cxnSp>
-      <p:cxnSp>
-        <p:nvCxnSpPr>
-          <p:cNvPr id="29" name="Gerade Verbindung mit Pfeil 28">
-            <a:extLst>
-              <a:ext uri="{FF2B5EF4-FFF2-40B4-BE49-F238E27FC236}">
-                <a16:creationId xmlns:a16="http://schemas.microsoft.com/office/drawing/2014/main" id="{AFF76F40-1F27-43D5-A034-57FEE62338EF}"/>
+          <p:cNvPr id="48" name="Gerade Verbindung mit Pfeil 47">
+            <a:extLst>
+              <a:ext uri="{FF2B5EF4-FFF2-40B4-BE49-F238E27FC236}">
+                <a16:creationId xmlns:a16="http://schemas.microsoft.com/office/drawing/2014/main" id="{BC3C50A2-3716-4A31-A032-DFD7B648BD0F}"/>
               </a:ext>
             </a:extLst>
           </p:cNvPr>
@@ -10983,17 +10267,16 @@
         </p:nvCxnSpPr>
         <p:spPr>
           <a:xfrm>
-            <a:off x="2065729" y="2227819"/>
-            <a:ext cx="5881931" cy="684642"/>
+            <a:off x="5144617" y="1853336"/>
+            <a:ext cx="4219342" cy="612973"/>
           </a:xfrm>
           <a:prstGeom prst="straightConnector1">
             <a:avLst/>
           </a:prstGeom>
           <a:ln w="19050">
             <a:solidFill>
-              <a:schemeClr val="tx1">
-                <a:lumMod val="65000"/>
-                <a:lumOff val="35000"/>
+              <a:schemeClr val="bg2">
+                <a:lumMod val="90000"/>
               </a:schemeClr>
             </a:solidFill>
             <a:tailEnd type="triangle"/>
@@ -11016,6 +10299,41 @@
       </p:cxnSp>
       <p:sp>
         <p:nvSpPr>
+          <p:cNvPr id="57" name="Textfeld 56">
+            <a:extLst>
+              <a:ext uri="{FF2B5EF4-FFF2-40B4-BE49-F238E27FC236}">
+                <a16:creationId xmlns:a16="http://schemas.microsoft.com/office/drawing/2014/main" id="{60ABD989-7036-4059-BFB4-829B7BFF07A0}"/>
+              </a:ext>
+            </a:extLst>
+          </p:cNvPr>
+          <p:cNvSpPr txBox="1"/>
+          <p:nvPr/>
+        </p:nvSpPr>
+        <p:spPr>
+          <a:xfrm>
+            <a:off x="7738833" y="4570959"/>
+            <a:ext cx="1789849" cy="369332"/>
+          </a:xfrm>
+          <a:prstGeom prst="rect">
+            <a:avLst/>
+          </a:prstGeom>
+          <a:noFill/>
+        </p:spPr>
+        <p:txBody>
+          <a:bodyPr wrap="none" rtlCol="0">
+            <a:spAutoFit/>
+          </a:bodyPr>
+          <a:lstStyle/>
+          <a:p>
+            <a:r>
+              <a:rPr lang="de-DE" dirty="0"/>
+              <a:t>R Kanal, 3x3 Byte</a:t>
+            </a:r>
+          </a:p>
+        </p:txBody>
+      </p:sp>
+      <p:sp>
+        <p:nvSpPr>
           <p:cNvPr id="34" name="Rechteck 33">
             <a:extLst>
               <a:ext uri="{FF2B5EF4-FFF2-40B4-BE49-F238E27FC236}">
@@ -11037,9 +10355,8 @@
           <a:noFill/>
           <a:ln w="76200">
             <a:solidFill>
-              <a:schemeClr val="tx1">
-                <a:lumMod val="65000"/>
-                <a:lumOff val="35000"/>
+              <a:schemeClr val="bg2">
+                <a:lumMod val="25000"/>
               </a:schemeClr>
             </a:solidFill>
           </a:ln>
@@ -11087,16 +10404,252 @@
         <p:spPr>
           <a:xfrm>
             <a:off x="3185053" y="2027386"/>
-            <a:ext cx="5448705" cy="738336"/>
+            <a:ext cx="5448705" cy="542754"/>
           </a:xfrm>
           <a:prstGeom prst="straightConnector1">
             <a:avLst/>
           </a:prstGeom>
           <a:ln w="19050">
             <a:solidFill>
-              <a:schemeClr val="tx1">
-                <a:lumMod val="65000"/>
-                <a:lumOff val="35000"/>
+              <a:schemeClr val="bg2">
+                <a:lumMod val="25000"/>
+              </a:schemeClr>
+            </a:solidFill>
+            <a:tailEnd type="triangle"/>
+          </a:ln>
+        </p:spPr>
+        <p:style>
+          <a:lnRef idx="1">
+            <a:schemeClr val="accent1"/>
+          </a:lnRef>
+          <a:fillRef idx="0">
+            <a:schemeClr val="accent1"/>
+          </a:fillRef>
+          <a:effectRef idx="0">
+            <a:schemeClr val="accent1"/>
+          </a:effectRef>
+          <a:fontRef idx="minor">
+            <a:schemeClr val="tx1"/>
+          </a:fontRef>
+        </p:style>
+      </p:cxnSp>
+      <p:cxnSp>
+        <p:nvCxnSpPr>
+          <p:cNvPr id="59" name="Gerader Verbinder 58">
+            <a:extLst>
+              <a:ext uri="{FF2B5EF4-FFF2-40B4-BE49-F238E27FC236}">
+                <a16:creationId xmlns:a16="http://schemas.microsoft.com/office/drawing/2014/main" id="{EA3A49A4-303D-4108-81F6-935093B41CA7}"/>
+              </a:ext>
+            </a:extLst>
+          </p:cNvPr>
+          <p:cNvCxnSpPr/>
+          <p:nvPr/>
+        </p:nvCxnSpPr>
+        <p:spPr>
+          <a:xfrm>
+            <a:off x="9779746" y="2354178"/>
+            <a:ext cx="707011" cy="0"/>
+          </a:xfrm>
+          <a:prstGeom prst="line">
+            <a:avLst/>
+          </a:prstGeom>
+        </p:spPr>
+        <p:style>
+          <a:lnRef idx="1">
+            <a:schemeClr val="accent1"/>
+          </a:lnRef>
+          <a:fillRef idx="0">
+            <a:schemeClr val="accent1"/>
+          </a:fillRef>
+          <a:effectRef idx="0">
+            <a:schemeClr val="accent1"/>
+          </a:effectRef>
+          <a:fontRef idx="minor">
+            <a:schemeClr val="tx1"/>
+          </a:fontRef>
+        </p:style>
+      </p:cxnSp>
+      <p:cxnSp>
+        <p:nvCxnSpPr>
+          <p:cNvPr id="60" name="Gerader Verbinder 59">
+            <a:extLst>
+              <a:ext uri="{FF2B5EF4-FFF2-40B4-BE49-F238E27FC236}">
+                <a16:creationId xmlns:a16="http://schemas.microsoft.com/office/drawing/2014/main" id="{D6BA85E1-4B50-4AF3-909C-3C6E73D1343D}"/>
+              </a:ext>
+            </a:extLst>
+          </p:cNvPr>
+          <p:cNvCxnSpPr/>
+          <p:nvPr/>
+        </p:nvCxnSpPr>
+        <p:spPr>
+          <a:xfrm>
+            <a:off x="9779746" y="3049881"/>
+            <a:ext cx="707011" cy="0"/>
+          </a:xfrm>
+          <a:prstGeom prst="line">
+            <a:avLst/>
+          </a:prstGeom>
+        </p:spPr>
+        <p:style>
+          <a:lnRef idx="1">
+            <a:schemeClr val="accent1"/>
+          </a:lnRef>
+          <a:fillRef idx="0">
+            <a:schemeClr val="accent1"/>
+          </a:fillRef>
+          <a:effectRef idx="0">
+            <a:schemeClr val="accent1"/>
+          </a:effectRef>
+          <a:fontRef idx="minor">
+            <a:schemeClr val="tx1"/>
+          </a:fontRef>
+        </p:style>
+      </p:cxnSp>
+      <p:cxnSp>
+        <p:nvCxnSpPr>
+          <p:cNvPr id="61" name="Gerader Verbinder 60">
+            <a:extLst>
+              <a:ext uri="{FF2B5EF4-FFF2-40B4-BE49-F238E27FC236}">
+                <a16:creationId xmlns:a16="http://schemas.microsoft.com/office/drawing/2014/main" id="{418D9F6C-B51A-4916-8911-F124B14D951A}"/>
+              </a:ext>
+            </a:extLst>
+          </p:cNvPr>
+          <p:cNvCxnSpPr/>
+          <p:nvPr/>
+        </p:nvCxnSpPr>
+        <p:spPr>
+          <a:xfrm>
+            <a:off x="9779746" y="3786743"/>
+            <a:ext cx="707011" cy="0"/>
+          </a:xfrm>
+          <a:prstGeom prst="line">
+            <a:avLst/>
+          </a:prstGeom>
+        </p:spPr>
+        <p:style>
+          <a:lnRef idx="1">
+            <a:schemeClr val="accent1"/>
+          </a:lnRef>
+          <a:fillRef idx="0">
+            <a:schemeClr val="accent1"/>
+          </a:fillRef>
+          <a:effectRef idx="0">
+            <a:schemeClr val="accent1"/>
+          </a:effectRef>
+          <a:fontRef idx="minor">
+            <a:schemeClr val="tx1"/>
+          </a:fontRef>
+        </p:style>
+      </p:cxnSp>
+      <p:cxnSp>
+        <p:nvCxnSpPr>
+          <p:cNvPr id="62" name="Gerader Verbinder 61">
+            <a:extLst>
+              <a:ext uri="{FF2B5EF4-FFF2-40B4-BE49-F238E27FC236}">
+                <a16:creationId xmlns:a16="http://schemas.microsoft.com/office/drawing/2014/main" id="{AF743750-A5D8-40A3-8A60-8C9F8AF64348}"/>
+              </a:ext>
+            </a:extLst>
+          </p:cNvPr>
+          <p:cNvCxnSpPr/>
+          <p:nvPr/>
+        </p:nvCxnSpPr>
+        <p:spPr>
+          <a:xfrm>
+            <a:off x="9779746" y="4459034"/>
+            <a:ext cx="707011" cy="0"/>
+          </a:xfrm>
+          <a:prstGeom prst="line">
+            <a:avLst/>
+          </a:prstGeom>
+        </p:spPr>
+        <p:style>
+          <a:lnRef idx="1">
+            <a:schemeClr val="accent1"/>
+          </a:lnRef>
+          <a:fillRef idx="0">
+            <a:schemeClr val="accent1"/>
+          </a:fillRef>
+          <a:effectRef idx="0">
+            <a:schemeClr val="accent1"/>
+          </a:effectRef>
+          <a:fontRef idx="minor">
+            <a:schemeClr val="tx1"/>
+          </a:fontRef>
+        </p:style>
+      </p:cxnSp>
+      <p:cxnSp>
+        <p:nvCxnSpPr>
+          <p:cNvPr id="27" name="Gerade Verbindung mit Pfeil 26">
+            <a:extLst>
+              <a:ext uri="{FF2B5EF4-FFF2-40B4-BE49-F238E27FC236}">
+                <a16:creationId xmlns:a16="http://schemas.microsoft.com/office/drawing/2014/main" id="{755B2A1D-5EB9-499F-8866-EE50EDF2628F}"/>
+              </a:ext>
+            </a:extLst>
+          </p:cNvPr>
+          <p:cNvCxnSpPr>
+            <a:cxnSpLocks/>
+            <a:stCxn id="24" idx="2"/>
+          </p:cNvCxnSpPr>
+          <p:nvPr/>
+        </p:nvCxnSpPr>
+        <p:spPr>
+          <a:xfrm>
+            <a:off x="1057609" y="2275840"/>
+            <a:ext cx="6604591" cy="440441"/>
+          </a:xfrm>
+          <a:prstGeom prst="straightConnector1">
+            <a:avLst/>
+          </a:prstGeom>
+          <a:ln w="19050">
+            <a:solidFill>
+              <a:schemeClr val="bg2">
+                <a:lumMod val="75000"/>
+              </a:schemeClr>
+            </a:solidFill>
+            <a:tailEnd type="triangle"/>
+          </a:ln>
+        </p:spPr>
+        <p:style>
+          <a:lnRef idx="1">
+            <a:schemeClr val="accent1"/>
+          </a:lnRef>
+          <a:fillRef idx="0">
+            <a:schemeClr val="accent1"/>
+          </a:fillRef>
+          <a:effectRef idx="0">
+            <a:schemeClr val="accent1"/>
+          </a:effectRef>
+          <a:fontRef idx="minor">
+            <a:schemeClr val="tx1"/>
+          </a:fontRef>
+        </p:style>
+      </p:cxnSp>
+      <p:cxnSp>
+        <p:nvCxnSpPr>
+          <p:cNvPr id="29" name="Gerade Verbindung mit Pfeil 28">
+            <a:extLst>
+              <a:ext uri="{FF2B5EF4-FFF2-40B4-BE49-F238E27FC236}">
+                <a16:creationId xmlns:a16="http://schemas.microsoft.com/office/drawing/2014/main" id="{AFF76F40-1F27-43D5-A034-57FEE62338EF}"/>
+              </a:ext>
+            </a:extLst>
+          </p:cNvPr>
+          <p:cNvCxnSpPr>
+            <a:cxnSpLocks/>
+          </p:cNvCxnSpPr>
+          <p:nvPr/>
+        </p:nvCxnSpPr>
+        <p:spPr>
+          <a:xfrm>
+            <a:off x="2065729" y="2227819"/>
+            <a:ext cx="5596471" cy="479454"/>
+          </a:xfrm>
+          <a:prstGeom prst="straightConnector1">
+            <a:avLst/>
+          </a:prstGeom>
+          <a:ln w="19050">
+            <a:solidFill>
+              <a:schemeClr val="bg2">
+                <a:lumMod val="75000"/>
               </a:schemeClr>
             </a:solidFill>
             <a:tailEnd type="triangle"/>
@@ -11119,10 +10672,115 @@
       </p:cxnSp>
       <p:sp>
         <p:nvSpPr>
-          <p:cNvPr id="44" name="Rechteck 43">
-            <a:extLst>
-              <a:ext uri="{FF2B5EF4-FFF2-40B4-BE49-F238E27FC236}">
-                <a16:creationId xmlns:a16="http://schemas.microsoft.com/office/drawing/2014/main" id="{1A0E50B8-FFE0-43BE-B9AB-169AD7380B43}"/>
+          <p:cNvPr id="63" name="Textfeld 62">
+            <a:extLst>
+              <a:ext uri="{FF2B5EF4-FFF2-40B4-BE49-F238E27FC236}">
+                <a16:creationId xmlns:a16="http://schemas.microsoft.com/office/drawing/2014/main" id="{C252FD0D-7906-4AB5-9100-A25F113D1604}"/>
+              </a:ext>
+            </a:extLst>
+          </p:cNvPr>
+          <p:cNvSpPr txBox="1"/>
+          <p:nvPr/>
+        </p:nvSpPr>
+        <p:spPr>
+          <a:xfrm>
+            <a:off x="9889875" y="2570140"/>
+            <a:ext cx="453970" cy="338554"/>
+          </a:xfrm>
+          <a:prstGeom prst="rect">
+            <a:avLst/>
+          </a:prstGeom>
+          <a:noFill/>
+        </p:spPr>
+        <p:txBody>
+          <a:bodyPr wrap="none" rtlCol="0">
+            <a:spAutoFit/>
+          </a:bodyPr>
+          <a:lstStyle/>
+          <a:p>
+            <a:r>
+              <a:rPr lang="de-DE" sz="1600" dirty="0"/>
+              <a:t>Rl1</a:t>
+            </a:r>
+          </a:p>
+        </p:txBody>
+      </p:sp>
+      <p:sp>
+        <p:nvSpPr>
+          <p:cNvPr id="64" name="Textfeld 63">
+            <a:extLst>
+              <a:ext uri="{FF2B5EF4-FFF2-40B4-BE49-F238E27FC236}">
+                <a16:creationId xmlns:a16="http://schemas.microsoft.com/office/drawing/2014/main" id="{323B4705-718E-4C91-ABE8-90F66BB27A11}"/>
+              </a:ext>
+            </a:extLst>
+          </p:cNvPr>
+          <p:cNvSpPr txBox="1"/>
+          <p:nvPr/>
+        </p:nvSpPr>
+        <p:spPr>
+          <a:xfrm>
+            <a:off x="9906266" y="3249976"/>
+            <a:ext cx="447558" cy="338554"/>
+          </a:xfrm>
+          <a:prstGeom prst="rect">
+            <a:avLst/>
+          </a:prstGeom>
+          <a:noFill/>
+        </p:spPr>
+        <p:txBody>
+          <a:bodyPr wrap="none" rtlCol="0">
+            <a:spAutoFit/>
+          </a:bodyPr>
+          <a:lstStyle/>
+          <a:p>
+            <a:r>
+              <a:rPr lang="de-DE" sz="1600" dirty="0"/>
+              <a:t>Rl2</a:t>
+            </a:r>
+          </a:p>
+        </p:txBody>
+      </p:sp>
+      <p:sp>
+        <p:nvSpPr>
+          <p:cNvPr id="65" name="Textfeld 64">
+            <a:extLst>
+              <a:ext uri="{FF2B5EF4-FFF2-40B4-BE49-F238E27FC236}">
+                <a16:creationId xmlns:a16="http://schemas.microsoft.com/office/drawing/2014/main" id="{D2B75697-A71E-46C9-9277-9BD831C7966A}"/>
+              </a:ext>
+            </a:extLst>
+          </p:cNvPr>
+          <p:cNvSpPr txBox="1"/>
+          <p:nvPr/>
+        </p:nvSpPr>
+        <p:spPr>
+          <a:xfrm>
+            <a:off x="9896287" y="3995623"/>
+            <a:ext cx="447558" cy="338554"/>
+          </a:xfrm>
+          <a:prstGeom prst="rect">
+            <a:avLst/>
+          </a:prstGeom>
+          <a:noFill/>
+        </p:spPr>
+        <p:txBody>
+          <a:bodyPr wrap="none" rtlCol="0">
+            <a:spAutoFit/>
+          </a:bodyPr>
+          <a:lstStyle/>
+          <a:p>
+            <a:r>
+              <a:rPr lang="de-DE" sz="1600" dirty="0"/>
+              <a:t>Rl2</a:t>
+            </a:r>
+          </a:p>
+        </p:txBody>
+      </p:sp>
+      <p:sp>
+        <p:nvSpPr>
+          <p:cNvPr id="50" name="Pfeil: nach rechts 49">
+            <a:extLst>
+              <a:ext uri="{FF2B5EF4-FFF2-40B4-BE49-F238E27FC236}">
+                <a16:creationId xmlns:a16="http://schemas.microsoft.com/office/drawing/2014/main" id="{A24EB467-2965-46E4-AC2C-4B59469C1AD9}"/>
               </a:ext>
             </a:extLst>
           </p:cNvPr>
@@ -11131,21 +10789,12 @@
         </p:nvSpPr>
         <p:spPr>
           <a:xfrm>
-            <a:off x="3875690" y="1823031"/>
-            <a:ext cx="445102" cy="452809"/>
-          </a:xfrm>
-          <a:prstGeom prst="rect">
-            <a:avLst/>
-          </a:prstGeom>
-          <a:noFill/>
-          <a:ln w="76200">
-            <a:solidFill>
-              <a:schemeClr val="tx1">
-                <a:lumMod val="65000"/>
-                <a:lumOff val="35000"/>
-              </a:schemeClr>
-            </a:solidFill>
-          </a:ln>
+            <a:off x="5883854" y="3155058"/>
+            <a:ext cx="864679" cy="679816"/>
+          </a:xfrm>
+          <a:prstGeom prst="rightArrow">
+            <a:avLst/>
+          </a:prstGeom>
         </p:spPr>
         <p:style>
           <a:lnRef idx="2">
@@ -11172,171 +10821,22 @@
           </a:p>
         </p:txBody>
       </p:sp>
-      <p:cxnSp>
-        <p:nvCxnSpPr>
-          <p:cNvPr id="45" name="Gerade Verbindung mit Pfeil 44">
-            <a:extLst>
-              <a:ext uri="{FF2B5EF4-FFF2-40B4-BE49-F238E27FC236}">
-                <a16:creationId xmlns:a16="http://schemas.microsoft.com/office/drawing/2014/main" id="{A115ED3E-95BA-427C-BC6A-89B8D31C80A0}"/>
-              </a:ext>
-            </a:extLst>
-          </p:cNvPr>
-          <p:cNvCxnSpPr>
-            <a:cxnSpLocks/>
-          </p:cNvCxnSpPr>
-          <p:nvPr/>
-        </p:nvCxnSpPr>
-        <p:spPr>
-          <a:xfrm>
-            <a:off x="4327687" y="1960244"/>
-            <a:ext cx="5003603" cy="783949"/>
-          </a:xfrm>
-          <a:prstGeom prst="straightConnector1">
-            <a:avLst/>
-          </a:prstGeom>
-          <a:ln w="19050">
-            <a:solidFill>
-              <a:schemeClr val="tx1">
-                <a:lumMod val="65000"/>
-                <a:lumOff val="35000"/>
-              </a:schemeClr>
-            </a:solidFill>
-            <a:tailEnd type="triangle"/>
-          </a:ln>
-        </p:spPr>
-        <p:style>
-          <a:lnRef idx="1">
-            <a:schemeClr val="accent1"/>
-          </a:lnRef>
-          <a:fillRef idx="0">
-            <a:schemeClr val="accent1"/>
-          </a:fillRef>
-          <a:effectRef idx="0">
-            <a:schemeClr val="accent1"/>
-          </a:effectRef>
-          <a:fontRef idx="minor">
-            <a:schemeClr val="tx1"/>
-          </a:fontRef>
-        </p:style>
-      </p:cxnSp>
       <p:sp>
         <p:nvSpPr>
-          <p:cNvPr id="47" name="Rechteck 46">
-            <a:extLst>
-              <a:ext uri="{FF2B5EF4-FFF2-40B4-BE49-F238E27FC236}">
-                <a16:creationId xmlns:a16="http://schemas.microsoft.com/office/drawing/2014/main" id="{42B9BFB6-C22D-423C-9E4B-1724FEB02B57}"/>
-              </a:ext>
-            </a:extLst>
-          </p:cNvPr>
-          <p:cNvSpPr/>
+          <p:cNvPr id="38" name="Textfeld 37">
+            <a:extLst>
+              <a:ext uri="{FF2B5EF4-FFF2-40B4-BE49-F238E27FC236}">
+                <a16:creationId xmlns:a16="http://schemas.microsoft.com/office/drawing/2014/main" id="{0CCAB05E-74EC-4F1C-9FE4-F0A00D1D8B61}"/>
+              </a:ext>
+            </a:extLst>
+          </p:cNvPr>
+          <p:cNvSpPr txBox="1"/>
           <p:nvPr/>
         </p:nvSpPr>
         <p:spPr>
           <a:xfrm>
-            <a:off x="4668155" y="1823031"/>
-            <a:ext cx="445102" cy="452809"/>
-          </a:xfrm>
-          <a:prstGeom prst="rect">
-            <a:avLst/>
-          </a:prstGeom>
-          <a:noFill/>
-          <a:ln w="76200">
-            <a:solidFill>
-              <a:schemeClr val="tx1">
-                <a:lumMod val="65000"/>
-                <a:lumOff val="35000"/>
-              </a:schemeClr>
-            </a:solidFill>
-          </a:ln>
-        </p:spPr>
-        <p:style>
-          <a:lnRef idx="2">
-            <a:schemeClr val="accent1">
-              <a:shade val="50000"/>
-            </a:schemeClr>
-          </a:lnRef>
-          <a:fillRef idx="1">
-            <a:schemeClr val="accent1"/>
-          </a:fillRef>
-          <a:effectRef idx="0">
-            <a:schemeClr val="accent1"/>
-          </a:effectRef>
-          <a:fontRef idx="minor">
-            <a:schemeClr val="lt1"/>
-          </a:fontRef>
-        </p:style>
-        <p:txBody>
-          <a:bodyPr rtlCol="0" anchor="ctr"/>
-          <a:lstStyle/>
-          <a:p>
-            <a:pPr algn="ctr"/>
-            <a:endParaRPr lang="de-DE"/>
-          </a:p>
-        </p:txBody>
-      </p:sp>
-      <p:cxnSp>
-        <p:nvCxnSpPr>
-          <p:cNvPr id="48" name="Gerade Verbindung mit Pfeil 47">
-            <a:extLst>
-              <a:ext uri="{FF2B5EF4-FFF2-40B4-BE49-F238E27FC236}">
-                <a16:creationId xmlns:a16="http://schemas.microsoft.com/office/drawing/2014/main" id="{BC3C50A2-3716-4A31-A032-DFD7B648BD0F}"/>
-              </a:ext>
-            </a:extLst>
-          </p:cNvPr>
-          <p:cNvCxnSpPr>
-            <a:cxnSpLocks/>
-          </p:cNvCxnSpPr>
-          <p:nvPr/>
-        </p:nvCxnSpPr>
-        <p:spPr>
-          <a:xfrm>
-            <a:off x="5113257" y="1880647"/>
-            <a:ext cx="4224928" cy="827459"/>
-          </a:xfrm>
-          <a:prstGeom prst="straightConnector1">
-            <a:avLst/>
-          </a:prstGeom>
-          <a:ln w="19050">
-            <a:solidFill>
-              <a:schemeClr val="tx1">
-                <a:lumMod val="65000"/>
-                <a:lumOff val="35000"/>
-              </a:schemeClr>
-            </a:solidFill>
-            <a:tailEnd type="triangle"/>
-          </a:ln>
-        </p:spPr>
-        <p:style>
-          <a:lnRef idx="1">
-            <a:schemeClr val="accent1"/>
-          </a:lnRef>
-          <a:fillRef idx="0">
-            <a:schemeClr val="accent1"/>
-          </a:fillRef>
-          <a:effectRef idx="0">
-            <a:schemeClr val="accent1"/>
-          </a:effectRef>
-          <a:fontRef idx="minor">
-            <a:schemeClr val="tx1"/>
-          </a:fontRef>
-        </p:style>
-      </p:cxnSp>
-      <p:sp>
-        <p:nvSpPr>
-          <p:cNvPr id="57" name="Textfeld 56">
-            <a:extLst>
-              <a:ext uri="{FF2B5EF4-FFF2-40B4-BE49-F238E27FC236}">
-                <a16:creationId xmlns:a16="http://schemas.microsoft.com/office/drawing/2014/main" id="{60ABD989-7036-4059-BFB4-829B7BFF07A0}"/>
-              </a:ext>
-            </a:extLst>
-          </p:cNvPr>
-          <p:cNvSpPr txBox="1"/>
-          <p:nvPr/>
-        </p:nvSpPr>
-        <p:spPr>
-          <a:xfrm>
-            <a:off x="7662200" y="1950915"/>
-            <a:ext cx="1789849" cy="369332"/>
+            <a:off x="2230034" y="5519645"/>
+            <a:ext cx="1453539" cy="369332"/>
           </a:xfrm>
           <a:prstGeom prst="rect">
             <a:avLst/>
@@ -11351,256 +10851,7 @@
           <a:p>
             <a:r>
               <a:rPr lang="de-DE" dirty="0"/>
-              <a:t>R Kanal, 3x3 Byte</a:t>
-            </a:r>
-          </a:p>
-        </p:txBody>
-      </p:sp>
-      <p:cxnSp>
-        <p:nvCxnSpPr>
-          <p:cNvPr id="59" name="Gerader Verbinder 58">
-            <a:extLst>
-              <a:ext uri="{FF2B5EF4-FFF2-40B4-BE49-F238E27FC236}">
-                <a16:creationId xmlns:a16="http://schemas.microsoft.com/office/drawing/2014/main" id="{EA3A49A4-303D-4108-81F6-935093B41CA7}"/>
-              </a:ext>
-            </a:extLst>
-          </p:cNvPr>
-          <p:cNvCxnSpPr/>
-          <p:nvPr/>
-        </p:nvCxnSpPr>
-        <p:spPr>
-          <a:xfrm>
-            <a:off x="9779746" y="2354178"/>
-            <a:ext cx="707011" cy="0"/>
-          </a:xfrm>
-          <a:prstGeom prst="line">
-            <a:avLst/>
-          </a:prstGeom>
-        </p:spPr>
-        <p:style>
-          <a:lnRef idx="1">
-            <a:schemeClr val="accent1"/>
-          </a:lnRef>
-          <a:fillRef idx="0">
-            <a:schemeClr val="accent1"/>
-          </a:fillRef>
-          <a:effectRef idx="0">
-            <a:schemeClr val="accent1"/>
-          </a:effectRef>
-          <a:fontRef idx="minor">
-            <a:schemeClr val="tx1"/>
-          </a:fontRef>
-        </p:style>
-      </p:cxnSp>
-      <p:cxnSp>
-        <p:nvCxnSpPr>
-          <p:cNvPr id="60" name="Gerader Verbinder 59">
-            <a:extLst>
-              <a:ext uri="{FF2B5EF4-FFF2-40B4-BE49-F238E27FC236}">
-                <a16:creationId xmlns:a16="http://schemas.microsoft.com/office/drawing/2014/main" id="{D6BA85E1-4B50-4AF3-909C-3C6E73D1343D}"/>
-              </a:ext>
-            </a:extLst>
-          </p:cNvPr>
-          <p:cNvCxnSpPr/>
-          <p:nvPr/>
-        </p:nvCxnSpPr>
-        <p:spPr>
-          <a:xfrm>
-            <a:off x="9779746" y="3049881"/>
-            <a:ext cx="707011" cy="0"/>
-          </a:xfrm>
-          <a:prstGeom prst="line">
-            <a:avLst/>
-          </a:prstGeom>
-        </p:spPr>
-        <p:style>
-          <a:lnRef idx="1">
-            <a:schemeClr val="accent1"/>
-          </a:lnRef>
-          <a:fillRef idx="0">
-            <a:schemeClr val="accent1"/>
-          </a:fillRef>
-          <a:effectRef idx="0">
-            <a:schemeClr val="accent1"/>
-          </a:effectRef>
-          <a:fontRef idx="minor">
-            <a:schemeClr val="tx1"/>
-          </a:fontRef>
-        </p:style>
-      </p:cxnSp>
-      <p:cxnSp>
-        <p:nvCxnSpPr>
-          <p:cNvPr id="61" name="Gerader Verbinder 60">
-            <a:extLst>
-              <a:ext uri="{FF2B5EF4-FFF2-40B4-BE49-F238E27FC236}">
-                <a16:creationId xmlns:a16="http://schemas.microsoft.com/office/drawing/2014/main" id="{418D9F6C-B51A-4916-8911-F124B14D951A}"/>
-              </a:ext>
-            </a:extLst>
-          </p:cNvPr>
-          <p:cNvCxnSpPr/>
-          <p:nvPr/>
-        </p:nvCxnSpPr>
-        <p:spPr>
-          <a:xfrm>
-            <a:off x="9779746" y="3786743"/>
-            <a:ext cx="707011" cy="0"/>
-          </a:xfrm>
-          <a:prstGeom prst="line">
-            <a:avLst/>
-          </a:prstGeom>
-        </p:spPr>
-        <p:style>
-          <a:lnRef idx="1">
-            <a:schemeClr val="accent1"/>
-          </a:lnRef>
-          <a:fillRef idx="0">
-            <a:schemeClr val="accent1"/>
-          </a:fillRef>
-          <a:effectRef idx="0">
-            <a:schemeClr val="accent1"/>
-          </a:effectRef>
-          <a:fontRef idx="minor">
-            <a:schemeClr val="tx1"/>
-          </a:fontRef>
-        </p:style>
-      </p:cxnSp>
-      <p:cxnSp>
-        <p:nvCxnSpPr>
-          <p:cNvPr id="62" name="Gerader Verbinder 61">
-            <a:extLst>
-              <a:ext uri="{FF2B5EF4-FFF2-40B4-BE49-F238E27FC236}">
-                <a16:creationId xmlns:a16="http://schemas.microsoft.com/office/drawing/2014/main" id="{AF743750-A5D8-40A3-8A60-8C9F8AF64348}"/>
-              </a:ext>
-            </a:extLst>
-          </p:cNvPr>
-          <p:cNvCxnSpPr/>
-          <p:nvPr/>
-        </p:nvCxnSpPr>
-        <p:spPr>
-          <a:xfrm>
-            <a:off x="9779746" y="4459034"/>
-            <a:ext cx="707011" cy="0"/>
-          </a:xfrm>
-          <a:prstGeom prst="line">
-            <a:avLst/>
-          </a:prstGeom>
-        </p:spPr>
-        <p:style>
-          <a:lnRef idx="1">
-            <a:schemeClr val="accent1"/>
-          </a:lnRef>
-          <a:fillRef idx="0">
-            <a:schemeClr val="accent1"/>
-          </a:fillRef>
-          <a:effectRef idx="0">
-            <a:schemeClr val="accent1"/>
-          </a:effectRef>
-          <a:fontRef idx="minor">
-            <a:schemeClr val="tx1"/>
-          </a:fontRef>
-        </p:style>
-      </p:cxnSp>
-      <p:sp>
-        <p:nvSpPr>
-          <p:cNvPr id="63" name="Textfeld 62">
-            <a:extLst>
-              <a:ext uri="{FF2B5EF4-FFF2-40B4-BE49-F238E27FC236}">
-                <a16:creationId xmlns:a16="http://schemas.microsoft.com/office/drawing/2014/main" id="{C252FD0D-7906-4AB5-9100-A25F113D1604}"/>
-              </a:ext>
-            </a:extLst>
-          </p:cNvPr>
-          <p:cNvSpPr txBox="1"/>
-          <p:nvPr/>
-        </p:nvSpPr>
-        <p:spPr>
-          <a:xfrm>
-            <a:off x="9889875" y="2570140"/>
-            <a:ext cx="453970" cy="338554"/>
-          </a:xfrm>
-          <a:prstGeom prst="rect">
-            <a:avLst/>
-          </a:prstGeom>
-          <a:noFill/>
-        </p:spPr>
-        <p:txBody>
-          <a:bodyPr wrap="none" rtlCol="0">
-            <a:spAutoFit/>
-          </a:bodyPr>
-          <a:lstStyle/>
-          <a:p>
-            <a:r>
-              <a:rPr lang="de-DE" sz="1600" dirty="0"/>
-              <a:t>Rl1</a:t>
-            </a:r>
-          </a:p>
-        </p:txBody>
-      </p:sp>
-      <p:sp>
-        <p:nvSpPr>
-          <p:cNvPr id="64" name="Textfeld 63">
-            <a:extLst>
-              <a:ext uri="{FF2B5EF4-FFF2-40B4-BE49-F238E27FC236}">
-                <a16:creationId xmlns:a16="http://schemas.microsoft.com/office/drawing/2014/main" id="{323B4705-718E-4C91-ABE8-90F66BB27A11}"/>
-              </a:ext>
-            </a:extLst>
-          </p:cNvPr>
-          <p:cNvSpPr txBox="1"/>
-          <p:nvPr/>
-        </p:nvSpPr>
-        <p:spPr>
-          <a:xfrm>
-            <a:off x="9906266" y="3249976"/>
-            <a:ext cx="447558" cy="338554"/>
-          </a:xfrm>
-          <a:prstGeom prst="rect">
-            <a:avLst/>
-          </a:prstGeom>
-          <a:noFill/>
-        </p:spPr>
-        <p:txBody>
-          <a:bodyPr wrap="none" rtlCol="0">
-            <a:spAutoFit/>
-          </a:bodyPr>
-          <a:lstStyle/>
-          <a:p>
-            <a:r>
-              <a:rPr lang="de-DE" sz="1600" dirty="0"/>
-              <a:t>Rl2</a:t>
-            </a:r>
-          </a:p>
-        </p:txBody>
-      </p:sp>
-      <p:sp>
-        <p:nvSpPr>
-          <p:cNvPr id="65" name="Textfeld 64">
-            <a:extLst>
-              <a:ext uri="{FF2B5EF4-FFF2-40B4-BE49-F238E27FC236}">
-                <a16:creationId xmlns:a16="http://schemas.microsoft.com/office/drawing/2014/main" id="{D2B75697-A71E-46C9-9277-9BD831C7966A}"/>
-              </a:ext>
-            </a:extLst>
-          </p:cNvPr>
-          <p:cNvSpPr txBox="1"/>
-          <p:nvPr/>
-        </p:nvSpPr>
-        <p:spPr>
-          <a:xfrm>
-            <a:off x="9896287" y="3995623"/>
-            <a:ext cx="447558" cy="338554"/>
-          </a:xfrm>
-          <a:prstGeom prst="rect">
-            <a:avLst/>
-          </a:prstGeom>
-          <a:noFill/>
-        </p:spPr>
-        <p:txBody>
-          <a:bodyPr wrap="none" rtlCol="0">
-            <a:spAutoFit/>
-          </a:bodyPr>
-          <a:lstStyle/>
-          <a:p>
-            <a:r>
-              <a:rPr lang="de-DE" sz="1600" dirty="0"/>
-              <a:t>Rl2</a:t>
+              <a:t>Bayer Pattern</a:t>
             </a:r>
           </a:p>
         </p:txBody>
@@ -11618,7 +10869,7 @@
 </p:sld>
 </file>
 
-<file path=ppt/slides/slide7.xml><?xml version="1.0" encoding="utf-8"?>
+<file path=ppt/slides/slide6.xml><?xml version="1.0" encoding="utf-8"?>
 <p:sld xmlns:a="http://schemas.openxmlformats.org/drawingml/2006/main" xmlns:r="http://schemas.openxmlformats.org/officeDocument/2006/relationships" xmlns:p="http://schemas.openxmlformats.org/presentationml/2006/main">
   <p:cSld>
     <p:spTree>
@@ -13219,7 +12470,7 @@
 </p:sld>
 </file>
 
-<file path=ppt/slides/slide8.xml><?xml version="1.0" encoding="utf-8"?>
+<file path=ppt/slides/slide7.xml><?xml version="1.0" encoding="utf-8"?>
 <p:sld xmlns:a="http://schemas.openxmlformats.org/drawingml/2006/main" xmlns:r="http://schemas.openxmlformats.org/officeDocument/2006/relationships" xmlns:p="http://schemas.openxmlformats.org/presentationml/2006/main">
   <p:cSld>
     <p:spTree>

--- a/Dokumentation/Stand Oster/BayerPatternVearbeitung/Grafiken.pptx
+++ b/Dokumentation/Stand Oster/BayerPatternVearbeitung/Grafiken.pptx
@@ -265,7 +265,7 @@
           <a:p>
             <a:fld id="{395C48E5-9D41-460D-AEA6-338A2B2E3B37}" type="datetimeFigureOut">
               <a:rPr lang="de-DE" smtClean="0"/>
-              <a:t>20.07.2021</a:t>
+              <a:t>27.07.2021</a:t>
             </a:fld>
             <a:endParaRPr lang="de-DE"/>
           </a:p>
@@ -463,7 +463,7 @@
           <a:p>
             <a:fld id="{395C48E5-9D41-460D-AEA6-338A2B2E3B37}" type="datetimeFigureOut">
               <a:rPr lang="de-DE" smtClean="0"/>
-              <a:t>20.07.2021</a:t>
+              <a:t>27.07.2021</a:t>
             </a:fld>
             <a:endParaRPr lang="de-DE"/>
           </a:p>
@@ -671,7 +671,7 @@
           <a:p>
             <a:fld id="{395C48E5-9D41-460D-AEA6-338A2B2E3B37}" type="datetimeFigureOut">
               <a:rPr lang="de-DE" smtClean="0"/>
-              <a:t>20.07.2021</a:t>
+              <a:t>27.07.2021</a:t>
             </a:fld>
             <a:endParaRPr lang="de-DE"/>
           </a:p>
@@ -869,7 +869,7 @@
           <a:p>
             <a:fld id="{395C48E5-9D41-460D-AEA6-338A2B2E3B37}" type="datetimeFigureOut">
               <a:rPr lang="de-DE" smtClean="0"/>
-              <a:t>20.07.2021</a:t>
+              <a:t>27.07.2021</a:t>
             </a:fld>
             <a:endParaRPr lang="de-DE"/>
           </a:p>
@@ -1144,7 +1144,7 @@
           <a:p>
             <a:fld id="{395C48E5-9D41-460D-AEA6-338A2B2E3B37}" type="datetimeFigureOut">
               <a:rPr lang="de-DE" smtClean="0"/>
-              <a:t>20.07.2021</a:t>
+              <a:t>27.07.2021</a:t>
             </a:fld>
             <a:endParaRPr lang="de-DE"/>
           </a:p>
@@ -1409,7 +1409,7 @@
           <a:p>
             <a:fld id="{395C48E5-9D41-460D-AEA6-338A2B2E3B37}" type="datetimeFigureOut">
               <a:rPr lang="de-DE" smtClean="0"/>
-              <a:t>20.07.2021</a:t>
+              <a:t>27.07.2021</a:t>
             </a:fld>
             <a:endParaRPr lang="de-DE"/>
           </a:p>
@@ -1821,7 +1821,7 @@
           <a:p>
             <a:fld id="{395C48E5-9D41-460D-AEA6-338A2B2E3B37}" type="datetimeFigureOut">
               <a:rPr lang="de-DE" smtClean="0"/>
-              <a:t>20.07.2021</a:t>
+              <a:t>27.07.2021</a:t>
             </a:fld>
             <a:endParaRPr lang="de-DE"/>
           </a:p>
@@ -1962,7 +1962,7 @@
           <a:p>
             <a:fld id="{395C48E5-9D41-460D-AEA6-338A2B2E3B37}" type="datetimeFigureOut">
               <a:rPr lang="de-DE" smtClean="0"/>
-              <a:t>20.07.2021</a:t>
+              <a:t>27.07.2021</a:t>
             </a:fld>
             <a:endParaRPr lang="de-DE"/>
           </a:p>
@@ -2075,7 +2075,7 @@
           <a:p>
             <a:fld id="{395C48E5-9D41-460D-AEA6-338A2B2E3B37}" type="datetimeFigureOut">
               <a:rPr lang="de-DE" smtClean="0"/>
-              <a:t>20.07.2021</a:t>
+              <a:t>27.07.2021</a:t>
             </a:fld>
             <a:endParaRPr lang="de-DE"/>
           </a:p>
@@ -2386,7 +2386,7 @@
           <a:p>
             <a:fld id="{395C48E5-9D41-460D-AEA6-338A2B2E3B37}" type="datetimeFigureOut">
               <a:rPr lang="de-DE" smtClean="0"/>
-              <a:t>20.07.2021</a:t>
+              <a:t>27.07.2021</a:t>
             </a:fld>
             <a:endParaRPr lang="de-DE"/>
           </a:p>
@@ -2674,7 +2674,7 @@
           <a:p>
             <a:fld id="{395C48E5-9D41-460D-AEA6-338A2B2E3B37}" type="datetimeFigureOut">
               <a:rPr lang="de-DE" smtClean="0"/>
-              <a:t>20.07.2021</a:t>
+              <a:t>27.07.2021</a:t>
             </a:fld>
             <a:endParaRPr lang="de-DE"/>
           </a:p>
@@ -2915,7 +2915,7 @@
           <a:p>
             <a:fld id="{395C48E5-9D41-460D-AEA6-338A2B2E3B37}" type="datetimeFigureOut">
               <a:rPr lang="de-DE" smtClean="0"/>
-              <a:t>20.07.2021</a:t>
+              <a:t>27.07.2021</a:t>
             </a:fld>
             <a:endParaRPr lang="de-DE"/>
           </a:p>
@@ -9270,7 +9270,7 @@
           <p:nvPr>
             <p:extLst>
               <p:ext uri="{D42A27DB-BD31-4B8C-83A1-F6EECF244321}">
-                <p14:modId xmlns:p14="http://schemas.microsoft.com/office/powerpoint/2010/main" val="929213937"/>
+                <p14:modId xmlns:p14="http://schemas.microsoft.com/office/powerpoint/2010/main" val="1878399244"/>
               </p:ext>
             </p:extLst>
           </p:nvPr>
@@ -10770,7 +10770,7 @@
           <a:p>
             <a:r>
               <a:rPr lang="de-DE" sz="1600" dirty="0"/>
-              <a:t>Rl2</a:t>
+              <a:t>Rl3</a:t>
             </a:r>
           </a:p>
         </p:txBody>
